--- a/2018-01-06-Multi-Tenancy/Multi-Tenancy.pptx
+++ b/2018-01-06-Multi-Tenancy/Multi-Tenancy.pptx
@@ -5,23 +5,35 @@
     <p:sldMasterId id="2147483648" r:id="rId1"/>
   </p:sldMasterIdLst>
   <p:notesMasterIdLst>
-    <p:notesMasterId r:id="rId13"/>
+    <p:notesMasterId r:id="rId25"/>
   </p:notesMasterIdLst>
   <p:handoutMasterIdLst>
-    <p:handoutMasterId r:id="rId14"/>
+    <p:handoutMasterId r:id="rId26"/>
   </p:handoutMasterIdLst>
   <p:sldIdLst>
     <p:sldId id="261" r:id="rId2"/>
-    <p:sldId id="257" r:id="rId3"/>
-    <p:sldId id="262" r:id="rId4"/>
-    <p:sldId id="263" r:id="rId5"/>
-    <p:sldId id="264" r:id="rId6"/>
-    <p:sldId id="265" r:id="rId7"/>
-    <p:sldId id="266" r:id="rId8"/>
-    <p:sldId id="267" r:id="rId9"/>
-    <p:sldId id="268" r:id="rId10"/>
-    <p:sldId id="269" r:id="rId11"/>
-    <p:sldId id="270" r:id="rId12"/>
+    <p:sldId id="273" r:id="rId3"/>
+    <p:sldId id="257" r:id="rId4"/>
+    <p:sldId id="262" r:id="rId5"/>
+    <p:sldId id="271" r:id="rId6"/>
+    <p:sldId id="272" r:id="rId7"/>
+    <p:sldId id="274" r:id="rId8"/>
+    <p:sldId id="265" r:id="rId9"/>
+    <p:sldId id="275" r:id="rId10"/>
+    <p:sldId id="281" r:id="rId11"/>
+    <p:sldId id="282" r:id="rId12"/>
+    <p:sldId id="280" r:id="rId13"/>
+    <p:sldId id="277" r:id="rId14"/>
+    <p:sldId id="278" r:id="rId15"/>
+    <p:sldId id="279" r:id="rId16"/>
+    <p:sldId id="287" r:id="rId17"/>
+    <p:sldId id="283" r:id="rId18"/>
+    <p:sldId id="284" r:id="rId19"/>
+    <p:sldId id="285" r:id="rId20"/>
+    <p:sldId id="286" r:id="rId21"/>
+    <p:sldId id="269" r:id="rId22"/>
+    <p:sldId id="270" r:id="rId23"/>
+    <p:sldId id="276" r:id="rId24"/>
   </p:sldIdLst>
   <p:sldSz cx="12192000" cy="6858000"/>
   <p:notesSz cx="6858000" cy="9144000"/>
@@ -140,3047 +152,6 @@
     </p:ext>
   </p:extLst>
 </p:presentation>
-</file>
-
-<file path=ppt/diagrams/colors1.xml><?xml version="1.0" encoding="utf-8"?>
-<dgm:colorsDef xmlns:dgm="http://schemas.openxmlformats.org/drawingml/2006/diagram" xmlns:a="http://schemas.openxmlformats.org/drawingml/2006/main" uniqueId="urn:microsoft.com/office/officeart/2005/8/colors/accent1_1">
-  <dgm:title val=""/>
-  <dgm:desc val=""/>
-  <dgm:catLst>
-    <dgm:cat type="accent1" pri="11100"/>
-  </dgm:catLst>
-  <dgm:styleLbl name="node0">
-    <dgm:fillClrLst meth="repeat">
-      <a:schemeClr val="lt1"/>
-    </dgm:fillClrLst>
-    <dgm:linClrLst meth="repeat">
-      <a:schemeClr val="accent1">
-        <a:shade val="80000"/>
-      </a:schemeClr>
-    </dgm:linClrLst>
-    <dgm:effectClrLst/>
-    <dgm:txLinClrLst/>
-    <dgm:txFillClrLst meth="repeat">
-      <a:schemeClr val="dk1"/>
-    </dgm:txFillClrLst>
-    <dgm:txEffectClrLst/>
-  </dgm:styleLbl>
-  <dgm:styleLbl name="alignNode1">
-    <dgm:fillClrLst meth="repeat">
-      <a:schemeClr val="lt1"/>
-    </dgm:fillClrLst>
-    <dgm:linClrLst meth="repeat">
-      <a:schemeClr val="accent1">
-        <a:shade val="80000"/>
-      </a:schemeClr>
-    </dgm:linClrLst>
-    <dgm:effectClrLst/>
-    <dgm:txLinClrLst/>
-    <dgm:txFillClrLst meth="repeat">
-      <a:schemeClr val="dk1"/>
-    </dgm:txFillClrLst>
-    <dgm:txEffectClrLst/>
-  </dgm:styleLbl>
-  <dgm:styleLbl name="node1">
-    <dgm:fillClrLst meth="repeat">
-      <a:schemeClr val="lt1"/>
-    </dgm:fillClrLst>
-    <dgm:linClrLst meth="repeat">
-      <a:schemeClr val="accent1">
-        <a:shade val="80000"/>
-      </a:schemeClr>
-    </dgm:linClrLst>
-    <dgm:effectClrLst/>
-    <dgm:txLinClrLst/>
-    <dgm:txFillClrLst meth="repeat">
-      <a:schemeClr val="dk1"/>
-    </dgm:txFillClrLst>
-    <dgm:txEffectClrLst/>
-  </dgm:styleLbl>
-  <dgm:styleLbl name="lnNode1">
-    <dgm:fillClrLst meth="repeat">
-      <a:schemeClr val="lt1"/>
-    </dgm:fillClrLst>
-    <dgm:linClrLst meth="repeat">
-      <a:schemeClr val="accent1">
-        <a:shade val="80000"/>
-      </a:schemeClr>
-    </dgm:linClrLst>
-    <dgm:effectClrLst/>
-    <dgm:txLinClrLst/>
-    <dgm:txFillClrLst meth="repeat">
-      <a:schemeClr val="dk1"/>
-    </dgm:txFillClrLst>
-    <dgm:txEffectClrLst/>
-  </dgm:styleLbl>
-  <dgm:styleLbl name="vennNode1">
-    <dgm:fillClrLst meth="repeat">
-      <a:schemeClr val="lt1">
-        <a:alpha val="50000"/>
-      </a:schemeClr>
-    </dgm:fillClrLst>
-    <dgm:linClrLst meth="repeat">
-      <a:schemeClr val="accent1">
-        <a:shade val="80000"/>
-      </a:schemeClr>
-    </dgm:linClrLst>
-    <dgm:effectClrLst/>
-    <dgm:txLinClrLst/>
-    <dgm:txFillClrLst/>
-    <dgm:txEffectClrLst/>
-  </dgm:styleLbl>
-  <dgm:styleLbl name="node2">
-    <dgm:fillClrLst meth="repeat">
-      <a:schemeClr val="lt1"/>
-    </dgm:fillClrLst>
-    <dgm:linClrLst meth="repeat">
-      <a:schemeClr val="accent1">
-        <a:shade val="80000"/>
-      </a:schemeClr>
-    </dgm:linClrLst>
-    <dgm:effectClrLst/>
-    <dgm:txLinClrLst/>
-    <dgm:txFillClrLst meth="repeat">
-      <a:schemeClr val="dk1"/>
-    </dgm:txFillClrLst>
-    <dgm:txEffectClrLst/>
-  </dgm:styleLbl>
-  <dgm:styleLbl name="node3">
-    <dgm:fillClrLst meth="repeat">
-      <a:schemeClr val="lt1"/>
-    </dgm:fillClrLst>
-    <dgm:linClrLst meth="repeat">
-      <a:schemeClr val="accent1">
-        <a:shade val="80000"/>
-      </a:schemeClr>
-    </dgm:linClrLst>
-    <dgm:effectClrLst/>
-    <dgm:txLinClrLst/>
-    <dgm:txFillClrLst meth="repeat">
-      <a:schemeClr val="dk1"/>
-    </dgm:txFillClrLst>
-    <dgm:txEffectClrLst/>
-  </dgm:styleLbl>
-  <dgm:styleLbl name="node4">
-    <dgm:fillClrLst meth="repeat">
-      <a:schemeClr val="lt1"/>
-    </dgm:fillClrLst>
-    <dgm:linClrLst meth="repeat">
-      <a:schemeClr val="accent1">
-        <a:shade val="80000"/>
-      </a:schemeClr>
-    </dgm:linClrLst>
-    <dgm:effectClrLst/>
-    <dgm:txLinClrLst/>
-    <dgm:txFillClrLst meth="repeat">
-      <a:schemeClr val="dk1"/>
-    </dgm:txFillClrLst>
-    <dgm:txEffectClrLst/>
-  </dgm:styleLbl>
-  <dgm:styleLbl name="fgImgPlace1">
-    <dgm:fillClrLst meth="repeat">
-      <a:schemeClr val="accent1">
-        <a:tint val="40000"/>
-      </a:schemeClr>
-    </dgm:fillClrLst>
-    <dgm:linClrLst meth="repeat">
-      <a:schemeClr val="accent1">
-        <a:shade val="80000"/>
-      </a:schemeClr>
-    </dgm:linClrLst>
-    <dgm:effectClrLst/>
-    <dgm:txLinClrLst/>
-    <dgm:txFillClrLst meth="repeat">
-      <a:schemeClr val="lt1"/>
-    </dgm:txFillClrLst>
-    <dgm:txEffectClrLst/>
-  </dgm:styleLbl>
-  <dgm:styleLbl name="alignImgPlace1">
-    <dgm:fillClrLst meth="repeat">
-      <a:schemeClr val="accent1">
-        <a:tint val="40000"/>
-      </a:schemeClr>
-    </dgm:fillClrLst>
-    <dgm:linClrLst meth="repeat">
-      <a:schemeClr val="accent1">
-        <a:shade val="80000"/>
-      </a:schemeClr>
-    </dgm:linClrLst>
-    <dgm:effectClrLst/>
-    <dgm:txLinClrLst/>
-    <dgm:txFillClrLst meth="repeat">
-      <a:schemeClr val="lt1"/>
-    </dgm:txFillClrLst>
-    <dgm:txEffectClrLst/>
-  </dgm:styleLbl>
-  <dgm:styleLbl name="bgImgPlace1">
-    <dgm:fillClrLst meth="repeat">
-      <a:schemeClr val="accent1">
-        <a:tint val="40000"/>
-      </a:schemeClr>
-    </dgm:fillClrLst>
-    <dgm:linClrLst meth="repeat">
-      <a:schemeClr val="accent1">
-        <a:shade val="80000"/>
-      </a:schemeClr>
-    </dgm:linClrLst>
-    <dgm:effectClrLst/>
-    <dgm:txLinClrLst/>
-    <dgm:txFillClrLst meth="repeat">
-      <a:schemeClr val="lt1"/>
-    </dgm:txFillClrLst>
-    <dgm:txEffectClrLst/>
-  </dgm:styleLbl>
-  <dgm:styleLbl name="sibTrans2D1">
-    <dgm:fillClrLst meth="repeat">
-      <a:schemeClr val="accent1">
-        <a:tint val="60000"/>
-      </a:schemeClr>
-    </dgm:fillClrLst>
-    <dgm:linClrLst meth="repeat">
-      <a:schemeClr val="accent1">
-        <a:tint val="60000"/>
-      </a:schemeClr>
-    </dgm:linClrLst>
-    <dgm:effectClrLst/>
-    <dgm:txLinClrLst/>
-    <dgm:txFillClrLst meth="repeat">
-      <a:schemeClr val="dk1"/>
-    </dgm:txFillClrLst>
-    <dgm:txEffectClrLst/>
-  </dgm:styleLbl>
-  <dgm:styleLbl name="fgSibTrans2D1">
-    <dgm:fillClrLst meth="repeat">
-      <a:schemeClr val="accent1">
-        <a:tint val="60000"/>
-      </a:schemeClr>
-    </dgm:fillClrLst>
-    <dgm:linClrLst meth="repeat">
-      <a:schemeClr val="accent1">
-        <a:tint val="60000"/>
-      </a:schemeClr>
-    </dgm:linClrLst>
-    <dgm:effectClrLst/>
-    <dgm:txLinClrLst/>
-    <dgm:txFillClrLst meth="repeat">
-      <a:schemeClr val="dk1"/>
-    </dgm:txFillClrLst>
-    <dgm:txEffectClrLst/>
-  </dgm:styleLbl>
-  <dgm:styleLbl name="bgSibTrans2D1">
-    <dgm:fillClrLst meth="repeat">
-      <a:schemeClr val="accent1">
-        <a:tint val="60000"/>
-      </a:schemeClr>
-    </dgm:fillClrLst>
-    <dgm:linClrLst meth="repeat">
-      <a:schemeClr val="accent1">
-        <a:tint val="60000"/>
-      </a:schemeClr>
-    </dgm:linClrLst>
-    <dgm:effectClrLst/>
-    <dgm:txLinClrLst/>
-    <dgm:txFillClrLst meth="repeat">
-      <a:schemeClr val="dk1"/>
-    </dgm:txFillClrLst>
-    <dgm:txEffectClrLst/>
-  </dgm:styleLbl>
-  <dgm:styleLbl name="sibTrans1D1">
-    <dgm:fillClrLst meth="repeat">
-      <a:schemeClr val="accent1"/>
-    </dgm:fillClrLst>
-    <dgm:linClrLst meth="repeat">
-      <a:schemeClr val="accent1"/>
-    </dgm:linClrLst>
-    <dgm:effectClrLst/>
-    <dgm:txLinClrLst/>
-    <dgm:txFillClrLst meth="repeat">
-      <a:schemeClr val="tx1"/>
-    </dgm:txFillClrLst>
-    <dgm:txEffectClrLst/>
-  </dgm:styleLbl>
-  <dgm:styleLbl name="callout">
-    <dgm:fillClrLst meth="repeat">
-      <a:schemeClr val="accent1"/>
-    </dgm:fillClrLst>
-    <dgm:linClrLst meth="repeat">
-      <a:schemeClr val="accent1"/>
-    </dgm:linClrLst>
-    <dgm:effectClrLst/>
-    <dgm:txLinClrLst/>
-    <dgm:txFillClrLst meth="repeat">
-      <a:schemeClr val="tx1"/>
-    </dgm:txFillClrLst>
-    <dgm:txEffectClrLst/>
-  </dgm:styleLbl>
-  <dgm:styleLbl name="asst0">
-    <dgm:fillClrLst meth="repeat">
-      <a:schemeClr val="lt1"/>
-    </dgm:fillClrLst>
-    <dgm:linClrLst meth="repeat">
-      <a:schemeClr val="accent1">
-        <a:shade val="80000"/>
-      </a:schemeClr>
-    </dgm:linClrLst>
-    <dgm:effectClrLst/>
-    <dgm:txLinClrLst/>
-    <dgm:txFillClrLst meth="repeat">
-      <a:schemeClr val="dk1"/>
-    </dgm:txFillClrLst>
-    <dgm:txEffectClrLst/>
-  </dgm:styleLbl>
-  <dgm:styleLbl name="asst1">
-    <dgm:fillClrLst meth="repeat">
-      <a:schemeClr val="lt1"/>
-    </dgm:fillClrLst>
-    <dgm:linClrLst meth="repeat">
-      <a:schemeClr val="accent1">
-        <a:shade val="80000"/>
-      </a:schemeClr>
-    </dgm:linClrLst>
-    <dgm:effectClrLst/>
-    <dgm:txLinClrLst/>
-    <dgm:txFillClrLst meth="repeat">
-      <a:schemeClr val="dk1"/>
-    </dgm:txFillClrLst>
-    <dgm:txEffectClrLst/>
-  </dgm:styleLbl>
-  <dgm:styleLbl name="asst2">
-    <dgm:fillClrLst meth="repeat">
-      <a:schemeClr val="lt1"/>
-    </dgm:fillClrLst>
-    <dgm:linClrLst meth="repeat">
-      <a:schemeClr val="accent1">
-        <a:shade val="80000"/>
-      </a:schemeClr>
-    </dgm:linClrLst>
-    <dgm:effectClrLst/>
-    <dgm:txLinClrLst/>
-    <dgm:txFillClrLst meth="repeat">
-      <a:schemeClr val="dk1"/>
-    </dgm:txFillClrLst>
-    <dgm:txEffectClrLst/>
-  </dgm:styleLbl>
-  <dgm:styleLbl name="asst3">
-    <dgm:fillClrLst meth="repeat">
-      <a:schemeClr val="lt1"/>
-    </dgm:fillClrLst>
-    <dgm:linClrLst meth="repeat">
-      <a:schemeClr val="accent1">
-        <a:shade val="80000"/>
-      </a:schemeClr>
-    </dgm:linClrLst>
-    <dgm:effectClrLst/>
-    <dgm:txLinClrLst/>
-    <dgm:txFillClrLst meth="repeat">
-      <a:schemeClr val="dk1"/>
-    </dgm:txFillClrLst>
-    <dgm:txEffectClrLst/>
-  </dgm:styleLbl>
-  <dgm:styleLbl name="asst4">
-    <dgm:fillClrLst meth="repeat">
-      <a:schemeClr val="lt1"/>
-    </dgm:fillClrLst>
-    <dgm:linClrLst meth="repeat">
-      <a:schemeClr val="accent1">
-        <a:shade val="80000"/>
-      </a:schemeClr>
-    </dgm:linClrLst>
-    <dgm:effectClrLst/>
-    <dgm:txLinClrLst/>
-    <dgm:txFillClrLst meth="repeat">
-      <a:schemeClr val="dk1"/>
-    </dgm:txFillClrLst>
-    <dgm:txEffectClrLst/>
-  </dgm:styleLbl>
-  <dgm:styleLbl name="parChTrans2D1">
-    <dgm:fillClrLst meth="repeat">
-      <a:schemeClr val="accent1">
-        <a:tint val="60000"/>
-      </a:schemeClr>
-    </dgm:fillClrLst>
-    <dgm:linClrLst meth="repeat">
-      <a:schemeClr val="accent1">
-        <a:tint val="60000"/>
-      </a:schemeClr>
-    </dgm:linClrLst>
-    <dgm:effectClrLst/>
-    <dgm:txLinClrLst/>
-    <dgm:txFillClrLst/>
-    <dgm:txEffectClrLst/>
-  </dgm:styleLbl>
-  <dgm:styleLbl name="parChTrans2D2">
-    <dgm:fillClrLst meth="repeat">
-      <a:schemeClr val="accent1"/>
-    </dgm:fillClrLst>
-    <dgm:linClrLst meth="repeat">
-      <a:schemeClr val="accent1"/>
-    </dgm:linClrLst>
-    <dgm:effectClrLst/>
-    <dgm:txLinClrLst/>
-    <dgm:txFillClrLst/>
-    <dgm:txEffectClrLst/>
-  </dgm:styleLbl>
-  <dgm:styleLbl name="parChTrans2D3">
-    <dgm:fillClrLst meth="repeat">
-      <a:schemeClr val="accent1"/>
-    </dgm:fillClrLst>
-    <dgm:linClrLst meth="repeat">
-      <a:schemeClr val="accent1"/>
-    </dgm:linClrLst>
-    <dgm:effectClrLst/>
-    <dgm:txLinClrLst/>
-    <dgm:txFillClrLst/>
-    <dgm:txEffectClrLst/>
-  </dgm:styleLbl>
-  <dgm:styleLbl name="parChTrans2D4">
-    <dgm:fillClrLst meth="repeat">
-      <a:schemeClr val="accent1"/>
-    </dgm:fillClrLst>
-    <dgm:linClrLst meth="repeat">
-      <a:schemeClr val="accent1"/>
-    </dgm:linClrLst>
-    <dgm:effectClrLst/>
-    <dgm:txLinClrLst/>
-    <dgm:txFillClrLst meth="repeat">
-      <a:schemeClr val="lt1"/>
-    </dgm:txFillClrLst>
-    <dgm:txEffectClrLst/>
-  </dgm:styleLbl>
-  <dgm:styleLbl name="parChTrans1D1">
-    <dgm:fillClrLst meth="repeat">
-      <a:schemeClr val="accent1"/>
-    </dgm:fillClrLst>
-    <dgm:linClrLst meth="repeat">
-      <a:schemeClr val="accent1">
-        <a:shade val="60000"/>
-      </a:schemeClr>
-    </dgm:linClrLst>
-    <dgm:effectClrLst/>
-    <dgm:txLinClrLst/>
-    <dgm:txFillClrLst meth="repeat">
-      <a:schemeClr val="tx1"/>
-    </dgm:txFillClrLst>
-    <dgm:txEffectClrLst/>
-  </dgm:styleLbl>
-  <dgm:styleLbl name="parChTrans1D2">
-    <dgm:fillClrLst meth="repeat">
-      <a:schemeClr val="accent1"/>
-    </dgm:fillClrLst>
-    <dgm:linClrLst meth="repeat">
-      <a:schemeClr val="accent1">
-        <a:shade val="60000"/>
-      </a:schemeClr>
-    </dgm:linClrLst>
-    <dgm:effectClrLst/>
-    <dgm:txLinClrLst/>
-    <dgm:txFillClrLst meth="repeat">
-      <a:schemeClr val="tx1"/>
-    </dgm:txFillClrLst>
-    <dgm:txEffectClrLst/>
-  </dgm:styleLbl>
-  <dgm:styleLbl name="parChTrans1D3">
-    <dgm:fillClrLst meth="repeat">
-      <a:schemeClr val="accent1"/>
-    </dgm:fillClrLst>
-    <dgm:linClrLst meth="repeat">
-      <a:schemeClr val="accent1">
-        <a:shade val="80000"/>
-      </a:schemeClr>
-    </dgm:linClrLst>
-    <dgm:effectClrLst/>
-    <dgm:txLinClrLst/>
-    <dgm:txFillClrLst meth="repeat">
-      <a:schemeClr val="tx1"/>
-    </dgm:txFillClrLst>
-    <dgm:txEffectClrLst/>
-  </dgm:styleLbl>
-  <dgm:styleLbl name="parChTrans1D4">
-    <dgm:fillClrLst meth="repeat">
-      <a:schemeClr val="accent1"/>
-    </dgm:fillClrLst>
-    <dgm:linClrLst meth="repeat">
-      <a:schemeClr val="accent1">
-        <a:shade val="80000"/>
-      </a:schemeClr>
-    </dgm:linClrLst>
-    <dgm:effectClrLst/>
-    <dgm:txLinClrLst/>
-    <dgm:txFillClrLst meth="repeat">
-      <a:schemeClr val="tx1"/>
-    </dgm:txFillClrLst>
-    <dgm:txEffectClrLst/>
-  </dgm:styleLbl>
-  <dgm:styleLbl name="fgAcc1">
-    <dgm:fillClrLst meth="repeat">
-      <a:schemeClr val="accent1">
-        <a:alpha val="90000"/>
-        <a:tint val="40000"/>
-      </a:schemeClr>
-    </dgm:fillClrLst>
-    <dgm:linClrLst meth="repeat">
-      <a:schemeClr val="accent1"/>
-    </dgm:linClrLst>
-    <dgm:effectClrLst/>
-    <dgm:txLinClrLst/>
-    <dgm:txFillClrLst meth="repeat">
-      <a:schemeClr val="dk1"/>
-    </dgm:txFillClrLst>
-    <dgm:txEffectClrLst/>
-  </dgm:styleLbl>
-  <dgm:styleLbl name="conFgAcc1">
-    <dgm:fillClrLst meth="repeat">
-      <a:schemeClr val="accent1">
-        <a:alpha val="90000"/>
-        <a:tint val="40000"/>
-      </a:schemeClr>
-    </dgm:fillClrLst>
-    <dgm:linClrLst meth="repeat">
-      <a:schemeClr val="accent1"/>
-    </dgm:linClrLst>
-    <dgm:effectClrLst/>
-    <dgm:txLinClrLst/>
-    <dgm:txFillClrLst meth="repeat">
-      <a:schemeClr val="dk1"/>
-    </dgm:txFillClrLst>
-    <dgm:txEffectClrLst/>
-  </dgm:styleLbl>
-  <dgm:styleLbl name="alignAcc1">
-    <dgm:fillClrLst meth="repeat">
-      <a:schemeClr val="accent1">
-        <a:alpha val="90000"/>
-        <a:tint val="40000"/>
-      </a:schemeClr>
-    </dgm:fillClrLst>
-    <dgm:linClrLst meth="repeat">
-      <a:schemeClr val="accent1"/>
-    </dgm:linClrLst>
-    <dgm:effectClrLst/>
-    <dgm:txLinClrLst/>
-    <dgm:txFillClrLst meth="repeat">
-      <a:schemeClr val="dk1"/>
-    </dgm:txFillClrLst>
-    <dgm:txEffectClrLst/>
-  </dgm:styleLbl>
-  <dgm:styleLbl name="trAlignAcc1">
-    <dgm:fillClrLst meth="repeat">
-      <a:schemeClr val="accent1">
-        <a:alpha val="40000"/>
-        <a:tint val="40000"/>
-      </a:schemeClr>
-    </dgm:fillClrLst>
-    <dgm:linClrLst meth="repeat">
-      <a:schemeClr val="accent1"/>
-    </dgm:linClrLst>
-    <dgm:effectClrLst/>
-    <dgm:txLinClrLst/>
-    <dgm:txFillClrLst meth="repeat">
-      <a:schemeClr val="dk1"/>
-    </dgm:txFillClrLst>
-    <dgm:txEffectClrLst/>
-  </dgm:styleLbl>
-  <dgm:styleLbl name="bgAcc1">
-    <dgm:fillClrLst meth="repeat">
-      <a:schemeClr val="accent1">
-        <a:alpha val="90000"/>
-        <a:tint val="40000"/>
-      </a:schemeClr>
-    </dgm:fillClrLst>
-    <dgm:linClrLst meth="repeat">
-      <a:schemeClr val="accent1"/>
-    </dgm:linClrLst>
-    <dgm:effectClrLst/>
-    <dgm:txLinClrLst/>
-    <dgm:txFillClrLst meth="repeat">
-      <a:schemeClr val="dk1"/>
-    </dgm:txFillClrLst>
-    <dgm:txEffectClrLst/>
-  </dgm:styleLbl>
-  <dgm:styleLbl name="solidFgAcc1">
-    <dgm:fillClrLst meth="repeat">
-      <a:schemeClr val="lt1"/>
-    </dgm:fillClrLst>
-    <dgm:linClrLst meth="repeat">
-      <a:schemeClr val="accent1"/>
-    </dgm:linClrLst>
-    <dgm:effectClrLst/>
-    <dgm:txLinClrLst/>
-    <dgm:txFillClrLst meth="repeat">
-      <a:schemeClr val="dk1"/>
-    </dgm:txFillClrLst>
-    <dgm:txEffectClrLst/>
-  </dgm:styleLbl>
-  <dgm:styleLbl name="solidAlignAcc1">
-    <dgm:fillClrLst meth="repeat">
-      <a:schemeClr val="lt1"/>
-    </dgm:fillClrLst>
-    <dgm:linClrLst meth="repeat">
-      <a:schemeClr val="accent1"/>
-    </dgm:linClrLst>
-    <dgm:effectClrLst/>
-    <dgm:txLinClrLst/>
-    <dgm:txFillClrLst meth="repeat">
-      <a:schemeClr val="dk1"/>
-    </dgm:txFillClrLst>
-    <dgm:txEffectClrLst/>
-  </dgm:styleLbl>
-  <dgm:styleLbl name="solidBgAcc1">
-    <dgm:fillClrLst meth="repeat">
-      <a:schemeClr val="lt1"/>
-    </dgm:fillClrLst>
-    <dgm:linClrLst meth="repeat">
-      <a:schemeClr val="accent1"/>
-    </dgm:linClrLst>
-    <dgm:effectClrLst/>
-    <dgm:txLinClrLst/>
-    <dgm:txFillClrLst meth="repeat">
-      <a:schemeClr val="dk1"/>
-    </dgm:txFillClrLst>
-    <dgm:txEffectClrLst/>
-  </dgm:styleLbl>
-  <dgm:styleLbl name="fgAccFollowNode1">
-    <dgm:fillClrLst meth="repeat">
-      <a:schemeClr val="lt1">
-        <a:alpha val="90000"/>
-        <a:tint val="40000"/>
-      </a:schemeClr>
-    </dgm:fillClrLst>
-    <dgm:linClrLst meth="repeat">
-      <a:schemeClr val="accent1">
-        <a:alpha val="90000"/>
-      </a:schemeClr>
-    </dgm:linClrLst>
-    <dgm:effectClrLst/>
-    <dgm:txLinClrLst/>
-    <dgm:txFillClrLst meth="repeat">
-      <a:schemeClr val="dk1"/>
-    </dgm:txFillClrLst>
-    <dgm:txEffectClrLst/>
-  </dgm:styleLbl>
-  <dgm:styleLbl name="alignAccFollowNode1">
-    <dgm:fillClrLst meth="repeat">
-      <a:schemeClr val="lt1">
-        <a:alpha val="90000"/>
-        <a:tint val="40000"/>
-      </a:schemeClr>
-    </dgm:fillClrLst>
-    <dgm:linClrLst meth="repeat">
-      <a:schemeClr val="accent1">
-        <a:alpha val="90000"/>
-      </a:schemeClr>
-    </dgm:linClrLst>
-    <dgm:effectClrLst/>
-    <dgm:txLinClrLst/>
-    <dgm:txFillClrLst meth="repeat">
-      <a:schemeClr val="dk1"/>
-    </dgm:txFillClrLst>
-    <dgm:txEffectClrLst/>
-  </dgm:styleLbl>
-  <dgm:styleLbl name="bgAccFollowNode1">
-    <dgm:fillClrLst meth="repeat">
-      <a:schemeClr val="lt1">
-        <a:alpha val="90000"/>
-        <a:tint val="40000"/>
-      </a:schemeClr>
-    </dgm:fillClrLst>
-    <dgm:linClrLst meth="repeat">
-      <a:schemeClr val="accent1">
-        <a:alpha val="90000"/>
-      </a:schemeClr>
-    </dgm:linClrLst>
-    <dgm:effectClrLst/>
-    <dgm:txLinClrLst/>
-    <dgm:txFillClrLst meth="repeat">
-      <a:schemeClr val="dk1"/>
-    </dgm:txFillClrLst>
-    <dgm:txEffectClrLst/>
-  </dgm:styleLbl>
-  <dgm:styleLbl name="fgAcc0">
-    <dgm:fillClrLst meth="repeat">
-      <a:schemeClr val="accent1">
-        <a:alpha val="90000"/>
-        <a:tint val="40000"/>
-      </a:schemeClr>
-    </dgm:fillClrLst>
-    <dgm:linClrLst meth="repeat">
-      <a:schemeClr val="accent1"/>
-    </dgm:linClrLst>
-    <dgm:effectClrLst/>
-    <dgm:txLinClrLst/>
-    <dgm:txFillClrLst meth="repeat">
-      <a:schemeClr val="dk1"/>
-    </dgm:txFillClrLst>
-    <dgm:txEffectClrLst/>
-  </dgm:styleLbl>
-  <dgm:styleLbl name="fgAcc2">
-    <dgm:fillClrLst meth="repeat">
-      <a:schemeClr val="accent1">
-        <a:alpha val="90000"/>
-        <a:tint val="40000"/>
-      </a:schemeClr>
-    </dgm:fillClrLst>
-    <dgm:linClrLst meth="repeat">
-      <a:schemeClr val="accent1"/>
-    </dgm:linClrLst>
-    <dgm:effectClrLst/>
-    <dgm:txLinClrLst/>
-    <dgm:txFillClrLst meth="repeat">
-      <a:schemeClr val="dk1"/>
-    </dgm:txFillClrLst>
-    <dgm:txEffectClrLst/>
-  </dgm:styleLbl>
-  <dgm:styleLbl name="fgAcc3">
-    <dgm:fillClrLst meth="repeat">
-      <a:schemeClr val="accent1">
-        <a:alpha val="90000"/>
-        <a:tint val="40000"/>
-      </a:schemeClr>
-    </dgm:fillClrLst>
-    <dgm:linClrLst meth="repeat">
-      <a:schemeClr val="accent1"/>
-    </dgm:linClrLst>
-    <dgm:effectClrLst/>
-    <dgm:txLinClrLst/>
-    <dgm:txFillClrLst meth="repeat">
-      <a:schemeClr val="dk1"/>
-    </dgm:txFillClrLst>
-    <dgm:txEffectClrLst/>
-  </dgm:styleLbl>
-  <dgm:styleLbl name="fgAcc4">
-    <dgm:fillClrLst meth="repeat">
-      <a:schemeClr val="accent1">
-        <a:alpha val="90000"/>
-        <a:tint val="40000"/>
-      </a:schemeClr>
-    </dgm:fillClrLst>
-    <dgm:linClrLst meth="repeat">
-      <a:schemeClr val="accent1"/>
-    </dgm:linClrLst>
-    <dgm:effectClrLst/>
-    <dgm:txLinClrLst/>
-    <dgm:txFillClrLst meth="repeat">
-      <a:schemeClr val="dk1"/>
-    </dgm:txFillClrLst>
-    <dgm:txEffectClrLst/>
-  </dgm:styleLbl>
-  <dgm:styleLbl name="bgShp">
-    <dgm:fillClrLst meth="repeat">
-      <a:schemeClr val="accent1">
-        <a:tint val="40000"/>
-      </a:schemeClr>
-    </dgm:fillClrLst>
-    <dgm:linClrLst meth="repeat">
-      <a:schemeClr val="accent1"/>
-    </dgm:linClrLst>
-    <dgm:effectClrLst/>
-    <dgm:txLinClrLst/>
-    <dgm:txFillClrLst meth="repeat">
-      <a:schemeClr val="dk1"/>
-    </dgm:txFillClrLst>
-    <dgm:txEffectClrLst/>
-  </dgm:styleLbl>
-  <dgm:styleLbl name="dkBgShp">
-    <dgm:fillClrLst meth="repeat">
-      <a:schemeClr val="accent1">
-        <a:shade val="80000"/>
-      </a:schemeClr>
-    </dgm:fillClrLst>
-    <dgm:linClrLst meth="repeat">
-      <a:schemeClr val="accent1"/>
-    </dgm:linClrLst>
-    <dgm:effectClrLst/>
-    <dgm:txLinClrLst/>
-    <dgm:txFillClrLst meth="repeat">
-      <a:schemeClr val="lt1"/>
-    </dgm:txFillClrLst>
-    <dgm:txEffectClrLst/>
-  </dgm:styleLbl>
-  <dgm:styleLbl name="trBgShp">
-    <dgm:fillClrLst meth="repeat">
-      <a:schemeClr val="accent1">
-        <a:tint val="50000"/>
-        <a:alpha val="40000"/>
-      </a:schemeClr>
-    </dgm:fillClrLst>
-    <dgm:linClrLst meth="repeat">
-      <a:schemeClr val="accent1"/>
-    </dgm:linClrLst>
-    <dgm:effectClrLst/>
-    <dgm:txLinClrLst/>
-    <dgm:txFillClrLst meth="repeat">
-      <a:schemeClr val="lt1"/>
-    </dgm:txFillClrLst>
-    <dgm:txEffectClrLst/>
-  </dgm:styleLbl>
-  <dgm:styleLbl name="fgShp">
-    <dgm:fillClrLst meth="repeat">
-      <a:schemeClr val="accent1">
-        <a:tint val="60000"/>
-      </a:schemeClr>
-    </dgm:fillClrLst>
-    <dgm:linClrLst meth="repeat">
-      <a:schemeClr val="lt1"/>
-    </dgm:linClrLst>
-    <dgm:effectClrLst/>
-    <dgm:txLinClrLst/>
-    <dgm:txFillClrLst meth="repeat">
-      <a:schemeClr val="dk1"/>
-    </dgm:txFillClrLst>
-    <dgm:txEffectClrLst/>
-  </dgm:styleLbl>
-  <dgm:styleLbl name="revTx">
-    <dgm:fillClrLst meth="repeat">
-      <a:schemeClr val="lt1">
-        <a:alpha val="0"/>
-      </a:schemeClr>
-    </dgm:fillClrLst>
-    <dgm:linClrLst meth="repeat">
-      <a:schemeClr val="dk1">
-        <a:alpha val="0"/>
-      </a:schemeClr>
-    </dgm:linClrLst>
-    <dgm:effectClrLst/>
-    <dgm:txLinClrLst/>
-    <dgm:txFillClrLst meth="repeat">
-      <a:schemeClr val="tx1"/>
-    </dgm:txFillClrLst>
-    <dgm:txEffectClrLst/>
-  </dgm:styleLbl>
-</dgm:colorsDef>
-</file>
-
-<file path=ppt/diagrams/data1.xml><?xml version="1.0" encoding="utf-8"?>
-<dgm:dataModel xmlns:dgm="http://schemas.openxmlformats.org/drawingml/2006/diagram" xmlns:a="http://schemas.openxmlformats.org/drawingml/2006/main">
-  <dgm:ptLst>
-    <dgm:pt modelId="{FBA29113-7A70-4E0E-B036-871C49B835F1}" type="doc">
-      <dgm:prSet loTypeId="urn:microsoft.com/office/officeart/2005/8/layout/hProcess6" loCatId="process" qsTypeId="urn:microsoft.com/office/officeart/2005/8/quickstyle/simple1" qsCatId="simple" csTypeId="urn:microsoft.com/office/officeart/2005/8/colors/accent1_1" csCatId="accent1" phldr="1"/>
-      <dgm:spPr/>
-      <dgm:t>
-        <a:bodyPr/>
-        <a:lstStyle/>
-        <a:p>
-          <a:endParaRPr lang="en-US"/>
-        </a:p>
-      </dgm:t>
-    </dgm:pt>
-    <dgm:pt modelId="{A6406C01-7E83-4650-8EF5-394419DCB348}">
-      <dgm:prSet phldrT="[Text]"/>
-      <dgm:spPr/>
-      <dgm:t>
-        <a:bodyPr/>
-        <a:lstStyle/>
-        <a:p>
-          <a:r>
-            <a:rPr lang="en-US" dirty="0"/>
-            <a:t>Step 1 Title</a:t>
-          </a:r>
-        </a:p>
-      </dgm:t>
-      <dgm:extLst>
-        <a:ext uri="{E40237B7-FDA0-4F09-8148-C483321AD2D9}">
-          <dgm14:cNvPr xmlns:dgm14="http://schemas.microsoft.com/office/drawing/2010/diagram" id="0" name="" title="Step 1 title"/>
-        </a:ext>
-      </dgm:extLst>
-    </dgm:pt>
-    <dgm:pt modelId="{2586B3BB-DA8B-42DF-AC9A-77CE21607FD0}" type="parTrans" cxnId="{4D956F8D-5727-488A-93AF-F33602655A44}">
-      <dgm:prSet/>
-      <dgm:spPr/>
-      <dgm:t>
-        <a:bodyPr/>
-        <a:lstStyle/>
-        <a:p>
-          <a:endParaRPr lang="en-US"/>
-        </a:p>
-      </dgm:t>
-    </dgm:pt>
-    <dgm:pt modelId="{7C5B61F0-A4F6-4FCA-B552-36151F31051E}" type="sibTrans" cxnId="{4D956F8D-5727-488A-93AF-F33602655A44}">
-      <dgm:prSet/>
-      <dgm:spPr/>
-      <dgm:t>
-        <a:bodyPr/>
-        <a:lstStyle/>
-        <a:p>
-          <a:endParaRPr lang="en-US"/>
-        </a:p>
-      </dgm:t>
-    </dgm:pt>
-    <dgm:pt modelId="{E4E9F0D0-FF23-4B59-9B97-973BCBE5DC65}">
-      <dgm:prSet phldrT="[Text]"/>
-      <dgm:spPr/>
-      <dgm:t>
-        <a:bodyPr/>
-        <a:lstStyle/>
-        <a:p>
-          <a:r>
-            <a:rPr lang="en-US" dirty="0"/>
-            <a:t>Task description</a:t>
-          </a:r>
-        </a:p>
-      </dgm:t>
-      <dgm:extLst>
-        <a:ext uri="{E40237B7-FDA0-4F09-8148-C483321AD2D9}">
-          <dgm14:cNvPr xmlns:dgm14="http://schemas.microsoft.com/office/drawing/2010/diagram" id="0" name="" title="Step 1 - task description"/>
-        </a:ext>
-      </dgm:extLst>
-    </dgm:pt>
-    <dgm:pt modelId="{E9237435-F938-45D4-8BF4-6D5D4DFF850F}" type="parTrans" cxnId="{37A3A996-9723-4BDB-8959-9D9B7799BD9A}">
-      <dgm:prSet/>
-      <dgm:spPr/>
-      <dgm:t>
-        <a:bodyPr/>
-        <a:lstStyle/>
-        <a:p>
-          <a:endParaRPr lang="en-US"/>
-        </a:p>
-      </dgm:t>
-    </dgm:pt>
-    <dgm:pt modelId="{D32B195A-7CAD-474B-B79C-BE4BB171E742}" type="sibTrans" cxnId="{37A3A996-9723-4BDB-8959-9D9B7799BD9A}">
-      <dgm:prSet/>
-      <dgm:spPr/>
-      <dgm:t>
-        <a:bodyPr/>
-        <a:lstStyle/>
-        <a:p>
-          <a:endParaRPr lang="en-US"/>
-        </a:p>
-      </dgm:t>
-    </dgm:pt>
-    <dgm:pt modelId="{5D952622-A79E-41E4-BBC2-6212DEFFA91C}">
-      <dgm:prSet phldrT="[Text]"/>
-      <dgm:spPr/>
-      <dgm:t>
-        <a:bodyPr/>
-        <a:lstStyle/>
-        <a:p>
-          <a:r>
-            <a:rPr lang="en-US" dirty="0"/>
-            <a:t>Step 2 Title</a:t>
-          </a:r>
-        </a:p>
-      </dgm:t>
-      <dgm:extLst>
-        <a:ext uri="{E40237B7-FDA0-4F09-8148-C483321AD2D9}">
-          <dgm14:cNvPr xmlns:dgm14="http://schemas.microsoft.com/office/drawing/2010/diagram" id="0" name="" title="Step 2 title"/>
-        </a:ext>
-      </dgm:extLst>
-    </dgm:pt>
-    <dgm:pt modelId="{10627A68-BE4B-4A4A-9EC9-4CFEF1E4DF39}" type="parTrans" cxnId="{A22BDB9A-90BB-4DA2-8850-00D4F1D3B898}">
-      <dgm:prSet/>
-      <dgm:spPr/>
-      <dgm:t>
-        <a:bodyPr/>
-        <a:lstStyle/>
-        <a:p>
-          <a:endParaRPr lang="en-US"/>
-        </a:p>
-      </dgm:t>
-    </dgm:pt>
-    <dgm:pt modelId="{092BAEF3-D9F2-476B-9A0B-6F14CC814529}" type="sibTrans" cxnId="{A22BDB9A-90BB-4DA2-8850-00D4F1D3B898}">
-      <dgm:prSet/>
-      <dgm:spPr/>
-      <dgm:t>
-        <a:bodyPr/>
-        <a:lstStyle/>
-        <a:p>
-          <a:endParaRPr lang="en-US"/>
-        </a:p>
-      </dgm:t>
-    </dgm:pt>
-    <dgm:pt modelId="{5248D9DA-6444-46F6-8D28-C8BB2253AAD1}">
-      <dgm:prSet phldrT="[Text]"/>
-      <dgm:spPr/>
-      <dgm:t>
-        <a:bodyPr/>
-        <a:lstStyle/>
-        <a:p>
-          <a:r>
-            <a:rPr lang="en-US" dirty="0"/>
-            <a:t>Task description</a:t>
-          </a:r>
-        </a:p>
-      </dgm:t>
-      <dgm:extLst>
-        <a:ext uri="{E40237B7-FDA0-4F09-8148-C483321AD2D9}">
-          <dgm14:cNvPr xmlns:dgm14="http://schemas.microsoft.com/office/drawing/2010/diagram" id="0" name="" title="Step 2 - task description"/>
-        </a:ext>
-      </dgm:extLst>
-    </dgm:pt>
-    <dgm:pt modelId="{A8533F77-F094-4EDB-BCC7-35E0D6A46B71}" type="parTrans" cxnId="{35AF286C-A401-4C08-B8A3-F38B03322BD8}">
-      <dgm:prSet/>
-      <dgm:spPr/>
-      <dgm:t>
-        <a:bodyPr/>
-        <a:lstStyle/>
-        <a:p>
-          <a:endParaRPr lang="en-US"/>
-        </a:p>
-      </dgm:t>
-    </dgm:pt>
-    <dgm:pt modelId="{011B552E-515A-4C41-B810-0D2552861422}" type="sibTrans" cxnId="{35AF286C-A401-4C08-B8A3-F38B03322BD8}">
-      <dgm:prSet/>
-      <dgm:spPr/>
-      <dgm:t>
-        <a:bodyPr/>
-        <a:lstStyle/>
-        <a:p>
-          <a:endParaRPr lang="en-US"/>
-        </a:p>
-      </dgm:t>
-    </dgm:pt>
-    <dgm:pt modelId="{50706FFE-8A00-485D-9FF7-8D310692C602}">
-      <dgm:prSet phldrT="[Text]"/>
-      <dgm:spPr/>
-      <dgm:t>
-        <a:bodyPr/>
-        <a:lstStyle/>
-        <a:p>
-          <a:r>
-            <a:rPr lang="en-US" dirty="0"/>
-            <a:t>Step 3 Title</a:t>
-          </a:r>
-        </a:p>
-      </dgm:t>
-      <dgm:extLst>
-        <a:ext uri="{E40237B7-FDA0-4F09-8148-C483321AD2D9}">
-          <dgm14:cNvPr xmlns:dgm14="http://schemas.microsoft.com/office/drawing/2010/diagram" id="0" name="" title="Step 3 title"/>
-        </a:ext>
-      </dgm:extLst>
-    </dgm:pt>
-    <dgm:pt modelId="{EF44BD91-19A4-424B-BA32-4A5492B6E40B}" type="parTrans" cxnId="{7599CECE-5293-4C57-A979-D096C99254C7}">
-      <dgm:prSet/>
-      <dgm:spPr/>
-      <dgm:t>
-        <a:bodyPr/>
-        <a:lstStyle/>
-        <a:p>
-          <a:endParaRPr lang="en-US"/>
-        </a:p>
-      </dgm:t>
-    </dgm:pt>
-    <dgm:pt modelId="{CD03DFF4-D962-46D6-AFFA-2A87FD08403E}" type="sibTrans" cxnId="{7599CECE-5293-4C57-A979-D096C99254C7}">
-      <dgm:prSet/>
-      <dgm:spPr/>
-      <dgm:t>
-        <a:bodyPr/>
-        <a:lstStyle/>
-        <a:p>
-          <a:endParaRPr lang="en-US"/>
-        </a:p>
-      </dgm:t>
-    </dgm:pt>
-    <dgm:pt modelId="{3A9B5D84-CB00-4BC9-ADB2-5CF832F36763}">
-      <dgm:prSet phldrT="[Text]"/>
-      <dgm:spPr/>
-      <dgm:t>
-        <a:bodyPr/>
-        <a:lstStyle/>
-        <a:p>
-          <a:r>
-            <a:rPr lang="en-US" dirty="0"/>
-            <a:t>Task description</a:t>
-          </a:r>
-        </a:p>
-      </dgm:t>
-      <dgm:extLst>
-        <a:ext uri="{E40237B7-FDA0-4F09-8148-C483321AD2D9}">
-          <dgm14:cNvPr xmlns:dgm14="http://schemas.microsoft.com/office/drawing/2010/diagram" id="0" name="" title="Step 3 - task description"/>
-        </a:ext>
-      </dgm:extLst>
-    </dgm:pt>
-    <dgm:pt modelId="{BD57EC4A-052D-4824-8820-064BAC997A9B}" type="parTrans" cxnId="{11A0AF47-4BCA-470E-92BF-7B388FFB0DE8}">
-      <dgm:prSet/>
-      <dgm:spPr/>
-      <dgm:t>
-        <a:bodyPr/>
-        <a:lstStyle/>
-        <a:p>
-          <a:endParaRPr lang="en-US"/>
-        </a:p>
-      </dgm:t>
-    </dgm:pt>
-    <dgm:pt modelId="{98E878CF-4A49-4E76-BD23-AE7C5290BAFD}" type="sibTrans" cxnId="{11A0AF47-4BCA-470E-92BF-7B388FFB0DE8}">
-      <dgm:prSet/>
-      <dgm:spPr/>
-      <dgm:t>
-        <a:bodyPr/>
-        <a:lstStyle/>
-        <a:p>
-          <a:endParaRPr lang="en-US"/>
-        </a:p>
-      </dgm:t>
-    </dgm:pt>
-    <dgm:pt modelId="{8734DFB3-ADD8-4FD2-87D8-1981AA0ADD0B}" type="pres">
-      <dgm:prSet presAssocID="{FBA29113-7A70-4E0E-B036-871C49B835F1}" presName="theList" presStyleCnt="0">
-        <dgm:presLayoutVars>
-          <dgm:dir/>
-          <dgm:animLvl val="lvl"/>
-          <dgm:resizeHandles val="exact"/>
-        </dgm:presLayoutVars>
-      </dgm:prSet>
-      <dgm:spPr/>
-    </dgm:pt>
-    <dgm:pt modelId="{5C04AEFB-7132-4B28-A7D3-862245070A8D}" type="pres">
-      <dgm:prSet presAssocID="{A6406C01-7E83-4650-8EF5-394419DCB348}" presName="compNode" presStyleCnt="0"/>
-      <dgm:spPr/>
-    </dgm:pt>
-    <dgm:pt modelId="{358F74AC-FC7D-465B-BD12-B6CCC00F3D29}" type="pres">
-      <dgm:prSet presAssocID="{A6406C01-7E83-4650-8EF5-394419DCB348}" presName="noGeometry" presStyleCnt="0"/>
-      <dgm:spPr/>
-    </dgm:pt>
-    <dgm:pt modelId="{610B5FFC-C0C9-444C-9F7A-14D1B54F604D}" type="pres">
-      <dgm:prSet presAssocID="{A6406C01-7E83-4650-8EF5-394419DCB348}" presName="childTextVisible" presStyleLbl="bgAccFollowNode1" presStyleIdx="0" presStyleCnt="3">
-        <dgm:presLayoutVars>
-          <dgm:bulletEnabled val="1"/>
-        </dgm:presLayoutVars>
-      </dgm:prSet>
-      <dgm:spPr/>
-    </dgm:pt>
-    <dgm:pt modelId="{FB705FC1-639E-4064-8E9A-A79870DE5273}" type="pres">
-      <dgm:prSet presAssocID="{A6406C01-7E83-4650-8EF5-394419DCB348}" presName="childTextHidden" presStyleLbl="bgAccFollowNode1" presStyleIdx="0" presStyleCnt="3"/>
-      <dgm:spPr/>
-    </dgm:pt>
-    <dgm:pt modelId="{47DA5750-48DC-4E4F-815D-0B05DBC30DAB}" type="pres">
-      <dgm:prSet presAssocID="{A6406C01-7E83-4650-8EF5-394419DCB348}" presName="parentText" presStyleLbl="node1" presStyleIdx="0" presStyleCnt="3">
-        <dgm:presLayoutVars>
-          <dgm:chMax val="1"/>
-          <dgm:bulletEnabled val="1"/>
-        </dgm:presLayoutVars>
-      </dgm:prSet>
-      <dgm:spPr/>
-    </dgm:pt>
-    <dgm:pt modelId="{6319C676-A7DE-4777-9BB4-3B6D30ED3F5C}" type="pres">
-      <dgm:prSet presAssocID="{A6406C01-7E83-4650-8EF5-394419DCB348}" presName="aSpace" presStyleCnt="0"/>
-      <dgm:spPr/>
-    </dgm:pt>
-    <dgm:pt modelId="{CA708D38-D093-4C16-A955-CF2CAC7F0A99}" type="pres">
-      <dgm:prSet presAssocID="{5D952622-A79E-41E4-BBC2-6212DEFFA91C}" presName="compNode" presStyleCnt="0"/>
-      <dgm:spPr/>
-    </dgm:pt>
-    <dgm:pt modelId="{6F3066E9-E96F-489D-8A4B-6D55FBE389F2}" type="pres">
-      <dgm:prSet presAssocID="{5D952622-A79E-41E4-BBC2-6212DEFFA91C}" presName="noGeometry" presStyleCnt="0"/>
-      <dgm:spPr/>
-    </dgm:pt>
-    <dgm:pt modelId="{00D2DC2C-7CA2-4A4B-B66D-3DDCAB7DC8E9}" type="pres">
-      <dgm:prSet presAssocID="{5D952622-A79E-41E4-BBC2-6212DEFFA91C}" presName="childTextVisible" presStyleLbl="bgAccFollowNode1" presStyleIdx="1" presStyleCnt="3">
-        <dgm:presLayoutVars>
-          <dgm:bulletEnabled val="1"/>
-        </dgm:presLayoutVars>
-      </dgm:prSet>
-      <dgm:spPr/>
-    </dgm:pt>
-    <dgm:pt modelId="{072FB640-0A28-40E8-9C0C-86BAF45C6EF0}" type="pres">
-      <dgm:prSet presAssocID="{5D952622-A79E-41E4-BBC2-6212DEFFA91C}" presName="childTextHidden" presStyleLbl="bgAccFollowNode1" presStyleIdx="1" presStyleCnt="3"/>
-      <dgm:spPr/>
-    </dgm:pt>
-    <dgm:pt modelId="{EE8733A1-7662-4D0A-B39E-2218596CC81C}" type="pres">
-      <dgm:prSet presAssocID="{5D952622-A79E-41E4-BBC2-6212DEFFA91C}" presName="parentText" presStyleLbl="node1" presStyleIdx="1" presStyleCnt="3">
-        <dgm:presLayoutVars>
-          <dgm:chMax val="1"/>
-          <dgm:bulletEnabled val="1"/>
-        </dgm:presLayoutVars>
-      </dgm:prSet>
-      <dgm:spPr/>
-    </dgm:pt>
-    <dgm:pt modelId="{E0D7C734-E391-436F-996C-E60442F50A17}" type="pres">
-      <dgm:prSet presAssocID="{5D952622-A79E-41E4-BBC2-6212DEFFA91C}" presName="aSpace" presStyleCnt="0"/>
-      <dgm:spPr/>
-    </dgm:pt>
-    <dgm:pt modelId="{E8F3A685-8F9F-4BAC-8C8B-A1DE5AA41F3A}" type="pres">
-      <dgm:prSet presAssocID="{50706FFE-8A00-485D-9FF7-8D310692C602}" presName="compNode" presStyleCnt="0"/>
-      <dgm:spPr/>
-    </dgm:pt>
-    <dgm:pt modelId="{84BFA617-6CAF-4DA9-A086-82BCA61093BE}" type="pres">
-      <dgm:prSet presAssocID="{50706FFE-8A00-485D-9FF7-8D310692C602}" presName="noGeometry" presStyleCnt="0"/>
-      <dgm:spPr/>
-    </dgm:pt>
-    <dgm:pt modelId="{4BF699B1-BE15-42D1-9784-AA33CF29870E}" type="pres">
-      <dgm:prSet presAssocID="{50706FFE-8A00-485D-9FF7-8D310692C602}" presName="childTextVisible" presStyleLbl="bgAccFollowNode1" presStyleIdx="2" presStyleCnt="3">
-        <dgm:presLayoutVars>
-          <dgm:bulletEnabled val="1"/>
-        </dgm:presLayoutVars>
-      </dgm:prSet>
-      <dgm:spPr/>
-    </dgm:pt>
-    <dgm:pt modelId="{F0925EF4-86E2-4748-BA70-94AAF55AB064}" type="pres">
-      <dgm:prSet presAssocID="{50706FFE-8A00-485D-9FF7-8D310692C602}" presName="childTextHidden" presStyleLbl="bgAccFollowNode1" presStyleIdx="2" presStyleCnt="3"/>
-      <dgm:spPr/>
-    </dgm:pt>
-    <dgm:pt modelId="{78E9A4E4-18A9-4B73-8007-A63A71C71937}" type="pres">
-      <dgm:prSet presAssocID="{50706FFE-8A00-485D-9FF7-8D310692C602}" presName="parentText" presStyleLbl="node1" presStyleIdx="2" presStyleCnt="3">
-        <dgm:presLayoutVars>
-          <dgm:chMax val="1"/>
-          <dgm:bulletEnabled val="1"/>
-        </dgm:presLayoutVars>
-      </dgm:prSet>
-      <dgm:spPr/>
-    </dgm:pt>
-  </dgm:ptLst>
-  <dgm:cxnLst>
-    <dgm:cxn modelId="{99E34304-5770-4691-A3EE-6A7C8B9ACD53}" type="presOf" srcId="{E4E9F0D0-FF23-4B59-9B97-973BCBE5DC65}" destId="{610B5FFC-C0C9-444C-9F7A-14D1B54F604D}" srcOrd="0" destOrd="0" presId="urn:microsoft.com/office/officeart/2005/8/layout/hProcess6"/>
-    <dgm:cxn modelId="{81ACEA16-295B-4802-A889-1DC375F525AB}" type="presOf" srcId="{A6406C01-7E83-4650-8EF5-394419DCB348}" destId="{47DA5750-48DC-4E4F-815D-0B05DBC30DAB}" srcOrd="0" destOrd="0" presId="urn:microsoft.com/office/officeart/2005/8/layout/hProcess6"/>
-    <dgm:cxn modelId="{130B0544-2388-4104-A721-8D29E7C77420}" type="presOf" srcId="{5D952622-A79E-41E4-BBC2-6212DEFFA91C}" destId="{EE8733A1-7662-4D0A-B39E-2218596CC81C}" srcOrd="0" destOrd="0" presId="urn:microsoft.com/office/officeart/2005/8/layout/hProcess6"/>
-    <dgm:cxn modelId="{31498E67-CEA0-4571-B7AB-26A2113144F6}" type="presOf" srcId="{FBA29113-7A70-4E0E-B036-871C49B835F1}" destId="{8734DFB3-ADD8-4FD2-87D8-1981AA0ADD0B}" srcOrd="0" destOrd="0" presId="urn:microsoft.com/office/officeart/2005/8/layout/hProcess6"/>
-    <dgm:cxn modelId="{11A0AF47-4BCA-470E-92BF-7B388FFB0DE8}" srcId="{50706FFE-8A00-485D-9FF7-8D310692C602}" destId="{3A9B5D84-CB00-4BC9-ADB2-5CF832F36763}" srcOrd="0" destOrd="0" parTransId="{BD57EC4A-052D-4824-8820-064BAC997A9B}" sibTransId="{98E878CF-4A49-4E76-BD23-AE7C5290BAFD}"/>
-    <dgm:cxn modelId="{019AA969-1A2B-48C0-B7C9-005E817BC2CB}" type="presOf" srcId="{E4E9F0D0-FF23-4B59-9B97-973BCBE5DC65}" destId="{FB705FC1-639E-4064-8E9A-A79870DE5273}" srcOrd="1" destOrd="0" presId="urn:microsoft.com/office/officeart/2005/8/layout/hProcess6"/>
-    <dgm:cxn modelId="{35AF286C-A401-4C08-B8A3-F38B03322BD8}" srcId="{5D952622-A79E-41E4-BBC2-6212DEFFA91C}" destId="{5248D9DA-6444-46F6-8D28-C8BB2253AAD1}" srcOrd="0" destOrd="0" parTransId="{A8533F77-F094-4EDB-BCC7-35E0D6A46B71}" sibTransId="{011B552E-515A-4C41-B810-0D2552861422}"/>
-    <dgm:cxn modelId="{F36BB86E-E9BB-4DBF-9DFE-F8050046ED1F}" type="presOf" srcId="{3A9B5D84-CB00-4BC9-ADB2-5CF832F36763}" destId="{4BF699B1-BE15-42D1-9784-AA33CF29870E}" srcOrd="0" destOrd="0" presId="urn:microsoft.com/office/officeart/2005/8/layout/hProcess6"/>
-    <dgm:cxn modelId="{BA539253-48E3-447C-8770-C31D10399C4A}" type="presOf" srcId="{50706FFE-8A00-485D-9FF7-8D310692C602}" destId="{78E9A4E4-18A9-4B73-8007-A63A71C71937}" srcOrd="0" destOrd="0" presId="urn:microsoft.com/office/officeart/2005/8/layout/hProcess6"/>
-    <dgm:cxn modelId="{D2E26D7D-A939-4166-987B-3E9E5A080266}" type="presOf" srcId="{3A9B5D84-CB00-4BC9-ADB2-5CF832F36763}" destId="{F0925EF4-86E2-4748-BA70-94AAF55AB064}" srcOrd="1" destOrd="0" presId="urn:microsoft.com/office/officeart/2005/8/layout/hProcess6"/>
-    <dgm:cxn modelId="{4D956F8D-5727-488A-93AF-F33602655A44}" srcId="{FBA29113-7A70-4E0E-B036-871C49B835F1}" destId="{A6406C01-7E83-4650-8EF5-394419DCB348}" srcOrd="0" destOrd="0" parTransId="{2586B3BB-DA8B-42DF-AC9A-77CE21607FD0}" sibTransId="{7C5B61F0-A4F6-4FCA-B552-36151F31051E}"/>
-    <dgm:cxn modelId="{37A3A996-9723-4BDB-8959-9D9B7799BD9A}" srcId="{A6406C01-7E83-4650-8EF5-394419DCB348}" destId="{E4E9F0D0-FF23-4B59-9B97-973BCBE5DC65}" srcOrd="0" destOrd="0" parTransId="{E9237435-F938-45D4-8BF4-6D5D4DFF850F}" sibTransId="{D32B195A-7CAD-474B-B79C-BE4BB171E742}"/>
-    <dgm:cxn modelId="{E23D729A-C2FC-40CD-8A08-F5EBB66CF80B}" type="presOf" srcId="{5248D9DA-6444-46F6-8D28-C8BB2253AAD1}" destId="{072FB640-0A28-40E8-9C0C-86BAF45C6EF0}" srcOrd="1" destOrd="0" presId="urn:microsoft.com/office/officeart/2005/8/layout/hProcess6"/>
-    <dgm:cxn modelId="{A22BDB9A-90BB-4DA2-8850-00D4F1D3B898}" srcId="{FBA29113-7A70-4E0E-B036-871C49B835F1}" destId="{5D952622-A79E-41E4-BBC2-6212DEFFA91C}" srcOrd="1" destOrd="0" parTransId="{10627A68-BE4B-4A4A-9EC9-4CFEF1E4DF39}" sibTransId="{092BAEF3-D9F2-476B-9A0B-6F14CC814529}"/>
-    <dgm:cxn modelId="{AE4FA1B2-1FFD-4999-BFB4-0E2A9E4BEBBB}" type="presOf" srcId="{5248D9DA-6444-46F6-8D28-C8BB2253AAD1}" destId="{00D2DC2C-7CA2-4A4B-B66D-3DDCAB7DC8E9}" srcOrd="0" destOrd="0" presId="urn:microsoft.com/office/officeart/2005/8/layout/hProcess6"/>
-    <dgm:cxn modelId="{7599CECE-5293-4C57-A979-D096C99254C7}" srcId="{FBA29113-7A70-4E0E-B036-871C49B835F1}" destId="{50706FFE-8A00-485D-9FF7-8D310692C602}" srcOrd="2" destOrd="0" parTransId="{EF44BD91-19A4-424B-BA32-4A5492B6E40B}" sibTransId="{CD03DFF4-D962-46D6-AFFA-2A87FD08403E}"/>
-    <dgm:cxn modelId="{FF0D50D3-9477-4407-8F44-B60B9728DED7}" type="presParOf" srcId="{8734DFB3-ADD8-4FD2-87D8-1981AA0ADD0B}" destId="{5C04AEFB-7132-4B28-A7D3-862245070A8D}" srcOrd="0" destOrd="0" presId="urn:microsoft.com/office/officeart/2005/8/layout/hProcess6"/>
-    <dgm:cxn modelId="{126CE751-65CF-4E60-902C-2D0B01478834}" type="presParOf" srcId="{5C04AEFB-7132-4B28-A7D3-862245070A8D}" destId="{358F74AC-FC7D-465B-BD12-B6CCC00F3D29}" srcOrd="0" destOrd="0" presId="urn:microsoft.com/office/officeart/2005/8/layout/hProcess6"/>
-    <dgm:cxn modelId="{C6915109-771C-43AE-A4C7-A411D8E5978F}" type="presParOf" srcId="{5C04AEFB-7132-4B28-A7D3-862245070A8D}" destId="{610B5FFC-C0C9-444C-9F7A-14D1B54F604D}" srcOrd="1" destOrd="0" presId="urn:microsoft.com/office/officeart/2005/8/layout/hProcess6"/>
-    <dgm:cxn modelId="{954FE73F-9595-47D0-9AB9-6EB7EDC39F8E}" type="presParOf" srcId="{5C04AEFB-7132-4B28-A7D3-862245070A8D}" destId="{FB705FC1-639E-4064-8E9A-A79870DE5273}" srcOrd="2" destOrd="0" presId="urn:microsoft.com/office/officeart/2005/8/layout/hProcess6"/>
-    <dgm:cxn modelId="{362B7B1C-776A-481A-B10E-B2136C044DB5}" type="presParOf" srcId="{5C04AEFB-7132-4B28-A7D3-862245070A8D}" destId="{47DA5750-48DC-4E4F-815D-0B05DBC30DAB}" srcOrd="3" destOrd="0" presId="urn:microsoft.com/office/officeart/2005/8/layout/hProcess6"/>
-    <dgm:cxn modelId="{AB361918-49A4-4458-A6B4-A38162139DB4}" type="presParOf" srcId="{8734DFB3-ADD8-4FD2-87D8-1981AA0ADD0B}" destId="{6319C676-A7DE-4777-9BB4-3B6D30ED3F5C}" srcOrd="1" destOrd="0" presId="urn:microsoft.com/office/officeart/2005/8/layout/hProcess6"/>
-    <dgm:cxn modelId="{3E32ED31-FAFA-41FB-A502-0C9269827B55}" type="presParOf" srcId="{8734DFB3-ADD8-4FD2-87D8-1981AA0ADD0B}" destId="{CA708D38-D093-4C16-A955-CF2CAC7F0A99}" srcOrd="2" destOrd="0" presId="urn:microsoft.com/office/officeart/2005/8/layout/hProcess6"/>
-    <dgm:cxn modelId="{38B5F8BF-C6A8-4D51-8681-B847070CD1C0}" type="presParOf" srcId="{CA708D38-D093-4C16-A955-CF2CAC7F0A99}" destId="{6F3066E9-E96F-489D-8A4B-6D55FBE389F2}" srcOrd="0" destOrd="0" presId="urn:microsoft.com/office/officeart/2005/8/layout/hProcess6"/>
-    <dgm:cxn modelId="{B873A9F4-217E-473A-8D65-14527890AC34}" type="presParOf" srcId="{CA708D38-D093-4C16-A955-CF2CAC7F0A99}" destId="{00D2DC2C-7CA2-4A4B-B66D-3DDCAB7DC8E9}" srcOrd="1" destOrd="0" presId="urn:microsoft.com/office/officeart/2005/8/layout/hProcess6"/>
-    <dgm:cxn modelId="{F573A08D-1388-4362-9D10-155655876363}" type="presParOf" srcId="{CA708D38-D093-4C16-A955-CF2CAC7F0A99}" destId="{072FB640-0A28-40E8-9C0C-86BAF45C6EF0}" srcOrd="2" destOrd="0" presId="urn:microsoft.com/office/officeart/2005/8/layout/hProcess6"/>
-    <dgm:cxn modelId="{7ADF5CCF-F26A-45B5-9692-98B07AFD46A1}" type="presParOf" srcId="{CA708D38-D093-4C16-A955-CF2CAC7F0A99}" destId="{EE8733A1-7662-4D0A-B39E-2218596CC81C}" srcOrd="3" destOrd="0" presId="urn:microsoft.com/office/officeart/2005/8/layout/hProcess6"/>
-    <dgm:cxn modelId="{985C18C8-95A3-4479-821C-610A2BAFFFF3}" type="presParOf" srcId="{8734DFB3-ADD8-4FD2-87D8-1981AA0ADD0B}" destId="{E0D7C734-E391-436F-996C-E60442F50A17}" srcOrd="3" destOrd="0" presId="urn:microsoft.com/office/officeart/2005/8/layout/hProcess6"/>
-    <dgm:cxn modelId="{951CD7FA-A9B4-463F-BD0D-452C521FF523}" type="presParOf" srcId="{8734DFB3-ADD8-4FD2-87D8-1981AA0ADD0B}" destId="{E8F3A685-8F9F-4BAC-8C8B-A1DE5AA41F3A}" srcOrd="4" destOrd="0" presId="urn:microsoft.com/office/officeart/2005/8/layout/hProcess6"/>
-    <dgm:cxn modelId="{E08D8862-B273-4AA6-9A90-754366CE4945}" type="presParOf" srcId="{E8F3A685-8F9F-4BAC-8C8B-A1DE5AA41F3A}" destId="{84BFA617-6CAF-4DA9-A086-82BCA61093BE}" srcOrd="0" destOrd="0" presId="urn:microsoft.com/office/officeart/2005/8/layout/hProcess6"/>
-    <dgm:cxn modelId="{69392B4C-2A7B-41A4-A48C-35E312A6434A}" type="presParOf" srcId="{E8F3A685-8F9F-4BAC-8C8B-A1DE5AA41F3A}" destId="{4BF699B1-BE15-42D1-9784-AA33CF29870E}" srcOrd="1" destOrd="0" presId="urn:microsoft.com/office/officeart/2005/8/layout/hProcess6"/>
-    <dgm:cxn modelId="{29F5DEAB-A9C8-47F8-A089-1585C323795A}" type="presParOf" srcId="{E8F3A685-8F9F-4BAC-8C8B-A1DE5AA41F3A}" destId="{F0925EF4-86E2-4748-BA70-94AAF55AB064}" srcOrd="2" destOrd="0" presId="urn:microsoft.com/office/officeart/2005/8/layout/hProcess6"/>
-    <dgm:cxn modelId="{E9A57A1B-DDAF-4905-B46C-246DB5E9FB2A}" type="presParOf" srcId="{E8F3A685-8F9F-4BAC-8C8B-A1DE5AA41F3A}" destId="{78E9A4E4-18A9-4B73-8007-A63A71C71937}" srcOrd="3" destOrd="0" presId="urn:microsoft.com/office/officeart/2005/8/layout/hProcess6"/>
-  </dgm:cxnLst>
-  <dgm:bg/>
-  <dgm:whole/>
-  <dgm:extLst>
-    <a:ext uri="http://schemas.microsoft.com/office/drawing/2008/diagram">
-      <dsp:dataModelExt xmlns:dsp="http://schemas.microsoft.com/office/drawing/2008/diagram" relId="rId6" minVer="http://schemas.openxmlformats.org/drawingml/2006/diagram"/>
-    </a:ext>
-  </dgm:extLst>
-</dgm:dataModel>
-</file>
-
-<file path=ppt/diagrams/drawing1.xml><?xml version="1.0" encoding="utf-8"?>
-<dsp:drawing xmlns:dgm="http://schemas.openxmlformats.org/drawingml/2006/diagram" xmlns:dsp="http://schemas.microsoft.com/office/drawing/2008/diagram" xmlns:a="http://schemas.openxmlformats.org/drawingml/2006/main">
-  <dsp:spTree>
-    <dsp:nvGrpSpPr>
-      <dsp:cNvPr id="0" name=""/>
-      <dsp:cNvGrpSpPr/>
-    </dsp:nvGrpSpPr>
-    <dsp:grpSpPr/>
-    <dsp:sp modelId="{610B5FFC-C0C9-444C-9F7A-14D1B54F604D}">
-      <dsp:nvSpPr>
-        <dsp:cNvPr id="0" name=""/>
-        <dsp:cNvSpPr/>
-      </dsp:nvSpPr>
-      <dsp:spPr>
-        <a:xfrm>
-          <a:off x="623515" y="823134"/>
-          <a:ext cx="2475309" cy="2163731"/>
-        </a:xfrm>
-        <a:prstGeom prst="rightArrow">
-          <a:avLst>
-            <a:gd name="adj1" fmla="val 70000"/>
-            <a:gd name="adj2" fmla="val 50000"/>
-          </a:avLst>
-        </a:prstGeom>
-        <a:solidFill>
-          <a:schemeClr val="lt1">
-            <a:alpha val="90000"/>
-            <a:tint val="40000"/>
-            <a:hueOff val="0"/>
-            <a:satOff val="0"/>
-            <a:lumOff val="0"/>
-            <a:alphaOff val="0"/>
-          </a:schemeClr>
-        </a:solidFill>
-        <a:ln w="12700" cap="flat" cmpd="sng" algn="ctr">
-          <a:solidFill>
-            <a:schemeClr val="accent1">
-              <a:alpha val="90000"/>
-              <a:hueOff val="0"/>
-              <a:satOff val="0"/>
-              <a:lumOff val="0"/>
-              <a:alphaOff val="0"/>
-            </a:schemeClr>
-          </a:solidFill>
-          <a:prstDash val="solid"/>
-          <a:miter lim="800000"/>
-        </a:ln>
-        <a:effectLst/>
-      </dsp:spPr>
-      <dsp:style>
-        <a:lnRef idx="2">
-          <a:scrgbClr r="0" g="0" b="0"/>
-        </a:lnRef>
-        <a:fillRef idx="1">
-          <a:scrgbClr r="0" g="0" b="0"/>
-        </a:fillRef>
-        <a:effectRef idx="0">
-          <a:scrgbClr r="0" g="0" b="0"/>
-        </a:effectRef>
-        <a:fontRef idx="minor"/>
-      </dsp:style>
-      <dsp:txBody>
-        <a:bodyPr spcFirstLastPara="0" vert="horz" wrap="square" lIns="45720" tIns="11430" rIns="22860" bIns="11430" numCol="1" spcCol="1270" anchor="ctr" anchorCtr="0">
-          <a:noAutofit/>
-        </a:bodyPr>
-        <a:lstStyle/>
-        <a:p>
-          <a:pPr marL="0" lvl="0" indent="0" algn="ctr" defTabSz="800100">
-            <a:lnSpc>
-              <a:spcPct val="90000"/>
-            </a:lnSpc>
-            <a:spcBef>
-              <a:spcPct val="0"/>
-            </a:spcBef>
-            <a:spcAft>
-              <a:spcPct val="35000"/>
-            </a:spcAft>
-            <a:buNone/>
-          </a:pPr>
-          <a:r>
-            <a:rPr lang="en-US" sz="1800" kern="1200" dirty="0"/>
-            <a:t>Task description</a:t>
-          </a:r>
-        </a:p>
-      </dsp:txBody>
-      <dsp:txXfrm>
-        <a:off x="1242342" y="1147694"/>
-        <a:ext cx="1206713" cy="1514611"/>
-      </dsp:txXfrm>
-    </dsp:sp>
-    <dsp:sp modelId="{47DA5750-48DC-4E4F-815D-0B05DBC30DAB}">
-      <dsp:nvSpPr>
-        <dsp:cNvPr id="0" name=""/>
-        <dsp:cNvSpPr/>
-      </dsp:nvSpPr>
-      <dsp:spPr>
-        <a:xfrm>
-          <a:off x="4688" y="1286172"/>
-          <a:ext cx="1237654" cy="1237654"/>
-        </a:xfrm>
-        <a:prstGeom prst="ellipse">
-          <a:avLst/>
-        </a:prstGeom>
-        <a:solidFill>
-          <a:schemeClr val="lt1">
-            <a:hueOff val="0"/>
-            <a:satOff val="0"/>
-            <a:lumOff val="0"/>
-            <a:alphaOff val="0"/>
-          </a:schemeClr>
-        </a:solidFill>
-        <a:ln w="12700" cap="flat" cmpd="sng" algn="ctr">
-          <a:solidFill>
-            <a:schemeClr val="accent1">
-              <a:shade val="80000"/>
-              <a:hueOff val="0"/>
-              <a:satOff val="0"/>
-              <a:lumOff val="0"/>
-              <a:alphaOff val="0"/>
-            </a:schemeClr>
-          </a:solidFill>
-          <a:prstDash val="solid"/>
-          <a:miter lim="800000"/>
-        </a:ln>
-        <a:effectLst/>
-      </dsp:spPr>
-      <dsp:style>
-        <a:lnRef idx="2">
-          <a:scrgbClr r="0" g="0" b="0"/>
-        </a:lnRef>
-        <a:fillRef idx="1">
-          <a:scrgbClr r="0" g="0" b="0"/>
-        </a:fillRef>
-        <a:effectRef idx="0">
-          <a:scrgbClr r="0" g="0" b="0"/>
-        </a:effectRef>
-        <a:fontRef idx="minor">
-          <a:schemeClr val="lt1"/>
-        </a:fontRef>
-      </dsp:style>
-      <dsp:txBody>
-        <a:bodyPr spcFirstLastPara="0" vert="horz" wrap="square" lIns="15240" tIns="15240" rIns="15240" bIns="15240" numCol="1" spcCol="1270" anchor="ctr" anchorCtr="0">
-          <a:noAutofit/>
-        </a:bodyPr>
-        <a:lstStyle/>
-        <a:p>
-          <a:pPr marL="0" lvl="0" indent="0" algn="ctr" defTabSz="1066800">
-            <a:lnSpc>
-              <a:spcPct val="90000"/>
-            </a:lnSpc>
-            <a:spcBef>
-              <a:spcPct val="0"/>
-            </a:spcBef>
-            <a:spcAft>
-              <a:spcPct val="35000"/>
-            </a:spcAft>
-            <a:buNone/>
-          </a:pPr>
-          <a:r>
-            <a:rPr lang="en-US" sz="2400" kern="1200" dirty="0"/>
-            <a:t>Step 1 Title</a:t>
-          </a:r>
-        </a:p>
-      </dsp:txBody>
-      <dsp:txXfrm>
-        <a:off x="185938" y="1467422"/>
-        <a:ext cx="875154" cy="875154"/>
-      </dsp:txXfrm>
-    </dsp:sp>
-    <dsp:sp modelId="{00D2DC2C-7CA2-4A4B-B66D-3DDCAB7DC8E9}">
-      <dsp:nvSpPr>
-        <dsp:cNvPr id="0" name=""/>
-        <dsp:cNvSpPr/>
-      </dsp:nvSpPr>
-      <dsp:spPr>
-        <a:xfrm>
-          <a:off x="3872358" y="823134"/>
-          <a:ext cx="2475309" cy="2163731"/>
-        </a:xfrm>
-        <a:prstGeom prst="rightArrow">
-          <a:avLst>
-            <a:gd name="adj1" fmla="val 70000"/>
-            <a:gd name="adj2" fmla="val 50000"/>
-          </a:avLst>
-        </a:prstGeom>
-        <a:solidFill>
-          <a:schemeClr val="lt1">
-            <a:alpha val="90000"/>
-            <a:tint val="40000"/>
-            <a:hueOff val="0"/>
-            <a:satOff val="0"/>
-            <a:lumOff val="0"/>
-            <a:alphaOff val="0"/>
-          </a:schemeClr>
-        </a:solidFill>
-        <a:ln w="12700" cap="flat" cmpd="sng" algn="ctr">
-          <a:solidFill>
-            <a:schemeClr val="accent1">
-              <a:alpha val="90000"/>
-              <a:hueOff val="0"/>
-              <a:satOff val="0"/>
-              <a:lumOff val="0"/>
-              <a:alphaOff val="0"/>
-            </a:schemeClr>
-          </a:solidFill>
-          <a:prstDash val="solid"/>
-          <a:miter lim="800000"/>
-        </a:ln>
-        <a:effectLst/>
-      </dsp:spPr>
-      <dsp:style>
-        <a:lnRef idx="2">
-          <a:scrgbClr r="0" g="0" b="0"/>
-        </a:lnRef>
-        <a:fillRef idx="1">
-          <a:scrgbClr r="0" g="0" b="0"/>
-        </a:fillRef>
-        <a:effectRef idx="0">
-          <a:scrgbClr r="0" g="0" b="0"/>
-        </a:effectRef>
-        <a:fontRef idx="minor"/>
-      </dsp:style>
-      <dsp:txBody>
-        <a:bodyPr spcFirstLastPara="0" vert="horz" wrap="square" lIns="45720" tIns="11430" rIns="22860" bIns="11430" numCol="1" spcCol="1270" anchor="ctr" anchorCtr="0">
-          <a:noAutofit/>
-        </a:bodyPr>
-        <a:lstStyle/>
-        <a:p>
-          <a:pPr marL="0" lvl="0" indent="0" algn="ctr" defTabSz="800100">
-            <a:lnSpc>
-              <a:spcPct val="90000"/>
-            </a:lnSpc>
-            <a:spcBef>
-              <a:spcPct val="0"/>
-            </a:spcBef>
-            <a:spcAft>
-              <a:spcPct val="35000"/>
-            </a:spcAft>
-            <a:buNone/>
-          </a:pPr>
-          <a:r>
-            <a:rPr lang="en-US" sz="1800" kern="1200" dirty="0"/>
-            <a:t>Task description</a:t>
-          </a:r>
-        </a:p>
-      </dsp:txBody>
-      <dsp:txXfrm>
-        <a:off x="4491186" y="1147694"/>
-        <a:ext cx="1206713" cy="1514611"/>
-      </dsp:txXfrm>
-    </dsp:sp>
-    <dsp:sp modelId="{EE8733A1-7662-4D0A-B39E-2218596CC81C}">
-      <dsp:nvSpPr>
-        <dsp:cNvPr id="0" name=""/>
-        <dsp:cNvSpPr/>
-      </dsp:nvSpPr>
-      <dsp:spPr>
-        <a:xfrm>
-          <a:off x="3253531" y="1286172"/>
-          <a:ext cx="1237654" cy="1237654"/>
-        </a:xfrm>
-        <a:prstGeom prst="ellipse">
-          <a:avLst/>
-        </a:prstGeom>
-        <a:solidFill>
-          <a:schemeClr val="lt1">
-            <a:hueOff val="0"/>
-            <a:satOff val="0"/>
-            <a:lumOff val="0"/>
-            <a:alphaOff val="0"/>
-          </a:schemeClr>
-        </a:solidFill>
-        <a:ln w="12700" cap="flat" cmpd="sng" algn="ctr">
-          <a:solidFill>
-            <a:schemeClr val="accent1">
-              <a:shade val="80000"/>
-              <a:hueOff val="0"/>
-              <a:satOff val="0"/>
-              <a:lumOff val="0"/>
-              <a:alphaOff val="0"/>
-            </a:schemeClr>
-          </a:solidFill>
-          <a:prstDash val="solid"/>
-          <a:miter lim="800000"/>
-        </a:ln>
-        <a:effectLst/>
-      </dsp:spPr>
-      <dsp:style>
-        <a:lnRef idx="2">
-          <a:scrgbClr r="0" g="0" b="0"/>
-        </a:lnRef>
-        <a:fillRef idx="1">
-          <a:scrgbClr r="0" g="0" b="0"/>
-        </a:fillRef>
-        <a:effectRef idx="0">
-          <a:scrgbClr r="0" g="0" b="0"/>
-        </a:effectRef>
-        <a:fontRef idx="minor">
-          <a:schemeClr val="lt1"/>
-        </a:fontRef>
-      </dsp:style>
-      <dsp:txBody>
-        <a:bodyPr spcFirstLastPara="0" vert="horz" wrap="square" lIns="15240" tIns="15240" rIns="15240" bIns="15240" numCol="1" spcCol="1270" anchor="ctr" anchorCtr="0">
-          <a:noAutofit/>
-        </a:bodyPr>
-        <a:lstStyle/>
-        <a:p>
-          <a:pPr marL="0" lvl="0" indent="0" algn="ctr" defTabSz="1066800">
-            <a:lnSpc>
-              <a:spcPct val="90000"/>
-            </a:lnSpc>
-            <a:spcBef>
-              <a:spcPct val="0"/>
-            </a:spcBef>
-            <a:spcAft>
-              <a:spcPct val="35000"/>
-            </a:spcAft>
-            <a:buNone/>
-          </a:pPr>
-          <a:r>
-            <a:rPr lang="en-US" sz="2400" kern="1200" dirty="0"/>
-            <a:t>Step 2 Title</a:t>
-          </a:r>
-        </a:p>
-      </dsp:txBody>
-      <dsp:txXfrm>
-        <a:off x="3434781" y="1467422"/>
-        <a:ext cx="875154" cy="875154"/>
-      </dsp:txXfrm>
-    </dsp:sp>
-    <dsp:sp modelId="{4BF699B1-BE15-42D1-9784-AA33CF29870E}">
-      <dsp:nvSpPr>
-        <dsp:cNvPr id="0" name=""/>
-        <dsp:cNvSpPr/>
-      </dsp:nvSpPr>
-      <dsp:spPr>
-        <a:xfrm>
-          <a:off x="7121202" y="823134"/>
-          <a:ext cx="2475309" cy="2163731"/>
-        </a:xfrm>
-        <a:prstGeom prst="rightArrow">
-          <a:avLst>
-            <a:gd name="adj1" fmla="val 70000"/>
-            <a:gd name="adj2" fmla="val 50000"/>
-          </a:avLst>
-        </a:prstGeom>
-        <a:solidFill>
-          <a:schemeClr val="lt1">
-            <a:alpha val="90000"/>
-            <a:tint val="40000"/>
-            <a:hueOff val="0"/>
-            <a:satOff val="0"/>
-            <a:lumOff val="0"/>
-            <a:alphaOff val="0"/>
-          </a:schemeClr>
-        </a:solidFill>
-        <a:ln w="12700" cap="flat" cmpd="sng" algn="ctr">
-          <a:solidFill>
-            <a:schemeClr val="accent1">
-              <a:alpha val="90000"/>
-              <a:hueOff val="0"/>
-              <a:satOff val="0"/>
-              <a:lumOff val="0"/>
-              <a:alphaOff val="0"/>
-            </a:schemeClr>
-          </a:solidFill>
-          <a:prstDash val="solid"/>
-          <a:miter lim="800000"/>
-        </a:ln>
-        <a:effectLst/>
-      </dsp:spPr>
-      <dsp:style>
-        <a:lnRef idx="2">
-          <a:scrgbClr r="0" g="0" b="0"/>
-        </a:lnRef>
-        <a:fillRef idx="1">
-          <a:scrgbClr r="0" g="0" b="0"/>
-        </a:fillRef>
-        <a:effectRef idx="0">
-          <a:scrgbClr r="0" g="0" b="0"/>
-        </a:effectRef>
-        <a:fontRef idx="minor"/>
-      </dsp:style>
-      <dsp:txBody>
-        <a:bodyPr spcFirstLastPara="0" vert="horz" wrap="square" lIns="45720" tIns="11430" rIns="22860" bIns="11430" numCol="1" spcCol="1270" anchor="ctr" anchorCtr="0">
-          <a:noAutofit/>
-        </a:bodyPr>
-        <a:lstStyle/>
-        <a:p>
-          <a:pPr marL="0" lvl="0" indent="0" algn="ctr" defTabSz="800100">
-            <a:lnSpc>
-              <a:spcPct val="90000"/>
-            </a:lnSpc>
-            <a:spcBef>
-              <a:spcPct val="0"/>
-            </a:spcBef>
-            <a:spcAft>
-              <a:spcPct val="35000"/>
-            </a:spcAft>
-            <a:buNone/>
-          </a:pPr>
-          <a:r>
-            <a:rPr lang="en-US" sz="1800" kern="1200" dirty="0"/>
-            <a:t>Task description</a:t>
-          </a:r>
-        </a:p>
-      </dsp:txBody>
-      <dsp:txXfrm>
-        <a:off x="7740029" y="1147694"/>
-        <a:ext cx="1206713" cy="1514611"/>
-      </dsp:txXfrm>
-    </dsp:sp>
-    <dsp:sp modelId="{78E9A4E4-18A9-4B73-8007-A63A71C71937}">
-      <dsp:nvSpPr>
-        <dsp:cNvPr id="0" name=""/>
-        <dsp:cNvSpPr/>
-      </dsp:nvSpPr>
-      <dsp:spPr>
-        <a:xfrm>
-          <a:off x="6502375" y="1286172"/>
-          <a:ext cx="1237654" cy="1237654"/>
-        </a:xfrm>
-        <a:prstGeom prst="ellipse">
-          <a:avLst/>
-        </a:prstGeom>
-        <a:solidFill>
-          <a:schemeClr val="lt1">
-            <a:hueOff val="0"/>
-            <a:satOff val="0"/>
-            <a:lumOff val="0"/>
-            <a:alphaOff val="0"/>
-          </a:schemeClr>
-        </a:solidFill>
-        <a:ln w="12700" cap="flat" cmpd="sng" algn="ctr">
-          <a:solidFill>
-            <a:schemeClr val="accent1">
-              <a:shade val="80000"/>
-              <a:hueOff val="0"/>
-              <a:satOff val="0"/>
-              <a:lumOff val="0"/>
-              <a:alphaOff val="0"/>
-            </a:schemeClr>
-          </a:solidFill>
-          <a:prstDash val="solid"/>
-          <a:miter lim="800000"/>
-        </a:ln>
-        <a:effectLst/>
-      </dsp:spPr>
-      <dsp:style>
-        <a:lnRef idx="2">
-          <a:scrgbClr r="0" g="0" b="0"/>
-        </a:lnRef>
-        <a:fillRef idx="1">
-          <a:scrgbClr r="0" g="0" b="0"/>
-        </a:fillRef>
-        <a:effectRef idx="0">
-          <a:scrgbClr r="0" g="0" b="0"/>
-        </a:effectRef>
-        <a:fontRef idx="minor">
-          <a:schemeClr val="lt1"/>
-        </a:fontRef>
-      </dsp:style>
-      <dsp:txBody>
-        <a:bodyPr spcFirstLastPara="0" vert="horz" wrap="square" lIns="15240" tIns="15240" rIns="15240" bIns="15240" numCol="1" spcCol="1270" anchor="ctr" anchorCtr="0">
-          <a:noAutofit/>
-        </a:bodyPr>
-        <a:lstStyle/>
-        <a:p>
-          <a:pPr marL="0" lvl="0" indent="0" algn="ctr" defTabSz="1066800">
-            <a:lnSpc>
-              <a:spcPct val="90000"/>
-            </a:lnSpc>
-            <a:spcBef>
-              <a:spcPct val="0"/>
-            </a:spcBef>
-            <a:spcAft>
-              <a:spcPct val="35000"/>
-            </a:spcAft>
-            <a:buNone/>
-          </a:pPr>
-          <a:r>
-            <a:rPr lang="en-US" sz="2400" kern="1200" dirty="0"/>
-            <a:t>Step 3 Title</a:t>
-          </a:r>
-        </a:p>
-      </dsp:txBody>
-      <dsp:txXfrm>
-        <a:off x="6683625" y="1467422"/>
-        <a:ext cx="875154" cy="875154"/>
-      </dsp:txXfrm>
-    </dsp:sp>
-  </dsp:spTree>
-</dsp:drawing>
-</file>
-
-<file path=ppt/diagrams/layout1.xml><?xml version="1.0" encoding="utf-8"?>
-<dgm:layoutDef xmlns:dgm="http://schemas.openxmlformats.org/drawingml/2006/diagram" xmlns:a="http://schemas.openxmlformats.org/drawingml/2006/main" uniqueId="urn:microsoft.com/office/officeart/2005/8/layout/hProcess6">
-  <dgm:title val=""/>
-  <dgm:desc val=""/>
-  <dgm:catLst>
-    <dgm:cat type="process" pri="7000"/>
-  </dgm:catLst>
-  <dgm:sampData>
-    <dgm:dataModel>
-      <dgm:ptLst>
-        <dgm:pt modelId="0" type="doc"/>
-        <dgm:pt modelId="1">
-          <dgm:prSet phldr="1"/>
-        </dgm:pt>
-        <dgm:pt modelId="11">
-          <dgm:prSet phldr="1"/>
-        </dgm:pt>
-        <dgm:pt modelId="12">
-          <dgm:prSet phldr="1"/>
-        </dgm:pt>
-        <dgm:pt modelId="2">
-          <dgm:prSet phldr="1"/>
-        </dgm:pt>
-        <dgm:pt modelId="21">
-          <dgm:prSet phldr="1"/>
-        </dgm:pt>
-        <dgm:pt modelId="22">
-          <dgm:prSet phldr="1"/>
-        </dgm:pt>
-        <dgm:pt modelId="3">
-          <dgm:prSet phldr="1"/>
-        </dgm:pt>
-        <dgm:pt modelId="31">
-          <dgm:prSet phldr="1"/>
-        </dgm:pt>
-        <dgm:pt modelId="32">
-          <dgm:prSet phldr="1"/>
-        </dgm:pt>
-      </dgm:ptLst>
-      <dgm:cxnLst>
-        <dgm:cxn modelId="4" srcId="0" destId="1" srcOrd="0" destOrd="0"/>
-        <dgm:cxn modelId="5" srcId="0" destId="2" srcOrd="1" destOrd="0"/>
-        <dgm:cxn modelId="13" srcId="1" destId="11" srcOrd="0" destOrd="0"/>
-        <dgm:cxn modelId="14" srcId="1" destId="12" srcOrd="0" destOrd="0"/>
-        <dgm:cxn modelId="23" srcId="2" destId="21" srcOrd="0" destOrd="0"/>
-        <dgm:cxn modelId="24" srcId="2" destId="22" srcOrd="0" destOrd="0"/>
-        <dgm:cxn modelId="33" srcId="3" destId="31" srcOrd="0" destOrd="0"/>
-        <dgm:cxn modelId="34" srcId="3" destId="32" srcOrd="0" destOrd="0"/>
-      </dgm:cxnLst>
-      <dgm:bg/>
-      <dgm:whole/>
-    </dgm:dataModel>
-  </dgm:sampData>
-  <dgm:styleData>
-    <dgm:dataModel>
-      <dgm:ptLst>
-        <dgm:pt modelId="0" type="doc"/>
-        <dgm:pt modelId="1"/>
-        <dgm:pt modelId="11"/>
-        <dgm:pt modelId="2"/>
-        <dgm:pt modelId="21"/>
-      </dgm:ptLst>
-      <dgm:cxnLst>
-        <dgm:cxn modelId="4" srcId="0" destId="1" srcOrd="0" destOrd="0"/>
-        <dgm:cxn modelId="5" srcId="0" destId="2" srcOrd="1" destOrd="0"/>
-        <dgm:cxn modelId="13" srcId="1" destId="11" srcOrd="0" destOrd="0"/>
-        <dgm:cxn modelId="23" srcId="2" destId="21" srcOrd="0" destOrd="0"/>
-      </dgm:cxnLst>
-      <dgm:bg/>
-      <dgm:whole/>
-    </dgm:dataModel>
-  </dgm:styleData>
-  <dgm:clrData>
-    <dgm:dataModel>
-      <dgm:ptLst>
-        <dgm:pt modelId="0" type="doc"/>
-        <dgm:pt modelId="1"/>
-        <dgm:pt modelId="11"/>
-        <dgm:pt modelId="2"/>
-        <dgm:pt modelId="21"/>
-        <dgm:pt modelId="3"/>
-        <dgm:pt modelId="31"/>
-        <dgm:pt modelId="4"/>
-        <dgm:pt modelId="41"/>
-      </dgm:ptLst>
-      <dgm:cxnLst>
-        <dgm:cxn modelId="5" srcId="0" destId="1" srcOrd="0" destOrd="0"/>
-        <dgm:cxn modelId="6" srcId="0" destId="2" srcOrd="1" destOrd="0"/>
-        <dgm:cxn modelId="7" srcId="0" destId="3" srcOrd="2" destOrd="0"/>
-        <dgm:cxn modelId="8" srcId="0" destId="4" srcOrd="3" destOrd="0"/>
-        <dgm:cxn modelId="13" srcId="1" destId="11" srcOrd="0" destOrd="0"/>
-        <dgm:cxn modelId="23" srcId="2" destId="21" srcOrd="0" destOrd="0"/>
-        <dgm:cxn modelId="33" srcId="3" destId="31" srcOrd="0" destOrd="0"/>
-        <dgm:cxn modelId="43" srcId="4" destId="41" srcOrd="0" destOrd="0"/>
-      </dgm:cxnLst>
-      <dgm:bg/>
-      <dgm:whole/>
-    </dgm:dataModel>
-  </dgm:clrData>
-  <dgm:layoutNode name="theList">
-    <dgm:varLst>
-      <dgm:dir/>
-      <dgm:animLvl val="lvl"/>
-      <dgm:resizeHandles val="exact"/>
-    </dgm:varLst>
-    <dgm:choose name="Name0">
-      <dgm:if name="Name1" func="var" arg="dir" op="equ" val="norm">
-        <dgm:alg type="lin">
-          <dgm:param type="linDir" val="fromL"/>
-          <dgm:param type="nodeHorzAlign" val="l"/>
-        </dgm:alg>
-      </dgm:if>
-      <dgm:else name="Name2">
-        <dgm:alg type="lin">
-          <dgm:param type="linDir" val="fromR"/>
-          <dgm:param type="nodeHorzAlign" val="r"/>
-        </dgm:alg>
-      </dgm:else>
-    </dgm:choose>
-    <dgm:shape xmlns:r="http://schemas.openxmlformats.org/officeDocument/2006/relationships" r:blip="">
-      <dgm:adjLst/>
-    </dgm:shape>
-    <dgm:presOf/>
-    <dgm:constrLst>
-      <dgm:constr type="w" for="ch" forName="compNode" refType="w"/>
-      <dgm:constr type="h" for="ch" forName="compNode" refType="w" refFor="ch" refForName="compNode" fact="0.7"/>
-      <dgm:constr type="ctrY" for="ch" forName="compNode" refType="h" fact="0.5"/>
-      <dgm:constr type="w" for="ch" forName="aSpace" refType="w" fact="0.05"/>
-      <dgm:constr type="primFontSz" for="des" forName="childTextHidden" op="equ" val="65"/>
-      <dgm:constr type="primFontSz" for="des" forName="parentText" op="equ"/>
-    </dgm:constrLst>
-    <dgm:ruleLst/>
-    <dgm:forEach name="aNodeForEach" axis="ch" ptType="node">
-      <dgm:layoutNode name="compNode">
-        <dgm:alg type="composite">
-          <dgm:param type="ar" val="1.43"/>
-        </dgm:alg>
-        <dgm:shape xmlns:r="http://schemas.openxmlformats.org/officeDocument/2006/relationships" r:blip="">
-          <dgm:adjLst/>
-        </dgm:shape>
-        <dgm:presOf/>
-        <dgm:choose name="Name3">
-          <dgm:if name="Name4" func="var" arg="dir" op="equ" val="norm">
-            <dgm:constrLst>
-              <dgm:constr type="w" for="ch" forName="childTextVisible" refType="w" fact="0.8"/>
-              <dgm:constr type="h" for="ch" forName="childTextVisible" refType="h"/>
-              <dgm:constr type="r" for="ch" forName="childTextVisible" refType="w"/>
-              <dgm:constr type="w" for="ch" forName="childTextHidden" refType="w" fact="0.6"/>
-              <dgm:constr type="h" for="ch" forName="childTextHidden" refType="h"/>
-              <dgm:constr type="r" for="ch" forName="childTextHidden" refType="w"/>
-              <dgm:constr type="l" for="ch" forName="parentText"/>
-              <dgm:constr type="w" for="ch" forName="parentText" refType="w" fact="0.4"/>
-              <dgm:constr type="h" for="ch" forName="parentText" refType="w" refFor="ch" refForName="parentText" op="equ"/>
-              <dgm:constr type="ctrY" for="ch" forName="parentText" refType="h" fact="0.5"/>
-            </dgm:constrLst>
-          </dgm:if>
-          <dgm:else name="Name5">
-            <dgm:constrLst>
-              <dgm:constr type="w" for="ch" forName="childTextVisible" refType="w" fact="0.8"/>
-              <dgm:constr type="h" for="ch" forName="childTextVisible" refType="h"/>
-              <dgm:constr type="l" for="ch" forName="childTextVisible"/>
-              <dgm:constr type="w" for="ch" forName="childTextHidden" refType="w" fact="0.6"/>
-              <dgm:constr type="h" for="ch" forName="childTextHidden" refType="h"/>
-              <dgm:constr type="l" for="ch" forName="childTextHidden"/>
-              <dgm:constr type="r" for="ch" forName="parentText" refType="w"/>
-              <dgm:constr type="w" for="ch" forName="parentText" refType="w" fact="0.4"/>
-              <dgm:constr type="h" for="ch" forName="parentText" refType="w" refFor="ch" refForName="parentText" op="equ"/>
-              <dgm:constr type="ctrY" for="ch" forName="parentText" refType="h" fact="0.5"/>
-            </dgm:constrLst>
-          </dgm:else>
-        </dgm:choose>
-        <dgm:ruleLst/>
-        <dgm:layoutNode name="noGeometry">
-          <dgm:alg type="sp"/>
-          <dgm:shape xmlns:r="http://schemas.openxmlformats.org/officeDocument/2006/relationships" r:blip="">
-            <dgm:adjLst/>
-          </dgm:shape>
-          <dgm:presOf/>
-          <dgm:constrLst/>
-          <dgm:ruleLst/>
-        </dgm:layoutNode>
-        <dgm:layoutNode name="childTextVisible" styleLbl="bgAccFollowNode1">
-          <dgm:varLst>
-            <dgm:bulletEnabled val="1"/>
-          </dgm:varLst>
-          <dgm:alg type="sp"/>
-          <dgm:choose name="Name6">
-            <dgm:if name="Name7" func="var" arg="dir" op="equ" val="norm">
-              <dgm:shape xmlns:r="http://schemas.openxmlformats.org/officeDocument/2006/relationships" type="rightArrow" r:blip="">
-                <dgm:adjLst>
-                  <dgm:adj idx="1" val="0.7"/>
-                  <dgm:adj idx="2" val="0.5"/>
-                </dgm:adjLst>
-              </dgm:shape>
-            </dgm:if>
-            <dgm:else name="Name8">
-              <dgm:shape xmlns:r="http://schemas.openxmlformats.org/officeDocument/2006/relationships" type="leftArrow" r:blip="">
-                <dgm:adjLst>
-                  <dgm:adj idx="1" val="0.7"/>
-                  <dgm:adj idx="2" val="0.5"/>
-                </dgm:adjLst>
-              </dgm:shape>
-            </dgm:else>
-          </dgm:choose>
-          <dgm:presOf axis="des" ptType="node"/>
-          <dgm:constrLst/>
-          <dgm:ruleLst/>
-        </dgm:layoutNode>
-        <dgm:layoutNode name="childTextHidden" styleLbl="bgAccFollowNode1">
-          <dgm:choose name="Name9">
-            <dgm:if name="Name10" axis="des followSib" ptType="node node" st="1 1" cnt="1 0" func="cnt" op="gte" val="1">
-              <dgm:alg type="tx">
-                <dgm:param type="stBulletLvl" val="1"/>
-                <dgm:param type="txAnchorVertCh" val="mid"/>
-              </dgm:alg>
-            </dgm:if>
-            <dgm:else name="Name11">
-              <dgm:alg type="tx">
-                <dgm:param type="stBulletLvl" val="2"/>
-                <dgm:param type="txAnchorVertCh" val="mid"/>
-              </dgm:alg>
-            </dgm:else>
-          </dgm:choose>
-          <dgm:choose name="Name12">
-            <dgm:if name="Name13" func="var" arg="dir" op="equ" val="norm">
-              <dgm:shape xmlns:r="http://schemas.openxmlformats.org/officeDocument/2006/relationships" type="rightArrow" r:blip="" hideGeom="1">
-                <dgm:adjLst>
-                  <dgm:adj idx="1" val="0.7"/>
-                  <dgm:adj idx="2" val="0.5"/>
-                </dgm:adjLst>
-              </dgm:shape>
-            </dgm:if>
-            <dgm:else name="Name14">
-              <dgm:shape xmlns:r="http://schemas.openxmlformats.org/officeDocument/2006/relationships" type="leftArrow" r:blip="" hideGeom="1">
-                <dgm:adjLst>
-                  <dgm:adj idx="1" val="0.7"/>
-                  <dgm:adj idx="2" val="0.5"/>
-                </dgm:adjLst>
-              </dgm:shape>
-            </dgm:else>
-          </dgm:choose>
-          <dgm:presOf axis="des" ptType="node"/>
-          <dgm:constrLst>
-            <dgm:constr type="secFontSz" refType="primFontSz"/>
-            <dgm:constr type="tMarg" refType="primFontSz" fact="0.05"/>
-            <dgm:constr type="bMarg" refType="primFontSz" fact="0.05"/>
-            <dgm:constr type="rMarg" refType="primFontSz" fact="0.1"/>
-            <dgm:constr type="lMarg" refType="primFontSz" fact="0.2"/>
-          </dgm:constrLst>
-          <dgm:ruleLst>
-            <dgm:rule type="primFontSz" val="5" fact="NaN" max="NaN"/>
-          </dgm:ruleLst>
-        </dgm:layoutNode>
-        <dgm:layoutNode name="parentText" styleLbl="node1">
-          <dgm:varLst>
-            <dgm:chMax val="1"/>
-            <dgm:bulletEnabled val="1"/>
-          </dgm:varLst>
-          <dgm:alg type="tx"/>
-          <dgm:shape xmlns:r="http://schemas.openxmlformats.org/officeDocument/2006/relationships" type="ellipse" r:blip="">
-            <dgm:adjLst/>
-          </dgm:shape>
-          <dgm:presOf axis="self"/>
-          <dgm:constrLst>
-            <dgm:constr type="primFontSz" val="65"/>
-            <dgm:constr type="tMarg" refType="primFontSz" fact="0.05"/>
-            <dgm:constr type="bMarg" refType="primFontSz" fact="0.05"/>
-            <dgm:constr type="lMarg" refType="primFontSz" fact="0.05"/>
-            <dgm:constr type="rMarg" refType="primFontSz" fact="0.05"/>
-          </dgm:constrLst>
-          <dgm:ruleLst>
-            <dgm:rule type="primFontSz" val="5" fact="NaN" max="NaN"/>
-          </dgm:ruleLst>
-        </dgm:layoutNode>
-      </dgm:layoutNode>
-      <dgm:choose name="Name15">
-        <dgm:if name="Name16" axis="self" ptType="node" func="revPos" op="gte" val="2">
-          <dgm:layoutNode name="aSpace">
-            <dgm:alg type="sp"/>
-            <dgm:shape xmlns:r="http://schemas.openxmlformats.org/officeDocument/2006/relationships" r:blip="">
-              <dgm:adjLst/>
-            </dgm:shape>
-            <dgm:presOf/>
-            <dgm:constrLst/>
-            <dgm:ruleLst/>
-          </dgm:layoutNode>
-        </dgm:if>
-        <dgm:else name="Name17"/>
-      </dgm:choose>
-    </dgm:forEach>
-  </dgm:layoutNode>
-</dgm:layoutDef>
-</file>
-
-<file path=ppt/diagrams/quickStyle1.xml><?xml version="1.0" encoding="utf-8"?>
-<dgm:styleDef xmlns:dgm="http://schemas.openxmlformats.org/drawingml/2006/diagram" xmlns:a="http://schemas.openxmlformats.org/drawingml/2006/main" uniqueId="urn:microsoft.com/office/officeart/2005/8/quickstyle/simple1">
-  <dgm:title val=""/>
-  <dgm:desc val=""/>
-  <dgm:catLst>
-    <dgm:cat type="simple" pri="10100"/>
-  </dgm:catLst>
-  <dgm:scene3d>
-    <a:camera prst="orthographicFront"/>
-    <a:lightRig rig="threePt" dir="t"/>
-  </dgm:scene3d>
-  <dgm:styleLbl name="node0">
-    <dgm:scene3d>
-      <a:camera prst="orthographicFront"/>
-      <a:lightRig rig="threePt" dir="t"/>
-    </dgm:scene3d>
-    <dgm:sp3d/>
-    <dgm:txPr/>
-    <dgm:style>
-      <a:lnRef idx="2">
-        <a:scrgbClr r="0" g="0" b="0"/>
-      </a:lnRef>
-      <a:fillRef idx="1">
-        <a:scrgbClr r="0" g="0" b="0"/>
-      </a:fillRef>
-      <a:effectRef idx="0">
-        <a:scrgbClr r="0" g="0" b="0"/>
-      </a:effectRef>
-      <a:fontRef idx="minor">
-        <a:schemeClr val="lt1"/>
-      </a:fontRef>
-    </dgm:style>
-  </dgm:styleLbl>
-  <dgm:styleLbl name="lnNode1">
-    <dgm:scene3d>
-      <a:camera prst="orthographicFront"/>
-      <a:lightRig rig="threePt" dir="t"/>
-    </dgm:scene3d>
-    <dgm:sp3d/>
-    <dgm:txPr/>
-    <dgm:style>
-      <a:lnRef idx="2">
-        <a:scrgbClr r="0" g="0" b="0"/>
-      </a:lnRef>
-      <a:fillRef idx="1">
-        <a:scrgbClr r="0" g="0" b="0"/>
-      </a:fillRef>
-      <a:effectRef idx="0">
-        <a:scrgbClr r="0" g="0" b="0"/>
-      </a:effectRef>
-      <a:fontRef idx="minor">
-        <a:schemeClr val="lt1"/>
-      </a:fontRef>
-    </dgm:style>
-  </dgm:styleLbl>
-  <dgm:styleLbl name="vennNode1">
-    <dgm:scene3d>
-      <a:camera prst="orthographicFront"/>
-      <a:lightRig rig="threePt" dir="t"/>
-    </dgm:scene3d>
-    <dgm:sp3d/>
-    <dgm:txPr/>
-    <dgm:style>
-      <a:lnRef idx="2">
-        <a:scrgbClr r="0" g="0" b="0"/>
-      </a:lnRef>
-      <a:fillRef idx="1">
-        <a:scrgbClr r="0" g="0" b="0"/>
-      </a:fillRef>
-      <a:effectRef idx="0">
-        <a:scrgbClr r="0" g="0" b="0"/>
-      </a:effectRef>
-      <a:fontRef idx="minor">
-        <a:schemeClr val="tx1"/>
-      </a:fontRef>
-    </dgm:style>
-  </dgm:styleLbl>
-  <dgm:styleLbl name="alignNode1">
-    <dgm:scene3d>
-      <a:camera prst="orthographicFront"/>
-      <a:lightRig rig="threePt" dir="t"/>
-    </dgm:scene3d>
-    <dgm:sp3d/>
-    <dgm:txPr/>
-    <dgm:style>
-      <a:lnRef idx="2">
-        <a:scrgbClr r="0" g="0" b="0"/>
-      </a:lnRef>
-      <a:fillRef idx="1">
-        <a:scrgbClr r="0" g="0" b="0"/>
-      </a:fillRef>
-      <a:effectRef idx="0">
-        <a:scrgbClr r="0" g="0" b="0"/>
-      </a:effectRef>
-      <a:fontRef idx="minor">
-        <a:schemeClr val="lt1"/>
-      </a:fontRef>
-    </dgm:style>
-  </dgm:styleLbl>
-  <dgm:styleLbl name="node1">
-    <dgm:scene3d>
-      <a:camera prst="orthographicFront"/>
-      <a:lightRig rig="threePt" dir="t"/>
-    </dgm:scene3d>
-    <dgm:sp3d/>
-    <dgm:txPr/>
-    <dgm:style>
-      <a:lnRef idx="2">
-        <a:scrgbClr r="0" g="0" b="0"/>
-      </a:lnRef>
-      <a:fillRef idx="1">
-        <a:scrgbClr r="0" g="0" b="0"/>
-      </a:fillRef>
-      <a:effectRef idx="0">
-        <a:scrgbClr r="0" g="0" b="0"/>
-      </a:effectRef>
-      <a:fontRef idx="minor">
-        <a:schemeClr val="lt1"/>
-      </a:fontRef>
-    </dgm:style>
-  </dgm:styleLbl>
-  <dgm:styleLbl name="node2">
-    <dgm:scene3d>
-      <a:camera prst="orthographicFront"/>
-      <a:lightRig rig="threePt" dir="t"/>
-    </dgm:scene3d>
-    <dgm:sp3d/>
-    <dgm:txPr/>
-    <dgm:style>
-      <a:lnRef idx="2">
-        <a:scrgbClr r="0" g="0" b="0"/>
-      </a:lnRef>
-      <a:fillRef idx="1">
-        <a:scrgbClr r="0" g="0" b="0"/>
-      </a:fillRef>
-      <a:effectRef idx="0">
-        <a:scrgbClr r="0" g="0" b="0"/>
-      </a:effectRef>
-      <a:fontRef idx="minor">
-        <a:schemeClr val="lt1"/>
-      </a:fontRef>
-    </dgm:style>
-  </dgm:styleLbl>
-  <dgm:styleLbl name="node3">
-    <dgm:scene3d>
-      <a:camera prst="orthographicFront"/>
-      <a:lightRig rig="threePt" dir="t"/>
-    </dgm:scene3d>
-    <dgm:sp3d/>
-    <dgm:txPr/>
-    <dgm:style>
-      <a:lnRef idx="2">
-        <a:scrgbClr r="0" g="0" b="0"/>
-      </a:lnRef>
-      <a:fillRef idx="1">
-        <a:scrgbClr r="0" g="0" b="0"/>
-      </a:fillRef>
-      <a:effectRef idx="0">
-        <a:scrgbClr r="0" g="0" b="0"/>
-      </a:effectRef>
-      <a:fontRef idx="minor">
-        <a:schemeClr val="lt1"/>
-      </a:fontRef>
-    </dgm:style>
-  </dgm:styleLbl>
-  <dgm:styleLbl name="node4">
-    <dgm:scene3d>
-      <a:camera prst="orthographicFront"/>
-      <a:lightRig rig="threePt" dir="t"/>
-    </dgm:scene3d>
-    <dgm:sp3d/>
-    <dgm:txPr/>
-    <dgm:style>
-      <a:lnRef idx="2">
-        <a:scrgbClr r="0" g="0" b="0"/>
-      </a:lnRef>
-      <a:fillRef idx="1">
-        <a:scrgbClr r="0" g="0" b="0"/>
-      </a:fillRef>
-      <a:effectRef idx="0">
-        <a:scrgbClr r="0" g="0" b="0"/>
-      </a:effectRef>
-      <a:fontRef idx="minor">
-        <a:schemeClr val="lt1"/>
-      </a:fontRef>
-    </dgm:style>
-  </dgm:styleLbl>
-  <dgm:styleLbl name="fgImgPlace1">
-    <dgm:scene3d>
-      <a:camera prst="orthographicFront"/>
-      <a:lightRig rig="threePt" dir="t"/>
-    </dgm:scene3d>
-    <dgm:sp3d/>
-    <dgm:txPr/>
-    <dgm:style>
-      <a:lnRef idx="2">
-        <a:scrgbClr r="0" g="0" b="0"/>
-      </a:lnRef>
-      <a:fillRef idx="1">
-        <a:scrgbClr r="0" g="0" b="0"/>
-      </a:fillRef>
-      <a:effectRef idx="0">
-        <a:scrgbClr r="0" g="0" b="0"/>
-      </a:effectRef>
-      <a:fontRef idx="minor"/>
-    </dgm:style>
-  </dgm:styleLbl>
-  <dgm:styleLbl name="alignImgPlace1">
-    <dgm:scene3d>
-      <a:camera prst="orthographicFront"/>
-      <a:lightRig rig="threePt" dir="t"/>
-    </dgm:scene3d>
-    <dgm:sp3d/>
-    <dgm:txPr/>
-    <dgm:style>
-      <a:lnRef idx="2">
-        <a:scrgbClr r="0" g="0" b="0"/>
-      </a:lnRef>
-      <a:fillRef idx="1">
-        <a:scrgbClr r="0" g="0" b="0"/>
-      </a:fillRef>
-      <a:effectRef idx="0">
-        <a:scrgbClr r="0" g="0" b="0"/>
-      </a:effectRef>
-      <a:fontRef idx="minor"/>
-    </dgm:style>
-  </dgm:styleLbl>
-  <dgm:styleLbl name="bgImgPlace1">
-    <dgm:scene3d>
-      <a:camera prst="orthographicFront"/>
-      <a:lightRig rig="threePt" dir="t"/>
-    </dgm:scene3d>
-    <dgm:sp3d/>
-    <dgm:txPr/>
-    <dgm:style>
-      <a:lnRef idx="2">
-        <a:scrgbClr r="0" g="0" b="0"/>
-      </a:lnRef>
-      <a:fillRef idx="1">
-        <a:scrgbClr r="0" g="0" b="0"/>
-      </a:fillRef>
-      <a:effectRef idx="0">
-        <a:scrgbClr r="0" g="0" b="0"/>
-      </a:effectRef>
-      <a:fontRef idx="minor"/>
-    </dgm:style>
-  </dgm:styleLbl>
-  <dgm:styleLbl name="sibTrans2D1">
-    <dgm:scene3d>
-      <a:camera prst="orthographicFront"/>
-      <a:lightRig rig="threePt" dir="t"/>
-    </dgm:scene3d>
-    <dgm:sp3d/>
-    <dgm:txPr/>
-    <dgm:style>
-      <a:lnRef idx="0">
-        <a:scrgbClr r="0" g="0" b="0"/>
-      </a:lnRef>
-      <a:fillRef idx="1">
-        <a:scrgbClr r="0" g="0" b="0"/>
-      </a:fillRef>
-      <a:effectRef idx="0">
-        <a:scrgbClr r="0" g="0" b="0"/>
-      </a:effectRef>
-      <a:fontRef idx="minor">
-        <a:schemeClr val="lt1"/>
-      </a:fontRef>
-    </dgm:style>
-  </dgm:styleLbl>
-  <dgm:styleLbl name="fgSibTrans2D1">
-    <dgm:scene3d>
-      <a:camera prst="orthographicFront"/>
-      <a:lightRig rig="threePt" dir="t"/>
-    </dgm:scene3d>
-    <dgm:sp3d/>
-    <dgm:txPr/>
-    <dgm:style>
-      <a:lnRef idx="0">
-        <a:scrgbClr r="0" g="0" b="0"/>
-      </a:lnRef>
-      <a:fillRef idx="1">
-        <a:scrgbClr r="0" g="0" b="0"/>
-      </a:fillRef>
-      <a:effectRef idx="0">
-        <a:scrgbClr r="0" g="0" b="0"/>
-      </a:effectRef>
-      <a:fontRef idx="minor">
-        <a:schemeClr val="lt1"/>
-      </a:fontRef>
-    </dgm:style>
-  </dgm:styleLbl>
-  <dgm:styleLbl name="bgSibTrans2D1">
-    <dgm:scene3d>
-      <a:camera prst="orthographicFront"/>
-      <a:lightRig rig="threePt" dir="t"/>
-    </dgm:scene3d>
-    <dgm:sp3d/>
-    <dgm:txPr/>
-    <dgm:style>
-      <a:lnRef idx="0">
-        <a:scrgbClr r="0" g="0" b="0"/>
-      </a:lnRef>
-      <a:fillRef idx="1">
-        <a:scrgbClr r="0" g="0" b="0"/>
-      </a:fillRef>
-      <a:effectRef idx="0">
-        <a:scrgbClr r="0" g="0" b="0"/>
-      </a:effectRef>
-      <a:fontRef idx="minor">
-        <a:schemeClr val="lt1"/>
-      </a:fontRef>
-    </dgm:style>
-  </dgm:styleLbl>
-  <dgm:styleLbl name="sibTrans1D1">
-    <dgm:scene3d>
-      <a:camera prst="orthographicFront"/>
-      <a:lightRig rig="threePt" dir="t"/>
-    </dgm:scene3d>
-    <dgm:sp3d/>
-    <dgm:txPr/>
-    <dgm:style>
-      <a:lnRef idx="1">
-        <a:scrgbClr r="0" g="0" b="0"/>
-      </a:lnRef>
-      <a:fillRef idx="0">
-        <a:scrgbClr r="0" g="0" b="0"/>
-      </a:fillRef>
-      <a:effectRef idx="0">
-        <a:scrgbClr r="0" g="0" b="0"/>
-      </a:effectRef>
-      <a:fontRef idx="minor"/>
-    </dgm:style>
-  </dgm:styleLbl>
-  <dgm:styleLbl name="callout">
-    <dgm:scene3d>
-      <a:camera prst="orthographicFront"/>
-      <a:lightRig rig="threePt" dir="t"/>
-    </dgm:scene3d>
-    <dgm:sp3d/>
-    <dgm:txPr/>
-    <dgm:style>
-      <a:lnRef idx="2">
-        <a:scrgbClr r="0" g="0" b="0"/>
-      </a:lnRef>
-      <a:fillRef idx="1">
-        <a:scrgbClr r="0" g="0" b="0"/>
-      </a:fillRef>
-      <a:effectRef idx="0">
-        <a:scrgbClr r="0" g="0" b="0"/>
-      </a:effectRef>
-      <a:fontRef idx="minor"/>
-    </dgm:style>
-  </dgm:styleLbl>
-  <dgm:styleLbl name="asst0">
-    <dgm:scene3d>
-      <a:camera prst="orthographicFront"/>
-      <a:lightRig rig="threePt" dir="t"/>
-    </dgm:scene3d>
-    <dgm:sp3d/>
-    <dgm:txPr/>
-    <dgm:style>
-      <a:lnRef idx="2">
-        <a:scrgbClr r="0" g="0" b="0"/>
-      </a:lnRef>
-      <a:fillRef idx="1">
-        <a:scrgbClr r="0" g="0" b="0"/>
-      </a:fillRef>
-      <a:effectRef idx="0">
-        <a:scrgbClr r="0" g="0" b="0"/>
-      </a:effectRef>
-      <a:fontRef idx="minor">
-        <a:schemeClr val="lt1"/>
-      </a:fontRef>
-    </dgm:style>
-  </dgm:styleLbl>
-  <dgm:styleLbl name="asst1">
-    <dgm:scene3d>
-      <a:camera prst="orthographicFront"/>
-      <a:lightRig rig="threePt" dir="t"/>
-    </dgm:scene3d>
-    <dgm:sp3d/>
-    <dgm:txPr/>
-    <dgm:style>
-      <a:lnRef idx="2">
-        <a:scrgbClr r="0" g="0" b="0"/>
-      </a:lnRef>
-      <a:fillRef idx="1">
-        <a:scrgbClr r="0" g="0" b="0"/>
-      </a:fillRef>
-      <a:effectRef idx="0">
-        <a:scrgbClr r="0" g="0" b="0"/>
-      </a:effectRef>
-      <a:fontRef idx="minor">
-        <a:schemeClr val="lt1"/>
-      </a:fontRef>
-    </dgm:style>
-  </dgm:styleLbl>
-  <dgm:styleLbl name="asst2">
-    <dgm:scene3d>
-      <a:camera prst="orthographicFront"/>
-      <a:lightRig rig="threePt" dir="t"/>
-    </dgm:scene3d>
-    <dgm:sp3d/>
-    <dgm:txPr/>
-    <dgm:style>
-      <a:lnRef idx="2">
-        <a:scrgbClr r="0" g="0" b="0"/>
-      </a:lnRef>
-      <a:fillRef idx="1">
-        <a:scrgbClr r="0" g="0" b="0"/>
-      </a:fillRef>
-      <a:effectRef idx="0">
-        <a:scrgbClr r="0" g="0" b="0"/>
-      </a:effectRef>
-      <a:fontRef idx="minor">
-        <a:schemeClr val="lt1"/>
-      </a:fontRef>
-    </dgm:style>
-  </dgm:styleLbl>
-  <dgm:styleLbl name="asst3">
-    <dgm:scene3d>
-      <a:camera prst="orthographicFront"/>
-      <a:lightRig rig="threePt" dir="t"/>
-    </dgm:scene3d>
-    <dgm:sp3d/>
-    <dgm:txPr/>
-    <dgm:style>
-      <a:lnRef idx="2">
-        <a:scrgbClr r="0" g="0" b="0"/>
-      </a:lnRef>
-      <a:fillRef idx="1">
-        <a:scrgbClr r="0" g="0" b="0"/>
-      </a:fillRef>
-      <a:effectRef idx="0">
-        <a:scrgbClr r="0" g="0" b="0"/>
-      </a:effectRef>
-      <a:fontRef idx="minor">
-        <a:schemeClr val="lt1"/>
-      </a:fontRef>
-    </dgm:style>
-  </dgm:styleLbl>
-  <dgm:styleLbl name="asst4">
-    <dgm:scene3d>
-      <a:camera prst="orthographicFront"/>
-      <a:lightRig rig="threePt" dir="t"/>
-    </dgm:scene3d>
-    <dgm:sp3d/>
-    <dgm:txPr/>
-    <dgm:style>
-      <a:lnRef idx="2">
-        <a:scrgbClr r="0" g="0" b="0"/>
-      </a:lnRef>
-      <a:fillRef idx="1">
-        <a:scrgbClr r="0" g="0" b="0"/>
-      </a:fillRef>
-      <a:effectRef idx="0">
-        <a:scrgbClr r="0" g="0" b="0"/>
-      </a:effectRef>
-      <a:fontRef idx="minor">
-        <a:schemeClr val="lt1"/>
-      </a:fontRef>
-    </dgm:style>
-  </dgm:styleLbl>
-  <dgm:styleLbl name="parChTrans2D1">
-    <dgm:scene3d>
-      <a:camera prst="orthographicFront"/>
-      <a:lightRig rig="threePt" dir="t"/>
-    </dgm:scene3d>
-    <dgm:sp3d/>
-    <dgm:txPr/>
-    <dgm:style>
-      <a:lnRef idx="2">
-        <a:scrgbClr r="0" g="0" b="0"/>
-      </a:lnRef>
-      <a:fillRef idx="1">
-        <a:scrgbClr r="0" g="0" b="0"/>
-      </a:fillRef>
-      <a:effectRef idx="0">
-        <a:scrgbClr r="0" g="0" b="0"/>
-      </a:effectRef>
-      <a:fontRef idx="minor">
-        <a:schemeClr val="lt1"/>
-      </a:fontRef>
-    </dgm:style>
-  </dgm:styleLbl>
-  <dgm:styleLbl name="parChTrans2D2">
-    <dgm:scene3d>
-      <a:camera prst="orthographicFront"/>
-      <a:lightRig rig="threePt" dir="t"/>
-    </dgm:scene3d>
-    <dgm:sp3d/>
-    <dgm:txPr/>
-    <dgm:style>
-      <a:lnRef idx="2">
-        <a:scrgbClr r="0" g="0" b="0"/>
-      </a:lnRef>
-      <a:fillRef idx="1">
-        <a:scrgbClr r="0" g="0" b="0"/>
-      </a:fillRef>
-      <a:effectRef idx="0">
-        <a:scrgbClr r="0" g="0" b="0"/>
-      </a:effectRef>
-      <a:fontRef idx="minor">
-        <a:schemeClr val="lt1"/>
-      </a:fontRef>
-    </dgm:style>
-  </dgm:styleLbl>
-  <dgm:styleLbl name="parChTrans2D3">
-    <dgm:scene3d>
-      <a:camera prst="orthographicFront"/>
-      <a:lightRig rig="threePt" dir="t"/>
-    </dgm:scene3d>
-    <dgm:sp3d/>
-    <dgm:txPr/>
-    <dgm:style>
-      <a:lnRef idx="2">
-        <a:scrgbClr r="0" g="0" b="0"/>
-      </a:lnRef>
-      <a:fillRef idx="1">
-        <a:scrgbClr r="0" g="0" b="0"/>
-      </a:fillRef>
-      <a:effectRef idx="0">
-        <a:scrgbClr r="0" g="0" b="0"/>
-      </a:effectRef>
-      <a:fontRef idx="minor">
-        <a:schemeClr val="lt1"/>
-      </a:fontRef>
-    </dgm:style>
-  </dgm:styleLbl>
-  <dgm:styleLbl name="parChTrans2D4">
-    <dgm:scene3d>
-      <a:camera prst="orthographicFront"/>
-      <a:lightRig rig="threePt" dir="t"/>
-    </dgm:scene3d>
-    <dgm:sp3d/>
-    <dgm:txPr/>
-    <dgm:style>
-      <a:lnRef idx="2">
-        <a:scrgbClr r="0" g="0" b="0"/>
-      </a:lnRef>
-      <a:fillRef idx="1">
-        <a:scrgbClr r="0" g="0" b="0"/>
-      </a:fillRef>
-      <a:effectRef idx="0">
-        <a:scrgbClr r="0" g="0" b="0"/>
-      </a:effectRef>
-      <a:fontRef idx="minor">
-        <a:schemeClr val="lt1"/>
-      </a:fontRef>
-    </dgm:style>
-  </dgm:styleLbl>
-  <dgm:styleLbl name="parChTrans1D1">
-    <dgm:scene3d>
-      <a:camera prst="orthographicFront"/>
-      <a:lightRig rig="threePt" dir="t"/>
-    </dgm:scene3d>
-    <dgm:sp3d/>
-    <dgm:txPr/>
-    <dgm:style>
-      <a:lnRef idx="2">
-        <a:scrgbClr r="0" g="0" b="0"/>
-      </a:lnRef>
-      <a:fillRef idx="0">
-        <a:scrgbClr r="0" g="0" b="0"/>
-      </a:fillRef>
-      <a:effectRef idx="0">
-        <a:scrgbClr r="0" g="0" b="0"/>
-      </a:effectRef>
-      <a:fontRef idx="minor"/>
-    </dgm:style>
-  </dgm:styleLbl>
-  <dgm:styleLbl name="parChTrans1D2">
-    <dgm:scene3d>
-      <a:camera prst="orthographicFront"/>
-      <a:lightRig rig="threePt" dir="t"/>
-    </dgm:scene3d>
-    <dgm:sp3d/>
-    <dgm:txPr/>
-    <dgm:style>
-      <a:lnRef idx="2">
-        <a:scrgbClr r="0" g="0" b="0"/>
-      </a:lnRef>
-      <a:fillRef idx="0">
-        <a:scrgbClr r="0" g="0" b="0"/>
-      </a:fillRef>
-      <a:effectRef idx="0">
-        <a:scrgbClr r="0" g="0" b="0"/>
-      </a:effectRef>
-      <a:fontRef idx="minor"/>
-    </dgm:style>
-  </dgm:styleLbl>
-  <dgm:styleLbl name="parChTrans1D3">
-    <dgm:scene3d>
-      <a:camera prst="orthographicFront"/>
-      <a:lightRig rig="threePt" dir="t"/>
-    </dgm:scene3d>
-    <dgm:sp3d/>
-    <dgm:txPr/>
-    <dgm:style>
-      <a:lnRef idx="2">
-        <a:scrgbClr r="0" g="0" b="0"/>
-      </a:lnRef>
-      <a:fillRef idx="0">
-        <a:scrgbClr r="0" g="0" b="0"/>
-      </a:fillRef>
-      <a:effectRef idx="0">
-        <a:scrgbClr r="0" g="0" b="0"/>
-      </a:effectRef>
-      <a:fontRef idx="minor"/>
-    </dgm:style>
-  </dgm:styleLbl>
-  <dgm:styleLbl name="parChTrans1D4">
-    <dgm:scene3d>
-      <a:camera prst="orthographicFront"/>
-      <a:lightRig rig="threePt" dir="t"/>
-    </dgm:scene3d>
-    <dgm:sp3d/>
-    <dgm:txPr/>
-    <dgm:style>
-      <a:lnRef idx="2">
-        <a:scrgbClr r="0" g="0" b="0"/>
-      </a:lnRef>
-      <a:fillRef idx="0">
-        <a:scrgbClr r="0" g="0" b="0"/>
-      </a:fillRef>
-      <a:effectRef idx="0">
-        <a:scrgbClr r="0" g="0" b="0"/>
-      </a:effectRef>
-      <a:fontRef idx="minor"/>
-    </dgm:style>
-  </dgm:styleLbl>
-  <dgm:styleLbl name="fgAcc1">
-    <dgm:scene3d>
-      <a:camera prst="orthographicFront"/>
-      <a:lightRig rig="threePt" dir="t"/>
-    </dgm:scene3d>
-    <dgm:sp3d/>
-    <dgm:txPr/>
-    <dgm:style>
-      <a:lnRef idx="2">
-        <a:scrgbClr r="0" g="0" b="0"/>
-      </a:lnRef>
-      <a:fillRef idx="1">
-        <a:scrgbClr r="0" g="0" b="0"/>
-      </a:fillRef>
-      <a:effectRef idx="0">
-        <a:scrgbClr r="0" g="0" b="0"/>
-      </a:effectRef>
-      <a:fontRef idx="minor"/>
-    </dgm:style>
-  </dgm:styleLbl>
-  <dgm:styleLbl name="conFgAcc1">
-    <dgm:scene3d>
-      <a:camera prst="orthographicFront"/>
-      <a:lightRig rig="threePt" dir="t"/>
-    </dgm:scene3d>
-    <dgm:sp3d/>
-    <dgm:txPr/>
-    <dgm:style>
-      <a:lnRef idx="2">
-        <a:scrgbClr r="0" g="0" b="0"/>
-      </a:lnRef>
-      <a:fillRef idx="1">
-        <a:scrgbClr r="0" g="0" b="0"/>
-      </a:fillRef>
-      <a:effectRef idx="0">
-        <a:scrgbClr r="0" g="0" b="0"/>
-      </a:effectRef>
-      <a:fontRef idx="minor"/>
-    </dgm:style>
-  </dgm:styleLbl>
-  <dgm:styleLbl name="alignAcc1">
-    <dgm:scene3d>
-      <a:camera prst="orthographicFront"/>
-      <a:lightRig rig="threePt" dir="t"/>
-    </dgm:scene3d>
-    <dgm:sp3d/>
-    <dgm:txPr/>
-    <dgm:style>
-      <a:lnRef idx="2">
-        <a:scrgbClr r="0" g="0" b="0"/>
-      </a:lnRef>
-      <a:fillRef idx="1">
-        <a:scrgbClr r="0" g="0" b="0"/>
-      </a:fillRef>
-      <a:effectRef idx="0">
-        <a:scrgbClr r="0" g="0" b="0"/>
-      </a:effectRef>
-      <a:fontRef idx="minor"/>
-    </dgm:style>
-  </dgm:styleLbl>
-  <dgm:styleLbl name="trAlignAcc1">
-    <dgm:scene3d>
-      <a:camera prst="orthographicFront"/>
-      <a:lightRig rig="threePt" dir="t"/>
-    </dgm:scene3d>
-    <dgm:sp3d/>
-    <dgm:txPr/>
-    <dgm:style>
-      <a:lnRef idx="1">
-        <a:scrgbClr r="0" g="0" b="0"/>
-      </a:lnRef>
-      <a:fillRef idx="1">
-        <a:scrgbClr r="0" g="0" b="0"/>
-      </a:fillRef>
-      <a:effectRef idx="0">
-        <a:scrgbClr r="0" g="0" b="0"/>
-      </a:effectRef>
-      <a:fontRef idx="minor"/>
-    </dgm:style>
-  </dgm:styleLbl>
-  <dgm:styleLbl name="bgAcc1">
-    <dgm:scene3d>
-      <a:camera prst="orthographicFront"/>
-      <a:lightRig rig="threePt" dir="t"/>
-    </dgm:scene3d>
-    <dgm:sp3d/>
-    <dgm:txPr/>
-    <dgm:style>
-      <a:lnRef idx="2">
-        <a:scrgbClr r="0" g="0" b="0"/>
-      </a:lnRef>
-      <a:fillRef idx="1">
-        <a:scrgbClr r="0" g="0" b="0"/>
-      </a:fillRef>
-      <a:effectRef idx="0">
-        <a:scrgbClr r="0" g="0" b="0"/>
-      </a:effectRef>
-      <a:fontRef idx="minor"/>
-    </dgm:style>
-  </dgm:styleLbl>
-  <dgm:styleLbl name="solidFgAcc1">
-    <dgm:scene3d>
-      <a:camera prst="orthographicFront"/>
-      <a:lightRig rig="threePt" dir="t"/>
-    </dgm:scene3d>
-    <dgm:sp3d/>
-    <dgm:txPr/>
-    <dgm:style>
-      <a:lnRef idx="2">
-        <a:scrgbClr r="0" g="0" b="0"/>
-      </a:lnRef>
-      <a:fillRef idx="1">
-        <a:scrgbClr r="0" g="0" b="0"/>
-      </a:fillRef>
-      <a:effectRef idx="0">
-        <a:scrgbClr r="0" g="0" b="0"/>
-      </a:effectRef>
-      <a:fontRef idx="minor"/>
-    </dgm:style>
-  </dgm:styleLbl>
-  <dgm:styleLbl name="solidAlignAcc1">
-    <dgm:scene3d>
-      <a:camera prst="orthographicFront"/>
-      <a:lightRig rig="threePt" dir="t"/>
-    </dgm:scene3d>
-    <dgm:sp3d/>
-    <dgm:txPr/>
-    <dgm:style>
-      <a:lnRef idx="2">
-        <a:scrgbClr r="0" g="0" b="0"/>
-      </a:lnRef>
-      <a:fillRef idx="1">
-        <a:scrgbClr r="0" g="0" b="0"/>
-      </a:fillRef>
-      <a:effectRef idx="0">
-        <a:scrgbClr r="0" g="0" b="0"/>
-      </a:effectRef>
-      <a:fontRef idx="minor"/>
-    </dgm:style>
-  </dgm:styleLbl>
-  <dgm:styleLbl name="solidBgAcc1">
-    <dgm:scene3d>
-      <a:camera prst="orthographicFront"/>
-      <a:lightRig rig="threePt" dir="t"/>
-    </dgm:scene3d>
-    <dgm:sp3d/>
-    <dgm:txPr/>
-    <dgm:style>
-      <a:lnRef idx="2">
-        <a:scrgbClr r="0" g="0" b="0"/>
-      </a:lnRef>
-      <a:fillRef idx="1">
-        <a:scrgbClr r="0" g="0" b="0"/>
-      </a:fillRef>
-      <a:effectRef idx="0">
-        <a:scrgbClr r="0" g="0" b="0"/>
-      </a:effectRef>
-      <a:fontRef idx="minor"/>
-    </dgm:style>
-  </dgm:styleLbl>
-  <dgm:styleLbl name="fgAccFollowNode1">
-    <dgm:scene3d>
-      <a:camera prst="orthographicFront"/>
-      <a:lightRig rig="threePt" dir="t"/>
-    </dgm:scene3d>
-    <dgm:sp3d/>
-    <dgm:txPr/>
-    <dgm:style>
-      <a:lnRef idx="2">
-        <a:scrgbClr r="0" g="0" b="0"/>
-      </a:lnRef>
-      <a:fillRef idx="1">
-        <a:scrgbClr r="0" g="0" b="0"/>
-      </a:fillRef>
-      <a:effectRef idx="0">
-        <a:scrgbClr r="0" g="0" b="0"/>
-      </a:effectRef>
-      <a:fontRef idx="minor"/>
-    </dgm:style>
-  </dgm:styleLbl>
-  <dgm:styleLbl name="alignAccFollowNode1">
-    <dgm:scene3d>
-      <a:camera prst="orthographicFront"/>
-      <a:lightRig rig="threePt" dir="t"/>
-    </dgm:scene3d>
-    <dgm:sp3d/>
-    <dgm:txPr/>
-    <dgm:style>
-      <a:lnRef idx="2">
-        <a:scrgbClr r="0" g="0" b="0"/>
-      </a:lnRef>
-      <a:fillRef idx="1">
-        <a:scrgbClr r="0" g="0" b="0"/>
-      </a:fillRef>
-      <a:effectRef idx="0">
-        <a:scrgbClr r="0" g="0" b="0"/>
-      </a:effectRef>
-      <a:fontRef idx="minor"/>
-    </dgm:style>
-  </dgm:styleLbl>
-  <dgm:styleLbl name="bgAccFollowNode1">
-    <dgm:scene3d>
-      <a:camera prst="orthographicFront"/>
-      <a:lightRig rig="threePt" dir="t"/>
-    </dgm:scene3d>
-    <dgm:sp3d/>
-    <dgm:txPr/>
-    <dgm:style>
-      <a:lnRef idx="2">
-        <a:scrgbClr r="0" g="0" b="0"/>
-      </a:lnRef>
-      <a:fillRef idx="1">
-        <a:scrgbClr r="0" g="0" b="0"/>
-      </a:fillRef>
-      <a:effectRef idx="0">
-        <a:scrgbClr r="0" g="0" b="0"/>
-      </a:effectRef>
-      <a:fontRef idx="minor"/>
-    </dgm:style>
-  </dgm:styleLbl>
-  <dgm:styleLbl name="fgAcc0">
-    <dgm:scene3d>
-      <a:camera prst="orthographicFront"/>
-      <a:lightRig rig="threePt" dir="t"/>
-    </dgm:scene3d>
-    <dgm:sp3d/>
-    <dgm:txPr/>
-    <dgm:style>
-      <a:lnRef idx="2">
-        <a:scrgbClr r="0" g="0" b="0"/>
-      </a:lnRef>
-      <a:fillRef idx="1">
-        <a:scrgbClr r="0" g="0" b="0"/>
-      </a:fillRef>
-      <a:effectRef idx="0">
-        <a:scrgbClr r="0" g="0" b="0"/>
-      </a:effectRef>
-      <a:fontRef idx="minor"/>
-    </dgm:style>
-  </dgm:styleLbl>
-  <dgm:styleLbl name="fgAcc2">
-    <dgm:scene3d>
-      <a:camera prst="orthographicFront"/>
-      <a:lightRig rig="threePt" dir="t"/>
-    </dgm:scene3d>
-    <dgm:sp3d/>
-    <dgm:txPr/>
-    <dgm:style>
-      <a:lnRef idx="2">
-        <a:scrgbClr r="0" g="0" b="0"/>
-      </a:lnRef>
-      <a:fillRef idx="1">
-        <a:scrgbClr r="0" g="0" b="0"/>
-      </a:fillRef>
-      <a:effectRef idx="0">
-        <a:scrgbClr r="0" g="0" b="0"/>
-      </a:effectRef>
-      <a:fontRef idx="minor"/>
-    </dgm:style>
-  </dgm:styleLbl>
-  <dgm:styleLbl name="fgAcc3">
-    <dgm:scene3d>
-      <a:camera prst="orthographicFront"/>
-      <a:lightRig rig="threePt" dir="t"/>
-    </dgm:scene3d>
-    <dgm:sp3d/>
-    <dgm:txPr/>
-    <dgm:style>
-      <a:lnRef idx="2">
-        <a:scrgbClr r="0" g="0" b="0"/>
-      </a:lnRef>
-      <a:fillRef idx="1">
-        <a:scrgbClr r="0" g="0" b="0"/>
-      </a:fillRef>
-      <a:effectRef idx="0">
-        <a:scrgbClr r="0" g="0" b="0"/>
-      </a:effectRef>
-      <a:fontRef idx="minor"/>
-    </dgm:style>
-  </dgm:styleLbl>
-  <dgm:styleLbl name="fgAcc4">
-    <dgm:scene3d>
-      <a:camera prst="orthographicFront"/>
-      <a:lightRig rig="threePt" dir="t"/>
-    </dgm:scene3d>
-    <dgm:sp3d/>
-    <dgm:txPr/>
-    <dgm:style>
-      <a:lnRef idx="2">
-        <a:scrgbClr r="0" g="0" b="0"/>
-      </a:lnRef>
-      <a:fillRef idx="1">
-        <a:scrgbClr r="0" g="0" b="0"/>
-      </a:fillRef>
-      <a:effectRef idx="0">
-        <a:scrgbClr r="0" g="0" b="0"/>
-      </a:effectRef>
-      <a:fontRef idx="minor"/>
-    </dgm:style>
-  </dgm:styleLbl>
-  <dgm:styleLbl name="bgShp">
-    <dgm:scene3d>
-      <a:camera prst="orthographicFront"/>
-      <a:lightRig rig="threePt" dir="t"/>
-    </dgm:scene3d>
-    <dgm:sp3d/>
-    <dgm:txPr/>
-    <dgm:style>
-      <a:lnRef idx="0">
-        <a:scrgbClr r="0" g="0" b="0"/>
-      </a:lnRef>
-      <a:fillRef idx="1">
-        <a:scrgbClr r="0" g="0" b="0"/>
-      </a:fillRef>
-      <a:effectRef idx="0">
-        <a:scrgbClr r="0" g="0" b="0"/>
-      </a:effectRef>
-      <a:fontRef idx="minor"/>
-    </dgm:style>
-  </dgm:styleLbl>
-  <dgm:styleLbl name="dkBgShp">
-    <dgm:scene3d>
-      <a:camera prst="orthographicFront"/>
-      <a:lightRig rig="threePt" dir="t"/>
-    </dgm:scene3d>
-    <dgm:sp3d/>
-    <dgm:txPr/>
-    <dgm:style>
-      <a:lnRef idx="0">
-        <a:scrgbClr r="0" g="0" b="0"/>
-      </a:lnRef>
-      <a:fillRef idx="1">
-        <a:scrgbClr r="0" g="0" b="0"/>
-      </a:fillRef>
-      <a:effectRef idx="0">
-        <a:scrgbClr r="0" g="0" b="0"/>
-      </a:effectRef>
-      <a:fontRef idx="minor"/>
-    </dgm:style>
-  </dgm:styleLbl>
-  <dgm:styleLbl name="trBgShp">
-    <dgm:scene3d>
-      <a:camera prst="orthographicFront"/>
-      <a:lightRig rig="threePt" dir="t"/>
-    </dgm:scene3d>
-    <dgm:sp3d/>
-    <dgm:txPr/>
-    <dgm:style>
-      <a:lnRef idx="0">
-        <a:scrgbClr r="0" g="0" b="0"/>
-      </a:lnRef>
-      <a:fillRef idx="1">
-        <a:scrgbClr r="0" g="0" b="0"/>
-      </a:fillRef>
-      <a:effectRef idx="0">
-        <a:scrgbClr r="0" g="0" b="0"/>
-      </a:effectRef>
-      <a:fontRef idx="minor"/>
-    </dgm:style>
-  </dgm:styleLbl>
-  <dgm:styleLbl name="fgShp">
-    <dgm:scene3d>
-      <a:camera prst="orthographicFront"/>
-      <a:lightRig rig="threePt" dir="t"/>
-    </dgm:scene3d>
-    <dgm:sp3d/>
-    <dgm:txPr/>
-    <dgm:style>
-      <a:lnRef idx="2">
-        <a:scrgbClr r="0" g="0" b="0"/>
-      </a:lnRef>
-      <a:fillRef idx="1">
-        <a:scrgbClr r="0" g="0" b="0"/>
-      </a:fillRef>
-      <a:effectRef idx="0">
-        <a:scrgbClr r="0" g="0" b="0"/>
-      </a:effectRef>
-      <a:fontRef idx="minor"/>
-    </dgm:style>
-  </dgm:styleLbl>
-  <dgm:styleLbl name="revTx">
-    <dgm:scene3d>
-      <a:camera prst="orthographicFront"/>
-      <a:lightRig rig="threePt" dir="t"/>
-    </dgm:scene3d>
-    <dgm:sp3d/>
-    <dgm:txPr/>
-    <dgm:style>
-      <a:lnRef idx="0">
-        <a:scrgbClr r="0" g="0" b="0"/>
-      </a:lnRef>
-      <a:fillRef idx="0">
-        <a:scrgbClr r="0" g="0" b="0"/>
-      </a:fillRef>
-      <a:effectRef idx="0">
-        <a:scrgbClr r="0" g="0" b="0"/>
-      </a:effectRef>
-      <a:fontRef idx="minor"/>
-    </dgm:style>
-  </dgm:styleLbl>
-</dgm:styleDef>
 </file>
 
 <file path=ppt/handoutMasters/handoutMaster1.xml><?xml version="1.0" encoding="utf-8"?>
@@ -3762,7 +733,7 @@
           <a:p>
             <a:fld id="{82869989-EB00-4EE7-BCB5-25BDC5BB29F8}" type="slidenum">
               <a:rPr lang="en-US" smtClean="0"/>
-              <a:t>2</a:t>
+              <a:t>3</a:t>
             </a:fld>
             <a:endParaRPr lang="en-US"/>
           </a:p>
@@ -18257,6 +15228,1532 @@
       </p:grpSpPr>
       <p:sp>
         <p:nvSpPr>
+          <p:cNvPr id="2" name="Title 1">
+            <a:extLst>
+              <a:ext uri="{FF2B5EF4-FFF2-40B4-BE49-F238E27FC236}">
+                <a16:creationId xmlns:a16="http://schemas.microsoft.com/office/drawing/2014/main" id="{BF385786-C7D1-4D31-8A7B-3B590C6369AC}"/>
+              </a:ext>
+            </a:extLst>
+          </p:cNvPr>
+          <p:cNvSpPr>
+            <a:spLocks noGrp="1"/>
+          </p:cNvSpPr>
+          <p:nvPr>
+            <p:ph type="title"/>
+          </p:nvPr>
+        </p:nvSpPr>
+        <p:spPr/>
+        <p:txBody>
+          <a:bodyPr/>
+          <a:lstStyle/>
+          <a:p>
+            <a:r>
+              <a:rPr lang="en-US" dirty="0"/>
+              <a:t>SaaS</a:t>
+            </a:r>
+            <a:br>
+              <a:rPr lang="en-US" dirty="0"/>
+            </a:br>
+            <a:r>
+              <a:rPr lang="en-US" sz="2400" dirty="0"/>
+              <a:t>Concepts</a:t>
+            </a:r>
+            <a:endParaRPr lang="tr-TR" sz="2400" dirty="0"/>
+          </a:p>
+        </p:txBody>
+      </p:sp>
+      <p:sp>
+        <p:nvSpPr>
+          <p:cNvPr id="3" name="Content Placeholder 2">
+            <a:extLst>
+              <a:ext uri="{FF2B5EF4-FFF2-40B4-BE49-F238E27FC236}">
+                <a16:creationId xmlns:a16="http://schemas.microsoft.com/office/drawing/2014/main" id="{6D284B76-BBC9-43CF-BDE7-379CCD6A3F02}"/>
+              </a:ext>
+            </a:extLst>
+          </p:cNvPr>
+          <p:cNvSpPr>
+            <a:spLocks noGrp="1"/>
+          </p:cNvSpPr>
+          <p:nvPr>
+            <p:ph idx="1"/>
+          </p:nvPr>
+        </p:nvSpPr>
+        <p:spPr/>
+        <p:txBody>
+          <a:bodyPr>
+            <a:normAutofit/>
+          </a:bodyPr>
+          <a:lstStyle/>
+          <a:p>
+            <a:r>
+              <a:rPr lang="en-US" sz="2400" b="1" dirty="0"/>
+              <a:t>Tenant</a:t>
+            </a:r>
+            <a:r>
+              <a:rPr lang="en-US" sz="2400" dirty="0"/>
+              <a:t>: An organization uses the application (and pay for it).</a:t>
+            </a:r>
+          </a:p>
+          <a:p>
+            <a:r>
+              <a:rPr lang="en-US" sz="2400" b="1" dirty="0"/>
+              <a:t>Host</a:t>
+            </a:r>
+            <a:r>
+              <a:rPr lang="en-US" sz="2400" dirty="0"/>
+              <a:t>: The organization manages all the tenants.</a:t>
+            </a:r>
+            <a:endParaRPr lang="tr-TR" sz="2400" dirty="0"/>
+          </a:p>
+        </p:txBody>
+      </p:sp>
+    </p:spTree>
+    <p:extLst>
+      <p:ext uri="{BB962C8B-B14F-4D97-AF65-F5344CB8AC3E}">
+        <p14:creationId xmlns:p14="http://schemas.microsoft.com/office/powerpoint/2010/main" val="3199411295"/>
+      </p:ext>
+    </p:extLst>
+  </p:cSld>
+  <p:clrMapOvr>
+    <a:masterClrMapping/>
+  </p:clrMapOvr>
+  <mc:AlternateContent xmlns:mc="http://schemas.openxmlformats.org/markup-compatibility/2006" xmlns:p14="http://schemas.microsoft.com/office/powerpoint/2010/main">
+    <mc:Choice Requires="p14">
+      <p:transition spd="med" p14:dur="700">
+        <p:fade/>
+      </p:transition>
+    </mc:Choice>
+    <mc:Fallback xmlns="">
+      <p:transition spd="med">
+        <p:fade/>
+      </p:transition>
+    </mc:Fallback>
+  </mc:AlternateContent>
+</p:sld>
+</file>
+
+<file path=ppt/slides/slide11.xml><?xml version="1.0" encoding="utf-8"?>
+<p:sld xmlns:a="http://schemas.openxmlformats.org/drawingml/2006/main" xmlns:r="http://schemas.openxmlformats.org/officeDocument/2006/relationships" xmlns:p="http://schemas.openxmlformats.org/presentationml/2006/main">
+  <p:cSld>
+    <p:spTree>
+      <p:nvGrpSpPr>
+        <p:cNvPr id="1" name=""/>
+        <p:cNvGrpSpPr/>
+        <p:nvPr/>
+      </p:nvGrpSpPr>
+      <p:grpSpPr>
+        <a:xfrm>
+          <a:off x="0" y="0"/>
+          <a:ext cx="0" cy="0"/>
+          <a:chOff x="0" y="0"/>
+          <a:chExt cx="0" cy="0"/>
+        </a:xfrm>
+      </p:grpSpPr>
+      <p:sp>
+        <p:nvSpPr>
+          <p:cNvPr id="2" name="Title 1">
+            <a:extLst>
+              <a:ext uri="{FF2B5EF4-FFF2-40B4-BE49-F238E27FC236}">
+                <a16:creationId xmlns:a16="http://schemas.microsoft.com/office/drawing/2014/main" id="{7F6B5F77-F831-472E-9B62-EF410E1079C4}"/>
+              </a:ext>
+            </a:extLst>
+          </p:cNvPr>
+          <p:cNvSpPr>
+            <a:spLocks noGrp="1"/>
+          </p:cNvSpPr>
+          <p:nvPr>
+            <p:ph type="title"/>
+          </p:nvPr>
+        </p:nvSpPr>
+        <p:spPr/>
+        <p:txBody>
+          <a:bodyPr/>
+          <a:lstStyle/>
+          <a:p>
+            <a:r>
+              <a:rPr lang="en-US" dirty="0"/>
+              <a:t>SaaS</a:t>
+            </a:r>
+            <a:br>
+              <a:rPr lang="en-US" dirty="0"/>
+            </a:br>
+            <a:r>
+              <a:rPr lang="en-US" sz="2400" dirty="0"/>
+              <a:t>Concepts</a:t>
+            </a:r>
+            <a:endParaRPr lang="tr-TR" sz="2400" dirty="0"/>
+          </a:p>
+        </p:txBody>
+      </p:sp>
+      <p:sp>
+        <p:nvSpPr>
+          <p:cNvPr id="3" name="Content Placeholder 2">
+            <a:extLst>
+              <a:ext uri="{FF2B5EF4-FFF2-40B4-BE49-F238E27FC236}">
+                <a16:creationId xmlns:a16="http://schemas.microsoft.com/office/drawing/2014/main" id="{A597DFC6-5432-45D2-BB7C-530234D97734}"/>
+              </a:ext>
+            </a:extLst>
+          </p:cNvPr>
+          <p:cNvSpPr>
+            <a:spLocks noGrp="1"/>
+          </p:cNvSpPr>
+          <p:nvPr>
+            <p:ph idx="1"/>
+          </p:nvPr>
+        </p:nvSpPr>
+        <p:spPr/>
+        <p:txBody>
+          <a:bodyPr/>
+          <a:lstStyle/>
+          <a:p>
+            <a:r>
+              <a:rPr lang="en-US" b="1" dirty="0"/>
+              <a:t>Edition/Package</a:t>
+            </a:r>
+            <a:r>
+              <a:rPr lang="en-US" dirty="0"/>
+              <a:t>: A set of application features.</a:t>
+            </a:r>
+          </a:p>
+          <a:p>
+            <a:r>
+              <a:rPr lang="en-US" b="1" dirty="0"/>
+              <a:t>Subscription</a:t>
+            </a:r>
+            <a:r>
+              <a:rPr lang="en-US" dirty="0"/>
+              <a:t>: Assigning a package to a tenant for a period of time.</a:t>
+            </a:r>
+          </a:p>
+          <a:p>
+            <a:r>
+              <a:rPr lang="en-US" b="1" dirty="0"/>
+              <a:t>Payment</a:t>
+            </a:r>
+            <a:r>
+              <a:rPr lang="en-US" dirty="0"/>
+              <a:t>: A subscription has a price: Monthly, Yearly, User based and so on..</a:t>
+            </a:r>
+            <a:endParaRPr lang="tr-TR" dirty="0"/>
+          </a:p>
+        </p:txBody>
+      </p:sp>
+    </p:spTree>
+    <p:extLst>
+      <p:ext uri="{BB962C8B-B14F-4D97-AF65-F5344CB8AC3E}">
+        <p14:creationId xmlns:p14="http://schemas.microsoft.com/office/powerpoint/2010/main" val="454073391"/>
+      </p:ext>
+    </p:extLst>
+  </p:cSld>
+  <p:clrMapOvr>
+    <a:masterClrMapping/>
+  </p:clrMapOvr>
+  <mc:AlternateContent xmlns:mc="http://schemas.openxmlformats.org/markup-compatibility/2006" xmlns:p14="http://schemas.microsoft.com/office/powerpoint/2010/main">
+    <mc:Choice Requires="p14">
+      <p:transition spd="med" p14:dur="700">
+        <p:fade/>
+      </p:transition>
+    </mc:Choice>
+    <mc:Fallback xmlns="">
+      <p:transition spd="med">
+        <p:fade/>
+      </p:transition>
+    </mc:Fallback>
+  </mc:AlternateContent>
+</p:sld>
+</file>
+
+<file path=ppt/slides/slide12.xml><?xml version="1.0" encoding="utf-8"?>
+<p:sld xmlns:a="http://schemas.openxmlformats.org/drawingml/2006/main" xmlns:r="http://schemas.openxmlformats.org/officeDocument/2006/relationships" xmlns:p="http://schemas.openxmlformats.org/presentationml/2006/main">
+  <p:cSld>
+    <p:spTree>
+      <p:nvGrpSpPr>
+        <p:cNvPr id="1" name=""/>
+        <p:cNvGrpSpPr/>
+        <p:nvPr/>
+      </p:nvGrpSpPr>
+      <p:grpSpPr>
+        <a:xfrm>
+          <a:off x="0" y="0"/>
+          <a:ext cx="0" cy="0"/>
+          <a:chOff x="0" y="0"/>
+          <a:chExt cx="0" cy="0"/>
+        </a:xfrm>
+      </p:grpSpPr>
+      <p:sp>
+        <p:nvSpPr>
+          <p:cNvPr id="2" name="Title 1"/>
+          <p:cNvSpPr>
+            <a:spLocks noGrp="1"/>
+          </p:cNvSpPr>
+          <p:nvPr>
+            <p:ph type="title"/>
+          </p:nvPr>
+        </p:nvSpPr>
+        <p:spPr/>
+        <p:txBody>
+          <a:bodyPr/>
+          <a:lstStyle/>
+          <a:p>
+            <a:r>
+              <a:rPr lang="en-US" dirty="0"/>
+              <a:t>Multi-Tenancy</a:t>
+            </a:r>
+          </a:p>
+        </p:txBody>
+      </p:sp>
+      <p:sp>
+        <p:nvSpPr>
+          <p:cNvPr id="3" name="Text Placeholder 2"/>
+          <p:cNvSpPr>
+            <a:spLocks noGrp="1"/>
+          </p:cNvSpPr>
+          <p:nvPr>
+            <p:ph type="body" idx="1"/>
+          </p:nvPr>
+        </p:nvSpPr>
+        <p:spPr/>
+        <p:txBody>
+          <a:bodyPr/>
+          <a:lstStyle/>
+          <a:p>
+            <a:r>
+              <a:rPr lang="en-US" dirty="0"/>
+              <a:t>High-Level Architecture</a:t>
+            </a:r>
+          </a:p>
+        </p:txBody>
+      </p:sp>
+    </p:spTree>
+    <p:extLst>
+      <p:ext uri="{BB962C8B-B14F-4D97-AF65-F5344CB8AC3E}">
+        <p14:creationId xmlns:p14="http://schemas.microsoft.com/office/powerpoint/2010/main" val="2526862534"/>
+      </p:ext>
+    </p:extLst>
+  </p:cSld>
+  <p:clrMapOvr>
+    <a:masterClrMapping/>
+  </p:clrMapOvr>
+  <mc:AlternateContent xmlns:mc="http://schemas.openxmlformats.org/markup-compatibility/2006" xmlns:p14="http://schemas.microsoft.com/office/powerpoint/2010/main">
+    <mc:Choice Requires="p14">
+      <p:transition spd="med" p14:dur="700">
+        <p:fade/>
+      </p:transition>
+    </mc:Choice>
+    <mc:Fallback xmlns="">
+      <p:transition spd="med">
+        <p:fade/>
+      </p:transition>
+    </mc:Fallback>
+  </mc:AlternateContent>
+</p:sld>
+</file>
+
+<file path=ppt/slides/slide13.xml><?xml version="1.0" encoding="utf-8"?>
+<p:sld xmlns:a="http://schemas.openxmlformats.org/drawingml/2006/main" xmlns:r="http://schemas.openxmlformats.org/officeDocument/2006/relationships" xmlns:p="http://schemas.openxmlformats.org/presentationml/2006/main">
+  <p:cSld>
+    <p:spTree>
+      <p:nvGrpSpPr>
+        <p:cNvPr id="1" name=""/>
+        <p:cNvGrpSpPr/>
+        <p:nvPr/>
+      </p:nvGrpSpPr>
+      <p:grpSpPr>
+        <a:xfrm>
+          <a:off x="0" y="0"/>
+          <a:ext cx="0" cy="0"/>
+          <a:chOff x="0" y="0"/>
+          <a:chExt cx="0" cy="0"/>
+        </a:xfrm>
+      </p:grpSpPr>
+      <p:sp>
+        <p:nvSpPr>
+          <p:cNvPr id="2" name="Title 1">
+            <a:extLst>
+              <a:ext uri="{FF2B5EF4-FFF2-40B4-BE49-F238E27FC236}">
+                <a16:creationId xmlns:a16="http://schemas.microsoft.com/office/drawing/2014/main" id="{2BF40546-6A05-4545-B900-60A4D0E88FAB}"/>
+              </a:ext>
+            </a:extLst>
+          </p:cNvPr>
+          <p:cNvSpPr>
+            <a:spLocks noGrp="1"/>
+          </p:cNvSpPr>
+          <p:nvPr>
+            <p:ph type="title"/>
+          </p:nvPr>
+        </p:nvSpPr>
+        <p:spPr>
+          <a:xfrm>
+            <a:off x="1295400" y="503853"/>
+            <a:ext cx="9601200" cy="1142385"/>
+          </a:xfrm>
+        </p:spPr>
+        <p:txBody>
+          <a:bodyPr/>
+          <a:lstStyle/>
+          <a:p>
+            <a:r>
+              <a:rPr lang="en-US" dirty="0"/>
+              <a:t>Deployment / Database Options</a:t>
+            </a:r>
+            <a:endParaRPr lang="tr-TR" dirty="0"/>
+          </a:p>
+        </p:txBody>
+      </p:sp>
+      <p:pic>
+        <p:nvPicPr>
+          <p:cNvPr id="5126" name="Picture 6" descr="Related image">
+            <a:extLst>
+              <a:ext uri="{FF2B5EF4-FFF2-40B4-BE49-F238E27FC236}">
+                <a16:creationId xmlns:a16="http://schemas.microsoft.com/office/drawing/2014/main" id="{BA4AF360-4B35-4142-A7EF-191F03F0219E}"/>
+              </a:ext>
+            </a:extLst>
+          </p:cNvPr>
+          <p:cNvPicPr>
+            <a:picLocks noGrp="1" noChangeAspect="1" noChangeArrowheads="1"/>
+          </p:cNvPicPr>
+          <p:nvPr>
+            <p:ph idx="1"/>
+          </p:nvPr>
+        </p:nvPicPr>
+        <p:blipFill>
+          <a:blip r:embed="rId2">
+            <a:extLst>
+              <a:ext uri="{28A0092B-C50C-407E-A947-70E740481C1C}">
+                <a14:useLocalDpi xmlns:a14="http://schemas.microsoft.com/office/drawing/2010/main" val="0"/>
+              </a:ext>
+            </a:extLst>
+          </a:blip>
+          <a:srcRect/>
+          <a:stretch>
+            <a:fillRect/>
+          </a:stretch>
+        </p:blipFill>
+        <p:spPr bwMode="auto">
+          <a:xfrm>
+            <a:off x="1295400" y="1971870"/>
+            <a:ext cx="7741595" cy="3810000"/>
+          </a:xfrm>
+          <a:prstGeom prst="rect">
+            <a:avLst/>
+          </a:prstGeom>
+          <a:noFill/>
+          <a:extLst>
+            <a:ext uri="{909E8E84-426E-40DD-AFC4-6F175D3DCCD1}">
+              <a14:hiddenFill xmlns:a14="http://schemas.microsoft.com/office/drawing/2010/main">
+                <a:solidFill>
+                  <a:srgbClr val="FFFFFF"/>
+                </a:solidFill>
+              </a14:hiddenFill>
+            </a:ext>
+          </a:extLst>
+        </p:spPr>
+      </p:pic>
+      <p:sp>
+        <p:nvSpPr>
+          <p:cNvPr id="4" name="TextBox 3">
+            <a:extLst>
+              <a:ext uri="{FF2B5EF4-FFF2-40B4-BE49-F238E27FC236}">
+                <a16:creationId xmlns:a16="http://schemas.microsoft.com/office/drawing/2014/main" id="{FC628B91-D06E-4172-BEAB-160115158E2A}"/>
+              </a:ext>
+            </a:extLst>
+          </p:cNvPr>
+          <p:cNvSpPr txBox="1"/>
+          <p:nvPr/>
+        </p:nvSpPr>
+        <p:spPr>
+          <a:xfrm>
+            <a:off x="9405258" y="3317032"/>
+            <a:ext cx="2118049" cy="830997"/>
+          </a:xfrm>
+          <a:prstGeom prst="rect">
+            <a:avLst/>
+          </a:prstGeom>
+          <a:noFill/>
+          <a:ln>
+            <a:solidFill>
+              <a:schemeClr val="bg1">
+                <a:lumMod val="50000"/>
+              </a:schemeClr>
+            </a:solidFill>
+          </a:ln>
+        </p:spPr>
+        <p:txBody>
+          <a:bodyPr wrap="square" rtlCol="0">
+            <a:spAutoFit/>
+          </a:bodyPr>
+          <a:lstStyle/>
+          <a:p>
+            <a:pPr algn="ctr"/>
+            <a:r>
+              <a:rPr lang="en-US" sz="4800" dirty="0">
+                <a:solidFill>
+                  <a:schemeClr val="accent1"/>
+                </a:solidFill>
+              </a:rPr>
+              <a:t>Hybrid</a:t>
+            </a:r>
+            <a:endParaRPr lang="tr-TR" sz="4800" dirty="0">
+              <a:solidFill>
+                <a:schemeClr val="accent1"/>
+              </a:solidFill>
+            </a:endParaRPr>
+          </a:p>
+        </p:txBody>
+      </p:sp>
+    </p:spTree>
+    <p:extLst>
+      <p:ext uri="{BB962C8B-B14F-4D97-AF65-F5344CB8AC3E}">
+        <p14:creationId xmlns:p14="http://schemas.microsoft.com/office/powerpoint/2010/main" val="1520951073"/>
+      </p:ext>
+    </p:extLst>
+  </p:cSld>
+  <p:clrMapOvr>
+    <a:masterClrMapping/>
+  </p:clrMapOvr>
+  <mc:AlternateContent xmlns:mc="http://schemas.openxmlformats.org/markup-compatibility/2006" xmlns:p14="http://schemas.microsoft.com/office/powerpoint/2010/main">
+    <mc:Choice Requires="p14">
+      <p:transition spd="med" p14:dur="700">
+        <p:fade/>
+      </p:transition>
+    </mc:Choice>
+    <mc:Fallback xmlns="">
+      <p:transition spd="med">
+        <p:fade/>
+      </p:transition>
+    </mc:Fallback>
+  </mc:AlternateContent>
+</p:sld>
+</file>
+
+<file path=ppt/slides/slide14.xml><?xml version="1.0" encoding="utf-8"?>
+<p:sld xmlns:a="http://schemas.openxmlformats.org/drawingml/2006/main" xmlns:r="http://schemas.openxmlformats.org/officeDocument/2006/relationships" xmlns:p="http://schemas.openxmlformats.org/presentationml/2006/main">
+  <p:cSld>
+    <p:spTree>
+      <p:nvGrpSpPr>
+        <p:cNvPr id="1" name=""/>
+        <p:cNvGrpSpPr/>
+        <p:nvPr/>
+      </p:nvGrpSpPr>
+      <p:grpSpPr>
+        <a:xfrm>
+          <a:off x="0" y="0"/>
+          <a:ext cx="0" cy="0"/>
+          <a:chOff x="0" y="0"/>
+          <a:chExt cx="0" cy="0"/>
+        </a:xfrm>
+      </p:grpSpPr>
+      <p:sp>
+        <p:nvSpPr>
+          <p:cNvPr id="2" name="Title 1">
+            <a:extLst>
+              <a:ext uri="{FF2B5EF4-FFF2-40B4-BE49-F238E27FC236}">
+                <a16:creationId xmlns:a16="http://schemas.microsoft.com/office/drawing/2014/main" id="{F87611E7-9AE2-4B47-A249-34E1DDFD2052}"/>
+              </a:ext>
+            </a:extLst>
+          </p:cNvPr>
+          <p:cNvSpPr>
+            <a:spLocks noGrp="1"/>
+          </p:cNvSpPr>
+          <p:nvPr>
+            <p:ph type="title"/>
+          </p:nvPr>
+        </p:nvSpPr>
+        <p:spPr/>
+        <p:txBody>
+          <a:bodyPr/>
+          <a:lstStyle/>
+          <a:p>
+            <a:r>
+              <a:rPr lang="en-US" dirty="0"/>
+              <a:t>Ideal Multi-Tenant Application</a:t>
+            </a:r>
+            <a:endParaRPr lang="tr-TR" dirty="0"/>
+          </a:p>
+        </p:txBody>
+      </p:sp>
+      <p:sp>
+        <p:nvSpPr>
+          <p:cNvPr id="3" name="Content Placeholder 2">
+            <a:extLst>
+              <a:ext uri="{FF2B5EF4-FFF2-40B4-BE49-F238E27FC236}">
+                <a16:creationId xmlns:a16="http://schemas.microsoft.com/office/drawing/2014/main" id="{79EF2225-AA1B-4A95-9616-A52E2195A9E4}"/>
+              </a:ext>
+            </a:extLst>
+          </p:cNvPr>
+          <p:cNvSpPr>
+            <a:spLocks noGrp="1"/>
+          </p:cNvSpPr>
+          <p:nvPr>
+            <p:ph idx="1"/>
+          </p:nvPr>
+        </p:nvSpPr>
+        <p:spPr/>
+        <p:txBody>
+          <a:bodyPr/>
+          <a:lstStyle/>
+          <a:p>
+            <a:r>
+              <a:rPr lang="en-US" dirty="0"/>
+              <a:t>Works exactly like on-premise: </a:t>
+            </a:r>
+            <a:r>
+              <a:rPr lang="en-US" b="1" dirty="0"/>
+              <a:t>Separated users, permissions, data…</a:t>
+            </a:r>
+          </a:p>
+          <a:p>
+            <a:r>
+              <a:rPr lang="en-US" dirty="0"/>
+              <a:t>Should be able to work as </a:t>
+            </a:r>
+            <a:r>
+              <a:rPr lang="en-US" b="1" dirty="0"/>
+              <a:t>on-premise </a:t>
+            </a:r>
+            <a:r>
+              <a:rPr lang="en-US" dirty="0"/>
+              <a:t>too.</a:t>
+            </a:r>
+          </a:p>
+          <a:p>
+            <a:r>
+              <a:rPr lang="en-US" dirty="0"/>
+              <a:t>Should be developed </a:t>
+            </a:r>
+            <a:r>
+              <a:rPr lang="en-US" b="1" dirty="0"/>
+              <a:t>independent from multi-tenancy</a:t>
+            </a:r>
+            <a:r>
+              <a:rPr lang="en-US" dirty="0"/>
+              <a:t>. Multi-tenancy should be implemented in the infrastructure/framework.</a:t>
+            </a:r>
+            <a:endParaRPr lang="tr-TR" dirty="0"/>
+          </a:p>
+        </p:txBody>
+      </p:sp>
+    </p:spTree>
+    <p:extLst>
+      <p:ext uri="{BB962C8B-B14F-4D97-AF65-F5344CB8AC3E}">
+        <p14:creationId xmlns:p14="http://schemas.microsoft.com/office/powerpoint/2010/main" val="1608556109"/>
+      </p:ext>
+    </p:extLst>
+  </p:cSld>
+  <p:clrMapOvr>
+    <a:masterClrMapping/>
+  </p:clrMapOvr>
+  <mc:AlternateContent xmlns:mc="http://schemas.openxmlformats.org/markup-compatibility/2006" xmlns:p14="http://schemas.microsoft.com/office/powerpoint/2010/main">
+    <mc:Choice Requires="p14">
+      <p:transition spd="med" p14:dur="700">
+        <p:fade/>
+      </p:transition>
+    </mc:Choice>
+    <mc:Fallback xmlns="">
+      <p:transition spd="med">
+        <p:fade/>
+      </p:transition>
+    </mc:Fallback>
+  </mc:AlternateContent>
+</p:sld>
+</file>
+
+<file path=ppt/slides/slide15.xml><?xml version="1.0" encoding="utf-8"?>
+<p:sld xmlns:a="http://schemas.openxmlformats.org/drawingml/2006/main" xmlns:r="http://schemas.openxmlformats.org/officeDocument/2006/relationships" xmlns:p="http://schemas.openxmlformats.org/presentationml/2006/main">
+  <p:cSld>
+    <p:spTree>
+      <p:nvGrpSpPr>
+        <p:cNvPr id="1" name=""/>
+        <p:cNvGrpSpPr/>
+        <p:nvPr/>
+      </p:nvGrpSpPr>
+      <p:grpSpPr>
+        <a:xfrm>
+          <a:off x="0" y="0"/>
+          <a:ext cx="0" cy="0"/>
+          <a:chOff x="0" y="0"/>
+          <a:chExt cx="0" cy="0"/>
+        </a:xfrm>
+      </p:grpSpPr>
+      <p:sp>
+        <p:nvSpPr>
+          <p:cNvPr id="2" name="Title 1">
+            <a:extLst>
+              <a:ext uri="{FF2B5EF4-FFF2-40B4-BE49-F238E27FC236}">
+                <a16:creationId xmlns:a16="http://schemas.microsoft.com/office/drawing/2014/main" id="{AEFED7F7-623E-4902-A7F8-49F3F1A3FE6A}"/>
+              </a:ext>
+            </a:extLst>
+          </p:cNvPr>
+          <p:cNvSpPr>
+            <a:spLocks noGrp="1"/>
+          </p:cNvSpPr>
+          <p:nvPr>
+            <p:ph type="title"/>
+          </p:nvPr>
+        </p:nvSpPr>
+        <p:spPr/>
+        <p:txBody>
+          <a:bodyPr/>
+          <a:lstStyle/>
+          <a:p>
+            <a:r>
+              <a:rPr lang="en-US" dirty="0"/>
+              <a:t>Stateless Application Design</a:t>
+            </a:r>
+            <a:endParaRPr lang="tr-TR" dirty="0"/>
+          </a:p>
+        </p:txBody>
+      </p:sp>
+      <p:sp>
+        <p:nvSpPr>
+          <p:cNvPr id="3" name="Content Placeholder 2">
+            <a:extLst>
+              <a:ext uri="{FF2B5EF4-FFF2-40B4-BE49-F238E27FC236}">
+                <a16:creationId xmlns:a16="http://schemas.microsoft.com/office/drawing/2014/main" id="{17496319-1D66-491D-9AC0-DD108FB70E6B}"/>
+              </a:ext>
+            </a:extLst>
+          </p:cNvPr>
+          <p:cNvSpPr>
+            <a:spLocks noGrp="1"/>
+          </p:cNvSpPr>
+          <p:nvPr>
+            <p:ph idx="1"/>
+          </p:nvPr>
+        </p:nvSpPr>
+        <p:spPr/>
+        <p:txBody>
+          <a:bodyPr/>
+          <a:lstStyle/>
+          <a:p>
+            <a:r>
+              <a:rPr lang="en-US" dirty="0"/>
+              <a:t>Application should be </a:t>
+            </a:r>
+            <a:r>
+              <a:rPr lang="en-US" b="1" dirty="0"/>
+              <a:t>stateless</a:t>
+            </a:r>
+            <a:r>
+              <a:rPr lang="en-US" dirty="0"/>
+              <a:t>!</a:t>
+            </a:r>
+          </a:p>
+          <a:p>
+            <a:r>
+              <a:rPr lang="en-US" dirty="0"/>
+              <a:t>Main state origins:</a:t>
+            </a:r>
+          </a:p>
+          <a:p>
+            <a:pPr lvl="1"/>
+            <a:r>
+              <a:rPr lang="en-US" b="1" dirty="0"/>
+              <a:t>Http Request</a:t>
+            </a:r>
+            <a:r>
+              <a:rPr lang="en-US" dirty="0"/>
+              <a:t>: Cookie, header, </a:t>
+            </a:r>
+            <a:r>
+              <a:rPr lang="en-US" dirty="0" err="1"/>
+              <a:t>querystring</a:t>
+            </a:r>
+            <a:r>
+              <a:rPr lang="en-US" dirty="0"/>
+              <a:t>, payload…</a:t>
+            </a:r>
+          </a:p>
+          <a:p>
+            <a:pPr lvl="2"/>
+            <a:r>
+              <a:rPr lang="en-US" dirty="0"/>
+              <a:t>Authentication Ticket</a:t>
+            </a:r>
+          </a:p>
+          <a:p>
+            <a:pPr lvl="1"/>
+            <a:r>
+              <a:rPr lang="en-US" b="1" dirty="0"/>
+              <a:t>Database</a:t>
+            </a:r>
+            <a:r>
+              <a:rPr lang="en-US" dirty="0"/>
+              <a:t>: Relational, non-relational, file system…</a:t>
+            </a:r>
+          </a:p>
+          <a:p>
+            <a:pPr lvl="1"/>
+            <a:r>
+              <a:rPr lang="en-US" b="1" dirty="0"/>
+              <a:t>Cache</a:t>
+            </a:r>
+            <a:r>
+              <a:rPr lang="en-US" dirty="0"/>
+              <a:t>: Distributed caches like </a:t>
+            </a:r>
+            <a:r>
+              <a:rPr lang="en-US" dirty="0" err="1"/>
+              <a:t>Redis</a:t>
+            </a:r>
+            <a:r>
+              <a:rPr lang="en-US" dirty="0"/>
+              <a:t>, Memcached.</a:t>
+            </a:r>
+            <a:endParaRPr lang="tr-TR" dirty="0"/>
+          </a:p>
+        </p:txBody>
+      </p:sp>
+    </p:spTree>
+    <p:extLst>
+      <p:ext uri="{BB962C8B-B14F-4D97-AF65-F5344CB8AC3E}">
+        <p14:creationId xmlns:p14="http://schemas.microsoft.com/office/powerpoint/2010/main" val="3747912342"/>
+      </p:ext>
+    </p:extLst>
+  </p:cSld>
+  <p:clrMapOvr>
+    <a:masterClrMapping/>
+  </p:clrMapOvr>
+  <mc:AlternateContent xmlns:mc="http://schemas.openxmlformats.org/markup-compatibility/2006" xmlns:p14="http://schemas.microsoft.com/office/powerpoint/2010/main">
+    <mc:Choice Requires="p14">
+      <p:transition spd="med" p14:dur="700">
+        <p:fade/>
+      </p:transition>
+    </mc:Choice>
+    <mc:Fallback xmlns="">
+      <p:transition spd="med">
+        <p:fade/>
+      </p:transition>
+    </mc:Fallback>
+  </mc:AlternateContent>
+</p:sld>
+</file>
+
+<file path=ppt/slides/slide16.xml><?xml version="1.0" encoding="utf-8"?>
+<p:sld xmlns:a="http://schemas.openxmlformats.org/drawingml/2006/main" xmlns:r="http://schemas.openxmlformats.org/officeDocument/2006/relationships" xmlns:p="http://schemas.openxmlformats.org/presentationml/2006/main">
+  <p:cSld>
+    <p:spTree>
+      <p:nvGrpSpPr>
+        <p:cNvPr id="1" name=""/>
+        <p:cNvGrpSpPr/>
+        <p:nvPr/>
+      </p:nvGrpSpPr>
+      <p:grpSpPr>
+        <a:xfrm>
+          <a:off x="0" y="0"/>
+          <a:ext cx="0" cy="0"/>
+          <a:chOff x="0" y="0"/>
+          <a:chExt cx="0" cy="0"/>
+        </a:xfrm>
+      </p:grpSpPr>
+      <p:sp>
+        <p:nvSpPr>
+          <p:cNvPr id="2" name="Title 1"/>
+          <p:cNvSpPr>
+            <a:spLocks noGrp="1"/>
+          </p:cNvSpPr>
+          <p:nvPr>
+            <p:ph type="title"/>
+          </p:nvPr>
+        </p:nvSpPr>
+        <p:spPr/>
+        <p:txBody>
+          <a:bodyPr/>
+          <a:lstStyle/>
+          <a:p>
+            <a:r>
+              <a:rPr lang="en-US" dirty="0"/>
+              <a:t>Multi-Tenancy</a:t>
+            </a:r>
+          </a:p>
+        </p:txBody>
+      </p:sp>
+      <p:sp>
+        <p:nvSpPr>
+          <p:cNvPr id="3" name="Text Placeholder 2"/>
+          <p:cNvSpPr>
+            <a:spLocks noGrp="1"/>
+          </p:cNvSpPr>
+          <p:nvPr>
+            <p:ph type="body" idx="1"/>
+          </p:nvPr>
+        </p:nvSpPr>
+        <p:spPr/>
+        <p:txBody>
+          <a:bodyPr/>
+          <a:lstStyle/>
+          <a:p>
+            <a:r>
+              <a:rPr lang="en-US" dirty="0"/>
+              <a:t>Infrastructure</a:t>
+            </a:r>
+          </a:p>
+        </p:txBody>
+      </p:sp>
+    </p:spTree>
+    <p:extLst>
+      <p:ext uri="{BB962C8B-B14F-4D97-AF65-F5344CB8AC3E}">
+        <p14:creationId xmlns:p14="http://schemas.microsoft.com/office/powerpoint/2010/main" val="2294166379"/>
+      </p:ext>
+    </p:extLst>
+  </p:cSld>
+  <p:clrMapOvr>
+    <a:masterClrMapping/>
+  </p:clrMapOvr>
+  <mc:AlternateContent xmlns:mc="http://schemas.openxmlformats.org/markup-compatibility/2006" xmlns:p14="http://schemas.microsoft.com/office/powerpoint/2010/main">
+    <mc:Choice Requires="p14">
+      <p:transition spd="med" p14:dur="700">
+        <p:fade/>
+      </p:transition>
+    </mc:Choice>
+    <mc:Fallback xmlns="">
+      <p:transition spd="med">
+        <p:fade/>
+      </p:transition>
+    </mc:Fallback>
+  </mc:AlternateContent>
+</p:sld>
+</file>
+
+<file path=ppt/slides/slide17.xml><?xml version="1.0" encoding="utf-8"?>
+<p:sld xmlns:a="http://schemas.openxmlformats.org/drawingml/2006/main" xmlns:r="http://schemas.openxmlformats.org/officeDocument/2006/relationships" xmlns:p="http://schemas.openxmlformats.org/presentationml/2006/main">
+  <p:cSld>
+    <p:spTree>
+      <p:nvGrpSpPr>
+        <p:cNvPr id="1" name=""/>
+        <p:cNvGrpSpPr/>
+        <p:nvPr/>
+      </p:nvGrpSpPr>
+      <p:grpSpPr>
+        <a:xfrm>
+          <a:off x="0" y="0"/>
+          <a:ext cx="0" cy="0"/>
+          <a:chOff x="0" y="0"/>
+          <a:chExt cx="0" cy="0"/>
+        </a:xfrm>
+      </p:grpSpPr>
+      <p:sp>
+        <p:nvSpPr>
+          <p:cNvPr id="2" name="Title 1">
+            <a:extLst>
+              <a:ext uri="{FF2B5EF4-FFF2-40B4-BE49-F238E27FC236}">
+                <a16:creationId xmlns:a16="http://schemas.microsoft.com/office/drawing/2014/main" id="{62FB7938-795A-4577-81F2-F26F5443B109}"/>
+              </a:ext>
+            </a:extLst>
+          </p:cNvPr>
+          <p:cNvSpPr>
+            <a:spLocks noGrp="1"/>
+          </p:cNvSpPr>
+          <p:nvPr>
+            <p:ph type="title"/>
+          </p:nvPr>
+        </p:nvSpPr>
+        <p:spPr/>
+        <p:txBody>
+          <a:bodyPr/>
+          <a:lstStyle/>
+          <a:p>
+            <a:r>
+              <a:rPr lang="en-US" dirty="0"/>
+              <a:t>Determine the Current Tenant</a:t>
+            </a:r>
+            <a:endParaRPr lang="tr-TR" dirty="0"/>
+          </a:p>
+        </p:txBody>
+      </p:sp>
+      <p:sp>
+        <p:nvSpPr>
+          <p:cNvPr id="3" name="Content Placeholder 2">
+            <a:extLst>
+              <a:ext uri="{FF2B5EF4-FFF2-40B4-BE49-F238E27FC236}">
+                <a16:creationId xmlns:a16="http://schemas.microsoft.com/office/drawing/2014/main" id="{277F4890-EEB2-438E-8478-B80E052E9C90}"/>
+              </a:ext>
+            </a:extLst>
+          </p:cNvPr>
+          <p:cNvSpPr>
+            <a:spLocks noGrp="1"/>
+          </p:cNvSpPr>
+          <p:nvPr>
+            <p:ph idx="1"/>
+          </p:nvPr>
+        </p:nvSpPr>
+        <p:spPr/>
+        <p:txBody>
+          <a:bodyPr/>
+          <a:lstStyle/>
+          <a:p>
+            <a:r>
+              <a:rPr lang="en-US" dirty="0"/>
+              <a:t>Sources</a:t>
+            </a:r>
+          </a:p>
+          <a:p>
+            <a:pPr lvl="1"/>
+            <a:r>
+              <a:rPr lang="en-US" dirty="0"/>
+              <a:t>Current </a:t>
+            </a:r>
+            <a:r>
+              <a:rPr lang="en-US" b="1" dirty="0"/>
+              <a:t>Claims</a:t>
+            </a:r>
+            <a:r>
+              <a:rPr lang="en-US" dirty="0"/>
+              <a:t> (if user has been authenticated)</a:t>
+            </a:r>
+          </a:p>
+          <a:p>
+            <a:pPr lvl="1"/>
+            <a:r>
+              <a:rPr lang="en-US" b="1" dirty="0"/>
+              <a:t>Subdomain</a:t>
+            </a:r>
+            <a:r>
+              <a:rPr lang="en-US" dirty="0"/>
+              <a:t> (or domain): </a:t>
+            </a:r>
+            <a:r>
+              <a:rPr lang="en-US" dirty="0">
+                <a:hlinkClick r:id="rId2"/>
+              </a:rPr>
+              <a:t>https://</a:t>
+            </a:r>
+            <a:r>
+              <a:rPr lang="en-US" b="1" i="1" dirty="0">
+                <a:hlinkClick r:id="rId2"/>
+              </a:rPr>
+              <a:t>tenancy-name</a:t>
+            </a:r>
+            <a:r>
+              <a:rPr lang="en-US" dirty="0">
+                <a:hlinkClick r:id="rId2"/>
+              </a:rPr>
+              <a:t>.mydomain.com</a:t>
+            </a:r>
+            <a:endParaRPr lang="en-US" dirty="0"/>
+          </a:p>
+          <a:p>
+            <a:pPr lvl="1"/>
+            <a:r>
+              <a:rPr lang="en-US" dirty="0"/>
+              <a:t>Http </a:t>
+            </a:r>
+            <a:r>
+              <a:rPr lang="en-US" b="1" dirty="0"/>
+              <a:t>Header</a:t>
+            </a:r>
+            <a:r>
+              <a:rPr lang="en-US" dirty="0"/>
+              <a:t>: _tenant = “acme” </a:t>
+            </a:r>
+            <a:r>
+              <a:rPr lang="en-US" dirty="0">
+                <a:solidFill>
+                  <a:schemeClr val="bg1">
+                    <a:lumMod val="65000"/>
+                  </a:schemeClr>
+                </a:solidFill>
+              </a:rPr>
+              <a:t>(for API clients &amp; SPAs)</a:t>
+            </a:r>
+          </a:p>
+          <a:p>
+            <a:pPr lvl="1"/>
+            <a:r>
+              <a:rPr lang="en-US" dirty="0"/>
+              <a:t>Http </a:t>
+            </a:r>
+            <a:r>
+              <a:rPr lang="en-US" b="1" dirty="0"/>
+              <a:t>Cookie</a:t>
+            </a:r>
+            <a:r>
+              <a:rPr lang="en-US" dirty="0"/>
+              <a:t>: _tenant = “acme”</a:t>
+            </a:r>
+            <a:r>
+              <a:rPr lang="en-US" dirty="0">
+                <a:solidFill>
+                  <a:schemeClr val="bg1">
+                    <a:lumMod val="65000"/>
+                  </a:schemeClr>
+                </a:solidFill>
+              </a:rPr>
+              <a:t> (for MVC applications)</a:t>
+            </a:r>
+          </a:p>
+          <a:p>
+            <a:r>
+              <a:rPr lang="en-US" dirty="0"/>
+              <a:t>ASP.NET Core</a:t>
+            </a:r>
+          </a:p>
+          <a:p>
+            <a:pPr lvl="1"/>
+            <a:r>
+              <a:rPr lang="en-US" dirty="0"/>
+              <a:t>On-demand</a:t>
+            </a:r>
+          </a:p>
+          <a:p>
+            <a:pPr lvl="1"/>
+            <a:r>
+              <a:rPr lang="en-US" b="1" dirty="0"/>
+              <a:t>Middleware</a:t>
+            </a:r>
+            <a:r>
+              <a:rPr lang="en-US" dirty="0">
+                <a:solidFill>
+                  <a:schemeClr val="bg1">
+                    <a:lumMod val="65000"/>
+                  </a:schemeClr>
+                </a:solidFill>
+              </a:rPr>
+              <a:t> (after </a:t>
+            </a:r>
+            <a:r>
+              <a:rPr lang="en-US" dirty="0" err="1">
+                <a:solidFill>
+                  <a:schemeClr val="bg1">
+                    <a:lumMod val="65000"/>
+                  </a:schemeClr>
+                </a:solidFill>
+              </a:rPr>
+              <a:t>app.UseAuthentication</a:t>
+            </a:r>
+            <a:r>
+              <a:rPr lang="en-US" dirty="0">
+                <a:solidFill>
+                  <a:schemeClr val="bg1">
+                    <a:lumMod val="65000"/>
+                  </a:schemeClr>
+                </a:solidFill>
+              </a:rPr>
+              <a:t>())</a:t>
+            </a:r>
+            <a:endParaRPr lang="tr-TR" dirty="0">
+              <a:solidFill>
+                <a:schemeClr val="bg1">
+                  <a:lumMod val="65000"/>
+                </a:schemeClr>
+              </a:solidFill>
+            </a:endParaRPr>
+          </a:p>
+        </p:txBody>
+      </p:sp>
+    </p:spTree>
+    <p:extLst>
+      <p:ext uri="{BB962C8B-B14F-4D97-AF65-F5344CB8AC3E}">
+        <p14:creationId xmlns:p14="http://schemas.microsoft.com/office/powerpoint/2010/main" val="4078708234"/>
+      </p:ext>
+    </p:extLst>
+  </p:cSld>
+  <p:clrMapOvr>
+    <a:masterClrMapping/>
+  </p:clrMapOvr>
+  <mc:AlternateContent xmlns:mc="http://schemas.openxmlformats.org/markup-compatibility/2006" xmlns:p14="http://schemas.microsoft.com/office/powerpoint/2010/main">
+    <mc:Choice Requires="p14">
+      <p:transition spd="med" p14:dur="700">
+        <p:fade/>
+      </p:transition>
+    </mc:Choice>
+    <mc:Fallback xmlns="">
+      <p:transition spd="med">
+        <p:fade/>
+      </p:transition>
+    </mc:Fallback>
+  </mc:AlternateContent>
+</p:sld>
+</file>
+
+<file path=ppt/slides/slide18.xml><?xml version="1.0" encoding="utf-8"?>
+<p:sld xmlns:a="http://schemas.openxmlformats.org/drawingml/2006/main" xmlns:r="http://schemas.openxmlformats.org/officeDocument/2006/relationships" xmlns:p="http://schemas.openxmlformats.org/presentationml/2006/main">
+  <p:cSld>
+    <p:spTree>
+      <p:nvGrpSpPr>
+        <p:cNvPr id="1" name=""/>
+        <p:cNvGrpSpPr/>
+        <p:nvPr/>
+      </p:nvGrpSpPr>
+      <p:grpSpPr>
+        <a:xfrm>
+          <a:off x="0" y="0"/>
+          <a:ext cx="0" cy="0"/>
+          <a:chOff x="0" y="0"/>
+          <a:chExt cx="0" cy="0"/>
+        </a:xfrm>
+      </p:grpSpPr>
+      <p:sp>
+        <p:nvSpPr>
+          <p:cNvPr id="2" name="Title 1">
+            <a:extLst>
+              <a:ext uri="{FF2B5EF4-FFF2-40B4-BE49-F238E27FC236}">
+                <a16:creationId xmlns:a16="http://schemas.microsoft.com/office/drawing/2014/main" id="{B2A13867-8BFF-431A-B5E3-AC33496B5BCB}"/>
+              </a:ext>
+            </a:extLst>
+          </p:cNvPr>
+          <p:cNvSpPr>
+            <a:spLocks noGrp="1"/>
+          </p:cNvSpPr>
+          <p:nvPr>
+            <p:ph type="title"/>
+          </p:nvPr>
+        </p:nvSpPr>
+        <p:spPr/>
+        <p:txBody>
+          <a:bodyPr/>
+          <a:lstStyle/>
+          <a:p>
+            <a:r>
+              <a:rPr lang="en-US" dirty="0"/>
+              <a:t>Ambient Scopes / </a:t>
+            </a:r>
+            <a:r>
+              <a:rPr lang="en-US"/>
+              <a:t>AsyncLocal</a:t>
+            </a:r>
+            <a:endParaRPr lang="tr-TR" dirty="0"/>
+          </a:p>
+        </p:txBody>
+      </p:sp>
+      <p:sp>
+        <p:nvSpPr>
+          <p:cNvPr id="3" name="Content Placeholder 2">
+            <a:extLst>
+              <a:ext uri="{FF2B5EF4-FFF2-40B4-BE49-F238E27FC236}">
+                <a16:creationId xmlns:a16="http://schemas.microsoft.com/office/drawing/2014/main" id="{0576FD1C-E1A0-430B-9A5F-7F1A8C49D139}"/>
+              </a:ext>
+            </a:extLst>
+          </p:cNvPr>
+          <p:cNvSpPr>
+            <a:spLocks noGrp="1"/>
+          </p:cNvSpPr>
+          <p:nvPr>
+            <p:ph idx="1"/>
+          </p:nvPr>
+        </p:nvSpPr>
+        <p:spPr/>
+        <p:txBody>
+          <a:bodyPr/>
+          <a:lstStyle/>
+          <a:p>
+            <a:endParaRPr lang="tr-TR" dirty="0"/>
+          </a:p>
+        </p:txBody>
+      </p:sp>
+    </p:spTree>
+    <p:extLst>
+      <p:ext uri="{BB962C8B-B14F-4D97-AF65-F5344CB8AC3E}">
+        <p14:creationId xmlns:p14="http://schemas.microsoft.com/office/powerpoint/2010/main" val="835698238"/>
+      </p:ext>
+    </p:extLst>
+  </p:cSld>
+  <p:clrMapOvr>
+    <a:masterClrMapping/>
+  </p:clrMapOvr>
+  <mc:AlternateContent xmlns:mc="http://schemas.openxmlformats.org/markup-compatibility/2006" xmlns:p14="http://schemas.microsoft.com/office/powerpoint/2010/main">
+    <mc:Choice Requires="p14">
+      <p:transition spd="med" p14:dur="700">
+        <p:fade/>
+      </p:transition>
+    </mc:Choice>
+    <mc:Fallback xmlns="">
+      <p:transition spd="med">
+        <p:fade/>
+      </p:transition>
+    </mc:Fallback>
+  </mc:AlternateContent>
+</p:sld>
+</file>
+
+<file path=ppt/slides/slide19.xml><?xml version="1.0" encoding="utf-8"?>
+<p:sld xmlns:a="http://schemas.openxmlformats.org/drawingml/2006/main" xmlns:r="http://schemas.openxmlformats.org/officeDocument/2006/relationships" xmlns:p="http://schemas.openxmlformats.org/presentationml/2006/main">
+  <p:cSld>
+    <p:spTree>
+      <p:nvGrpSpPr>
+        <p:cNvPr id="1" name=""/>
+        <p:cNvGrpSpPr/>
+        <p:nvPr/>
+      </p:nvGrpSpPr>
+      <p:grpSpPr>
+        <a:xfrm>
+          <a:off x="0" y="0"/>
+          <a:ext cx="0" cy="0"/>
+          <a:chOff x="0" y="0"/>
+          <a:chExt cx="0" cy="0"/>
+        </a:xfrm>
+      </p:grpSpPr>
+      <p:sp>
+        <p:nvSpPr>
+          <p:cNvPr id="2" name="Title 1">
+            <a:extLst>
+              <a:ext uri="{FF2B5EF4-FFF2-40B4-BE49-F238E27FC236}">
+                <a16:creationId xmlns:a16="http://schemas.microsoft.com/office/drawing/2014/main" id="{31886CA7-6B54-420B-B41A-56BA3B272A8C}"/>
+              </a:ext>
+            </a:extLst>
+          </p:cNvPr>
+          <p:cNvSpPr>
+            <a:spLocks noGrp="1"/>
+          </p:cNvSpPr>
+          <p:nvPr>
+            <p:ph type="title"/>
+          </p:nvPr>
+        </p:nvSpPr>
+        <p:spPr/>
+        <p:txBody>
+          <a:bodyPr/>
+          <a:lstStyle/>
+          <a:p>
+            <a:endParaRPr lang="tr-TR"/>
+          </a:p>
+        </p:txBody>
+      </p:sp>
+      <p:sp>
+        <p:nvSpPr>
+          <p:cNvPr id="3" name="Content Placeholder 2">
+            <a:extLst>
+              <a:ext uri="{FF2B5EF4-FFF2-40B4-BE49-F238E27FC236}">
+                <a16:creationId xmlns:a16="http://schemas.microsoft.com/office/drawing/2014/main" id="{1C61CB86-5B3A-4D9F-B112-F167F60EE618}"/>
+              </a:ext>
+            </a:extLst>
+          </p:cNvPr>
+          <p:cNvSpPr>
+            <a:spLocks noGrp="1"/>
+          </p:cNvSpPr>
+          <p:nvPr>
+            <p:ph idx="1"/>
+          </p:nvPr>
+        </p:nvSpPr>
+        <p:spPr/>
+        <p:txBody>
+          <a:bodyPr/>
+          <a:lstStyle/>
+          <a:p>
+            <a:endParaRPr lang="tr-TR"/>
+          </a:p>
+        </p:txBody>
+      </p:sp>
+    </p:spTree>
+    <p:extLst>
+      <p:ext uri="{BB962C8B-B14F-4D97-AF65-F5344CB8AC3E}">
+        <p14:creationId xmlns:p14="http://schemas.microsoft.com/office/powerpoint/2010/main" val="3509578581"/>
+      </p:ext>
+    </p:extLst>
+  </p:cSld>
+  <p:clrMapOvr>
+    <a:masterClrMapping/>
+  </p:clrMapOvr>
+  <mc:AlternateContent xmlns:mc="http://schemas.openxmlformats.org/markup-compatibility/2006" xmlns:p14="http://schemas.microsoft.com/office/powerpoint/2010/main">
+    <mc:Choice Requires="p14">
+      <p:transition spd="med" p14:dur="700">
+        <p:fade/>
+      </p:transition>
+    </mc:Choice>
+    <mc:Fallback xmlns="">
+      <p:transition spd="med">
+        <p:fade/>
+      </p:transition>
+    </mc:Fallback>
+  </mc:AlternateContent>
+</p:sld>
+</file>
+
+<file path=ppt/slides/slide2.xml><?xml version="1.0" encoding="utf-8"?>
+<p:sld xmlns:a="http://schemas.openxmlformats.org/drawingml/2006/main" xmlns:r="http://schemas.openxmlformats.org/officeDocument/2006/relationships" xmlns:p="http://schemas.openxmlformats.org/presentationml/2006/main">
+  <p:cSld>
+    <p:spTree>
+      <p:nvGrpSpPr>
+        <p:cNvPr id="1" name=""/>
+        <p:cNvGrpSpPr/>
+        <p:nvPr/>
+      </p:nvGrpSpPr>
+      <p:grpSpPr>
+        <a:xfrm>
+          <a:off x="0" y="0"/>
+          <a:ext cx="0" cy="0"/>
+          <a:chOff x="0" y="0"/>
+          <a:chExt cx="0" cy="0"/>
+        </a:xfrm>
+      </p:grpSpPr>
+      <p:sp>
+        <p:nvSpPr>
+          <p:cNvPr id="2" name="Title 1"/>
+          <p:cNvSpPr>
+            <a:spLocks noGrp="1"/>
+          </p:cNvSpPr>
+          <p:nvPr>
+            <p:ph type="title"/>
+          </p:nvPr>
+        </p:nvSpPr>
+        <p:spPr/>
+        <p:txBody>
+          <a:bodyPr/>
+          <a:lstStyle/>
+          <a:p>
+            <a:r>
+              <a:rPr lang="en-US" dirty="0"/>
+              <a:t>About Me</a:t>
+            </a:r>
+          </a:p>
+        </p:txBody>
+      </p:sp>
+      <p:sp>
+        <p:nvSpPr>
+          <p:cNvPr id="3" name="Text Placeholder 2"/>
+          <p:cNvSpPr>
+            <a:spLocks noGrp="1"/>
+          </p:cNvSpPr>
+          <p:nvPr>
+            <p:ph type="body" idx="1"/>
+          </p:nvPr>
+        </p:nvSpPr>
+        <p:spPr/>
+        <p:txBody>
+          <a:bodyPr/>
+          <a:lstStyle/>
+          <a:p>
+            <a:r>
+              <a:rPr lang="en-US" dirty="0"/>
+              <a:t>&amp; My Company &amp; My Projects</a:t>
+            </a:r>
+          </a:p>
+        </p:txBody>
+      </p:sp>
+    </p:spTree>
+    <p:extLst>
+      <p:ext uri="{BB962C8B-B14F-4D97-AF65-F5344CB8AC3E}">
+        <p14:creationId xmlns:p14="http://schemas.microsoft.com/office/powerpoint/2010/main" val="509108953"/>
+      </p:ext>
+    </p:extLst>
+  </p:cSld>
+  <p:clrMapOvr>
+    <a:masterClrMapping/>
+  </p:clrMapOvr>
+  <mc:AlternateContent xmlns:mc="http://schemas.openxmlformats.org/markup-compatibility/2006" xmlns:p14="http://schemas.microsoft.com/office/powerpoint/2010/main">
+    <mc:Choice Requires="p14">
+      <p:transition spd="med" p14:dur="700">
+        <p:fade/>
+      </p:transition>
+    </mc:Choice>
+    <mc:Fallback xmlns="">
+      <p:transition spd="med">
+        <p:fade/>
+      </p:transition>
+    </mc:Fallback>
+  </mc:AlternateContent>
+</p:sld>
+</file>
+
+<file path=ppt/slides/slide20.xml><?xml version="1.0" encoding="utf-8"?>
+<p:sld xmlns:a="http://schemas.openxmlformats.org/drawingml/2006/main" xmlns:r="http://schemas.openxmlformats.org/officeDocument/2006/relationships" xmlns:p="http://schemas.openxmlformats.org/presentationml/2006/main">
+  <p:cSld>
+    <p:spTree>
+      <p:nvGrpSpPr>
+        <p:cNvPr id="1" name=""/>
+        <p:cNvGrpSpPr/>
+        <p:nvPr/>
+      </p:nvGrpSpPr>
+      <p:grpSpPr>
+        <a:xfrm>
+          <a:off x="0" y="0"/>
+          <a:ext cx="0" cy="0"/>
+          <a:chOff x="0" y="0"/>
+          <a:chExt cx="0" cy="0"/>
+        </a:xfrm>
+      </p:grpSpPr>
+      <p:sp>
+        <p:nvSpPr>
+          <p:cNvPr id="2" name="Title 1">
+            <a:extLst>
+              <a:ext uri="{FF2B5EF4-FFF2-40B4-BE49-F238E27FC236}">
+                <a16:creationId xmlns:a16="http://schemas.microsoft.com/office/drawing/2014/main" id="{264AA260-73D8-4CD3-9BC5-B38689D3B871}"/>
+              </a:ext>
+            </a:extLst>
+          </p:cNvPr>
+          <p:cNvSpPr>
+            <a:spLocks noGrp="1"/>
+          </p:cNvSpPr>
+          <p:nvPr>
+            <p:ph type="title"/>
+          </p:nvPr>
+        </p:nvSpPr>
+        <p:spPr/>
+        <p:txBody>
+          <a:bodyPr/>
+          <a:lstStyle/>
+          <a:p>
+            <a:endParaRPr lang="tr-TR"/>
+          </a:p>
+        </p:txBody>
+      </p:sp>
+      <p:sp>
+        <p:nvSpPr>
+          <p:cNvPr id="3" name="Content Placeholder 2">
+            <a:extLst>
+              <a:ext uri="{FF2B5EF4-FFF2-40B4-BE49-F238E27FC236}">
+                <a16:creationId xmlns:a16="http://schemas.microsoft.com/office/drawing/2014/main" id="{4417C13D-727C-4E70-A5D4-4CD16E9F4521}"/>
+              </a:ext>
+            </a:extLst>
+          </p:cNvPr>
+          <p:cNvSpPr>
+            <a:spLocks noGrp="1"/>
+          </p:cNvSpPr>
+          <p:nvPr>
+            <p:ph idx="1"/>
+          </p:nvPr>
+        </p:nvSpPr>
+        <p:spPr/>
+        <p:txBody>
+          <a:bodyPr/>
+          <a:lstStyle/>
+          <a:p>
+            <a:endParaRPr lang="tr-TR"/>
+          </a:p>
+        </p:txBody>
+      </p:sp>
+    </p:spTree>
+    <p:extLst>
+      <p:ext uri="{BB962C8B-B14F-4D97-AF65-F5344CB8AC3E}">
+        <p14:creationId xmlns:p14="http://schemas.microsoft.com/office/powerpoint/2010/main" val="3851896990"/>
+      </p:ext>
+    </p:extLst>
+  </p:cSld>
+  <p:clrMapOvr>
+    <a:masterClrMapping/>
+  </p:clrMapOvr>
+  <mc:AlternateContent xmlns:mc="http://schemas.openxmlformats.org/markup-compatibility/2006" xmlns:p14="http://schemas.microsoft.com/office/powerpoint/2010/main">
+    <mc:Choice Requires="p14">
+      <p:transition spd="med" p14:dur="700">
+        <p:fade/>
+      </p:transition>
+    </mc:Choice>
+    <mc:Fallback xmlns="">
+      <p:transition spd="med">
+        <p:fade/>
+      </p:transition>
+    </mc:Fallback>
+  </mc:AlternateContent>
+</p:sld>
+</file>
+
+<file path=ppt/slides/slide21.xml><?xml version="1.0" encoding="utf-8"?>
+<p:sld xmlns:a="http://schemas.openxmlformats.org/drawingml/2006/main" xmlns:r="http://schemas.openxmlformats.org/officeDocument/2006/relationships" xmlns:p="http://schemas.openxmlformats.org/presentationml/2006/main">
+  <p:cSld>
+    <p:spTree>
+      <p:nvGrpSpPr>
+        <p:cNvPr id="1" name=""/>
+        <p:cNvGrpSpPr/>
+        <p:nvPr/>
+      </p:nvGrpSpPr>
+      <p:grpSpPr>
+        <a:xfrm>
+          <a:off x="0" y="0"/>
+          <a:ext cx="0" cy="0"/>
+          <a:chOff x="0" y="0"/>
+          <a:chExt cx="0" cy="0"/>
+        </a:xfrm>
+      </p:grpSpPr>
+      <p:sp>
+        <p:nvSpPr>
           <p:cNvPr id="2" name="Title 1"/>
           <p:cNvSpPr>
             <a:spLocks noGrp="1"/>
@@ -18340,7 +16837,7 @@
 </p:sld>
 </file>
 
-<file path=ppt/slides/slide11.xml><?xml version="1.0" encoding="utf-8"?>
+<file path=ppt/slides/slide22.xml><?xml version="1.0" encoding="utf-8"?>
 <p:sld xmlns:a="http://schemas.openxmlformats.org/drawingml/2006/main" xmlns:r="http://schemas.openxmlformats.org/officeDocument/2006/relationships" xmlns:p="http://schemas.openxmlformats.org/presentationml/2006/main">
   <p:cSld>
     <p:spTree>
@@ -18435,7 +16932,7 @@
 </p:sld>
 </file>
 
-<file path=ppt/slides/slide2.xml><?xml version="1.0" encoding="utf-8"?>
+<file path=ppt/slides/slide23.xml><?xml version="1.0" encoding="utf-8"?>
 <p:sld xmlns:a="http://schemas.openxmlformats.org/drawingml/2006/main" xmlns:r="http://schemas.openxmlformats.org/officeDocument/2006/relationships" xmlns:p="http://schemas.openxmlformats.org/presentationml/2006/main">
   <p:cSld>
     <p:spTree>
@@ -18454,7 +16951,13 @@
       </p:grpSpPr>
       <p:sp>
         <p:nvSpPr>
-          <p:cNvPr id="2" name="Title 1"/>
+          <p:cNvPr id="2" name="Title 1">
+            <a:extLst>
+              <a:ext uri="{FF2B5EF4-FFF2-40B4-BE49-F238E27FC236}">
+                <a16:creationId xmlns:a16="http://schemas.microsoft.com/office/drawing/2014/main" id="{700032AE-86CF-4383-933C-9021A37A6D8F}"/>
+              </a:ext>
+            </a:extLst>
+          </p:cNvPr>
           <p:cNvSpPr>
             <a:spLocks noGrp="1"/>
           </p:cNvSpPr>
@@ -18467,16 +16970,19 @@
           <a:bodyPr/>
           <a:lstStyle/>
           <a:p>
-            <a:r>
-              <a:rPr lang="en-US" dirty="0"/>
-              <a:t>Halil İbrahim Kalkan</a:t>
-            </a:r>
+            <a:endParaRPr lang="tr-TR"/>
           </a:p>
         </p:txBody>
       </p:sp>
       <p:sp>
         <p:nvSpPr>
-          <p:cNvPr id="3" name="Content Placeholder 2"/>
+          <p:cNvPr id="3" name="Content Placeholder 2">
+            <a:extLst>
+              <a:ext uri="{FF2B5EF4-FFF2-40B4-BE49-F238E27FC236}">
+                <a16:creationId xmlns:a16="http://schemas.microsoft.com/office/drawing/2014/main" id="{7881CEEF-206D-46CC-A023-F63C0FD584C5}"/>
+              </a:ext>
+            </a:extLst>
+          </p:cNvPr>
           <p:cNvSpPr>
             <a:spLocks noGrp="1"/>
           </p:cNvSpPr>
@@ -18489,41 +16995,14 @@
           <a:bodyPr/>
           <a:lstStyle/>
           <a:p>
-            <a:r>
-              <a:rPr lang="en-US" sz="2800" dirty="0" err="1"/>
-              <a:t>Github</a:t>
-            </a:r>
-            <a:r>
-              <a:rPr lang="en-US" sz="2800" dirty="0"/>
-              <a:t>: @hikalkan</a:t>
-            </a:r>
-          </a:p>
-          <a:p>
-            <a:r>
-              <a:rPr lang="en-US" sz="2800" dirty="0"/>
-              <a:t>Twitter: @</a:t>
-            </a:r>
-            <a:r>
-              <a:rPr lang="en-US" sz="2800" dirty="0" err="1"/>
-              <a:t>hibrahimkalkan</a:t>
-            </a:r>
-            <a:endParaRPr lang="en-US" sz="2800" dirty="0"/>
-          </a:p>
-          <a:p>
-            <a:r>
-              <a:rPr lang="en-US" sz="2800" dirty="0"/>
-              <a:t>http://halilibrahimkalkan.com</a:t>
-            </a:r>
-          </a:p>
-          <a:p>
-            <a:endParaRPr lang="en-US" dirty="0"/>
+            <a:endParaRPr lang="tr-TR"/>
           </a:p>
         </p:txBody>
       </p:sp>
     </p:spTree>
     <p:extLst>
       <p:ext uri="{BB962C8B-B14F-4D97-AF65-F5344CB8AC3E}">
-        <p14:creationId xmlns:p14="http://schemas.microsoft.com/office/powerpoint/2010/main" val="3984617762"/>
+        <p14:creationId xmlns:p14="http://schemas.microsoft.com/office/powerpoint/2010/main" val="4093661547"/>
       </p:ext>
     </p:extLst>
   </p:cSld>
@@ -18574,8 +17053,8 @@
         </p:nvSpPr>
         <p:spPr>
           <a:xfrm>
-            <a:off x="602891" y="256377"/>
-            <a:ext cx="9601200" cy="1018749"/>
+            <a:off x="622010" y="319295"/>
+            <a:ext cx="9601200" cy="637050"/>
           </a:xfrm>
         </p:spPr>
         <p:txBody>
@@ -18584,11 +17063,165 @@
           <a:p>
             <a:r>
               <a:rPr lang="en-US" dirty="0"/>
-              <a:t>ASP.NET Boilerplate</a:t>
+              <a:t>Halil İbrahim Kalkan</a:t>
+            </a:r>
+          </a:p>
+        </p:txBody>
+      </p:sp>
+      <p:sp>
+        <p:nvSpPr>
+          <p:cNvPr id="3" name="Content Placeholder 2"/>
+          <p:cNvSpPr>
+            <a:spLocks noGrp="1"/>
+          </p:cNvSpPr>
+          <p:nvPr>
+            <p:ph idx="1"/>
+          </p:nvPr>
+        </p:nvSpPr>
+        <p:spPr>
+          <a:xfrm>
+            <a:off x="622010" y="1058412"/>
+            <a:ext cx="9601200" cy="3809999"/>
+          </a:xfrm>
+        </p:spPr>
+        <p:txBody>
+          <a:bodyPr/>
+          <a:lstStyle/>
+          <a:p>
+            <a:r>
+              <a:rPr lang="en-US" sz="1200" dirty="0"/>
+              <a:t>@hikalkan</a:t>
             </a:r>
             <a:br>
-              <a:rPr lang="en-US" dirty="0"/>
+              <a:rPr lang="en-US" sz="1200" dirty="0"/>
             </a:br>
+            <a:r>
+              <a:rPr lang="en-US" sz="1200" dirty="0"/>
+              <a:t>(</a:t>
+            </a:r>
+            <a:r>
+              <a:rPr lang="en-US" sz="1200" dirty="0" err="1"/>
+              <a:t>github</a:t>
+            </a:r>
+            <a:r>
+              <a:rPr lang="en-US" sz="1200" dirty="0"/>
+              <a:t>)</a:t>
+            </a:r>
+          </a:p>
+          <a:p>
+            <a:r>
+              <a:rPr lang="en-US" sz="1200" dirty="0"/>
+              <a:t>@</a:t>
+            </a:r>
+            <a:r>
+              <a:rPr lang="en-US" sz="1200" dirty="0" err="1"/>
+              <a:t>hibrahimkalkan</a:t>
+            </a:r>
+            <a:endParaRPr lang="en-US" sz="1200" dirty="0"/>
+          </a:p>
+          <a:p>
+            <a:r>
+              <a:rPr lang="en-US" sz="1200" dirty="0"/>
+              <a:t>http://halilibrahimkalkan.com</a:t>
+            </a:r>
+          </a:p>
+          <a:p>
+            <a:endParaRPr lang="en-US" dirty="0"/>
+          </a:p>
+        </p:txBody>
+      </p:sp>
+      <p:pic>
+        <p:nvPicPr>
+          <p:cNvPr id="4" name="Picture 3">
+            <a:extLst>
+              <a:ext uri="{FF2B5EF4-FFF2-40B4-BE49-F238E27FC236}">
+                <a16:creationId xmlns:a16="http://schemas.microsoft.com/office/drawing/2014/main" id="{D3A05A87-42AF-4CC6-8AE1-E683106FFB38}"/>
+              </a:ext>
+            </a:extLst>
+          </p:cNvPr>
+          <p:cNvPicPr>
+            <a:picLocks noChangeAspect="1"/>
+          </p:cNvPicPr>
+          <p:nvPr/>
+        </p:nvPicPr>
+        <p:blipFill>
+          <a:blip r:embed="rId3"/>
+          <a:stretch>
+            <a:fillRect/>
+          </a:stretch>
+        </p:blipFill>
+        <p:spPr>
+          <a:xfrm>
+            <a:off x="3215270" y="956345"/>
+            <a:ext cx="8354720" cy="5110249"/>
+          </a:xfrm>
+          <a:prstGeom prst="rect">
+            <a:avLst/>
+          </a:prstGeom>
+        </p:spPr>
+      </p:pic>
+    </p:spTree>
+    <p:extLst>
+      <p:ext uri="{BB962C8B-B14F-4D97-AF65-F5344CB8AC3E}">
+        <p14:creationId xmlns:p14="http://schemas.microsoft.com/office/powerpoint/2010/main" val="3984617762"/>
+      </p:ext>
+    </p:extLst>
+  </p:cSld>
+  <p:clrMapOvr>
+    <a:masterClrMapping/>
+  </p:clrMapOvr>
+  <mc:AlternateContent xmlns:mc="http://schemas.openxmlformats.org/markup-compatibility/2006" xmlns:p14="http://schemas.microsoft.com/office/powerpoint/2010/main">
+    <mc:Choice Requires="p14">
+      <p:transition spd="med" p14:dur="700">
+        <p:fade/>
+      </p:transition>
+    </mc:Choice>
+    <mc:Fallback xmlns="">
+      <p:transition spd="med">
+        <p:fade/>
+      </p:transition>
+    </mc:Fallback>
+  </mc:AlternateContent>
+</p:sld>
+</file>
+
+<file path=ppt/slides/slide4.xml><?xml version="1.0" encoding="utf-8"?>
+<p:sld xmlns:a="http://schemas.openxmlformats.org/drawingml/2006/main" xmlns:r="http://schemas.openxmlformats.org/officeDocument/2006/relationships" xmlns:p="http://schemas.openxmlformats.org/presentationml/2006/main">
+  <p:cSld>
+    <p:spTree>
+      <p:nvGrpSpPr>
+        <p:cNvPr id="1" name=""/>
+        <p:cNvGrpSpPr/>
+        <p:nvPr/>
+      </p:nvGrpSpPr>
+      <p:grpSpPr>
+        <a:xfrm>
+          <a:off x="0" y="0"/>
+          <a:ext cx="0" cy="0"/>
+          <a:chOff x="0" y="0"/>
+          <a:chExt cx="0" cy="0"/>
+        </a:xfrm>
+      </p:grpSpPr>
+      <p:sp>
+        <p:nvSpPr>
+          <p:cNvPr id="2" name="Title 1"/>
+          <p:cNvSpPr>
+            <a:spLocks noGrp="1"/>
+          </p:cNvSpPr>
+          <p:nvPr>
+            <p:ph type="title"/>
+          </p:nvPr>
+        </p:nvSpPr>
+        <p:spPr>
+          <a:xfrm>
+            <a:off x="875589" y="1179047"/>
+            <a:ext cx="9601200" cy="584670"/>
+          </a:xfrm>
+        </p:spPr>
+        <p:txBody>
+          <a:bodyPr/>
+          <a:lstStyle/>
+          <a:p>
             <a:r>
               <a:rPr lang="en-US" sz="2400" i="1" dirty="0">
                 <a:solidFill>
@@ -18598,7 +17231,7 @@
                   </a:schemeClr>
                 </a:solidFill>
               </a:rPr>
-              <a:t>https://aspnetboilerplate.com</a:t>
+              <a:t>aspnetboilerplate.com</a:t>
             </a:r>
             <a:endParaRPr lang="en-US" i="1" dirty="0">
               <a:solidFill>
@@ -18655,7 +17288,7 @@
         </p:nvSpPr>
         <p:spPr>
           <a:xfrm>
-            <a:off x="602891" y="1481550"/>
+            <a:off x="611280" y="1935122"/>
             <a:ext cx="5101623" cy="923330"/>
           </a:xfrm>
           <a:prstGeom prst="rect">
@@ -18675,7 +17308,7 @@
             </a:pPr>
             <a:r>
               <a:rPr lang="en-US" dirty="0"/>
-              <a:t>4.5+ years of continuous development.</a:t>
+              <a:t>4.5 years of continuous development.</a:t>
             </a:r>
           </a:p>
           <a:p>
@@ -18746,352 +17379,57 @@
           </a:prstGeom>
         </p:spPr>
       </p:pic>
+      <p:pic>
+        <p:nvPicPr>
+          <p:cNvPr id="1026" name="Picture 2" descr="logo">
+            <a:extLst>
+              <a:ext uri="{FF2B5EF4-FFF2-40B4-BE49-F238E27FC236}">
+                <a16:creationId xmlns:a16="http://schemas.microsoft.com/office/drawing/2014/main" id="{002E207E-3547-4129-85C7-D54EA029E6A0}"/>
+              </a:ext>
+            </a:extLst>
+          </p:cNvPr>
+          <p:cNvPicPr>
+            <a:picLocks noChangeAspect="1" noChangeArrowheads="1"/>
+          </p:cNvPicPr>
+          <p:nvPr/>
+        </p:nvPicPr>
+        <p:blipFill>
+          <a:blip r:embed="rId4">
+            <a:extLst>
+              <a:ext uri="{28A0092B-C50C-407E-A947-70E740481C1C}">
+                <a14:useLocalDpi xmlns:a14="http://schemas.microsoft.com/office/drawing/2010/main" val="0"/>
+              </a:ext>
+            </a:extLst>
+          </a:blip>
+          <a:srcRect/>
+          <a:stretch>
+            <a:fillRect/>
+          </a:stretch>
+        </p:blipFill>
+        <p:spPr bwMode="auto">
+          <a:xfrm>
+            <a:off x="611280" y="226864"/>
+            <a:ext cx="2364284" cy="990044"/>
+          </a:xfrm>
+          <a:prstGeom prst="rect">
+            <a:avLst/>
+          </a:prstGeom>
+          <a:noFill/>
+          <a:extLst>
+            <a:ext uri="{909E8E84-426E-40DD-AFC4-6F175D3DCCD1}">
+              <a14:hiddenFill xmlns:a14="http://schemas.microsoft.com/office/drawing/2010/main">
+                <a:solidFill>
+                  <a:srgbClr val="FFFFFF"/>
+                </a:solidFill>
+              </a14:hiddenFill>
+            </a:ext>
+          </a:extLst>
+        </p:spPr>
+      </p:pic>
     </p:spTree>
     <p:extLst>
       <p:ext uri="{BB962C8B-B14F-4D97-AF65-F5344CB8AC3E}">
         <p14:creationId xmlns:p14="http://schemas.microsoft.com/office/powerpoint/2010/main" val="1476019738"/>
-      </p:ext>
-    </p:extLst>
-  </p:cSld>
-  <p:clrMapOvr>
-    <a:masterClrMapping/>
-  </p:clrMapOvr>
-  <mc:AlternateContent xmlns:mc="http://schemas.openxmlformats.org/markup-compatibility/2006" xmlns:p14="http://schemas.microsoft.com/office/powerpoint/2010/main">
-    <mc:Choice Requires="p14">
-      <p:transition spd="med" p14:dur="700">
-        <p:fade/>
-      </p:transition>
-    </mc:Choice>
-    <mc:Fallback xmlns="">
-      <p:transition spd="med">
-        <p:fade/>
-      </p:transition>
-    </mc:Fallback>
-  </mc:AlternateContent>
-</p:sld>
-</file>
-
-<file path=ppt/slides/slide4.xml><?xml version="1.0" encoding="utf-8"?>
-<p:sld xmlns:a="http://schemas.openxmlformats.org/drawingml/2006/main" xmlns:r="http://schemas.openxmlformats.org/officeDocument/2006/relationships" xmlns:p="http://schemas.openxmlformats.org/presentationml/2006/main">
-  <p:cSld>
-    <p:spTree>
-      <p:nvGrpSpPr>
-        <p:cNvPr id="1" name=""/>
-        <p:cNvGrpSpPr/>
-        <p:nvPr/>
-      </p:nvGrpSpPr>
-      <p:grpSpPr>
-        <a:xfrm>
-          <a:off x="0" y="0"/>
-          <a:ext cx="0" cy="0"/>
-          <a:chOff x="0" y="0"/>
-          <a:chExt cx="0" cy="0"/>
-        </a:xfrm>
-      </p:grpSpPr>
-      <p:sp>
-        <p:nvSpPr>
-          <p:cNvPr id="2" name="Title 1"/>
-          <p:cNvSpPr>
-            <a:spLocks noGrp="1"/>
-          </p:cNvSpPr>
-          <p:nvPr>
-            <p:ph type="title"/>
-          </p:nvPr>
-        </p:nvSpPr>
-        <p:spPr/>
-        <p:txBody>
-          <a:bodyPr/>
-          <a:lstStyle/>
-          <a:p>
-            <a:r>
-              <a:rPr lang="en-US" dirty="0"/>
-              <a:t>Two content layout with table</a:t>
-            </a:r>
-          </a:p>
-        </p:txBody>
-      </p:sp>
-      <p:sp>
-        <p:nvSpPr>
-          <p:cNvPr id="3" name="Content Placeholder 2"/>
-          <p:cNvSpPr>
-            <a:spLocks noGrp="1"/>
-          </p:cNvSpPr>
-          <p:nvPr>
-            <p:ph sz="half" idx="1"/>
-          </p:nvPr>
-        </p:nvSpPr>
-        <p:spPr/>
-        <p:txBody>
-          <a:bodyPr/>
-          <a:lstStyle/>
-          <a:p>
-            <a:r>
-              <a:rPr lang="en-US" dirty="0"/>
-              <a:t>First bullet point here</a:t>
-            </a:r>
-          </a:p>
-          <a:p>
-            <a:r>
-              <a:rPr lang="en-US" dirty="0"/>
-              <a:t>Second bullet point here</a:t>
-            </a:r>
-          </a:p>
-          <a:p>
-            <a:r>
-              <a:rPr lang="en-US" dirty="0"/>
-              <a:t>Third bullet point here</a:t>
-            </a:r>
-          </a:p>
-        </p:txBody>
-      </p:sp>
-      <p:graphicFrame>
-        <p:nvGraphicFramePr>
-          <p:cNvPr id="5" name="Content Placeholder 4"/>
-          <p:cNvGraphicFramePr>
-            <a:graphicFrameLocks noGrp="1"/>
-          </p:cNvGraphicFramePr>
-          <p:nvPr>
-            <p:ph sz="half" idx="2"/>
-            <p:extLst>
-              <p:ext uri="{D42A27DB-BD31-4B8C-83A1-F6EECF244321}">
-                <p14:modId xmlns:p14="http://schemas.microsoft.com/office/powerpoint/2010/main" val="1856702625"/>
-              </p:ext>
-            </p:extLst>
-          </p:nvPr>
-        </p:nvGraphicFramePr>
-        <p:xfrm>
-          <a:off x="6324600" y="1981200"/>
-          <a:ext cx="4572000" cy="2141912"/>
-        </p:xfrm>
-        <a:graphic>
-          <a:graphicData uri="http://schemas.openxmlformats.org/drawingml/2006/table">
-            <a:tbl>
-              <a:tblPr firstRow="1" bandRow="1">
-                <a:tableStyleId>{BC89EF96-8CEA-46FF-86C4-4CE0E7609802}</a:tableStyleId>
-              </a:tblPr>
-              <a:tblGrid>
-                <a:gridCol w="1524000">
-                  <a:extLst>
-                    <a:ext uri="{9D8B030D-6E8A-4147-A177-3AD203B41FA5}">
-                      <a16:colId xmlns:a16="http://schemas.microsoft.com/office/drawing/2014/main" val="20000"/>
-                    </a:ext>
-                  </a:extLst>
-                </a:gridCol>
-                <a:gridCol w="1524000">
-                  <a:extLst>
-                    <a:ext uri="{9D8B030D-6E8A-4147-A177-3AD203B41FA5}">
-                      <a16:colId xmlns:a16="http://schemas.microsoft.com/office/drawing/2014/main" val="20001"/>
-                    </a:ext>
-                  </a:extLst>
-                </a:gridCol>
-                <a:gridCol w="1524000">
-                  <a:extLst>
-                    <a:ext uri="{9D8B030D-6E8A-4147-A177-3AD203B41FA5}">
-                      <a16:colId xmlns:a16="http://schemas.microsoft.com/office/drawing/2014/main" val="20002"/>
-                    </a:ext>
-                  </a:extLst>
-                </a:gridCol>
-              </a:tblGrid>
-              <a:tr h="535478">
-                <a:tc>
-                  <a:txBody>
-                    <a:bodyPr/>
-                    <a:lstStyle/>
-                    <a:p>
-                      <a:r>
-                        <a:rPr lang="en-US" dirty="0"/>
-                        <a:t>Class</a:t>
-                      </a:r>
-                    </a:p>
-                  </a:txBody>
-                  <a:tcPr anchor="ctr"/>
-                </a:tc>
-                <a:tc>
-                  <a:txBody>
-                    <a:bodyPr/>
-                    <a:lstStyle/>
-                    <a:p>
-                      <a:pPr algn="ctr"/>
-                      <a:r>
-                        <a:rPr lang="en-US" dirty="0"/>
-                        <a:t>Group 1</a:t>
-                      </a:r>
-                    </a:p>
-                  </a:txBody>
-                  <a:tcPr anchor="ctr"/>
-                </a:tc>
-                <a:tc>
-                  <a:txBody>
-                    <a:bodyPr/>
-                    <a:lstStyle/>
-                    <a:p>
-                      <a:pPr algn="ctr"/>
-                      <a:r>
-                        <a:rPr lang="en-US" dirty="0"/>
-                        <a:t>Group 2</a:t>
-                      </a:r>
-                    </a:p>
-                  </a:txBody>
-                  <a:tcPr anchor="ctr"/>
-                </a:tc>
-                <a:extLst>
-                  <a:ext uri="{0D108BD9-81ED-4DB2-BD59-A6C34878D82A}">
-                    <a16:rowId xmlns:a16="http://schemas.microsoft.com/office/drawing/2014/main" val="10000"/>
-                  </a:ext>
-                </a:extLst>
-              </a:tr>
-              <a:tr h="535478">
-                <a:tc>
-                  <a:txBody>
-                    <a:bodyPr/>
-                    <a:lstStyle/>
-                    <a:p>
-                      <a:r>
-                        <a:rPr lang="en-US" dirty="0"/>
-                        <a:t>Class 1</a:t>
-                      </a:r>
-                    </a:p>
-                  </a:txBody>
-                  <a:tcPr anchor="ctr"/>
-                </a:tc>
-                <a:tc>
-                  <a:txBody>
-                    <a:bodyPr/>
-                    <a:lstStyle/>
-                    <a:p>
-                      <a:pPr algn="ctr"/>
-                      <a:r>
-                        <a:rPr lang="en-US" dirty="0"/>
-                        <a:t>82</a:t>
-                      </a:r>
-                    </a:p>
-                  </a:txBody>
-                  <a:tcPr anchor="ctr"/>
-                </a:tc>
-                <a:tc>
-                  <a:txBody>
-                    <a:bodyPr/>
-                    <a:lstStyle/>
-                    <a:p>
-                      <a:pPr algn="ctr"/>
-                      <a:r>
-                        <a:rPr lang="en-US" dirty="0"/>
-                        <a:t>95</a:t>
-                      </a:r>
-                    </a:p>
-                  </a:txBody>
-                  <a:tcPr anchor="ctr"/>
-                </a:tc>
-                <a:extLst>
-                  <a:ext uri="{0D108BD9-81ED-4DB2-BD59-A6C34878D82A}">
-                    <a16:rowId xmlns:a16="http://schemas.microsoft.com/office/drawing/2014/main" val="10001"/>
-                  </a:ext>
-                </a:extLst>
-              </a:tr>
-              <a:tr h="535478">
-                <a:tc>
-                  <a:txBody>
-                    <a:bodyPr/>
-                    <a:lstStyle/>
-                    <a:p>
-                      <a:r>
-                        <a:rPr lang="en-US" dirty="0"/>
-                        <a:t>Class 2</a:t>
-                      </a:r>
-                    </a:p>
-                  </a:txBody>
-                  <a:tcPr anchor="ctr"/>
-                </a:tc>
-                <a:tc>
-                  <a:txBody>
-                    <a:bodyPr/>
-                    <a:lstStyle/>
-                    <a:p>
-                      <a:pPr algn="ctr"/>
-                      <a:r>
-                        <a:rPr lang="en-US" dirty="0"/>
-                        <a:t>76</a:t>
-                      </a:r>
-                    </a:p>
-                  </a:txBody>
-                  <a:tcPr anchor="ctr"/>
-                </a:tc>
-                <a:tc>
-                  <a:txBody>
-                    <a:bodyPr/>
-                    <a:lstStyle/>
-                    <a:p>
-                      <a:pPr algn="ctr"/>
-                      <a:r>
-                        <a:rPr lang="en-US" dirty="0"/>
-                        <a:t>88</a:t>
-                      </a:r>
-                    </a:p>
-                  </a:txBody>
-                  <a:tcPr anchor="ctr"/>
-                </a:tc>
-                <a:extLst>
-                  <a:ext uri="{0D108BD9-81ED-4DB2-BD59-A6C34878D82A}">
-                    <a16:rowId xmlns:a16="http://schemas.microsoft.com/office/drawing/2014/main" val="10002"/>
-                  </a:ext>
-                </a:extLst>
-              </a:tr>
-              <a:tr h="535478">
-                <a:tc>
-                  <a:txBody>
-                    <a:bodyPr/>
-                    <a:lstStyle/>
-                    <a:p>
-                      <a:r>
-                        <a:rPr lang="en-US" dirty="0"/>
-                        <a:t>Class 3</a:t>
-                      </a:r>
-                    </a:p>
-                  </a:txBody>
-                  <a:tcPr anchor="ctr"/>
-                </a:tc>
-                <a:tc>
-                  <a:txBody>
-                    <a:bodyPr/>
-                    <a:lstStyle/>
-                    <a:p>
-                      <a:pPr algn="ctr"/>
-                      <a:r>
-                        <a:rPr lang="en-US" dirty="0"/>
-                        <a:t>84</a:t>
-                      </a:r>
-                    </a:p>
-                  </a:txBody>
-                  <a:tcPr anchor="ctr"/>
-                </a:tc>
-                <a:tc>
-                  <a:txBody>
-                    <a:bodyPr/>
-                    <a:lstStyle/>
-                    <a:p>
-                      <a:pPr algn="ctr"/>
-                      <a:r>
-                        <a:rPr lang="en-US" dirty="0"/>
-                        <a:t>90</a:t>
-                      </a:r>
-                    </a:p>
-                  </a:txBody>
-                  <a:tcPr anchor="ctr"/>
-                </a:tc>
-                <a:extLst>
-                  <a:ext uri="{0D108BD9-81ED-4DB2-BD59-A6C34878D82A}">
-                    <a16:rowId xmlns:a16="http://schemas.microsoft.com/office/drawing/2014/main" val="10003"/>
-                  </a:ext>
-                </a:extLst>
-              </a:tr>
-            </a:tbl>
-          </a:graphicData>
-        </a:graphic>
-      </p:graphicFrame>
-    </p:spTree>
-    <p:extLst>
-      <p:ext uri="{BB962C8B-B14F-4D97-AF65-F5344CB8AC3E}">
-        <p14:creationId xmlns:p14="http://schemas.microsoft.com/office/powerpoint/2010/main" val="2475092730"/>
       </p:ext>
     </p:extLst>
   </p:cSld>
@@ -19130,57 +17468,87 @@
           <a:chExt cx="0" cy="0"/>
         </a:xfrm>
       </p:grpSpPr>
-      <p:sp>
-        <p:nvSpPr>
-          <p:cNvPr id="2" name="Title 1"/>
-          <p:cNvSpPr>
-            <a:spLocks noGrp="1"/>
-          </p:cNvSpPr>
-          <p:nvPr>
-            <p:ph type="title"/>
-          </p:nvPr>
-        </p:nvSpPr>
-        <p:spPr/>
-        <p:txBody>
-          <a:bodyPr/>
-          <a:lstStyle/>
-          <a:p>
-            <a:r>
-              <a:rPr lang="en-US" dirty="0"/>
-              <a:t>Title and content layout with SmartArt</a:t>
-            </a:r>
-          </a:p>
-        </p:txBody>
-      </p:sp>
-      <p:graphicFrame>
-        <p:nvGraphicFramePr>
-          <p:cNvPr id="4" name="Content Placeholder 3" descr="Process Arrows diagram showing 3 steps arranged from left to right with task descriptions for each group"/>
-          <p:cNvGraphicFramePr>
-            <a:graphicFrameLocks noGrp="1"/>
-          </p:cNvGraphicFramePr>
-          <p:nvPr>
-            <p:ph idx="1"/>
-            <p:extLst>
-              <p:ext uri="{D42A27DB-BD31-4B8C-83A1-F6EECF244321}">
-                <p14:modId xmlns:p14="http://schemas.microsoft.com/office/powerpoint/2010/main" val="662401178"/>
-              </p:ext>
-            </p:extLst>
-          </p:nvPr>
-        </p:nvGraphicFramePr>
-        <p:xfrm>
-          <a:off x="1295400" y="1981200"/>
-          <a:ext cx="9601200" cy="3810000"/>
-        </p:xfrm>
-        <a:graphic>
-          <a:graphicData uri="http://schemas.openxmlformats.org/drawingml/2006/diagram">
-            <dgm:relIds xmlns:dgm="http://schemas.openxmlformats.org/drawingml/2006/diagram" xmlns:r="http://schemas.openxmlformats.org/officeDocument/2006/relationships" r:dm="rId2" r:lo="rId3" r:qs="rId4" r:cs="rId5"/>
-          </a:graphicData>
-        </a:graphic>
-      </p:graphicFrame>
+      <p:pic>
+        <p:nvPicPr>
+          <p:cNvPr id="6" name="Picture 5">
+            <a:extLst>
+              <a:ext uri="{FF2B5EF4-FFF2-40B4-BE49-F238E27FC236}">
+                <a16:creationId xmlns:a16="http://schemas.microsoft.com/office/drawing/2014/main" id="{275BD81B-8896-4F71-B558-98A6A399BF35}"/>
+              </a:ext>
+            </a:extLst>
+          </p:cNvPr>
+          <p:cNvPicPr>
+            <a:picLocks noChangeAspect="1"/>
+          </p:cNvPicPr>
+          <p:nvPr/>
+        </p:nvPicPr>
+        <p:blipFill>
+          <a:blip r:embed="rId2"/>
+          <a:stretch>
+            <a:fillRect/>
+          </a:stretch>
+        </p:blipFill>
+        <p:spPr>
+          <a:xfrm>
+            <a:off x="2520083" y="500331"/>
+            <a:ext cx="9060637" cy="5584276"/>
+          </a:xfrm>
+          <a:prstGeom prst="rect">
+            <a:avLst/>
+          </a:prstGeom>
+        </p:spPr>
+      </p:pic>
+      <p:pic>
+        <p:nvPicPr>
+          <p:cNvPr id="7" name="Picture 2" descr="logo">
+            <a:extLst>
+              <a:ext uri="{FF2B5EF4-FFF2-40B4-BE49-F238E27FC236}">
+                <a16:creationId xmlns:a16="http://schemas.microsoft.com/office/drawing/2014/main" id="{8EA1A416-0D29-42B1-A695-4D2C6F96BB9B}"/>
+              </a:ext>
+            </a:extLst>
+          </p:cNvPr>
+          <p:cNvPicPr>
+            <a:picLocks noChangeAspect="1" noChangeArrowheads="1"/>
+          </p:cNvPicPr>
+          <p:nvPr/>
+        </p:nvPicPr>
+        <p:blipFill>
+          <a:blip r:embed="rId3">
+            <a:extLst>
+              <a:ext uri="{28A0092B-C50C-407E-A947-70E740481C1C}">
+                <a14:useLocalDpi xmlns:a14="http://schemas.microsoft.com/office/drawing/2010/main" val="0"/>
+              </a:ext>
+            </a:extLst>
+          </a:blip>
+          <a:srcRect/>
+          <a:stretch>
+            <a:fillRect/>
+          </a:stretch>
+        </p:blipFill>
+        <p:spPr bwMode="auto">
+          <a:xfrm>
+            <a:off x="611280" y="226864"/>
+            <a:ext cx="2364284" cy="990044"/>
+          </a:xfrm>
+          <a:prstGeom prst="rect">
+            <a:avLst/>
+          </a:prstGeom>
+          <a:noFill/>
+          <a:extLst>
+            <a:ext uri="{909E8E84-426E-40DD-AFC4-6F175D3DCCD1}">
+              <a14:hiddenFill xmlns:a14="http://schemas.microsoft.com/office/drawing/2010/main">
+                <a:solidFill>
+                  <a:srgbClr val="FFFFFF"/>
+                </a:solidFill>
+              </a14:hiddenFill>
+            </a:ext>
+          </a:extLst>
+        </p:spPr>
+      </p:pic>
     </p:spTree>
     <p:extLst>
       <p:ext uri="{BB962C8B-B14F-4D97-AF65-F5344CB8AC3E}">
-        <p14:creationId xmlns:p14="http://schemas.microsoft.com/office/powerpoint/2010/main" val="2761515851"/>
+        <p14:creationId xmlns:p14="http://schemas.microsoft.com/office/powerpoint/2010/main" val="2115427522"/>
       </p:ext>
     </p:extLst>
   </p:cSld>
@@ -19219,51 +17587,104 @@
           <a:chExt cx="0" cy="0"/>
         </a:xfrm>
       </p:grpSpPr>
-      <p:sp>
-        <p:nvSpPr>
-          <p:cNvPr id="2" name="Title 1"/>
-          <p:cNvSpPr>
-            <a:spLocks noGrp="1"/>
-          </p:cNvSpPr>
-          <p:nvPr>
-            <p:ph type="title"/>
-          </p:nvPr>
-        </p:nvSpPr>
-        <p:spPr/>
-        <p:txBody>
-          <a:bodyPr/>
-          <a:lstStyle/>
-          <a:p>
-            <a:r>
-              <a:rPr lang="en-US" dirty="0"/>
-              <a:t>Add a Slide Title - 1</a:t>
-            </a:r>
-          </a:p>
-        </p:txBody>
-      </p:sp>
-      <p:sp>
-        <p:nvSpPr>
-          <p:cNvPr id="3" name="Text Placeholder 2"/>
-          <p:cNvSpPr>
-            <a:spLocks noGrp="1"/>
-          </p:cNvSpPr>
-          <p:nvPr>
-            <p:ph type="body" idx="1"/>
-          </p:nvPr>
-        </p:nvSpPr>
-        <p:spPr/>
-        <p:txBody>
-          <a:bodyPr/>
-          <a:lstStyle/>
-          <a:p>
-            <a:endParaRPr lang="en-US"/>
-          </a:p>
-        </p:txBody>
-      </p:sp>
+      <p:pic>
+        <p:nvPicPr>
+          <p:cNvPr id="2050" name="Picture 2" descr="http://aspnetboilerplate.com/images/home/abp-concerns.png">
+            <a:extLst>
+              <a:ext uri="{FF2B5EF4-FFF2-40B4-BE49-F238E27FC236}">
+                <a16:creationId xmlns:a16="http://schemas.microsoft.com/office/drawing/2014/main" id="{F094C3FC-1A0C-4A03-B86E-A0BB0094EBFF}"/>
+              </a:ext>
+            </a:extLst>
+          </p:cNvPr>
+          <p:cNvPicPr>
+            <a:picLocks noChangeAspect="1" noChangeArrowheads="1"/>
+          </p:cNvPicPr>
+          <p:nvPr/>
+        </p:nvPicPr>
+        <p:blipFill>
+          <a:blip r:embed="rId2">
+            <a:extLst>
+              <a:ext uri="{28A0092B-C50C-407E-A947-70E740481C1C}">
+                <a14:useLocalDpi xmlns:a14="http://schemas.microsoft.com/office/drawing/2010/main" val="0"/>
+              </a:ext>
+            </a:extLst>
+          </a:blip>
+          <a:srcRect/>
+          <a:stretch>
+            <a:fillRect/>
+          </a:stretch>
+        </p:blipFill>
+        <p:spPr bwMode="auto">
+          <a:xfrm>
+            <a:off x="1477860" y="265519"/>
+            <a:ext cx="9882495" cy="5648719"/>
+          </a:xfrm>
+          <a:prstGeom prst="rect">
+            <a:avLst/>
+          </a:prstGeom>
+          <a:noFill/>
+          <a:extLst>
+            <a:ext uri="{909E8E84-426E-40DD-AFC4-6F175D3DCCD1}">
+              <a14:hiddenFill xmlns:a14="http://schemas.microsoft.com/office/drawing/2010/main">
+                <a:solidFill>
+                  <a:srgbClr val="FFFFFF"/>
+                </a:solidFill>
+              </a14:hiddenFill>
+            </a:ext>
+          </a:extLst>
+        </p:spPr>
+      </p:pic>
+      <p:pic>
+        <p:nvPicPr>
+          <p:cNvPr id="5" name="Picture 2" descr="logo">
+            <a:extLst>
+              <a:ext uri="{FF2B5EF4-FFF2-40B4-BE49-F238E27FC236}">
+                <a16:creationId xmlns:a16="http://schemas.microsoft.com/office/drawing/2014/main" id="{F5498197-3FE5-4D35-A136-5D2B3AB8BFC4}"/>
+              </a:ext>
+            </a:extLst>
+          </p:cNvPr>
+          <p:cNvPicPr>
+            <a:picLocks noChangeAspect="1" noChangeArrowheads="1"/>
+          </p:cNvPicPr>
+          <p:nvPr/>
+        </p:nvPicPr>
+        <p:blipFill>
+          <a:blip r:embed="rId3">
+            <a:extLst>
+              <a:ext uri="{28A0092B-C50C-407E-A947-70E740481C1C}">
+                <a14:useLocalDpi xmlns:a14="http://schemas.microsoft.com/office/drawing/2010/main" val="0"/>
+              </a:ext>
+            </a:extLst>
+          </a:blip>
+          <a:srcRect/>
+          <a:stretch>
+            <a:fillRect/>
+          </a:stretch>
+        </p:blipFill>
+        <p:spPr bwMode="auto">
+          <a:xfrm>
+            <a:off x="611280" y="226864"/>
+            <a:ext cx="2364284" cy="990044"/>
+          </a:xfrm>
+          <a:prstGeom prst="rect">
+            <a:avLst/>
+          </a:prstGeom>
+          <a:noFill/>
+          <a:extLst>
+            <a:ext uri="{909E8E84-426E-40DD-AFC4-6F175D3DCCD1}">
+              <a14:hiddenFill xmlns:a14="http://schemas.microsoft.com/office/drawing/2010/main">
+                <a:solidFill>
+                  <a:srgbClr val="FFFFFF"/>
+                </a:solidFill>
+              </a14:hiddenFill>
+            </a:ext>
+          </a:extLst>
+        </p:spPr>
+      </p:pic>
     </p:spTree>
     <p:extLst>
       <p:ext uri="{BB962C8B-B14F-4D97-AF65-F5344CB8AC3E}">
-        <p14:creationId xmlns:p14="http://schemas.microsoft.com/office/powerpoint/2010/main" val="2362296366"/>
+        <p14:creationId xmlns:p14="http://schemas.microsoft.com/office/powerpoint/2010/main" val="1300805094"/>
       </p:ext>
     </p:extLst>
   </p:cSld>
@@ -19304,7 +17725,13 @@
       </p:grpSpPr>
       <p:sp>
         <p:nvSpPr>
-          <p:cNvPr id="2" name="Title 1"/>
+          <p:cNvPr id="2" name="Title 1">
+            <a:extLst>
+              <a:ext uri="{FF2B5EF4-FFF2-40B4-BE49-F238E27FC236}">
+                <a16:creationId xmlns:a16="http://schemas.microsoft.com/office/drawing/2014/main" id="{CD52D61D-500C-4780-9151-68DA2B15E2B1}"/>
+              </a:ext>
+            </a:extLst>
+          </p:cNvPr>
           <p:cNvSpPr>
             <a:spLocks noGrp="1"/>
           </p:cNvSpPr>
@@ -19317,21 +17744,24 @@
           <a:bodyPr/>
           <a:lstStyle/>
           <a:p>
-            <a:r>
-              <a:rPr lang="en-US" dirty="0"/>
-              <a:t>Add a Slide Title - 2</a:t>
-            </a:r>
+            <a:endParaRPr lang="tr-TR"/>
           </a:p>
         </p:txBody>
       </p:sp>
       <p:sp>
         <p:nvSpPr>
-          <p:cNvPr id="3" name="Text Placeholder 2"/>
+          <p:cNvPr id="3" name="Content Placeholder 2">
+            <a:extLst>
+              <a:ext uri="{FF2B5EF4-FFF2-40B4-BE49-F238E27FC236}">
+                <a16:creationId xmlns:a16="http://schemas.microsoft.com/office/drawing/2014/main" id="{BA8AE4F5-8A64-4CEB-9B00-5CCB732BC388}"/>
+              </a:ext>
+            </a:extLst>
+          </p:cNvPr>
           <p:cNvSpPr>
             <a:spLocks noGrp="1"/>
           </p:cNvSpPr>
           <p:nvPr>
-            <p:ph type="body" idx="1"/>
+            <p:ph idx="1"/>
           </p:nvPr>
         </p:nvSpPr>
         <p:spPr/>
@@ -19339,71 +17769,88 @@
           <a:bodyPr/>
           <a:lstStyle/>
           <a:p>
-            <a:endParaRPr lang="en-US"/>
+            <a:endParaRPr lang="tr-TR"/>
           </a:p>
         </p:txBody>
       </p:sp>
+      <p:pic>
+        <p:nvPicPr>
+          <p:cNvPr id="4" name="Picture 3">
+            <a:extLst>
+              <a:ext uri="{FF2B5EF4-FFF2-40B4-BE49-F238E27FC236}">
+                <a16:creationId xmlns:a16="http://schemas.microsoft.com/office/drawing/2014/main" id="{83863B50-47C2-4C11-A6BE-BAE7A888F09D}"/>
+              </a:ext>
+            </a:extLst>
+          </p:cNvPr>
+          <p:cNvPicPr>
+            <a:picLocks noChangeAspect="1"/>
+          </p:cNvPicPr>
+          <p:nvPr/>
+        </p:nvPicPr>
+        <p:blipFill>
+          <a:blip r:embed="rId2"/>
+          <a:stretch>
+            <a:fillRect/>
+          </a:stretch>
+        </p:blipFill>
+        <p:spPr>
+          <a:xfrm>
+            <a:off x="859421" y="234892"/>
+            <a:ext cx="10473157" cy="5876136"/>
+          </a:xfrm>
+          <a:prstGeom prst="rect">
+            <a:avLst/>
+          </a:prstGeom>
+          <a:ln w="12700">
+            <a:solidFill>
+              <a:schemeClr val="bg1">
+                <a:lumMod val="50000"/>
+              </a:schemeClr>
+            </a:solidFill>
+          </a:ln>
+        </p:spPr>
+      </p:pic>
       <p:sp>
         <p:nvSpPr>
-          <p:cNvPr id="4" name="Content Placeholder 3"/>
-          <p:cNvSpPr>
-            <a:spLocks noGrp="1"/>
-          </p:cNvSpPr>
-          <p:nvPr>
-            <p:ph sz="half" idx="2"/>
-          </p:nvPr>
+          <p:cNvPr id="5" name="TextBox 4">
+            <a:extLst>
+              <a:ext uri="{FF2B5EF4-FFF2-40B4-BE49-F238E27FC236}">
+                <a16:creationId xmlns:a16="http://schemas.microsoft.com/office/drawing/2014/main" id="{1F45B609-FB29-48E2-9A99-AD0B3F7C9096}"/>
+              </a:ext>
+            </a:extLst>
+          </p:cNvPr>
+          <p:cNvSpPr txBox="1"/>
+          <p:nvPr/>
         </p:nvSpPr>
-        <p:spPr/>
+        <p:spPr>
+          <a:xfrm>
+            <a:off x="1295400" y="6251507"/>
+            <a:ext cx="9601200" cy="461665"/>
+          </a:xfrm>
+          <a:prstGeom prst="rect">
+            <a:avLst/>
+          </a:prstGeom>
+          <a:noFill/>
+        </p:spPr>
         <p:txBody>
-          <a:bodyPr/>
+          <a:bodyPr wrap="square" rtlCol="0">
+            <a:spAutoFit/>
+          </a:bodyPr>
           <a:lstStyle/>
           <a:p>
-            <a:endParaRPr lang="en-US"/>
-          </a:p>
-        </p:txBody>
-      </p:sp>
-      <p:sp>
-        <p:nvSpPr>
-          <p:cNvPr id="5" name="Text Placeholder 4"/>
-          <p:cNvSpPr>
-            <a:spLocks noGrp="1"/>
-          </p:cNvSpPr>
-          <p:nvPr>
-            <p:ph type="body" sz="quarter" idx="3"/>
-          </p:nvPr>
-        </p:nvSpPr>
-        <p:spPr/>
-        <p:txBody>
-          <a:bodyPr/>
-          <a:lstStyle/>
-          <a:p>
-            <a:endParaRPr lang="en-US"/>
-          </a:p>
-        </p:txBody>
-      </p:sp>
-      <p:sp>
-        <p:nvSpPr>
-          <p:cNvPr id="6" name="Content Placeholder 5"/>
-          <p:cNvSpPr>
-            <a:spLocks noGrp="1"/>
-          </p:cNvSpPr>
-          <p:nvPr>
-            <p:ph sz="quarter" idx="4"/>
-          </p:nvPr>
-        </p:nvSpPr>
-        <p:spPr/>
-        <p:txBody>
-          <a:bodyPr/>
-          <a:lstStyle/>
-          <a:p>
-            <a:endParaRPr lang="en-US"/>
+            <a:pPr algn="ctr"/>
+            <a:r>
+              <a:rPr lang="en-US" sz="2400" i="1" dirty="0"/>
+              <a:t>aspnetzero.com</a:t>
+            </a:r>
+            <a:endParaRPr lang="tr-TR" sz="2400" i="1" dirty="0"/>
           </a:p>
         </p:txBody>
       </p:sp>
     </p:spTree>
     <p:extLst>
       <p:ext uri="{BB962C8B-B14F-4D97-AF65-F5344CB8AC3E}">
-        <p14:creationId xmlns:p14="http://schemas.microsoft.com/office/powerpoint/2010/main" val="3229171051"/>
+        <p14:creationId xmlns:p14="http://schemas.microsoft.com/office/powerpoint/2010/main" val="1435232991"/>
       </p:ext>
     </p:extLst>
   </p:cSld>
@@ -19459,7 +17906,29 @@
           <a:p>
             <a:r>
               <a:rPr lang="en-US" dirty="0"/>
-              <a:t>Add a Slide Title - 3</a:t>
+              <a:t>SaaS</a:t>
+            </a:r>
+          </a:p>
+        </p:txBody>
+      </p:sp>
+      <p:sp>
+        <p:nvSpPr>
+          <p:cNvPr id="3" name="Text Placeholder 2"/>
+          <p:cNvSpPr>
+            <a:spLocks noGrp="1"/>
+          </p:cNvSpPr>
+          <p:nvPr>
+            <p:ph type="body" idx="1"/>
+          </p:nvPr>
+        </p:nvSpPr>
+        <p:spPr/>
+        <p:txBody>
+          <a:bodyPr/>
+          <a:lstStyle/>
+          <a:p>
+            <a:r>
+              <a:rPr lang="en-US" dirty="0"/>
+              <a:t>Software as a Service</a:t>
             </a:r>
           </a:p>
         </p:txBody>
@@ -19467,7 +17936,7 @@
     </p:spTree>
     <p:extLst>
       <p:ext uri="{BB962C8B-B14F-4D97-AF65-F5344CB8AC3E}">
-        <p14:creationId xmlns:p14="http://schemas.microsoft.com/office/powerpoint/2010/main" val="452733939"/>
+        <p14:creationId xmlns:p14="http://schemas.microsoft.com/office/powerpoint/2010/main" val="2362296366"/>
       </p:ext>
     </p:extLst>
   </p:cSld>
@@ -19506,10 +17975,146 @@
           <a:chExt cx="0" cy="0"/>
         </a:xfrm>
       </p:grpSpPr>
+      <p:sp>
+        <p:nvSpPr>
+          <p:cNvPr id="2" name="Title 1">
+            <a:extLst>
+              <a:ext uri="{FF2B5EF4-FFF2-40B4-BE49-F238E27FC236}">
+                <a16:creationId xmlns:a16="http://schemas.microsoft.com/office/drawing/2014/main" id="{C911D7D6-EF83-4DA2-9615-47E3CA320FFD}"/>
+              </a:ext>
+            </a:extLst>
+          </p:cNvPr>
+          <p:cNvSpPr>
+            <a:spLocks noGrp="1"/>
+          </p:cNvSpPr>
+          <p:nvPr>
+            <p:ph type="title"/>
+          </p:nvPr>
+        </p:nvSpPr>
+        <p:spPr/>
+        <p:txBody>
+          <a:bodyPr anchor="t"/>
+          <a:lstStyle/>
+          <a:p>
+            <a:r>
+              <a:rPr lang="en-US" dirty="0"/>
+              <a:t>On-Premise / IaaS / PaaS / SaaS</a:t>
+            </a:r>
+            <a:endParaRPr lang="tr-TR" dirty="0"/>
+          </a:p>
+        </p:txBody>
+      </p:sp>
+      <p:pic>
+        <p:nvPicPr>
+          <p:cNvPr id="4098" name="Picture 2" descr="Image result for saas">
+            <a:extLst>
+              <a:ext uri="{FF2B5EF4-FFF2-40B4-BE49-F238E27FC236}">
+                <a16:creationId xmlns:a16="http://schemas.microsoft.com/office/drawing/2014/main" id="{2F238478-BEAF-4484-A2E0-7E7A55E2BD26}"/>
+              </a:ext>
+            </a:extLst>
+          </p:cNvPr>
+          <p:cNvPicPr>
+            <a:picLocks noChangeAspect="1" noChangeArrowheads="1"/>
+          </p:cNvPicPr>
+          <p:nvPr/>
+        </p:nvPicPr>
+        <p:blipFill>
+          <a:blip r:embed="rId2">
+            <a:extLst>
+              <a:ext uri="{28A0092B-C50C-407E-A947-70E740481C1C}">
+                <a14:useLocalDpi xmlns:a14="http://schemas.microsoft.com/office/drawing/2010/main" val="0"/>
+              </a:ext>
+            </a:extLst>
+          </a:blip>
+          <a:srcRect/>
+          <a:stretch>
+            <a:fillRect/>
+          </a:stretch>
+        </p:blipFill>
+        <p:spPr bwMode="auto">
+          <a:xfrm>
+            <a:off x="2876161" y="1169264"/>
+            <a:ext cx="6439678" cy="4773406"/>
+          </a:xfrm>
+          <a:prstGeom prst="rect">
+            <a:avLst/>
+          </a:prstGeom>
+          <a:noFill/>
+          <a:extLst>
+            <a:ext uri="{909E8E84-426E-40DD-AFC4-6F175D3DCCD1}">
+              <a14:hiddenFill xmlns:a14="http://schemas.microsoft.com/office/drawing/2010/main">
+                <a:solidFill>
+                  <a:srgbClr val="FFFFFF"/>
+                </a:solidFill>
+              </a14:hiddenFill>
+            </a:ext>
+          </a:extLst>
+        </p:spPr>
+      </p:pic>
+      <p:pic>
+        <p:nvPicPr>
+          <p:cNvPr id="5" name="Picture 4">
+            <a:extLst>
+              <a:ext uri="{FF2B5EF4-FFF2-40B4-BE49-F238E27FC236}">
+                <a16:creationId xmlns:a16="http://schemas.microsoft.com/office/drawing/2014/main" id="{2364D306-554E-4D95-9F28-254B0E1537AD}"/>
+              </a:ext>
+            </a:extLst>
+          </p:cNvPr>
+          <p:cNvPicPr>
+            <a:picLocks noChangeAspect="1"/>
+          </p:cNvPicPr>
+          <p:nvPr/>
+        </p:nvPicPr>
+        <p:blipFill>
+          <a:blip r:embed="rId3"/>
+          <a:stretch>
+            <a:fillRect/>
+          </a:stretch>
+        </p:blipFill>
+        <p:spPr>
+          <a:xfrm>
+            <a:off x="9462796" y="2702135"/>
+            <a:ext cx="2453695" cy="1453730"/>
+          </a:xfrm>
+          <a:prstGeom prst="rect">
+            <a:avLst/>
+          </a:prstGeom>
+        </p:spPr>
+      </p:pic>
+      <p:pic>
+        <p:nvPicPr>
+          <p:cNvPr id="6" name="Picture 5">
+            <a:extLst>
+              <a:ext uri="{FF2B5EF4-FFF2-40B4-BE49-F238E27FC236}">
+                <a16:creationId xmlns:a16="http://schemas.microsoft.com/office/drawing/2014/main" id="{9283E8F6-BAB6-4B02-AFE5-B168E5C508AC}"/>
+              </a:ext>
+            </a:extLst>
+          </p:cNvPr>
+          <p:cNvPicPr>
+            <a:picLocks noChangeAspect="1"/>
+          </p:cNvPicPr>
+          <p:nvPr/>
+        </p:nvPicPr>
+        <p:blipFill>
+          <a:blip r:embed="rId4"/>
+          <a:stretch>
+            <a:fillRect/>
+          </a:stretch>
+        </p:blipFill>
+        <p:spPr>
+          <a:xfrm>
+            <a:off x="186547" y="2265932"/>
+            <a:ext cx="2542657" cy="3240535"/>
+          </a:xfrm>
+          <a:prstGeom prst="rect">
+            <a:avLst/>
+          </a:prstGeom>
+        </p:spPr>
+      </p:pic>
     </p:spTree>
     <p:extLst>
       <p:ext uri="{BB962C8B-B14F-4D97-AF65-F5344CB8AC3E}">
-        <p14:creationId xmlns:p14="http://schemas.microsoft.com/office/powerpoint/2010/main" val="1544302913"/>
+        <p14:creationId xmlns:p14="http://schemas.microsoft.com/office/powerpoint/2010/main" val="2914953632"/>
       </p:ext>
     </p:extLst>
   </p:cSld>

--- a/2018-01-06-Multi-Tenancy/Multi-Tenancy.pptx
+++ b/2018-01-06-Multi-Tenancy/Multi-Tenancy.pptx
@@ -5,10 +5,10 @@
     <p:sldMasterId id="2147483648" r:id="rId1"/>
   </p:sldMasterIdLst>
   <p:notesMasterIdLst>
-    <p:notesMasterId r:id="rId25"/>
+    <p:notesMasterId r:id="rId31"/>
   </p:notesMasterIdLst>
   <p:handoutMasterIdLst>
-    <p:handoutMasterId r:id="rId26"/>
+    <p:handoutMasterId r:id="rId32"/>
   </p:handoutMasterIdLst>
   <p:sldIdLst>
     <p:sldId id="261" r:id="rId2"/>
@@ -29,11 +29,17 @@
     <p:sldId id="287" r:id="rId17"/>
     <p:sldId id="283" r:id="rId18"/>
     <p:sldId id="284" r:id="rId19"/>
-    <p:sldId id="285" r:id="rId20"/>
-    <p:sldId id="286" r:id="rId21"/>
-    <p:sldId id="269" r:id="rId22"/>
-    <p:sldId id="270" r:id="rId23"/>
-    <p:sldId id="276" r:id="rId24"/>
+    <p:sldId id="290" r:id="rId20"/>
+    <p:sldId id="292" r:id="rId21"/>
+    <p:sldId id="291" r:id="rId22"/>
+    <p:sldId id="293" r:id="rId23"/>
+    <p:sldId id="285" r:id="rId24"/>
+    <p:sldId id="286" r:id="rId25"/>
+    <p:sldId id="288" r:id="rId26"/>
+    <p:sldId id="289" r:id="rId27"/>
+    <p:sldId id="269" r:id="rId28"/>
+    <p:sldId id="270" r:id="rId29"/>
+    <p:sldId id="276" r:id="rId30"/>
   </p:sldIdLst>
   <p:sldSz cx="12192000" cy="6858000"/>
   <p:notesSz cx="6858000" cy="9144000"/>
@@ -16084,7 +16090,7 @@
           <a:p>
             <a:r>
               <a:rPr lang="en-US" dirty="0"/>
-              <a:t>Infrastructure</a:t>
+              <a:t>Infrastructure: Determine the Current Tenant</a:t>
             </a:r>
           </a:p>
         </p:txBody>
@@ -16400,46 +16406,49 @@
         </p:nvSpPr>
         <p:spPr/>
         <p:txBody>
-          <a:bodyPr/>
+          <a:bodyPr anchor="t"/>
           <a:lstStyle/>
           <a:p>
             <a:r>
               <a:rPr lang="en-US" dirty="0"/>
-              <a:t>Ambient Scopes / </a:t>
-            </a:r>
-            <a:r>
-              <a:rPr lang="en-US"/>
-              <a:t>AsyncLocal</a:t>
+              <a:t>Ambient Context Pattern (without it)</a:t>
             </a:r>
             <a:endParaRPr lang="tr-TR" dirty="0"/>
           </a:p>
         </p:txBody>
       </p:sp>
-      <p:sp>
-        <p:nvSpPr>
-          <p:cNvPr id="3" name="Content Placeholder 2">
+      <p:pic>
+        <p:nvPicPr>
+          <p:cNvPr id="4" name="Content Placeholder 3">
             <a:extLst>
               <a:ext uri="{FF2B5EF4-FFF2-40B4-BE49-F238E27FC236}">
-                <a16:creationId xmlns:a16="http://schemas.microsoft.com/office/drawing/2014/main" id="{0576FD1C-E1A0-430B-9A5F-7F1A8C49D139}"/>
+                <a16:creationId xmlns:a16="http://schemas.microsoft.com/office/drawing/2014/main" id="{89DA037A-3C1E-42F5-A40F-CF9EEEE625DA}"/>
               </a:ext>
             </a:extLst>
           </p:cNvPr>
-          <p:cNvSpPr>
-            <a:spLocks noGrp="1"/>
-          </p:cNvSpPr>
+          <p:cNvPicPr>
+            <a:picLocks noGrp="1" noChangeAspect="1"/>
+          </p:cNvPicPr>
           <p:nvPr>
             <p:ph idx="1"/>
           </p:nvPr>
-        </p:nvSpPr>
-        <p:spPr/>
-        <p:txBody>
-          <a:bodyPr/>
-          <a:lstStyle/>
-          <a:p>
-            <a:endParaRPr lang="tr-TR" dirty="0"/>
-          </a:p>
-        </p:txBody>
-      </p:sp>
+        </p:nvPicPr>
+        <p:blipFill>
+          <a:blip r:embed="rId2"/>
+          <a:stretch>
+            <a:fillRect/>
+          </a:stretch>
+        </p:blipFill>
+        <p:spPr>
+          <a:xfrm>
+            <a:off x="1295400" y="1075044"/>
+            <a:ext cx="7107820" cy="5634642"/>
+          </a:xfrm>
+          <a:prstGeom prst="rect">
+            <a:avLst/>
+          </a:prstGeom>
+        </p:spPr>
+      </p:pic>
     </p:spTree>
     <p:extLst>
       <p:ext uri="{BB962C8B-B14F-4D97-AF65-F5344CB8AC3E}">
@@ -16487,7 +16496,7 @@
           <p:cNvPr id="2" name="Title 1">
             <a:extLst>
               <a:ext uri="{FF2B5EF4-FFF2-40B4-BE49-F238E27FC236}">
-                <a16:creationId xmlns:a16="http://schemas.microsoft.com/office/drawing/2014/main" id="{31886CA7-6B54-420B-B41A-56BA3B272A8C}"/>
+                <a16:creationId xmlns:a16="http://schemas.microsoft.com/office/drawing/2014/main" id="{364760BF-5077-4665-BF8F-AF6317205880}"/>
               </a:ext>
             </a:extLst>
           </p:cNvPr>
@@ -16500,42 +16509,53 @@
         </p:nvSpPr>
         <p:spPr/>
         <p:txBody>
-          <a:bodyPr/>
+          <a:bodyPr anchor="t"/>
           <a:lstStyle/>
           <a:p>
-            <a:endParaRPr lang="tr-TR"/>
+            <a:r>
+              <a:rPr lang="en-US" dirty="0"/>
+              <a:t>Ambient Context Pattern</a:t>
+            </a:r>
+            <a:endParaRPr lang="tr-TR" dirty="0"/>
           </a:p>
         </p:txBody>
       </p:sp>
-      <p:sp>
-        <p:nvSpPr>
-          <p:cNvPr id="3" name="Content Placeholder 2">
+      <p:pic>
+        <p:nvPicPr>
+          <p:cNvPr id="4" name="Content Placeholder 3">
             <a:extLst>
               <a:ext uri="{FF2B5EF4-FFF2-40B4-BE49-F238E27FC236}">
-                <a16:creationId xmlns:a16="http://schemas.microsoft.com/office/drawing/2014/main" id="{1C61CB86-5B3A-4D9F-B112-F167F60EE618}"/>
+                <a16:creationId xmlns:a16="http://schemas.microsoft.com/office/drawing/2014/main" id="{FD2D99C7-A33E-4AF6-A1C4-8EFF6252975D}"/>
               </a:ext>
             </a:extLst>
           </p:cNvPr>
-          <p:cNvSpPr>
-            <a:spLocks noGrp="1"/>
-          </p:cNvSpPr>
+          <p:cNvPicPr>
+            <a:picLocks noGrp="1" noChangeAspect="1"/>
+          </p:cNvPicPr>
           <p:nvPr>
             <p:ph idx="1"/>
           </p:nvPr>
-        </p:nvSpPr>
-        <p:spPr/>
-        <p:txBody>
-          <a:bodyPr/>
-          <a:lstStyle/>
-          <a:p>
-            <a:endParaRPr lang="tr-TR"/>
-          </a:p>
-        </p:txBody>
-      </p:sp>
+        </p:nvPicPr>
+        <p:blipFill>
+          <a:blip r:embed="rId2"/>
+          <a:stretch>
+            <a:fillRect/>
+          </a:stretch>
+        </p:blipFill>
+        <p:spPr>
+          <a:xfrm>
+            <a:off x="1337841" y="1075045"/>
+            <a:ext cx="5560670" cy="5592506"/>
+          </a:xfrm>
+          <a:prstGeom prst="rect">
+            <a:avLst/>
+          </a:prstGeom>
+        </p:spPr>
+      </p:pic>
     </p:spTree>
     <p:extLst>
       <p:ext uri="{BB962C8B-B14F-4D97-AF65-F5344CB8AC3E}">
-        <p14:creationId xmlns:p14="http://schemas.microsoft.com/office/powerpoint/2010/main" val="3509578581"/>
+        <p14:creationId xmlns:p14="http://schemas.microsoft.com/office/powerpoint/2010/main" val="1629037855"/>
       </p:ext>
     </p:extLst>
   </p:cSld>
@@ -16665,7 +16685,7 @@
           <p:cNvPr id="2" name="Title 1">
             <a:extLst>
               <a:ext uri="{FF2B5EF4-FFF2-40B4-BE49-F238E27FC236}">
-                <a16:creationId xmlns:a16="http://schemas.microsoft.com/office/drawing/2014/main" id="{264AA260-73D8-4CD3-9BC5-B38689D3B871}"/>
+                <a16:creationId xmlns:a16="http://schemas.microsoft.com/office/drawing/2014/main" id="{D1BC0365-7AFA-449E-B730-0E7BB0EE4191}"/>
               </a:ext>
             </a:extLst>
           </p:cNvPr>
@@ -16681,7 +16701,11 @@
           <a:bodyPr/>
           <a:lstStyle/>
           <a:p>
-            <a:endParaRPr lang="tr-TR"/>
+            <a:r>
+              <a:rPr lang="en-US" dirty="0"/>
+              <a:t>Ambient Context Examples</a:t>
+            </a:r>
+            <a:endParaRPr lang="tr-TR" dirty="0"/>
           </a:p>
         </p:txBody>
       </p:sp>
@@ -16690,7 +16714,7 @@
           <p:cNvPr id="3" name="Content Placeholder 2">
             <a:extLst>
               <a:ext uri="{FF2B5EF4-FFF2-40B4-BE49-F238E27FC236}">
-                <a16:creationId xmlns:a16="http://schemas.microsoft.com/office/drawing/2014/main" id="{4417C13D-727C-4E70-A5D4-4CD16E9F4521}"/>
+                <a16:creationId xmlns:a16="http://schemas.microsoft.com/office/drawing/2014/main" id="{0FEF8EF1-643C-461C-8C38-EEF7748DD3E3}"/>
               </a:ext>
             </a:extLst>
           </p:cNvPr>
@@ -16706,10 +16730,533 @@
           <a:bodyPr/>
           <a:lstStyle/>
           <a:p>
-            <a:endParaRPr lang="tr-TR"/>
+            <a:r>
+              <a:rPr lang="en-US" dirty="0" err="1"/>
+              <a:t>HttpContext</a:t>
+            </a:r>
+            <a:r>
+              <a:rPr lang="en-US" dirty="0">
+                <a:solidFill>
+                  <a:schemeClr val="bg1">
+                    <a:lumMod val="65000"/>
+                  </a:schemeClr>
+                </a:solidFill>
+              </a:rPr>
+              <a:t> (</a:t>
+            </a:r>
+            <a:r>
+              <a:rPr lang="en-US" dirty="0" err="1">
+                <a:solidFill>
+                  <a:schemeClr val="bg1">
+                    <a:lumMod val="65000"/>
+                  </a:schemeClr>
+                </a:solidFill>
+              </a:rPr>
+              <a:t>IHttpContextAccessor</a:t>
+            </a:r>
+            <a:r>
+              <a:rPr lang="en-US" dirty="0">
+                <a:solidFill>
+                  <a:schemeClr val="bg1">
+                    <a:lumMod val="65000"/>
+                  </a:schemeClr>
+                </a:solidFill>
+              </a:rPr>
+              <a:t>)</a:t>
+            </a:r>
+          </a:p>
+          <a:p>
+            <a:r>
+              <a:rPr lang="en-US" dirty="0" err="1"/>
+              <a:t>CultureInfo</a:t>
+            </a:r>
+            <a:r>
+              <a:rPr lang="en-US" dirty="0"/>
+              <a:t>.</a:t>
+            </a:r>
+            <a:r>
+              <a:rPr lang="tr-TR" dirty="0" err="1"/>
+              <a:t>CurrentUICulture</a:t>
+            </a:r>
+            <a:r>
+              <a:rPr lang="en-US" dirty="0"/>
+              <a:t> / </a:t>
+            </a:r>
+            <a:r>
+              <a:rPr lang="tr-TR" dirty="0" err="1"/>
+              <a:t>Thread.CurrentThread.CurrentUICulture</a:t>
+            </a:r>
+            <a:endParaRPr lang="en-US" dirty="0"/>
+          </a:p>
+          <a:p>
+            <a:r>
+              <a:rPr lang="tr-TR" dirty="0" err="1"/>
+              <a:t>Thread.CurrentPrincipal</a:t>
+            </a:r>
+            <a:endParaRPr lang="en-US" dirty="0"/>
+          </a:p>
+          <a:p>
+            <a:endParaRPr lang="tr-TR" dirty="0"/>
           </a:p>
         </p:txBody>
       </p:sp>
+    </p:spTree>
+    <p:extLst>
+      <p:ext uri="{BB962C8B-B14F-4D97-AF65-F5344CB8AC3E}">
+        <p14:creationId xmlns:p14="http://schemas.microsoft.com/office/powerpoint/2010/main" val="3729273209"/>
+      </p:ext>
+    </p:extLst>
+  </p:cSld>
+  <p:clrMapOvr>
+    <a:masterClrMapping/>
+  </p:clrMapOvr>
+  <mc:AlternateContent xmlns:mc="http://schemas.openxmlformats.org/markup-compatibility/2006" xmlns:p14="http://schemas.microsoft.com/office/powerpoint/2010/main">
+    <mc:Choice Requires="p14">
+      <p:transition spd="med" p14:dur="700">
+        <p:fade/>
+      </p:transition>
+    </mc:Choice>
+    <mc:Fallback xmlns="">
+      <p:transition spd="med">
+        <p:fade/>
+      </p:transition>
+    </mc:Fallback>
+  </mc:AlternateContent>
+</p:sld>
+</file>
+
+<file path=ppt/slides/slide21.xml><?xml version="1.0" encoding="utf-8"?>
+<p:sld xmlns:a="http://schemas.openxmlformats.org/drawingml/2006/main" xmlns:r="http://schemas.openxmlformats.org/officeDocument/2006/relationships" xmlns:p="http://schemas.openxmlformats.org/presentationml/2006/main">
+  <p:cSld>
+    <p:spTree>
+      <p:nvGrpSpPr>
+        <p:cNvPr id="1" name=""/>
+        <p:cNvGrpSpPr/>
+        <p:nvPr/>
+      </p:nvGrpSpPr>
+      <p:grpSpPr>
+        <a:xfrm>
+          <a:off x="0" y="0"/>
+          <a:ext cx="0" cy="0"/>
+          <a:chOff x="0" y="0"/>
+          <a:chExt cx="0" cy="0"/>
+        </a:xfrm>
+      </p:grpSpPr>
+      <p:sp>
+        <p:nvSpPr>
+          <p:cNvPr id="2" name="Title 1">
+            <a:extLst>
+              <a:ext uri="{FF2B5EF4-FFF2-40B4-BE49-F238E27FC236}">
+                <a16:creationId xmlns:a16="http://schemas.microsoft.com/office/drawing/2014/main" id="{2E2B8DE9-42AF-4B4F-B72A-C0D3BEFE7AD0}"/>
+              </a:ext>
+            </a:extLst>
+          </p:cNvPr>
+          <p:cNvSpPr>
+            <a:spLocks noGrp="1"/>
+          </p:cNvSpPr>
+          <p:nvPr>
+            <p:ph type="title"/>
+          </p:nvPr>
+        </p:nvSpPr>
+        <p:spPr/>
+        <p:txBody>
+          <a:bodyPr/>
+          <a:lstStyle/>
+          <a:p>
+            <a:r>
+              <a:rPr lang="en-US" dirty="0"/>
+              <a:t>Implementation using </a:t>
+            </a:r>
+            <a:r>
+              <a:rPr lang="en-US" dirty="0" err="1"/>
+              <a:t>AsyncLocal</a:t>
+            </a:r>
+            <a:r>
+              <a:rPr lang="en-US" dirty="0"/>
+              <a:t>&lt;T&gt;</a:t>
+            </a:r>
+            <a:endParaRPr lang="tr-TR" dirty="0"/>
+          </a:p>
+        </p:txBody>
+      </p:sp>
+      <p:pic>
+        <p:nvPicPr>
+          <p:cNvPr id="5" name="Content Placeholder 4">
+            <a:extLst>
+              <a:ext uri="{FF2B5EF4-FFF2-40B4-BE49-F238E27FC236}">
+                <a16:creationId xmlns:a16="http://schemas.microsoft.com/office/drawing/2014/main" id="{88DD898F-F7B8-4C94-A933-22B21D013AB5}"/>
+              </a:ext>
+            </a:extLst>
+          </p:cNvPr>
+          <p:cNvPicPr>
+            <a:picLocks noGrp="1" noChangeAspect="1"/>
+          </p:cNvPicPr>
+          <p:nvPr>
+            <p:ph idx="1"/>
+          </p:nvPr>
+        </p:nvPicPr>
+        <p:blipFill>
+          <a:blip r:embed="rId2"/>
+          <a:stretch>
+            <a:fillRect/>
+          </a:stretch>
+        </p:blipFill>
+        <p:spPr>
+          <a:xfrm>
+            <a:off x="785311" y="1922106"/>
+            <a:ext cx="10601061" cy="3722913"/>
+          </a:xfrm>
+          <a:prstGeom prst="rect">
+            <a:avLst/>
+          </a:prstGeom>
+        </p:spPr>
+      </p:pic>
+    </p:spTree>
+    <p:extLst>
+      <p:ext uri="{BB962C8B-B14F-4D97-AF65-F5344CB8AC3E}">
+        <p14:creationId xmlns:p14="http://schemas.microsoft.com/office/powerpoint/2010/main" val="2470603370"/>
+      </p:ext>
+    </p:extLst>
+  </p:cSld>
+  <p:clrMapOvr>
+    <a:masterClrMapping/>
+  </p:clrMapOvr>
+  <mc:AlternateContent xmlns:mc="http://schemas.openxmlformats.org/markup-compatibility/2006" xmlns:p14="http://schemas.microsoft.com/office/powerpoint/2010/main">
+    <mc:Choice Requires="p14">
+      <p:transition spd="med" p14:dur="700">
+        <p:fade/>
+      </p:transition>
+    </mc:Choice>
+    <mc:Fallback xmlns="">
+      <p:transition spd="med">
+        <p:fade/>
+      </p:transition>
+    </mc:Fallback>
+  </mc:AlternateContent>
+</p:sld>
+</file>
+
+<file path=ppt/slides/slide22.xml><?xml version="1.0" encoding="utf-8"?>
+<p:sld xmlns:a="http://schemas.openxmlformats.org/drawingml/2006/main" xmlns:r="http://schemas.openxmlformats.org/officeDocument/2006/relationships" xmlns:p="http://schemas.openxmlformats.org/presentationml/2006/main">
+  <p:cSld>
+    <p:spTree>
+      <p:nvGrpSpPr>
+        <p:cNvPr id="1" name=""/>
+        <p:cNvGrpSpPr/>
+        <p:nvPr/>
+      </p:nvGrpSpPr>
+      <p:grpSpPr>
+        <a:xfrm>
+          <a:off x="0" y="0"/>
+          <a:ext cx="0" cy="0"/>
+          <a:chOff x="0" y="0"/>
+          <a:chExt cx="0" cy="0"/>
+        </a:xfrm>
+      </p:grpSpPr>
+      <p:sp>
+        <p:nvSpPr>
+          <p:cNvPr id="2" name="Title 1">
+            <a:extLst>
+              <a:ext uri="{FF2B5EF4-FFF2-40B4-BE49-F238E27FC236}">
+                <a16:creationId xmlns:a16="http://schemas.microsoft.com/office/drawing/2014/main" id="{7A9E2EDD-2613-4597-B17F-2720C59D1E51}"/>
+              </a:ext>
+            </a:extLst>
+          </p:cNvPr>
+          <p:cNvSpPr>
+            <a:spLocks noGrp="1"/>
+          </p:cNvSpPr>
+          <p:nvPr>
+            <p:ph type="title"/>
+          </p:nvPr>
+        </p:nvSpPr>
+        <p:spPr/>
+        <p:txBody>
+          <a:bodyPr/>
+          <a:lstStyle/>
+          <a:p>
+            <a:r>
+              <a:rPr lang="en-US" dirty="0" err="1"/>
+              <a:t>AsyncLocal</a:t>
+            </a:r>
+            <a:r>
+              <a:rPr lang="en-US" dirty="0"/>
+              <a:t>&lt;T&gt; Alternatives</a:t>
+            </a:r>
+            <a:endParaRPr lang="tr-TR" dirty="0"/>
+          </a:p>
+        </p:txBody>
+      </p:sp>
+      <p:sp>
+        <p:nvSpPr>
+          <p:cNvPr id="3" name="Content Placeholder 2">
+            <a:extLst>
+              <a:ext uri="{FF2B5EF4-FFF2-40B4-BE49-F238E27FC236}">
+                <a16:creationId xmlns:a16="http://schemas.microsoft.com/office/drawing/2014/main" id="{AE8D16A0-1FEF-41A2-A666-4997071C34C6}"/>
+              </a:ext>
+            </a:extLst>
+          </p:cNvPr>
+          <p:cNvSpPr>
+            <a:spLocks noGrp="1"/>
+          </p:cNvSpPr>
+          <p:nvPr>
+            <p:ph idx="1"/>
+          </p:nvPr>
+        </p:nvSpPr>
+        <p:spPr/>
+        <p:txBody>
+          <a:bodyPr/>
+          <a:lstStyle/>
+          <a:p>
+            <a:r>
+              <a:rPr lang="en-US" dirty="0"/>
+              <a:t>Public static … Multi-threading problem!</a:t>
+            </a:r>
+            <a:endParaRPr lang="tr-TR" dirty="0"/>
+          </a:p>
+          <a:p>
+            <a:r>
+              <a:rPr lang="en-US" dirty="0" err="1"/>
+              <a:t>HttpContext</a:t>
+            </a:r>
+            <a:r>
+              <a:rPr lang="en-US" dirty="0"/>
+              <a:t>: Web-depended!</a:t>
+            </a:r>
+          </a:p>
+          <a:p>
+            <a:r>
+              <a:rPr lang="en-US" dirty="0" err="1"/>
+              <a:t>ThreadStatic</a:t>
+            </a:r>
+            <a:r>
+              <a:rPr lang="en-US" dirty="0"/>
+              <a:t> / </a:t>
+            </a:r>
+            <a:r>
+              <a:rPr lang="en-US" dirty="0" err="1"/>
+              <a:t>ThreadLocal</a:t>
+            </a:r>
+            <a:r>
+              <a:rPr lang="en-US" dirty="0"/>
+              <a:t>&lt;T&gt;: Not </a:t>
+            </a:r>
+            <a:r>
+              <a:rPr lang="en-US" dirty="0" err="1"/>
+              <a:t>async</a:t>
+            </a:r>
+            <a:r>
+              <a:rPr lang="en-US" dirty="0"/>
+              <a:t>/await friendly!</a:t>
+            </a:r>
+          </a:p>
+        </p:txBody>
+      </p:sp>
+    </p:spTree>
+    <p:extLst>
+      <p:ext uri="{BB962C8B-B14F-4D97-AF65-F5344CB8AC3E}">
+        <p14:creationId xmlns:p14="http://schemas.microsoft.com/office/powerpoint/2010/main" val="2287395433"/>
+      </p:ext>
+    </p:extLst>
+  </p:cSld>
+  <p:clrMapOvr>
+    <a:masterClrMapping/>
+  </p:clrMapOvr>
+  <mc:AlternateContent xmlns:mc="http://schemas.openxmlformats.org/markup-compatibility/2006" xmlns:p14="http://schemas.microsoft.com/office/powerpoint/2010/main">
+    <mc:Choice Requires="p14">
+      <p:transition spd="med" p14:dur="700">
+        <p:fade/>
+      </p:transition>
+    </mc:Choice>
+    <mc:Fallback xmlns="">
+      <p:transition spd="med">
+        <p:fade/>
+      </p:transition>
+    </mc:Fallback>
+  </mc:AlternateContent>
+</p:sld>
+</file>
+
+<file path=ppt/slides/slide23.xml><?xml version="1.0" encoding="utf-8"?>
+<p:sld xmlns:a="http://schemas.openxmlformats.org/drawingml/2006/main" xmlns:r="http://schemas.openxmlformats.org/officeDocument/2006/relationships" xmlns:p="http://schemas.openxmlformats.org/presentationml/2006/main">
+  <p:cSld>
+    <p:spTree>
+      <p:nvGrpSpPr>
+        <p:cNvPr id="1" name=""/>
+        <p:cNvGrpSpPr/>
+        <p:nvPr/>
+      </p:nvGrpSpPr>
+      <p:grpSpPr>
+        <a:xfrm>
+          <a:off x="0" y="0"/>
+          <a:ext cx="0" cy="0"/>
+          <a:chOff x="0" y="0"/>
+          <a:chExt cx="0" cy="0"/>
+        </a:xfrm>
+      </p:grpSpPr>
+      <p:sp>
+        <p:nvSpPr>
+          <p:cNvPr id="2" name="Title 1">
+            <a:extLst>
+              <a:ext uri="{FF2B5EF4-FFF2-40B4-BE49-F238E27FC236}">
+                <a16:creationId xmlns:a16="http://schemas.microsoft.com/office/drawing/2014/main" id="{31886CA7-6B54-420B-B41A-56BA3B272A8C}"/>
+              </a:ext>
+            </a:extLst>
+          </p:cNvPr>
+          <p:cNvSpPr>
+            <a:spLocks noGrp="1"/>
+          </p:cNvSpPr>
+          <p:nvPr>
+            <p:ph type="title"/>
+          </p:nvPr>
+        </p:nvSpPr>
+        <p:spPr/>
+        <p:txBody>
+          <a:bodyPr anchor="t"/>
+          <a:lstStyle/>
+          <a:p>
+            <a:r>
+              <a:rPr lang="en-US" dirty="0"/>
+              <a:t>ASP.NET Core Multi-Tenancy Middleware</a:t>
+            </a:r>
+            <a:endParaRPr lang="tr-TR" dirty="0"/>
+          </a:p>
+        </p:txBody>
+      </p:sp>
+      <p:pic>
+        <p:nvPicPr>
+          <p:cNvPr id="4" name="Content Placeholder 3">
+            <a:extLst>
+              <a:ext uri="{FF2B5EF4-FFF2-40B4-BE49-F238E27FC236}">
+                <a16:creationId xmlns:a16="http://schemas.microsoft.com/office/drawing/2014/main" id="{A082CE77-5BE4-4BBD-A1A7-0A34107C33EE}"/>
+              </a:ext>
+            </a:extLst>
+          </p:cNvPr>
+          <p:cNvPicPr>
+            <a:picLocks noGrp="1" noChangeAspect="1"/>
+          </p:cNvPicPr>
+          <p:nvPr>
+            <p:ph idx="1"/>
+          </p:nvPr>
+        </p:nvPicPr>
+        <p:blipFill>
+          <a:blip r:embed="rId2"/>
+          <a:stretch>
+            <a:fillRect/>
+          </a:stretch>
+        </p:blipFill>
+        <p:spPr>
+          <a:xfrm>
+            <a:off x="2480480" y="1065714"/>
+            <a:ext cx="7231039" cy="5531028"/>
+          </a:xfrm>
+          <a:prstGeom prst="rect">
+            <a:avLst/>
+          </a:prstGeom>
+        </p:spPr>
+      </p:pic>
+    </p:spTree>
+    <p:extLst>
+      <p:ext uri="{BB962C8B-B14F-4D97-AF65-F5344CB8AC3E}">
+        <p14:creationId xmlns:p14="http://schemas.microsoft.com/office/powerpoint/2010/main" val="3509578581"/>
+      </p:ext>
+    </p:extLst>
+  </p:cSld>
+  <p:clrMapOvr>
+    <a:masterClrMapping/>
+  </p:clrMapOvr>
+  <mc:AlternateContent xmlns:mc="http://schemas.openxmlformats.org/markup-compatibility/2006" xmlns:p14="http://schemas.microsoft.com/office/powerpoint/2010/main">
+    <mc:Choice Requires="p14">
+      <p:transition spd="med" p14:dur="700">
+        <p:fade/>
+      </p:transition>
+    </mc:Choice>
+    <mc:Fallback xmlns="">
+      <p:transition spd="med">
+        <p:fade/>
+      </p:transition>
+    </mc:Fallback>
+  </mc:AlternateContent>
+</p:sld>
+</file>
+
+<file path=ppt/slides/slide24.xml><?xml version="1.0" encoding="utf-8"?>
+<p:sld xmlns:a="http://schemas.openxmlformats.org/drawingml/2006/main" xmlns:r="http://schemas.openxmlformats.org/officeDocument/2006/relationships" xmlns:p="http://schemas.openxmlformats.org/presentationml/2006/main">
+  <p:cSld>
+    <p:spTree>
+      <p:nvGrpSpPr>
+        <p:cNvPr id="1" name=""/>
+        <p:cNvGrpSpPr/>
+        <p:nvPr/>
+      </p:nvGrpSpPr>
+      <p:grpSpPr>
+        <a:xfrm>
+          <a:off x="0" y="0"/>
+          <a:ext cx="0" cy="0"/>
+          <a:chOff x="0" y="0"/>
+          <a:chExt cx="0" cy="0"/>
+        </a:xfrm>
+      </p:grpSpPr>
+      <p:sp>
+        <p:nvSpPr>
+          <p:cNvPr id="2" name="Title 1">
+            <a:extLst>
+              <a:ext uri="{FF2B5EF4-FFF2-40B4-BE49-F238E27FC236}">
+                <a16:creationId xmlns:a16="http://schemas.microsoft.com/office/drawing/2014/main" id="{264AA260-73D8-4CD3-9BC5-B38689D3B871}"/>
+              </a:ext>
+            </a:extLst>
+          </p:cNvPr>
+          <p:cNvSpPr>
+            <a:spLocks noGrp="1"/>
+          </p:cNvSpPr>
+          <p:nvPr>
+            <p:ph type="title"/>
+          </p:nvPr>
+        </p:nvSpPr>
+        <p:spPr/>
+        <p:txBody>
+          <a:bodyPr anchor="t"/>
+          <a:lstStyle/>
+          <a:p>
+            <a:r>
+              <a:rPr lang="en-US" dirty="0"/>
+              <a:t>ASP.NET Core Multi-Tenancy Middleware</a:t>
+            </a:r>
+            <a:endParaRPr lang="tr-TR" dirty="0"/>
+          </a:p>
+        </p:txBody>
+      </p:sp>
+      <p:pic>
+        <p:nvPicPr>
+          <p:cNvPr id="4" name="Content Placeholder 3">
+            <a:extLst>
+              <a:ext uri="{FF2B5EF4-FFF2-40B4-BE49-F238E27FC236}">
+                <a16:creationId xmlns:a16="http://schemas.microsoft.com/office/drawing/2014/main" id="{6A6EBB88-636E-4FC5-91F1-F08BEE21651C}"/>
+              </a:ext>
+            </a:extLst>
+          </p:cNvPr>
+          <p:cNvPicPr>
+            <a:picLocks noGrp="1" noChangeAspect="1"/>
+          </p:cNvPicPr>
+          <p:nvPr>
+            <p:ph idx="1"/>
+          </p:nvPr>
+        </p:nvPicPr>
+        <p:blipFill>
+          <a:blip r:embed="rId2"/>
+          <a:stretch>
+            <a:fillRect/>
+          </a:stretch>
+        </p:blipFill>
+        <p:spPr>
+          <a:xfrm>
+            <a:off x="1527468" y="1075045"/>
+            <a:ext cx="9137064" cy="4868555"/>
+          </a:xfrm>
+          <a:prstGeom prst="rect">
+            <a:avLst/>
+          </a:prstGeom>
+        </p:spPr>
+      </p:pic>
     </p:spTree>
     <p:extLst>
       <p:ext uri="{BB962C8B-B14F-4D97-AF65-F5344CB8AC3E}">
@@ -16735,7 +17282,191 @@
 </p:sld>
 </file>
 
-<file path=ppt/slides/slide21.xml><?xml version="1.0" encoding="utf-8"?>
+<file path=ppt/slides/slide25.xml><?xml version="1.0" encoding="utf-8"?>
+<p:sld xmlns:a="http://schemas.openxmlformats.org/drawingml/2006/main" xmlns:r="http://schemas.openxmlformats.org/officeDocument/2006/relationships" xmlns:p="http://schemas.openxmlformats.org/presentationml/2006/main">
+  <p:cSld>
+    <p:spTree>
+      <p:nvGrpSpPr>
+        <p:cNvPr id="1" name=""/>
+        <p:cNvGrpSpPr/>
+        <p:nvPr/>
+      </p:nvGrpSpPr>
+      <p:grpSpPr>
+        <a:xfrm>
+          <a:off x="0" y="0"/>
+          <a:ext cx="0" cy="0"/>
+          <a:chOff x="0" y="0"/>
+          <a:chExt cx="0" cy="0"/>
+        </a:xfrm>
+      </p:grpSpPr>
+      <p:sp>
+        <p:nvSpPr>
+          <p:cNvPr id="2" name="Title 1">
+            <a:extLst>
+              <a:ext uri="{FF2B5EF4-FFF2-40B4-BE49-F238E27FC236}">
+                <a16:creationId xmlns:a16="http://schemas.microsoft.com/office/drawing/2014/main" id="{8946BE6D-7FF6-4D12-A2FF-60DA33C76D1E}"/>
+              </a:ext>
+            </a:extLst>
+          </p:cNvPr>
+          <p:cNvSpPr>
+            <a:spLocks noGrp="1"/>
+          </p:cNvSpPr>
+          <p:nvPr>
+            <p:ph type="title"/>
+          </p:nvPr>
+        </p:nvSpPr>
+        <p:spPr/>
+        <p:txBody>
+          <a:bodyPr/>
+          <a:lstStyle/>
+          <a:p>
+            <a:endParaRPr lang="tr-TR"/>
+          </a:p>
+        </p:txBody>
+      </p:sp>
+      <p:sp>
+        <p:nvSpPr>
+          <p:cNvPr id="3" name="Content Placeholder 2">
+            <a:extLst>
+              <a:ext uri="{FF2B5EF4-FFF2-40B4-BE49-F238E27FC236}">
+                <a16:creationId xmlns:a16="http://schemas.microsoft.com/office/drawing/2014/main" id="{66046F11-BE20-41C5-B635-A7989782F4AD}"/>
+              </a:ext>
+            </a:extLst>
+          </p:cNvPr>
+          <p:cNvSpPr>
+            <a:spLocks noGrp="1"/>
+          </p:cNvSpPr>
+          <p:nvPr>
+            <p:ph idx="1"/>
+          </p:nvPr>
+        </p:nvSpPr>
+        <p:spPr/>
+        <p:txBody>
+          <a:bodyPr/>
+          <a:lstStyle/>
+          <a:p>
+            <a:endParaRPr lang="tr-TR"/>
+          </a:p>
+        </p:txBody>
+      </p:sp>
+    </p:spTree>
+    <p:extLst>
+      <p:ext uri="{BB962C8B-B14F-4D97-AF65-F5344CB8AC3E}">
+        <p14:creationId xmlns:p14="http://schemas.microsoft.com/office/powerpoint/2010/main" val="574614100"/>
+      </p:ext>
+    </p:extLst>
+  </p:cSld>
+  <p:clrMapOvr>
+    <a:masterClrMapping/>
+  </p:clrMapOvr>
+  <mc:AlternateContent xmlns:mc="http://schemas.openxmlformats.org/markup-compatibility/2006" xmlns:p14="http://schemas.microsoft.com/office/powerpoint/2010/main">
+    <mc:Choice Requires="p14">
+      <p:transition spd="med" p14:dur="700">
+        <p:fade/>
+      </p:transition>
+    </mc:Choice>
+    <mc:Fallback xmlns="">
+      <p:transition spd="med">
+        <p:fade/>
+      </p:transition>
+    </mc:Fallback>
+  </mc:AlternateContent>
+</p:sld>
+</file>
+
+<file path=ppt/slides/slide26.xml><?xml version="1.0" encoding="utf-8"?>
+<p:sld xmlns:a="http://schemas.openxmlformats.org/drawingml/2006/main" xmlns:r="http://schemas.openxmlformats.org/officeDocument/2006/relationships" xmlns:p="http://schemas.openxmlformats.org/presentationml/2006/main">
+  <p:cSld>
+    <p:spTree>
+      <p:nvGrpSpPr>
+        <p:cNvPr id="1" name=""/>
+        <p:cNvGrpSpPr/>
+        <p:nvPr/>
+      </p:nvGrpSpPr>
+      <p:grpSpPr>
+        <a:xfrm>
+          <a:off x="0" y="0"/>
+          <a:ext cx="0" cy="0"/>
+          <a:chOff x="0" y="0"/>
+          <a:chExt cx="0" cy="0"/>
+        </a:xfrm>
+      </p:grpSpPr>
+      <p:sp>
+        <p:nvSpPr>
+          <p:cNvPr id="2" name="Title 1">
+            <a:extLst>
+              <a:ext uri="{FF2B5EF4-FFF2-40B4-BE49-F238E27FC236}">
+                <a16:creationId xmlns:a16="http://schemas.microsoft.com/office/drawing/2014/main" id="{5061DD94-16DC-4501-926E-9657E8BF76EC}"/>
+              </a:ext>
+            </a:extLst>
+          </p:cNvPr>
+          <p:cNvSpPr>
+            <a:spLocks noGrp="1"/>
+          </p:cNvSpPr>
+          <p:nvPr>
+            <p:ph type="title"/>
+          </p:nvPr>
+        </p:nvSpPr>
+        <p:spPr/>
+        <p:txBody>
+          <a:bodyPr/>
+          <a:lstStyle/>
+          <a:p>
+            <a:endParaRPr lang="tr-TR"/>
+          </a:p>
+        </p:txBody>
+      </p:sp>
+      <p:sp>
+        <p:nvSpPr>
+          <p:cNvPr id="3" name="Content Placeholder 2">
+            <a:extLst>
+              <a:ext uri="{FF2B5EF4-FFF2-40B4-BE49-F238E27FC236}">
+                <a16:creationId xmlns:a16="http://schemas.microsoft.com/office/drawing/2014/main" id="{F31AA907-71A4-4CEE-815F-B08AD876414B}"/>
+              </a:ext>
+            </a:extLst>
+          </p:cNvPr>
+          <p:cNvSpPr>
+            <a:spLocks noGrp="1"/>
+          </p:cNvSpPr>
+          <p:nvPr>
+            <p:ph idx="1"/>
+          </p:nvPr>
+        </p:nvSpPr>
+        <p:spPr/>
+        <p:txBody>
+          <a:bodyPr/>
+          <a:lstStyle/>
+          <a:p>
+            <a:endParaRPr lang="tr-TR"/>
+          </a:p>
+        </p:txBody>
+      </p:sp>
+    </p:spTree>
+    <p:extLst>
+      <p:ext uri="{BB962C8B-B14F-4D97-AF65-F5344CB8AC3E}">
+        <p14:creationId xmlns:p14="http://schemas.microsoft.com/office/powerpoint/2010/main" val="406512929"/>
+      </p:ext>
+    </p:extLst>
+  </p:cSld>
+  <p:clrMapOvr>
+    <a:masterClrMapping/>
+  </p:clrMapOvr>
+  <mc:AlternateContent xmlns:mc="http://schemas.openxmlformats.org/markup-compatibility/2006" xmlns:p14="http://schemas.microsoft.com/office/powerpoint/2010/main">
+    <mc:Choice Requires="p14">
+      <p:transition spd="med" p14:dur="700">
+        <p:fade/>
+      </p:transition>
+    </mc:Choice>
+    <mc:Fallback xmlns="">
+      <p:transition spd="med">
+        <p:fade/>
+      </p:transition>
+    </mc:Fallback>
+  </mc:AlternateContent>
+</p:sld>
+</file>
+
+<file path=ppt/slides/slide27.xml><?xml version="1.0" encoding="utf-8"?>
 <p:sld xmlns:a="http://schemas.openxmlformats.org/drawingml/2006/main" xmlns:r="http://schemas.openxmlformats.org/officeDocument/2006/relationships" xmlns:p="http://schemas.openxmlformats.org/presentationml/2006/main">
   <p:cSld>
     <p:spTree>
@@ -16837,7 +17568,7 @@
 </p:sld>
 </file>
 
-<file path=ppt/slides/slide22.xml><?xml version="1.0" encoding="utf-8"?>
+<file path=ppt/slides/slide28.xml><?xml version="1.0" encoding="utf-8"?>
 <p:sld xmlns:a="http://schemas.openxmlformats.org/drawingml/2006/main" xmlns:r="http://schemas.openxmlformats.org/officeDocument/2006/relationships" xmlns:p="http://schemas.openxmlformats.org/presentationml/2006/main">
   <p:cSld>
     <p:spTree>
@@ -16932,7 +17663,7 @@
 </p:sld>
 </file>
 
-<file path=ppt/slides/slide23.xml><?xml version="1.0" encoding="utf-8"?>
+<file path=ppt/slides/slide29.xml><?xml version="1.0" encoding="utf-8"?>
 <p:sld xmlns:a="http://schemas.openxmlformats.org/drawingml/2006/main" xmlns:r="http://schemas.openxmlformats.org/officeDocument/2006/relationships" xmlns:p="http://schemas.openxmlformats.org/presentationml/2006/main">
   <p:cSld>
     <p:spTree>

--- a/2018-01-06-Multi-Tenancy/Multi-Tenancy.pptx
+++ b/2018-01-06-Multi-Tenancy/Multi-Tenancy.pptx
@@ -5,10 +5,10 @@
     <p:sldMasterId id="2147483648" r:id="rId1"/>
   </p:sldMasterIdLst>
   <p:notesMasterIdLst>
-    <p:notesMasterId r:id="rId31"/>
+    <p:notesMasterId r:id="rId35"/>
   </p:notesMasterIdLst>
   <p:handoutMasterIdLst>
-    <p:handoutMasterId r:id="rId32"/>
+    <p:handoutMasterId r:id="rId36"/>
   </p:handoutMasterIdLst>
   <p:sldIdLst>
     <p:sldId id="261" r:id="rId2"/>
@@ -36,10 +36,14 @@
     <p:sldId id="285" r:id="rId24"/>
     <p:sldId id="286" r:id="rId25"/>
     <p:sldId id="288" r:id="rId26"/>
-    <p:sldId id="289" r:id="rId27"/>
-    <p:sldId id="269" r:id="rId28"/>
-    <p:sldId id="270" r:id="rId29"/>
-    <p:sldId id="276" r:id="rId30"/>
+    <p:sldId id="294" r:id="rId27"/>
+    <p:sldId id="289" r:id="rId28"/>
+    <p:sldId id="295" r:id="rId29"/>
+    <p:sldId id="296" r:id="rId30"/>
+    <p:sldId id="297" r:id="rId31"/>
+    <p:sldId id="269" r:id="rId32"/>
+    <p:sldId id="270" r:id="rId33"/>
+    <p:sldId id="276" r:id="rId34"/>
   </p:sldIdLst>
   <p:sldSz cx="12192000" cy="6858000"/>
   <p:notesSz cx="6858000" cy="9144000"/>
@@ -17317,38 +17321,79 @@
         </p:nvSpPr>
         <p:spPr/>
         <p:txBody>
-          <a:bodyPr/>
+          <a:bodyPr anchor="t"/>
           <a:lstStyle/>
           <a:p>
-            <a:endParaRPr lang="tr-TR"/>
+            <a:r>
+              <a:rPr lang="en-US" dirty="0"/>
+              <a:t>Change Current Tenant</a:t>
+            </a:r>
+            <a:endParaRPr lang="tr-TR" dirty="0"/>
           </a:p>
         </p:txBody>
       </p:sp>
-      <p:sp>
-        <p:nvSpPr>
-          <p:cNvPr id="3" name="Content Placeholder 2">
+      <p:pic>
+        <p:nvPicPr>
+          <p:cNvPr id="4" name="Content Placeholder 3">
             <a:extLst>
               <a:ext uri="{FF2B5EF4-FFF2-40B4-BE49-F238E27FC236}">
-                <a16:creationId xmlns:a16="http://schemas.microsoft.com/office/drawing/2014/main" id="{66046F11-BE20-41C5-B635-A7989782F4AD}"/>
+                <a16:creationId xmlns:a16="http://schemas.microsoft.com/office/drawing/2014/main" id="{373B8597-BDF7-40FB-AC6A-15DE7E5587C1}"/>
               </a:ext>
             </a:extLst>
           </p:cNvPr>
-          <p:cNvSpPr>
-            <a:spLocks noGrp="1"/>
-          </p:cNvSpPr>
+          <p:cNvPicPr>
+            <a:picLocks noGrp="1" noChangeAspect="1"/>
+          </p:cNvPicPr>
           <p:nvPr>
             <p:ph idx="1"/>
           </p:nvPr>
-        </p:nvSpPr>
-        <p:spPr/>
-        <p:txBody>
-          <a:bodyPr/>
-          <a:lstStyle/>
-          <a:p>
-            <a:endParaRPr lang="tr-TR"/>
-          </a:p>
-        </p:txBody>
-      </p:sp>
+        </p:nvPicPr>
+        <p:blipFill>
+          <a:blip r:embed="rId2"/>
+          <a:stretch>
+            <a:fillRect/>
+          </a:stretch>
+        </p:blipFill>
+        <p:spPr>
+          <a:xfrm>
+            <a:off x="679579" y="1396188"/>
+            <a:ext cx="6522125" cy="2569322"/>
+          </a:xfrm>
+          <a:prstGeom prst="rect">
+            <a:avLst/>
+          </a:prstGeom>
+        </p:spPr>
+      </p:pic>
+      <p:pic>
+        <p:nvPicPr>
+          <p:cNvPr id="5" name="Picture 4">
+            <a:extLst>
+              <a:ext uri="{FF2B5EF4-FFF2-40B4-BE49-F238E27FC236}">
+                <a16:creationId xmlns:a16="http://schemas.microsoft.com/office/drawing/2014/main" id="{23950193-A7C2-479B-94DA-707668555B02}"/>
+              </a:ext>
+            </a:extLst>
+          </p:cNvPr>
+          <p:cNvPicPr>
+            <a:picLocks noChangeAspect="1"/>
+          </p:cNvPicPr>
+          <p:nvPr/>
+        </p:nvPicPr>
+        <p:blipFill>
+          <a:blip r:embed="rId3"/>
+          <a:stretch>
+            <a:fillRect/>
+          </a:stretch>
+        </p:blipFill>
+        <p:spPr>
+          <a:xfrm>
+            <a:off x="7201704" y="1396188"/>
+            <a:ext cx="4310716" cy="3512876"/>
+          </a:xfrm>
+          <a:prstGeom prst="rect">
+            <a:avLst/>
+          </a:prstGeom>
+        </p:spPr>
+      </p:pic>
     </p:spTree>
     <p:extLst>
       <p:ext uri="{BB962C8B-B14F-4D97-AF65-F5344CB8AC3E}">
@@ -17396,6 +17441,109 @@
           <p:cNvPr id="2" name="Title 1">
             <a:extLst>
               <a:ext uri="{FF2B5EF4-FFF2-40B4-BE49-F238E27FC236}">
+                <a16:creationId xmlns:a16="http://schemas.microsoft.com/office/drawing/2014/main" id="{87A03D3C-AAF6-4F1C-940A-AD638760CBF8}"/>
+              </a:ext>
+            </a:extLst>
+          </p:cNvPr>
+          <p:cNvSpPr>
+            <a:spLocks noGrp="1"/>
+          </p:cNvSpPr>
+          <p:nvPr>
+            <p:ph type="title"/>
+          </p:nvPr>
+        </p:nvSpPr>
+        <p:spPr/>
+        <p:txBody>
+          <a:bodyPr anchor="t"/>
+          <a:lstStyle/>
+          <a:p>
+            <a:r>
+              <a:rPr lang="en-US" dirty="0"/>
+              <a:t>Change Current Tenant</a:t>
+            </a:r>
+            <a:endParaRPr lang="tr-TR" dirty="0"/>
+          </a:p>
+        </p:txBody>
+      </p:sp>
+      <p:pic>
+        <p:nvPicPr>
+          <p:cNvPr id="5" name="Content Placeholder 4">
+            <a:extLst>
+              <a:ext uri="{FF2B5EF4-FFF2-40B4-BE49-F238E27FC236}">
+                <a16:creationId xmlns:a16="http://schemas.microsoft.com/office/drawing/2014/main" id="{5AF110C9-A796-41AE-A722-6029F176CBC2}"/>
+              </a:ext>
+            </a:extLst>
+          </p:cNvPr>
+          <p:cNvPicPr>
+            <a:picLocks noGrp="1" noChangeAspect="1"/>
+          </p:cNvPicPr>
+          <p:nvPr>
+            <p:ph idx="1"/>
+          </p:nvPr>
+        </p:nvPicPr>
+        <p:blipFill>
+          <a:blip r:embed="rId2"/>
+          <a:stretch>
+            <a:fillRect/>
+          </a:stretch>
+        </p:blipFill>
+        <p:spPr>
+          <a:xfrm>
+            <a:off x="1295400" y="1117033"/>
+            <a:ext cx="8371114" cy="5446424"/>
+          </a:xfrm>
+          <a:prstGeom prst="rect">
+            <a:avLst/>
+          </a:prstGeom>
+        </p:spPr>
+      </p:pic>
+    </p:spTree>
+    <p:extLst>
+      <p:ext uri="{BB962C8B-B14F-4D97-AF65-F5344CB8AC3E}">
+        <p14:creationId xmlns:p14="http://schemas.microsoft.com/office/powerpoint/2010/main" val="4262723001"/>
+      </p:ext>
+    </p:extLst>
+  </p:cSld>
+  <p:clrMapOvr>
+    <a:masterClrMapping/>
+  </p:clrMapOvr>
+  <mc:AlternateContent xmlns:mc="http://schemas.openxmlformats.org/markup-compatibility/2006" xmlns:p14="http://schemas.microsoft.com/office/powerpoint/2010/main">
+    <mc:Choice Requires="p14">
+      <p:transition spd="med" p14:dur="700">
+        <p:fade/>
+      </p:transition>
+    </mc:Choice>
+    <mc:Fallback xmlns="">
+      <p:transition spd="med">
+        <p:fade/>
+      </p:transition>
+    </mc:Fallback>
+  </mc:AlternateContent>
+</p:sld>
+</file>
+
+<file path=ppt/slides/slide27.xml><?xml version="1.0" encoding="utf-8"?>
+<p:sld xmlns:a="http://schemas.openxmlformats.org/drawingml/2006/main" xmlns:r="http://schemas.openxmlformats.org/officeDocument/2006/relationships" xmlns:p="http://schemas.openxmlformats.org/presentationml/2006/main">
+  <p:cSld>
+    <p:spTree>
+      <p:nvGrpSpPr>
+        <p:cNvPr id="1" name=""/>
+        <p:cNvGrpSpPr/>
+        <p:nvPr/>
+      </p:nvGrpSpPr>
+      <p:grpSpPr>
+        <a:xfrm>
+          <a:off x="0" y="0"/>
+          <a:ext cx="0" cy="0"/>
+          <a:chOff x="0" y="0"/>
+          <a:chExt cx="0" cy="0"/>
+        </a:xfrm>
+      </p:grpSpPr>
+      <p:sp>
+        <p:nvSpPr>
+          <p:cNvPr id="2" name="Title 1">
+            <a:extLst>
+              <a:ext uri="{FF2B5EF4-FFF2-40B4-BE49-F238E27FC236}">
                 <a16:creationId xmlns:a16="http://schemas.microsoft.com/office/drawing/2014/main" id="{5061DD94-16DC-4501-926E-9657E8BF76EC}"/>
               </a:ext>
             </a:extLst>
@@ -17409,38 +17557,49 @@
         </p:nvSpPr>
         <p:spPr/>
         <p:txBody>
-          <a:bodyPr/>
+          <a:bodyPr anchor="t"/>
           <a:lstStyle/>
           <a:p>
-            <a:endParaRPr lang="tr-TR"/>
+            <a:r>
+              <a:rPr lang="en-US" dirty="0"/>
+              <a:t>Change Current Tenant (Nested)</a:t>
+            </a:r>
+            <a:endParaRPr lang="tr-TR" dirty="0"/>
           </a:p>
         </p:txBody>
       </p:sp>
-      <p:sp>
-        <p:nvSpPr>
-          <p:cNvPr id="3" name="Content Placeholder 2">
+      <p:pic>
+        <p:nvPicPr>
+          <p:cNvPr id="4" name="Content Placeholder 3">
             <a:extLst>
               <a:ext uri="{FF2B5EF4-FFF2-40B4-BE49-F238E27FC236}">
-                <a16:creationId xmlns:a16="http://schemas.microsoft.com/office/drawing/2014/main" id="{F31AA907-71A4-4CEE-815F-B08AD876414B}"/>
+                <a16:creationId xmlns:a16="http://schemas.microsoft.com/office/drawing/2014/main" id="{FF3805F6-0980-4A73-AB9E-9ACF7673617B}"/>
               </a:ext>
             </a:extLst>
           </p:cNvPr>
-          <p:cNvSpPr>
-            <a:spLocks noGrp="1"/>
-          </p:cNvSpPr>
+          <p:cNvPicPr>
+            <a:picLocks noGrp="1" noChangeAspect="1"/>
+          </p:cNvPicPr>
           <p:nvPr>
             <p:ph idx="1"/>
           </p:nvPr>
-        </p:nvSpPr>
-        <p:spPr/>
-        <p:txBody>
-          <a:bodyPr/>
-          <a:lstStyle/>
-          <a:p>
-            <a:endParaRPr lang="tr-TR"/>
-          </a:p>
-        </p:txBody>
-      </p:sp>
+        </p:nvPicPr>
+        <p:blipFill>
+          <a:blip r:embed="rId2"/>
+          <a:stretch>
+            <a:fillRect/>
+          </a:stretch>
+        </p:blipFill>
+        <p:spPr>
+          <a:xfrm>
+            <a:off x="670203" y="1573860"/>
+            <a:ext cx="10851594" cy="3893879"/>
+          </a:xfrm>
+          <a:prstGeom prst="rect">
+            <a:avLst/>
+          </a:prstGeom>
+        </p:spPr>
+      </p:pic>
     </p:spTree>
     <p:extLst>
       <p:ext uri="{BB962C8B-B14F-4D97-AF65-F5344CB8AC3E}">
@@ -17466,7 +17625,444 @@
 </p:sld>
 </file>
 
-<file path=ppt/slides/slide27.xml><?xml version="1.0" encoding="utf-8"?>
+<file path=ppt/slides/slide28.xml><?xml version="1.0" encoding="utf-8"?>
+<p:sld xmlns:a="http://schemas.openxmlformats.org/drawingml/2006/main" xmlns:r="http://schemas.openxmlformats.org/officeDocument/2006/relationships" xmlns:p="http://schemas.openxmlformats.org/presentationml/2006/main">
+  <p:cSld>
+    <p:spTree>
+      <p:nvGrpSpPr>
+        <p:cNvPr id="1" name=""/>
+        <p:cNvGrpSpPr/>
+        <p:nvPr/>
+      </p:nvGrpSpPr>
+      <p:grpSpPr>
+        <a:xfrm>
+          <a:off x="0" y="0"/>
+          <a:ext cx="0" cy="0"/>
+          <a:chOff x="0" y="0"/>
+          <a:chExt cx="0" cy="0"/>
+        </a:xfrm>
+      </p:grpSpPr>
+      <p:sp>
+        <p:nvSpPr>
+          <p:cNvPr id="2" name="Title 1">
+            <a:extLst>
+              <a:ext uri="{FF2B5EF4-FFF2-40B4-BE49-F238E27FC236}">
+                <a16:creationId xmlns:a16="http://schemas.microsoft.com/office/drawing/2014/main" id="{98AD1489-7F8E-47CF-B6DC-18F6B5F1873E}"/>
+              </a:ext>
+            </a:extLst>
+          </p:cNvPr>
+          <p:cNvSpPr>
+            <a:spLocks noGrp="1"/>
+          </p:cNvSpPr>
+          <p:nvPr>
+            <p:ph type="title"/>
+          </p:nvPr>
+        </p:nvSpPr>
+        <p:spPr/>
+        <p:txBody>
+          <a:bodyPr/>
+          <a:lstStyle/>
+          <a:p>
+            <a:endParaRPr lang="tr-TR"/>
+          </a:p>
+        </p:txBody>
+      </p:sp>
+      <p:sp>
+        <p:nvSpPr>
+          <p:cNvPr id="3" name="Content Placeholder 2">
+            <a:extLst>
+              <a:ext uri="{FF2B5EF4-FFF2-40B4-BE49-F238E27FC236}">
+                <a16:creationId xmlns:a16="http://schemas.microsoft.com/office/drawing/2014/main" id="{EEFCF407-9159-4799-A0D7-713BF45CDB5D}"/>
+              </a:ext>
+            </a:extLst>
+          </p:cNvPr>
+          <p:cNvSpPr>
+            <a:spLocks noGrp="1"/>
+          </p:cNvSpPr>
+          <p:nvPr>
+            <p:ph idx="1"/>
+          </p:nvPr>
+        </p:nvSpPr>
+        <p:spPr/>
+        <p:txBody>
+          <a:bodyPr/>
+          <a:lstStyle/>
+          <a:p>
+            <a:endParaRPr lang="tr-TR"/>
+          </a:p>
+        </p:txBody>
+      </p:sp>
+    </p:spTree>
+    <p:extLst>
+      <p:ext uri="{BB962C8B-B14F-4D97-AF65-F5344CB8AC3E}">
+        <p14:creationId xmlns:p14="http://schemas.microsoft.com/office/powerpoint/2010/main" val="1014193435"/>
+      </p:ext>
+    </p:extLst>
+  </p:cSld>
+  <p:clrMapOvr>
+    <a:masterClrMapping/>
+  </p:clrMapOvr>
+  <mc:AlternateContent xmlns:mc="http://schemas.openxmlformats.org/markup-compatibility/2006" xmlns:p14="http://schemas.microsoft.com/office/powerpoint/2010/main">
+    <mc:Choice Requires="p14">
+      <p:transition spd="med" p14:dur="700">
+        <p:fade/>
+      </p:transition>
+    </mc:Choice>
+    <mc:Fallback xmlns="">
+      <p:transition spd="med">
+        <p:fade/>
+      </p:transition>
+    </mc:Fallback>
+  </mc:AlternateContent>
+</p:sld>
+</file>
+
+<file path=ppt/slides/slide29.xml><?xml version="1.0" encoding="utf-8"?>
+<p:sld xmlns:a="http://schemas.openxmlformats.org/drawingml/2006/main" xmlns:r="http://schemas.openxmlformats.org/officeDocument/2006/relationships" xmlns:p="http://schemas.openxmlformats.org/presentationml/2006/main">
+  <p:cSld>
+    <p:spTree>
+      <p:nvGrpSpPr>
+        <p:cNvPr id="1" name=""/>
+        <p:cNvGrpSpPr/>
+        <p:nvPr/>
+      </p:nvGrpSpPr>
+      <p:grpSpPr>
+        <a:xfrm>
+          <a:off x="0" y="0"/>
+          <a:ext cx="0" cy="0"/>
+          <a:chOff x="0" y="0"/>
+          <a:chExt cx="0" cy="0"/>
+        </a:xfrm>
+      </p:grpSpPr>
+      <p:sp>
+        <p:nvSpPr>
+          <p:cNvPr id="2" name="Title 1">
+            <a:extLst>
+              <a:ext uri="{FF2B5EF4-FFF2-40B4-BE49-F238E27FC236}">
+                <a16:creationId xmlns:a16="http://schemas.microsoft.com/office/drawing/2014/main" id="{A8E87594-8274-430A-9526-7D91EBAE4A90}"/>
+              </a:ext>
+            </a:extLst>
+          </p:cNvPr>
+          <p:cNvSpPr>
+            <a:spLocks noGrp="1"/>
+          </p:cNvSpPr>
+          <p:nvPr>
+            <p:ph type="title"/>
+          </p:nvPr>
+        </p:nvSpPr>
+        <p:spPr/>
+        <p:txBody>
+          <a:bodyPr/>
+          <a:lstStyle/>
+          <a:p>
+            <a:endParaRPr lang="tr-TR"/>
+          </a:p>
+        </p:txBody>
+      </p:sp>
+      <p:sp>
+        <p:nvSpPr>
+          <p:cNvPr id="3" name="Content Placeholder 2">
+            <a:extLst>
+              <a:ext uri="{FF2B5EF4-FFF2-40B4-BE49-F238E27FC236}">
+                <a16:creationId xmlns:a16="http://schemas.microsoft.com/office/drawing/2014/main" id="{DECA2F4C-D44D-44D7-8B73-056245C90E29}"/>
+              </a:ext>
+            </a:extLst>
+          </p:cNvPr>
+          <p:cNvSpPr>
+            <a:spLocks noGrp="1"/>
+          </p:cNvSpPr>
+          <p:nvPr>
+            <p:ph idx="1"/>
+          </p:nvPr>
+        </p:nvSpPr>
+        <p:spPr/>
+        <p:txBody>
+          <a:bodyPr/>
+          <a:lstStyle/>
+          <a:p>
+            <a:endParaRPr lang="tr-TR"/>
+          </a:p>
+        </p:txBody>
+      </p:sp>
+    </p:spTree>
+    <p:extLst>
+      <p:ext uri="{BB962C8B-B14F-4D97-AF65-F5344CB8AC3E}">
+        <p14:creationId xmlns:p14="http://schemas.microsoft.com/office/powerpoint/2010/main" val="271060063"/>
+      </p:ext>
+    </p:extLst>
+  </p:cSld>
+  <p:clrMapOvr>
+    <a:masterClrMapping/>
+  </p:clrMapOvr>
+  <mc:AlternateContent xmlns:mc="http://schemas.openxmlformats.org/markup-compatibility/2006" xmlns:p14="http://schemas.microsoft.com/office/powerpoint/2010/main">
+    <mc:Choice Requires="p14">
+      <p:transition spd="med" p14:dur="700">
+        <p:fade/>
+      </p:transition>
+    </mc:Choice>
+    <mc:Fallback xmlns="">
+      <p:transition spd="med">
+        <p:fade/>
+      </p:transition>
+    </mc:Fallback>
+  </mc:AlternateContent>
+</p:sld>
+</file>
+
+<file path=ppt/slides/slide3.xml><?xml version="1.0" encoding="utf-8"?>
+<p:sld xmlns:a="http://schemas.openxmlformats.org/drawingml/2006/main" xmlns:r="http://schemas.openxmlformats.org/officeDocument/2006/relationships" xmlns:p="http://schemas.openxmlformats.org/presentationml/2006/main">
+  <p:cSld>
+    <p:spTree>
+      <p:nvGrpSpPr>
+        <p:cNvPr id="1" name=""/>
+        <p:cNvGrpSpPr/>
+        <p:nvPr/>
+      </p:nvGrpSpPr>
+      <p:grpSpPr>
+        <a:xfrm>
+          <a:off x="0" y="0"/>
+          <a:ext cx="0" cy="0"/>
+          <a:chOff x="0" y="0"/>
+          <a:chExt cx="0" cy="0"/>
+        </a:xfrm>
+      </p:grpSpPr>
+      <p:sp>
+        <p:nvSpPr>
+          <p:cNvPr id="2" name="Title 1"/>
+          <p:cNvSpPr>
+            <a:spLocks noGrp="1"/>
+          </p:cNvSpPr>
+          <p:nvPr>
+            <p:ph type="title"/>
+          </p:nvPr>
+        </p:nvSpPr>
+        <p:spPr>
+          <a:xfrm>
+            <a:off x="622010" y="319295"/>
+            <a:ext cx="9601200" cy="637050"/>
+          </a:xfrm>
+        </p:spPr>
+        <p:txBody>
+          <a:bodyPr/>
+          <a:lstStyle/>
+          <a:p>
+            <a:r>
+              <a:rPr lang="en-US" dirty="0"/>
+              <a:t>Halil İbrahim Kalkan</a:t>
+            </a:r>
+          </a:p>
+        </p:txBody>
+      </p:sp>
+      <p:sp>
+        <p:nvSpPr>
+          <p:cNvPr id="3" name="Content Placeholder 2"/>
+          <p:cNvSpPr>
+            <a:spLocks noGrp="1"/>
+          </p:cNvSpPr>
+          <p:nvPr>
+            <p:ph idx="1"/>
+          </p:nvPr>
+        </p:nvSpPr>
+        <p:spPr>
+          <a:xfrm>
+            <a:off x="622010" y="1058412"/>
+            <a:ext cx="9601200" cy="3809999"/>
+          </a:xfrm>
+        </p:spPr>
+        <p:txBody>
+          <a:bodyPr/>
+          <a:lstStyle/>
+          <a:p>
+            <a:r>
+              <a:rPr lang="en-US" sz="1200" dirty="0"/>
+              <a:t>@hikalkan</a:t>
+            </a:r>
+            <a:br>
+              <a:rPr lang="en-US" sz="1200" dirty="0"/>
+            </a:br>
+            <a:r>
+              <a:rPr lang="en-US" sz="1200" dirty="0"/>
+              <a:t>(</a:t>
+            </a:r>
+            <a:r>
+              <a:rPr lang="en-US" sz="1200" dirty="0" err="1"/>
+              <a:t>github</a:t>
+            </a:r>
+            <a:r>
+              <a:rPr lang="en-US" sz="1200" dirty="0"/>
+              <a:t>)</a:t>
+            </a:r>
+          </a:p>
+          <a:p>
+            <a:r>
+              <a:rPr lang="en-US" sz="1200" dirty="0"/>
+              <a:t>@</a:t>
+            </a:r>
+            <a:r>
+              <a:rPr lang="en-US" sz="1200" dirty="0" err="1"/>
+              <a:t>hibrahimkalkan</a:t>
+            </a:r>
+            <a:endParaRPr lang="en-US" sz="1200" dirty="0"/>
+          </a:p>
+          <a:p>
+            <a:r>
+              <a:rPr lang="en-US" sz="1200" dirty="0"/>
+              <a:t>http://halilibrahimkalkan.com</a:t>
+            </a:r>
+          </a:p>
+          <a:p>
+            <a:endParaRPr lang="en-US" dirty="0"/>
+          </a:p>
+        </p:txBody>
+      </p:sp>
+      <p:pic>
+        <p:nvPicPr>
+          <p:cNvPr id="4" name="Picture 3">
+            <a:extLst>
+              <a:ext uri="{FF2B5EF4-FFF2-40B4-BE49-F238E27FC236}">
+                <a16:creationId xmlns:a16="http://schemas.microsoft.com/office/drawing/2014/main" id="{D3A05A87-42AF-4CC6-8AE1-E683106FFB38}"/>
+              </a:ext>
+            </a:extLst>
+          </p:cNvPr>
+          <p:cNvPicPr>
+            <a:picLocks noChangeAspect="1"/>
+          </p:cNvPicPr>
+          <p:nvPr/>
+        </p:nvPicPr>
+        <p:blipFill>
+          <a:blip r:embed="rId3"/>
+          <a:stretch>
+            <a:fillRect/>
+          </a:stretch>
+        </p:blipFill>
+        <p:spPr>
+          <a:xfrm>
+            <a:off x="3215270" y="956345"/>
+            <a:ext cx="8354720" cy="5110249"/>
+          </a:xfrm>
+          <a:prstGeom prst="rect">
+            <a:avLst/>
+          </a:prstGeom>
+        </p:spPr>
+      </p:pic>
+    </p:spTree>
+    <p:extLst>
+      <p:ext uri="{BB962C8B-B14F-4D97-AF65-F5344CB8AC3E}">
+        <p14:creationId xmlns:p14="http://schemas.microsoft.com/office/powerpoint/2010/main" val="3984617762"/>
+      </p:ext>
+    </p:extLst>
+  </p:cSld>
+  <p:clrMapOvr>
+    <a:masterClrMapping/>
+  </p:clrMapOvr>
+  <mc:AlternateContent xmlns:mc="http://schemas.openxmlformats.org/markup-compatibility/2006" xmlns:p14="http://schemas.microsoft.com/office/powerpoint/2010/main">
+    <mc:Choice Requires="p14">
+      <p:transition spd="med" p14:dur="700">
+        <p:fade/>
+      </p:transition>
+    </mc:Choice>
+    <mc:Fallback xmlns="">
+      <p:transition spd="med">
+        <p:fade/>
+      </p:transition>
+    </mc:Fallback>
+  </mc:AlternateContent>
+</p:sld>
+</file>
+
+<file path=ppt/slides/slide30.xml><?xml version="1.0" encoding="utf-8"?>
+<p:sld xmlns:a="http://schemas.openxmlformats.org/drawingml/2006/main" xmlns:r="http://schemas.openxmlformats.org/officeDocument/2006/relationships" xmlns:p="http://schemas.openxmlformats.org/presentationml/2006/main">
+  <p:cSld>
+    <p:spTree>
+      <p:nvGrpSpPr>
+        <p:cNvPr id="1" name=""/>
+        <p:cNvGrpSpPr/>
+        <p:nvPr/>
+      </p:nvGrpSpPr>
+      <p:grpSpPr>
+        <a:xfrm>
+          <a:off x="0" y="0"/>
+          <a:ext cx="0" cy="0"/>
+          <a:chOff x="0" y="0"/>
+          <a:chExt cx="0" cy="0"/>
+        </a:xfrm>
+      </p:grpSpPr>
+      <p:sp>
+        <p:nvSpPr>
+          <p:cNvPr id="2" name="Title 1">
+            <a:extLst>
+              <a:ext uri="{FF2B5EF4-FFF2-40B4-BE49-F238E27FC236}">
+                <a16:creationId xmlns:a16="http://schemas.microsoft.com/office/drawing/2014/main" id="{B225C1C4-AE2E-412F-B140-2E867D326509}"/>
+              </a:ext>
+            </a:extLst>
+          </p:cNvPr>
+          <p:cNvSpPr>
+            <a:spLocks noGrp="1"/>
+          </p:cNvSpPr>
+          <p:nvPr>
+            <p:ph type="title"/>
+          </p:nvPr>
+        </p:nvSpPr>
+        <p:spPr/>
+        <p:txBody>
+          <a:bodyPr/>
+          <a:lstStyle/>
+          <a:p>
+            <a:endParaRPr lang="tr-TR"/>
+          </a:p>
+        </p:txBody>
+      </p:sp>
+      <p:sp>
+        <p:nvSpPr>
+          <p:cNvPr id="3" name="Content Placeholder 2">
+            <a:extLst>
+              <a:ext uri="{FF2B5EF4-FFF2-40B4-BE49-F238E27FC236}">
+                <a16:creationId xmlns:a16="http://schemas.microsoft.com/office/drawing/2014/main" id="{BF821C1A-D224-4AC1-84D3-CE27CE7180C3}"/>
+              </a:ext>
+            </a:extLst>
+          </p:cNvPr>
+          <p:cNvSpPr>
+            <a:spLocks noGrp="1"/>
+          </p:cNvSpPr>
+          <p:nvPr>
+            <p:ph idx="1"/>
+          </p:nvPr>
+        </p:nvSpPr>
+        <p:spPr/>
+        <p:txBody>
+          <a:bodyPr/>
+          <a:lstStyle/>
+          <a:p>
+            <a:endParaRPr lang="tr-TR"/>
+          </a:p>
+        </p:txBody>
+      </p:sp>
+    </p:spTree>
+    <p:extLst>
+      <p:ext uri="{BB962C8B-B14F-4D97-AF65-F5344CB8AC3E}">
+        <p14:creationId xmlns:p14="http://schemas.microsoft.com/office/powerpoint/2010/main" val="150459125"/>
+      </p:ext>
+    </p:extLst>
+  </p:cSld>
+  <p:clrMapOvr>
+    <a:masterClrMapping/>
+  </p:clrMapOvr>
+  <mc:AlternateContent xmlns:mc="http://schemas.openxmlformats.org/markup-compatibility/2006" xmlns:p14="http://schemas.microsoft.com/office/powerpoint/2010/main">
+    <mc:Choice Requires="p14">
+      <p:transition spd="med" p14:dur="700">
+        <p:fade/>
+      </p:transition>
+    </mc:Choice>
+    <mc:Fallback xmlns="">
+      <p:transition spd="med">
+        <p:fade/>
+      </p:transition>
+    </mc:Fallback>
+  </mc:AlternateContent>
+</p:sld>
+</file>
+
+<file path=ppt/slides/slide31.xml><?xml version="1.0" encoding="utf-8"?>
 <p:sld xmlns:a="http://schemas.openxmlformats.org/drawingml/2006/main" xmlns:r="http://schemas.openxmlformats.org/officeDocument/2006/relationships" xmlns:p="http://schemas.openxmlformats.org/presentationml/2006/main">
   <p:cSld>
     <p:spTree>
@@ -17568,7 +18164,7 @@
 </p:sld>
 </file>
 
-<file path=ppt/slides/slide28.xml><?xml version="1.0" encoding="utf-8"?>
+<file path=ppt/slides/slide32.xml><?xml version="1.0" encoding="utf-8"?>
 <p:sld xmlns:a="http://schemas.openxmlformats.org/drawingml/2006/main" xmlns:r="http://schemas.openxmlformats.org/officeDocument/2006/relationships" xmlns:p="http://schemas.openxmlformats.org/presentationml/2006/main">
   <p:cSld>
     <p:spTree>
@@ -17663,7 +18259,7 @@
 </p:sld>
 </file>
 
-<file path=ppt/slides/slide29.xml><?xml version="1.0" encoding="utf-8"?>
+<file path=ppt/slides/slide33.xml><?xml version="1.0" encoding="utf-8"?>
 <p:sld xmlns:a="http://schemas.openxmlformats.org/drawingml/2006/main" xmlns:r="http://schemas.openxmlformats.org/officeDocument/2006/relationships" xmlns:p="http://schemas.openxmlformats.org/presentationml/2006/main">
   <p:cSld>
     <p:spTree>
@@ -17734,167 +18330,6 @@
     <p:extLst>
       <p:ext uri="{BB962C8B-B14F-4D97-AF65-F5344CB8AC3E}">
         <p14:creationId xmlns:p14="http://schemas.microsoft.com/office/powerpoint/2010/main" val="4093661547"/>
-      </p:ext>
-    </p:extLst>
-  </p:cSld>
-  <p:clrMapOvr>
-    <a:masterClrMapping/>
-  </p:clrMapOvr>
-  <mc:AlternateContent xmlns:mc="http://schemas.openxmlformats.org/markup-compatibility/2006" xmlns:p14="http://schemas.microsoft.com/office/powerpoint/2010/main">
-    <mc:Choice Requires="p14">
-      <p:transition spd="med" p14:dur="700">
-        <p:fade/>
-      </p:transition>
-    </mc:Choice>
-    <mc:Fallback xmlns="">
-      <p:transition spd="med">
-        <p:fade/>
-      </p:transition>
-    </mc:Fallback>
-  </mc:AlternateContent>
-</p:sld>
-</file>
-
-<file path=ppt/slides/slide3.xml><?xml version="1.0" encoding="utf-8"?>
-<p:sld xmlns:a="http://schemas.openxmlformats.org/drawingml/2006/main" xmlns:r="http://schemas.openxmlformats.org/officeDocument/2006/relationships" xmlns:p="http://schemas.openxmlformats.org/presentationml/2006/main">
-  <p:cSld>
-    <p:spTree>
-      <p:nvGrpSpPr>
-        <p:cNvPr id="1" name=""/>
-        <p:cNvGrpSpPr/>
-        <p:nvPr/>
-      </p:nvGrpSpPr>
-      <p:grpSpPr>
-        <a:xfrm>
-          <a:off x="0" y="0"/>
-          <a:ext cx="0" cy="0"/>
-          <a:chOff x="0" y="0"/>
-          <a:chExt cx="0" cy="0"/>
-        </a:xfrm>
-      </p:grpSpPr>
-      <p:sp>
-        <p:nvSpPr>
-          <p:cNvPr id="2" name="Title 1"/>
-          <p:cNvSpPr>
-            <a:spLocks noGrp="1"/>
-          </p:cNvSpPr>
-          <p:nvPr>
-            <p:ph type="title"/>
-          </p:nvPr>
-        </p:nvSpPr>
-        <p:spPr>
-          <a:xfrm>
-            <a:off x="622010" y="319295"/>
-            <a:ext cx="9601200" cy="637050"/>
-          </a:xfrm>
-        </p:spPr>
-        <p:txBody>
-          <a:bodyPr/>
-          <a:lstStyle/>
-          <a:p>
-            <a:r>
-              <a:rPr lang="en-US" dirty="0"/>
-              <a:t>Halil İbrahim Kalkan</a:t>
-            </a:r>
-          </a:p>
-        </p:txBody>
-      </p:sp>
-      <p:sp>
-        <p:nvSpPr>
-          <p:cNvPr id="3" name="Content Placeholder 2"/>
-          <p:cNvSpPr>
-            <a:spLocks noGrp="1"/>
-          </p:cNvSpPr>
-          <p:nvPr>
-            <p:ph idx="1"/>
-          </p:nvPr>
-        </p:nvSpPr>
-        <p:spPr>
-          <a:xfrm>
-            <a:off x="622010" y="1058412"/>
-            <a:ext cx="9601200" cy="3809999"/>
-          </a:xfrm>
-        </p:spPr>
-        <p:txBody>
-          <a:bodyPr/>
-          <a:lstStyle/>
-          <a:p>
-            <a:r>
-              <a:rPr lang="en-US" sz="1200" dirty="0"/>
-              <a:t>@hikalkan</a:t>
-            </a:r>
-            <a:br>
-              <a:rPr lang="en-US" sz="1200" dirty="0"/>
-            </a:br>
-            <a:r>
-              <a:rPr lang="en-US" sz="1200" dirty="0"/>
-              <a:t>(</a:t>
-            </a:r>
-            <a:r>
-              <a:rPr lang="en-US" sz="1200" dirty="0" err="1"/>
-              <a:t>github</a:t>
-            </a:r>
-            <a:r>
-              <a:rPr lang="en-US" sz="1200" dirty="0"/>
-              <a:t>)</a:t>
-            </a:r>
-          </a:p>
-          <a:p>
-            <a:r>
-              <a:rPr lang="en-US" sz="1200" dirty="0"/>
-              <a:t>@</a:t>
-            </a:r>
-            <a:r>
-              <a:rPr lang="en-US" sz="1200" dirty="0" err="1"/>
-              <a:t>hibrahimkalkan</a:t>
-            </a:r>
-            <a:endParaRPr lang="en-US" sz="1200" dirty="0"/>
-          </a:p>
-          <a:p>
-            <a:r>
-              <a:rPr lang="en-US" sz="1200" dirty="0"/>
-              <a:t>http://halilibrahimkalkan.com</a:t>
-            </a:r>
-          </a:p>
-          <a:p>
-            <a:endParaRPr lang="en-US" dirty="0"/>
-          </a:p>
-        </p:txBody>
-      </p:sp>
-      <p:pic>
-        <p:nvPicPr>
-          <p:cNvPr id="4" name="Picture 3">
-            <a:extLst>
-              <a:ext uri="{FF2B5EF4-FFF2-40B4-BE49-F238E27FC236}">
-                <a16:creationId xmlns:a16="http://schemas.microsoft.com/office/drawing/2014/main" id="{D3A05A87-42AF-4CC6-8AE1-E683106FFB38}"/>
-              </a:ext>
-            </a:extLst>
-          </p:cNvPr>
-          <p:cNvPicPr>
-            <a:picLocks noChangeAspect="1"/>
-          </p:cNvPicPr>
-          <p:nvPr/>
-        </p:nvPicPr>
-        <p:blipFill>
-          <a:blip r:embed="rId3"/>
-          <a:stretch>
-            <a:fillRect/>
-          </a:stretch>
-        </p:blipFill>
-        <p:spPr>
-          <a:xfrm>
-            <a:off x="3215270" y="956345"/>
-            <a:ext cx="8354720" cy="5110249"/>
-          </a:xfrm>
-          <a:prstGeom prst="rect">
-            <a:avLst/>
-          </a:prstGeom>
-        </p:spPr>
-      </p:pic>
-    </p:spTree>
-    <p:extLst>
-      <p:ext uri="{BB962C8B-B14F-4D97-AF65-F5344CB8AC3E}">
-        <p14:creationId xmlns:p14="http://schemas.microsoft.com/office/powerpoint/2010/main" val="3984617762"/>
       </p:ext>
     </p:extLst>
   </p:cSld>

--- a/2018-01-06-Multi-Tenancy/Multi-Tenancy.pptx
+++ b/2018-01-06-Multi-Tenancy/Multi-Tenancy.pptx
@@ -5,10 +5,10 @@
     <p:sldMasterId id="2147483648" r:id="rId1"/>
   </p:sldMasterIdLst>
   <p:notesMasterIdLst>
-    <p:notesMasterId r:id="rId35"/>
+    <p:notesMasterId r:id="rId44"/>
   </p:notesMasterIdLst>
   <p:handoutMasterIdLst>
-    <p:handoutMasterId r:id="rId36"/>
+    <p:handoutMasterId r:id="rId45"/>
   </p:handoutMasterIdLst>
   <p:sldIdLst>
     <p:sldId id="261" r:id="rId2"/>
@@ -38,12 +38,21 @@
     <p:sldId id="288" r:id="rId26"/>
     <p:sldId id="294" r:id="rId27"/>
     <p:sldId id="289" r:id="rId28"/>
-    <p:sldId id="295" r:id="rId29"/>
-    <p:sldId id="296" r:id="rId30"/>
-    <p:sldId id="297" r:id="rId31"/>
-    <p:sldId id="269" r:id="rId32"/>
-    <p:sldId id="270" r:id="rId33"/>
-    <p:sldId id="276" r:id="rId34"/>
+    <p:sldId id="298" r:id="rId29"/>
+    <p:sldId id="295" r:id="rId30"/>
+    <p:sldId id="296" r:id="rId31"/>
+    <p:sldId id="305" r:id="rId32"/>
+    <p:sldId id="297" r:id="rId33"/>
+    <p:sldId id="306" r:id="rId34"/>
+    <p:sldId id="299" r:id="rId35"/>
+    <p:sldId id="300" r:id="rId36"/>
+    <p:sldId id="301" r:id="rId37"/>
+    <p:sldId id="302" r:id="rId38"/>
+    <p:sldId id="303" r:id="rId39"/>
+    <p:sldId id="304" r:id="rId40"/>
+    <p:sldId id="269" r:id="rId41"/>
+    <p:sldId id="270" r:id="rId42"/>
+    <p:sldId id="276" r:id="rId43"/>
   </p:sldIdLst>
   <p:sldSz cx="12192000" cy="6858000"/>
   <p:notesSz cx="6858000" cy="9144000"/>
@@ -16094,7 +16103,7 @@
           <a:p>
             <a:r>
               <a:rPr lang="en-US" dirty="0"/>
-              <a:t>Infrastructure: Determine the Current Tenant</a:t>
+              <a:t>Determine the Current Tenant</a:t>
             </a:r>
           </a:p>
         </p:txBody>
@@ -17647,7 +17656,7 @@
           <p:cNvPr id="2" name="Title 1">
             <a:extLst>
               <a:ext uri="{FF2B5EF4-FFF2-40B4-BE49-F238E27FC236}">
-                <a16:creationId xmlns:a16="http://schemas.microsoft.com/office/drawing/2014/main" id="{98AD1489-7F8E-47CF-B6DC-18F6B5F1873E}"/>
+                <a16:creationId xmlns:a16="http://schemas.microsoft.com/office/drawing/2014/main" id="{95752674-C9A2-4FCE-8B7D-10A54D1AC0B2}"/>
               </a:ext>
             </a:extLst>
           </p:cNvPr>
@@ -17660,42 +17669,53 @@
         </p:nvSpPr>
         <p:spPr/>
         <p:txBody>
-          <a:bodyPr/>
+          <a:bodyPr anchor="t"/>
           <a:lstStyle/>
           <a:p>
-            <a:endParaRPr lang="tr-TR"/>
+            <a:r>
+              <a:rPr lang="en-US" dirty="0"/>
+              <a:t>Multi-Tenancy Middleware Implementation</a:t>
+            </a:r>
+            <a:endParaRPr lang="tr-TR" dirty="0"/>
           </a:p>
         </p:txBody>
       </p:sp>
-      <p:sp>
-        <p:nvSpPr>
-          <p:cNvPr id="3" name="Content Placeholder 2">
+      <p:pic>
+        <p:nvPicPr>
+          <p:cNvPr id="4" name="Content Placeholder 3">
             <a:extLst>
               <a:ext uri="{FF2B5EF4-FFF2-40B4-BE49-F238E27FC236}">
-                <a16:creationId xmlns:a16="http://schemas.microsoft.com/office/drawing/2014/main" id="{EEFCF407-9159-4799-A0D7-713BF45CDB5D}"/>
+                <a16:creationId xmlns:a16="http://schemas.microsoft.com/office/drawing/2014/main" id="{498B2149-EA8D-49C3-A033-3BFC8F5260CF}"/>
               </a:ext>
             </a:extLst>
           </p:cNvPr>
-          <p:cNvSpPr>
-            <a:spLocks noGrp="1"/>
-          </p:cNvSpPr>
+          <p:cNvPicPr>
+            <a:picLocks noGrp="1" noChangeAspect="1"/>
+          </p:cNvPicPr>
           <p:nvPr>
             <p:ph idx="1"/>
           </p:nvPr>
-        </p:nvSpPr>
-        <p:spPr/>
-        <p:txBody>
-          <a:bodyPr/>
-          <a:lstStyle/>
-          <a:p>
-            <a:endParaRPr lang="tr-TR"/>
-          </a:p>
-        </p:txBody>
-      </p:sp>
+        </p:nvPicPr>
+        <p:blipFill>
+          <a:blip r:embed="rId2"/>
+          <a:stretch>
+            <a:fillRect/>
+          </a:stretch>
+        </p:blipFill>
+        <p:spPr>
+          <a:xfrm>
+            <a:off x="3258716" y="1075045"/>
+            <a:ext cx="5674567" cy="5404350"/>
+          </a:xfrm>
+          <a:prstGeom prst="rect">
+            <a:avLst/>
+          </a:prstGeom>
+        </p:spPr>
+      </p:pic>
     </p:spTree>
     <p:extLst>
       <p:ext uri="{BB962C8B-B14F-4D97-AF65-F5344CB8AC3E}">
-        <p14:creationId xmlns:p14="http://schemas.microsoft.com/office/powerpoint/2010/main" val="1014193435"/>
+        <p14:creationId xmlns:p14="http://schemas.microsoft.com/office/powerpoint/2010/main" val="3335138925"/>
       </p:ext>
     </p:extLst>
   </p:cSld>
@@ -17739,7 +17759,7 @@
           <p:cNvPr id="2" name="Title 1">
             <a:extLst>
               <a:ext uri="{FF2B5EF4-FFF2-40B4-BE49-F238E27FC236}">
-                <a16:creationId xmlns:a16="http://schemas.microsoft.com/office/drawing/2014/main" id="{A8E87594-8274-430A-9526-7D91EBAE4A90}"/>
+                <a16:creationId xmlns:a16="http://schemas.microsoft.com/office/drawing/2014/main" id="{98AD1489-7F8E-47CF-B6DC-18F6B5F1873E}"/>
               </a:ext>
             </a:extLst>
           </p:cNvPr>
@@ -17752,42 +17772,107 @@
         </p:nvSpPr>
         <p:spPr/>
         <p:txBody>
-          <a:bodyPr/>
+          <a:bodyPr anchor="t"/>
           <a:lstStyle/>
           <a:p>
-            <a:endParaRPr lang="tr-TR"/>
+            <a:r>
+              <a:rPr lang="en-US" dirty="0"/>
+              <a:t>UI Design to Select the Tenant</a:t>
+            </a:r>
+            <a:endParaRPr lang="tr-TR" dirty="0"/>
           </a:p>
         </p:txBody>
       </p:sp>
-      <p:sp>
-        <p:nvSpPr>
-          <p:cNvPr id="3" name="Content Placeholder 2">
+      <p:pic>
+        <p:nvPicPr>
+          <p:cNvPr id="6146" name="Picture 2" descr="login-screen.png">
             <a:extLst>
               <a:ext uri="{FF2B5EF4-FFF2-40B4-BE49-F238E27FC236}">
-                <a16:creationId xmlns:a16="http://schemas.microsoft.com/office/drawing/2014/main" id="{DECA2F4C-D44D-44D7-8B73-056245C90E29}"/>
+                <a16:creationId xmlns:a16="http://schemas.microsoft.com/office/drawing/2014/main" id="{9ECD844A-EF42-4DD0-9874-2FE754483839}"/>
               </a:ext>
             </a:extLst>
           </p:cNvPr>
-          <p:cNvSpPr>
-            <a:spLocks noGrp="1"/>
-          </p:cNvSpPr>
+          <p:cNvPicPr>
+            <a:picLocks noGrp="1" noChangeAspect="1" noChangeArrowheads="1"/>
+          </p:cNvPicPr>
           <p:nvPr>
             <p:ph idx="1"/>
           </p:nvPr>
-        </p:nvSpPr>
-        <p:spPr/>
-        <p:txBody>
-          <a:bodyPr/>
-          <a:lstStyle/>
-          <a:p>
-            <a:endParaRPr lang="tr-TR"/>
-          </a:p>
-        </p:txBody>
-      </p:sp>
+        </p:nvPicPr>
+        <p:blipFill>
+          <a:blip r:embed="rId2">
+            <a:extLst>
+              <a:ext uri="{28A0092B-C50C-407E-A947-70E740481C1C}">
+                <a14:useLocalDpi xmlns:a14="http://schemas.microsoft.com/office/drawing/2010/main" val="0"/>
+              </a:ext>
+            </a:extLst>
+          </a:blip>
+          <a:srcRect/>
+          <a:stretch>
+            <a:fillRect/>
+          </a:stretch>
+        </p:blipFill>
+        <p:spPr bwMode="auto">
+          <a:xfrm>
+            <a:off x="1295400" y="1646238"/>
+            <a:ext cx="3966449" cy="3810000"/>
+          </a:xfrm>
+          <a:prstGeom prst="rect">
+            <a:avLst/>
+          </a:prstGeom>
+          <a:noFill/>
+          <a:extLst>
+            <a:ext uri="{909E8E84-426E-40DD-AFC4-6F175D3DCCD1}">
+              <a14:hiddenFill xmlns:a14="http://schemas.microsoft.com/office/drawing/2010/main">
+                <a:solidFill>
+                  <a:srgbClr val="FFFFFF"/>
+                </a:solidFill>
+              </a14:hiddenFill>
+            </a:ext>
+          </a:extLst>
+        </p:spPr>
+      </p:pic>
+      <p:pic>
+        <p:nvPicPr>
+          <p:cNvPr id="4" name="Picture 3">
+            <a:extLst>
+              <a:ext uri="{FF2B5EF4-FFF2-40B4-BE49-F238E27FC236}">
+                <a16:creationId xmlns:a16="http://schemas.microsoft.com/office/drawing/2014/main" id="{D9417304-B1FF-41BE-96BF-055208FEE0F3}"/>
+              </a:ext>
+            </a:extLst>
+          </p:cNvPr>
+          <p:cNvPicPr>
+            <a:picLocks noChangeAspect="1"/>
+          </p:cNvPicPr>
+          <p:nvPr/>
+        </p:nvPicPr>
+        <p:blipFill>
+          <a:blip r:embed="rId3"/>
+          <a:stretch>
+            <a:fillRect/>
+          </a:stretch>
+        </p:blipFill>
+        <p:spPr>
+          <a:xfrm>
+            <a:off x="6630663" y="1075045"/>
+            <a:ext cx="3409512" cy="5008514"/>
+          </a:xfrm>
+          <a:prstGeom prst="rect">
+            <a:avLst/>
+          </a:prstGeom>
+          <a:ln>
+            <a:solidFill>
+              <a:schemeClr val="bg1">
+                <a:lumMod val="50000"/>
+              </a:schemeClr>
+            </a:solidFill>
+          </a:ln>
+        </p:spPr>
+      </p:pic>
     </p:spTree>
     <p:extLst>
       <p:ext uri="{BB962C8B-B14F-4D97-AF65-F5344CB8AC3E}">
-        <p14:creationId xmlns:p14="http://schemas.microsoft.com/office/powerpoint/2010/main" val="271060063"/>
+        <p14:creationId xmlns:p14="http://schemas.microsoft.com/office/powerpoint/2010/main" val="1014193435"/>
       </p:ext>
     </p:extLst>
   </p:cSld>
@@ -17992,7 +18077,7 @@
           <p:cNvPr id="2" name="Title 1">
             <a:extLst>
               <a:ext uri="{FF2B5EF4-FFF2-40B4-BE49-F238E27FC236}">
-                <a16:creationId xmlns:a16="http://schemas.microsoft.com/office/drawing/2014/main" id="{B225C1C4-AE2E-412F-B140-2E867D326509}"/>
+                <a16:creationId xmlns:a16="http://schemas.microsoft.com/office/drawing/2014/main" id="{A8E87594-8274-430A-9526-7D91EBAE4A90}"/>
               </a:ext>
             </a:extLst>
           </p:cNvPr>
@@ -18005,10 +18090,14 @@
         </p:nvSpPr>
         <p:spPr/>
         <p:txBody>
-          <a:bodyPr/>
+          <a:bodyPr anchor="b"/>
           <a:lstStyle/>
           <a:p>
-            <a:endParaRPr lang="tr-TR"/>
+            <a:r>
+              <a:rPr lang="en-US" dirty="0"/>
+              <a:t>Authentication Cookie/Token</a:t>
+            </a:r>
+            <a:endParaRPr lang="tr-TR" dirty="0"/>
           </a:p>
         </p:txBody>
       </p:sp>
@@ -18017,7 +18106,7 @@
           <p:cNvPr id="3" name="Content Placeholder 2">
             <a:extLst>
               <a:ext uri="{FF2B5EF4-FFF2-40B4-BE49-F238E27FC236}">
-                <a16:creationId xmlns:a16="http://schemas.microsoft.com/office/drawing/2014/main" id="{BF821C1A-D224-4AC1-84D3-CE27CE7180C3}"/>
+                <a16:creationId xmlns:a16="http://schemas.microsoft.com/office/drawing/2014/main" id="{DECA2F4C-D44D-44D7-8B73-056245C90E29}"/>
               </a:ext>
             </a:extLst>
           </p:cNvPr>
@@ -18033,14 +18122,25 @@
           <a:bodyPr/>
           <a:lstStyle/>
           <a:p>
-            <a:endParaRPr lang="tr-TR"/>
+            <a:r>
+              <a:rPr lang="en-US" dirty="0"/>
+              <a:t>Add </a:t>
+            </a:r>
+            <a:r>
+              <a:rPr lang="en-US" dirty="0" err="1"/>
+              <a:t>TenantId</a:t>
+            </a:r>
+            <a:r>
+              <a:rPr lang="en-US" dirty="0"/>
+              <a:t> to the authentication cookie on login.</a:t>
+            </a:r>
           </a:p>
         </p:txBody>
       </p:sp>
     </p:spTree>
     <p:extLst>
       <p:ext uri="{BB962C8B-B14F-4D97-AF65-F5344CB8AC3E}">
-        <p14:creationId xmlns:p14="http://schemas.microsoft.com/office/powerpoint/2010/main" val="150459125"/>
+        <p14:creationId xmlns:p14="http://schemas.microsoft.com/office/powerpoint/2010/main" val="271060063"/>
       </p:ext>
     </p:extLst>
   </p:cSld>
@@ -18081,7 +18181,13 @@
       </p:grpSpPr>
       <p:sp>
         <p:nvSpPr>
-          <p:cNvPr id="2" name="Title 1"/>
+          <p:cNvPr id="2" name="Title 1">
+            <a:extLst>
+              <a:ext uri="{FF2B5EF4-FFF2-40B4-BE49-F238E27FC236}">
+                <a16:creationId xmlns:a16="http://schemas.microsoft.com/office/drawing/2014/main" id="{5B675848-0667-4F7B-998D-AC4FDB9E351B}"/>
+              </a:ext>
+            </a:extLst>
+          </p:cNvPr>
           <p:cNvSpPr>
             <a:spLocks noGrp="1"/>
           </p:cNvSpPr>
@@ -18096,19 +18202,26 @@
           <a:p>
             <a:r>
               <a:rPr lang="en-US" dirty="0"/>
-              <a:t>Add a Slide Title - 4</a:t>
-            </a:r>
+              <a:t>Multi-Tenancy</a:t>
+            </a:r>
+            <a:endParaRPr lang="tr-TR" dirty="0"/>
           </a:p>
         </p:txBody>
       </p:sp>
       <p:sp>
         <p:nvSpPr>
-          <p:cNvPr id="5" name="Content Placeholder 4"/>
+          <p:cNvPr id="3" name="Text Placeholder 2">
+            <a:extLst>
+              <a:ext uri="{FF2B5EF4-FFF2-40B4-BE49-F238E27FC236}">
+                <a16:creationId xmlns:a16="http://schemas.microsoft.com/office/drawing/2014/main" id="{9A964DF7-C484-45B1-B6AD-DBF9611DB367}"/>
+              </a:ext>
+            </a:extLst>
+          </p:cNvPr>
           <p:cNvSpPr>
             <a:spLocks noGrp="1"/>
           </p:cNvSpPr>
           <p:nvPr>
-            <p:ph idx="1"/>
+            <p:ph type="body" idx="1"/>
           </p:nvPr>
         </p:nvSpPr>
         <p:spPr/>
@@ -18116,33 +18229,18 @@
           <a:bodyPr/>
           <a:lstStyle/>
           <a:p>
-            <a:endParaRPr lang="en-US"/>
-          </a:p>
-        </p:txBody>
-      </p:sp>
-      <p:sp>
-        <p:nvSpPr>
-          <p:cNvPr id="6" name="Text Placeholder 5"/>
-          <p:cNvSpPr>
-            <a:spLocks noGrp="1"/>
-          </p:cNvSpPr>
-          <p:nvPr>
-            <p:ph type="body" sz="half" idx="2"/>
-          </p:nvPr>
-        </p:nvSpPr>
-        <p:spPr/>
-        <p:txBody>
-          <a:bodyPr/>
-          <a:lstStyle/>
-          <a:p>
-            <a:endParaRPr lang="en-US"/>
+            <a:r>
+              <a:rPr lang="en-US" dirty="0"/>
+              <a:t>Database / Data Isolation</a:t>
+            </a:r>
+            <a:endParaRPr lang="tr-TR" dirty="0"/>
           </a:p>
         </p:txBody>
       </p:sp>
     </p:spTree>
     <p:extLst>
       <p:ext uri="{BB962C8B-B14F-4D97-AF65-F5344CB8AC3E}">
-        <p14:creationId xmlns:p14="http://schemas.microsoft.com/office/powerpoint/2010/main" val="4101607575"/>
+        <p14:creationId xmlns:p14="http://schemas.microsoft.com/office/powerpoint/2010/main" val="3133479184"/>
       </p:ext>
     </p:extLst>
   </p:cSld>
@@ -18183,7 +18281,13 @@
       </p:grpSpPr>
       <p:sp>
         <p:nvSpPr>
-          <p:cNvPr id="3" name="Title 2"/>
+          <p:cNvPr id="2" name="Title 1">
+            <a:extLst>
+              <a:ext uri="{FF2B5EF4-FFF2-40B4-BE49-F238E27FC236}">
+                <a16:creationId xmlns:a16="http://schemas.microsoft.com/office/drawing/2014/main" id="{B225C1C4-AE2E-412F-B140-2E867D326509}"/>
+              </a:ext>
+            </a:extLst>
+          </p:cNvPr>
           <p:cNvSpPr>
             <a:spLocks noGrp="1"/>
           </p:cNvSpPr>
@@ -18193,51 +18297,83 @@
         </p:nvSpPr>
         <p:spPr/>
         <p:txBody>
-          <a:bodyPr/>
+          <a:bodyPr anchor="t"/>
           <a:lstStyle/>
           <a:p>
             <a:r>
               <a:rPr lang="en-US" dirty="0"/>
-              <a:t>Add a Slide Title - 5</a:t>
-            </a:r>
+              <a:t>Dynamically Select the Connection String</a:t>
+            </a:r>
+            <a:endParaRPr lang="tr-TR" dirty="0"/>
           </a:p>
         </p:txBody>
       </p:sp>
-      <p:sp>
-        <p:nvSpPr>
-          <p:cNvPr id="5" name="Picture Placeholder 4"/>
-          <p:cNvSpPr>
-            <a:spLocks noGrp="1"/>
-          </p:cNvSpPr>
+      <p:pic>
+        <p:nvPicPr>
+          <p:cNvPr id="5" name="Content Placeholder 4">
+            <a:extLst>
+              <a:ext uri="{FF2B5EF4-FFF2-40B4-BE49-F238E27FC236}">
+                <a16:creationId xmlns:a16="http://schemas.microsoft.com/office/drawing/2014/main" id="{29859432-5B99-4655-AC0D-3583AC3D5DD3}"/>
+              </a:ext>
+            </a:extLst>
+          </p:cNvPr>
+          <p:cNvPicPr>
+            <a:picLocks noGrp="1" noChangeAspect="1"/>
+          </p:cNvPicPr>
           <p:nvPr>
-            <p:ph type="pic" idx="1"/>
+            <p:ph idx="1"/>
           </p:nvPr>
-        </p:nvSpPr>
-        <p:spPr/>
-      </p:sp>
-      <p:sp>
-        <p:nvSpPr>
-          <p:cNvPr id="6" name="Text Placeholder 5"/>
-          <p:cNvSpPr>
-            <a:spLocks noGrp="1"/>
-          </p:cNvSpPr>
-          <p:nvPr>
-            <p:ph type="body" sz="half" idx="2"/>
-          </p:nvPr>
-        </p:nvSpPr>
-        <p:spPr/>
-        <p:txBody>
-          <a:bodyPr/>
-          <a:lstStyle/>
-          <a:p>
-            <a:endParaRPr lang="en-US"/>
-          </a:p>
-        </p:txBody>
-      </p:sp>
+        </p:nvPicPr>
+        <p:blipFill>
+          <a:blip r:embed="rId2"/>
+          <a:stretch>
+            <a:fillRect/>
+          </a:stretch>
+        </p:blipFill>
+        <p:spPr>
+          <a:xfrm>
+            <a:off x="1295400" y="1126445"/>
+            <a:ext cx="7996688" cy="1142384"/>
+          </a:xfrm>
+          <a:prstGeom prst="rect">
+            <a:avLst/>
+          </a:prstGeom>
+        </p:spPr>
+      </p:pic>
+      <p:pic>
+        <p:nvPicPr>
+          <p:cNvPr id="8" name="Picture 7">
+            <a:extLst>
+              <a:ext uri="{FF2B5EF4-FFF2-40B4-BE49-F238E27FC236}">
+                <a16:creationId xmlns:a16="http://schemas.microsoft.com/office/drawing/2014/main" id="{3BE1260B-DA81-4C1A-ADA9-C18250E7D97C}"/>
+              </a:ext>
+            </a:extLst>
+          </p:cNvPr>
+          <p:cNvPicPr>
+            <a:picLocks noChangeAspect="1"/>
+          </p:cNvPicPr>
+          <p:nvPr/>
+        </p:nvPicPr>
+        <p:blipFill>
+          <a:blip r:embed="rId3"/>
+          <a:stretch>
+            <a:fillRect/>
+          </a:stretch>
+        </p:blipFill>
+        <p:spPr>
+          <a:xfrm>
+            <a:off x="2762250" y="2119895"/>
+            <a:ext cx="8134350" cy="4391025"/>
+          </a:xfrm>
+          <a:prstGeom prst="rect">
+            <a:avLst/>
+          </a:prstGeom>
+        </p:spPr>
+      </p:pic>
     </p:spTree>
     <p:extLst>
       <p:ext uri="{BB962C8B-B14F-4D97-AF65-F5344CB8AC3E}">
-        <p14:creationId xmlns:p14="http://schemas.microsoft.com/office/powerpoint/2010/main" val="2794409471"/>
+        <p14:creationId xmlns:p14="http://schemas.microsoft.com/office/powerpoint/2010/main" val="150459125"/>
       </p:ext>
     </p:extLst>
   </p:cSld>
@@ -18281,7 +18417,110 @@
           <p:cNvPr id="2" name="Title 1">
             <a:extLst>
               <a:ext uri="{FF2B5EF4-FFF2-40B4-BE49-F238E27FC236}">
-                <a16:creationId xmlns:a16="http://schemas.microsoft.com/office/drawing/2014/main" id="{700032AE-86CF-4383-933C-9021A37A6D8F}"/>
+                <a16:creationId xmlns:a16="http://schemas.microsoft.com/office/drawing/2014/main" id="{1280342D-5EE9-4ED2-B070-C3AA31818BB1}"/>
+              </a:ext>
+            </a:extLst>
+          </p:cNvPr>
+          <p:cNvSpPr>
+            <a:spLocks noGrp="1"/>
+          </p:cNvSpPr>
+          <p:nvPr>
+            <p:ph type="title"/>
+          </p:nvPr>
+        </p:nvSpPr>
+        <p:spPr/>
+        <p:txBody>
+          <a:bodyPr anchor="t"/>
+          <a:lstStyle/>
+          <a:p>
+            <a:r>
+              <a:rPr lang="en-US" dirty="0"/>
+              <a:t>Dynamically Select the Connection String</a:t>
+            </a:r>
+            <a:endParaRPr lang="tr-TR" dirty="0"/>
+          </a:p>
+        </p:txBody>
+      </p:sp>
+      <p:pic>
+        <p:nvPicPr>
+          <p:cNvPr id="8" name="Content Placeholder 7">
+            <a:extLst>
+              <a:ext uri="{FF2B5EF4-FFF2-40B4-BE49-F238E27FC236}">
+                <a16:creationId xmlns:a16="http://schemas.microsoft.com/office/drawing/2014/main" id="{70C4B45D-A9D0-45D7-A16A-B9B5500730E0}"/>
+              </a:ext>
+            </a:extLst>
+          </p:cNvPr>
+          <p:cNvPicPr>
+            <a:picLocks noGrp="1" noChangeAspect="1"/>
+          </p:cNvPicPr>
+          <p:nvPr>
+            <p:ph idx="1"/>
+          </p:nvPr>
+        </p:nvPicPr>
+        <p:blipFill>
+          <a:blip r:embed="rId2"/>
+          <a:stretch>
+            <a:fillRect/>
+          </a:stretch>
+        </p:blipFill>
+        <p:spPr>
+          <a:xfrm>
+            <a:off x="591471" y="1646238"/>
+            <a:ext cx="11009058" cy="3830703"/>
+          </a:xfrm>
+          <a:prstGeom prst="rect">
+            <a:avLst/>
+          </a:prstGeom>
+        </p:spPr>
+      </p:pic>
+    </p:spTree>
+    <p:extLst>
+      <p:ext uri="{BB962C8B-B14F-4D97-AF65-F5344CB8AC3E}">
+        <p14:creationId xmlns:p14="http://schemas.microsoft.com/office/powerpoint/2010/main" val="1865231919"/>
+      </p:ext>
+    </p:extLst>
+  </p:cSld>
+  <p:clrMapOvr>
+    <a:masterClrMapping/>
+  </p:clrMapOvr>
+  <mc:AlternateContent xmlns:mc="http://schemas.openxmlformats.org/markup-compatibility/2006" xmlns:p14="http://schemas.microsoft.com/office/powerpoint/2010/main">
+    <mc:Choice Requires="p14">
+      <p:transition spd="med" p14:dur="700">
+        <p:fade/>
+      </p:transition>
+    </mc:Choice>
+    <mc:Fallback xmlns="">
+      <p:transition spd="med">
+        <p:fade/>
+      </p:transition>
+    </mc:Fallback>
+  </mc:AlternateContent>
+</p:sld>
+</file>
+
+<file path=ppt/slides/slide34.xml><?xml version="1.0" encoding="utf-8"?>
+<p:sld xmlns:a="http://schemas.openxmlformats.org/drawingml/2006/main" xmlns:r="http://schemas.openxmlformats.org/officeDocument/2006/relationships" xmlns:p="http://schemas.openxmlformats.org/presentationml/2006/main">
+  <p:cSld>
+    <p:spTree>
+      <p:nvGrpSpPr>
+        <p:cNvPr id="1" name=""/>
+        <p:cNvGrpSpPr/>
+        <p:nvPr/>
+      </p:nvGrpSpPr>
+      <p:grpSpPr>
+        <a:xfrm>
+          <a:off x="0" y="0"/>
+          <a:ext cx="0" cy="0"/>
+          <a:chOff x="0" y="0"/>
+          <a:chExt cx="0" cy="0"/>
+        </a:xfrm>
+      </p:grpSpPr>
+      <p:sp>
+        <p:nvSpPr>
+          <p:cNvPr id="2" name="Title 1">
+            <a:extLst>
+              <a:ext uri="{FF2B5EF4-FFF2-40B4-BE49-F238E27FC236}">
+                <a16:creationId xmlns:a16="http://schemas.microsoft.com/office/drawing/2014/main" id="{22626C53-E88A-4383-B517-205E57084002}"/>
               </a:ext>
             </a:extLst>
           </p:cNvPr>
@@ -18306,7 +18545,7 @@
           <p:cNvPr id="3" name="Content Placeholder 2">
             <a:extLst>
               <a:ext uri="{FF2B5EF4-FFF2-40B4-BE49-F238E27FC236}">
-                <a16:creationId xmlns:a16="http://schemas.microsoft.com/office/drawing/2014/main" id="{7881CEEF-206D-46CC-A023-F63C0FD584C5}"/>
+                <a16:creationId xmlns:a16="http://schemas.microsoft.com/office/drawing/2014/main" id="{9D4E2445-8828-4083-A1D1-CFDE9CFD4A98}"/>
               </a:ext>
             </a:extLst>
           </p:cNvPr>
@@ -18329,7 +18568,467 @@
     </p:spTree>
     <p:extLst>
       <p:ext uri="{BB962C8B-B14F-4D97-AF65-F5344CB8AC3E}">
-        <p14:creationId xmlns:p14="http://schemas.microsoft.com/office/powerpoint/2010/main" val="4093661547"/>
+        <p14:creationId xmlns:p14="http://schemas.microsoft.com/office/powerpoint/2010/main" val="309005214"/>
+      </p:ext>
+    </p:extLst>
+  </p:cSld>
+  <p:clrMapOvr>
+    <a:masterClrMapping/>
+  </p:clrMapOvr>
+  <mc:AlternateContent xmlns:mc="http://schemas.openxmlformats.org/markup-compatibility/2006" xmlns:p14="http://schemas.microsoft.com/office/powerpoint/2010/main">
+    <mc:Choice Requires="p14">
+      <p:transition spd="med" p14:dur="700">
+        <p:fade/>
+      </p:transition>
+    </mc:Choice>
+    <mc:Fallback xmlns="">
+      <p:transition spd="med">
+        <p:fade/>
+      </p:transition>
+    </mc:Fallback>
+  </mc:AlternateContent>
+</p:sld>
+</file>
+
+<file path=ppt/slides/slide35.xml><?xml version="1.0" encoding="utf-8"?>
+<p:sld xmlns:a="http://schemas.openxmlformats.org/drawingml/2006/main" xmlns:r="http://schemas.openxmlformats.org/officeDocument/2006/relationships" xmlns:p="http://schemas.openxmlformats.org/presentationml/2006/main">
+  <p:cSld>
+    <p:spTree>
+      <p:nvGrpSpPr>
+        <p:cNvPr id="1" name=""/>
+        <p:cNvGrpSpPr/>
+        <p:nvPr/>
+      </p:nvGrpSpPr>
+      <p:grpSpPr>
+        <a:xfrm>
+          <a:off x="0" y="0"/>
+          <a:ext cx="0" cy="0"/>
+          <a:chOff x="0" y="0"/>
+          <a:chExt cx="0" cy="0"/>
+        </a:xfrm>
+      </p:grpSpPr>
+      <p:sp>
+        <p:nvSpPr>
+          <p:cNvPr id="2" name="Title 1">
+            <a:extLst>
+              <a:ext uri="{FF2B5EF4-FFF2-40B4-BE49-F238E27FC236}">
+                <a16:creationId xmlns:a16="http://schemas.microsoft.com/office/drawing/2014/main" id="{BA69C879-0ECF-40EC-BF55-15FD73199388}"/>
+              </a:ext>
+            </a:extLst>
+          </p:cNvPr>
+          <p:cNvSpPr>
+            <a:spLocks noGrp="1"/>
+          </p:cNvSpPr>
+          <p:nvPr>
+            <p:ph type="title"/>
+          </p:nvPr>
+        </p:nvSpPr>
+        <p:spPr/>
+        <p:txBody>
+          <a:bodyPr/>
+          <a:lstStyle/>
+          <a:p>
+            <a:endParaRPr lang="tr-TR"/>
+          </a:p>
+        </p:txBody>
+      </p:sp>
+      <p:sp>
+        <p:nvSpPr>
+          <p:cNvPr id="3" name="Content Placeholder 2">
+            <a:extLst>
+              <a:ext uri="{FF2B5EF4-FFF2-40B4-BE49-F238E27FC236}">
+                <a16:creationId xmlns:a16="http://schemas.microsoft.com/office/drawing/2014/main" id="{62269AEB-2E27-4533-8CB7-632430FB7324}"/>
+              </a:ext>
+            </a:extLst>
+          </p:cNvPr>
+          <p:cNvSpPr>
+            <a:spLocks noGrp="1"/>
+          </p:cNvSpPr>
+          <p:nvPr>
+            <p:ph idx="1"/>
+          </p:nvPr>
+        </p:nvSpPr>
+        <p:spPr/>
+        <p:txBody>
+          <a:bodyPr/>
+          <a:lstStyle/>
+          <a:p>
+            <a:endParaRPr lang="tr-TR"/>
+          </a:p>
+        </p:txBody>
+      </p:sp>
+    </p:spTree>
+    <p:extLst>
+      <p:ext uri="{BB962C8B-B14F-4D97-AF65-F5344CB8AC3E}">
+        <p14:creationId xmlns:p14="http://schemas.microsoft.com/office/powerpoint/2010/main" val="460580387"/>
+      </p:ext>
+    </p:extLst>
+  </p:cSld>
+  <p:clrMapOvr>
+    <a:masterClrMapping/>
+  </p:clrMapOvr>
+  <mc:AlternateContent xmlns:mc="http://schemas.openxmlformats.org/markup-compatibility/2006" xmlns:p14="http://schemas.microsoft.com/office/powerpoint/2010/main">
+    <mc:Choice Requires="p14">
+      <p:transition spd="med" p14:dur="700">
+        <p:fade/>
+      </p:transition>
+    </mc:Choice>
+    <mc:Fallback xmlns="">
+      <p:transition spd="med">
+        <p:fade/>
+      </p:transition>
+    </mc:Fallback>
+  </mc:AlternateContent>
+</p:sld>
+</file>
+
+<file path=ppt/slides/slide36.xml><?xml version="1.0" encoding="utf-8"?>
+<p:sld xmlns:a="http://schemas.openxmlformats.org/drawingml/2006/main" xmlns:r="http://schemas.openxmlformats.org/officeDocument/2006/relationships" xmlns:p="http://schemas.openxmlformats.org/presentationml/2006/main">
+  <p:cSld>
+    <p:spTree>
+      <p:nvGrpSpPr>
+        <p:cNvPr id="1" name=""/>
+        <p:cNvGrpSpPr/>
+        <p:nvPr/>
+      </p:nvGrpSpPr>
+      <p:grpSpPr>
+        <a:xfrm>
+          <a:off x="0" y="0"/>
+          <a:ext cx="0" cy="0"/>
+          <a:chOff x="0" y="0"/>
+          <a:chExt cx="0" cy="0"/>
+        </a:xfrm>
+      </p:grpSpPr>
+      <p:sp>
+        <p:nvSpPr>
+          <p:cNvPr id="2" name="Title 1">
+            <a:extLst>
+              <a:ext uri="{FF2B5EF4-FFF2-40B4-BE49-F238E27FC236}">
+                <a16:creationId xmlns:a16="http://schemas.microsoft.com/office/drawing/2014/main" id="{5FEFC4AE-3FC4-4289-AA1F-D610EF4F67C6}"/>
+              </a:ext>
+            </a:extLst>
+          </p:cNvPr>
+          <p:cNvSpPr>
+            <a:spLocks noGrp="1"/>
+          </p:cNvSpPr>
+          <p:nvPr>
+            <p:ph type="title"/>
+          </p:nvPr>
+        </p:nvSpPr>
+        <p:spPr/>
+        <p:txBody>
+          <a:bodyPr/>
+          <a:lstStyle/>
+          <a:p>
+            <a:endParaRPr lang="tr-TR"/>
+          </a:p>
+        </p:txBody>
+      </p:sp>
+      <p:sp>
+        <p:nvSpPr>
+          <p:cNvPr id="3" name="Content Placeholder 2">
+            <a:extLst>
+              <a:ext uri="{FF2B5EF4-FFF2-40B4-BE49-F238E27FC236}">
+                <a16:creationId xmlns:a16="http://schemas.microsoft.com/office/drawing/2014/main" id="{4AD6B52A-4C1B-4918-A39C-305D9B88CBFC}"/>
+              </a:ext>
+            </a:extLst>
+          </p:cNvPr>
+          <p:cNvSpPr>
+            <a:spLocks noGrp="1"/>
+          </p:cNvSpPr>
+          <p:nvPr>
+            <p:ph idx="1"/>
+          </p:nvPr>
+        </p:nvSpPr>
+        <p:spPr/>
+        <p:txBody>
+          <a:bodyPr/>
+          <a:lstStyle/>
+          <a:p>
+            <a:endParaRPr lang="tr-TR"/>
+          </a:p>
+        </p:txBody>
+      </p:sp>
+    </p:spTree>
+    <p:extLst>
+      <p:ext uri="{BB962C8B-B14F-4D97-AF65-F5344CB8AC3E}">
+        <p14:creationId xmlns:p14="http://schemas.microsoft.com/office/powerpoint/2010/main" val="796750104"/>
+      </p:ext>
+    </p:extLst>
+  </p:cSld>
+  <p:clrMapOvr>
+    <a:masterClrMapping/>
+  </p:clrMapOvr>
+  <mc:AlternateContent xmlns:mc="http://schemas.openxmlformats.org/markup-compatibility/2006" xmlns:p14="http://schemas.microsoft.com/office/powerpoint/2010/main">
+    <mc:Choice Requires="p14">
+      <p:transition spd="med" p14:dur="700">
+        <p:fade/>
+      </p:transition>
+    </mc:Choice>
+    <mc:Fallback xmlns="">
+      <p:transition spd="med">
+        <p:fade/>
+      </p:transition>
+    </mc:Fallback>
+  </mc:AlternateContent>
+</p:sld>
+</file>
+
+<file path=ppt/slides/slide37.xml><?xml version="1.0" encoding="utf-8"?>
+<p:sld xmlns:a="http://schemas.openxmlformats.org/drawingml/2006/main" xmlns:r="http://schemas.openxmlformats.org/officeDocument/2006/relationships" xmlns:p="http://schemas.openxmlformats.org/presentationml/2006/main">
+  <p:cSld>
+    <p:spTree>
+      <p:nvGrpSpPr>
+        <p:cNvPr id="1" name=""/>
+        <p:cNvGrpSpPr/>
+        <p:nvPr/>
+      </p:nvGrpSpPr>
+      <p:grpSpPr>
+        <a:xfrm>
+          <a:off x="0" y="0"/>
+          <a:ext cx="0" cy="0"/>
+          <a:chOff x="0" y="0"/>
+          <a:chExt cx="0" cy="0"/>
+        </a:xfrm>
+      </p:grpSpPr>
+      <p:sp>
+        <p:nvSpPr>
+          <p:cNvPr id="2" name="Title 1">
+            <a:extLst>
+              <a:ext uri="{FF2B5EF4-FFF2-40B4-BE49-F238E27FC236}">
+                <a16:creationId xmlns:a16="http://schemas.microsoft.com/office/drawing/2014/main" id="{A9A6F59D-36A9-45E9-BC69-ED35D015E9A5}"/>
+              </a:ext>
+            </a:extLst>
+          </p:cNvPr>
+          <p:cNvSpPr>
+            <a:spLocks noGrp="1"/>
+          </p:cNvSpPr>
+          <p:nvPr>
+            <p:ph type="title"/>
+          </p:nvPr>
+        </p:nvSpPr>
+        <p:spPr/>
+        <p:txBody>
+          <a:bodyPr/>
+          <a:lstStyle/>
+          <a:p>
+            <a:endParaRPr lang="tr-TR"/>
+          </a:p>
+        </p:txBody>
+      </p:sp>
+      <p:sp>
+        <p:nvSpPr>
+          <p:cNvPr id="3" name="Content Placeholder 2">
+            <a:extLst>
+              <a:ext uri="{FF2B5EF4-FFF2-40B4-BE49-F238E27FC236}">
+                <a16:creationId xmlns:a16="http://schemas.microsoft.com/office/drawing/2014/main" id="{59E0AFFB-784C-4758-90DE-A1901A81D6DB}"/>
+              </a:ext>
+            </a:extLst>
+          </p:cNvPr>
+          <p:cNvSpPr>
+            <a:spLocks noGrp="1"/>
+          </p:cNvSpPr>
+          <p:nvPr>
+            <p:ph idx="1"/>
+          </p:nvPr>
+        </p:nvSpPr>
+        <p:spPr/>
+        <p:txBody>
+          <a:bodyPr/>
+          <a:lstStyle/>
+          <a:p>
+            <a:endParaRPr lang="tr-TR"/>
+          </a:p>
+        </p:txBody>
+      </p:sp>
+    </p:spTree>
+    <p:extLst>
+      <p:ext uri="{BB962C8B-B14F-4D97-AF65-F5344CB8AC3E}">
+        <p14:creationId xmlns:p14="http://schemas.microsoft.com/office/powerpoint/2010/main" val="2762832503"/>
+      </p:ext>
+    </p:extLst>
+  </p:cSld>
+  <p:clrMapOvr>
+    <a:masterClrMapping/>
+  </p:clrMapOvr>
+  <mc:AlternateContent xmlns:mc="http://schemas.openxmlformats.org/markup-compatibility/2006" xmlns:p14="http://schemas.microsoft.com/office/powerpoint/2010/main">
+    <mc:Choice Requires="p14">
+      <p:transition spd="med" p14:dur="700">
+        <p:fade/>
+      </p:transition>
+    </mc:Choice>
+    <mc:Fallback xmlns="">
+      <p:transition spd="med">
+        <p:fade/>
+      </p:transition>
+    </mc:Fallback>
+  </mc:AlternateContent>
+</p:sld>
+</file>
+
+<file path=ppt/slides/slide38.xml><?xml version="1.0" encoding="utf-8"?>
+<p:sld xmlns:a="http://schemas.openxmlformats.org/drawingml/2006/main" xmlns:r="http://schemas.openxmlformats.org/officeDocument/2006/relationships" xmlns:p="http://schemas.openxmlformats.org/presentationml/2006/main">
+  <p:cSld>
+    <p:spTree>
+      <p:nvGrpSpPr>
+        <p:cNvPr id="1" name=""/>
+        <p:cNvGrpSpPr/>
+        <p:nvPr/>
+      </p:nvGrpSpPr>
+      <p:grpSpPr>
+        <a:xfrm>
+          <a:off x="0" y="0"/>
+          <a:ext cx="0" cy="0"/>
+          <a:chOff x="0" y="0"/>
+          <a:chExt cx="0" cy="0"/>
+        </a:xfrm>
+      </p:grpSpPr>
+      <p:sp>
+        <p:nvSpPr>
+          <p:cNvPr id="2" name="Title 1">
+            <a:extLst>
+              <a:ext uri="{FF2B5EF4-FFF2-40B4-BE49-F238E27FC236}">
+                <a16:creationId xmlns:a16="http://schemas.microsoft.com/office/drawing/2014/main" id="{8EE61433-5C7D-48F5-B4A5-F1FCDFDCAB30}"/>
+              </a:ext>
+            </a:extLst>
+          </p:cNvPr>
+          <p:cNvSpPr>
+            <a:spLocks noGrp="1"/>
+          </p:cNvSpPr>
+          <p:nvPr>
+            <p:ph type="title"/>
+          </p:nvPr>
+        </p:nvSpPr>
+        <p:spPr/>
+        <p:txBody>
+          <a:bodyPr/>
+          <a:lstStyle/>
+          <a:p>
+            <a:endParaRPr lang="tr-TR"/>
+          </a:p>
+        </p:txBody>
+      </p:sp>
+      <p:sp>
+        <p:nvSpPr>
+          <p:cNvPr id="3" name="Content Placeholder 2">
+            <a:extLst>
+              <a:ext uri="{FF2B5EF4-FFF2-40B4-BE49-F238E27FC236}">
+                <a16:creationId xmlns:a16="http://schemas.microsoft.com/office/drawing/2014/main" id="{DC494CA9-E423-449E-A122-E261F79B6256}"/>
+              </a:ext>
+            </a:extLst>
+          </p:cNvPr>
+          <p:cNvSpPr>
+            <a:spLocks noGrp="1"/>
+          </p:cNvSpPr>
+          <p:nvPr>
+            <p:ph idx="1"/>
+          </p:nvPr>
+        </p:nvSpPr>
+        <p:spPr/>
+        <p:txBody>
+          <a:bodyPr/>
+          <a:lstStyle/>
+          <a:p>
+            <a:endParaRPr lang="tr-TR"/>
+          </a:p>
+        </p:txBody>
+      </p:sp>
+    </p:spTree>
+    <p:extLst>
+      <p:ext uri="{BB962C8B-B14F-4D97-AF65-F5344CB8AC3E}">
+        <p14:creationId xmlns:p14="http://schemas.microsoft.com/office/powerpoint/2010/main" val="2129580115"/>
+      </p:ext>
+    </p:extLst>
+  </p:cSld>
+  <p:clrMapOvr>
+    <a:masterClrMapping/>
+  </p:clrMapOvr>
+  <mc:AlternateContent xmlns:mc="http://schemas.openxmlformats.org/markup-compatibility/2006" xmlns:p14="http://schemas.microsoft.com/office/powerpoint/2010/main">
+    <mc:Choice Requires="p14">
+      <p:transition spd="med" p14:dur="700">
+        <p:fade/>
+      </p:transition>
+    </mc:Choice>
+    <mc:Fallback xmlns="">
+      <p:transition spd="med">
+        <p:fade/>
+      </p:transition>
+    </mc:Fallback>
+  </mc:AlternateContent>
+</p:sld>
+</file>
+
+<file path=ppt/slides/slide39.xml><?xml version="1.0" encoding="utf-8"?>
+<p:sld xmlns:a="http://schemas.openxmlformats.org/drawingml/2006/main" xmlns:r="http://schemas.openxmlformats.org/officeDocument/2006/relationships" xmlns:p="http://schemas.openxmlformats.org/presentationml/2006/main">
+  <p:cSld>
+    <p:spTree>
+      <p:nvGrpSpPr>
+        <p:cNvPr id="1" name=""/>
+        <p:cNvGrpSpPr/>
+        <p:nvPr/>
+      </p:nvGrpSpPr>
+      <p:grpSpPr>
+        <a:xfrm>
+          <a:off x="0" y="0"/>
+          <a:ext cx="0" cy="0"/>
+          <a:chOff x="0" y="0"/>
+          <a:chExt cx="0" cy="0"/>
+        </a:xfrm>
+      </p:grpSpPr>
+      <p:sp>
+        <p:nvSpPr>
+          <p:cNvPr id="2" name="Title 1">
+            <a:extLst>
+              <a:ext uri="{FF2B5EF4-FFF2-40B4-BE49-F238E27FC236}">
+                <a16:creationId xmlns:a16="http://schemas.microsoft.com/office/drawing/2014/main" id="{CB41140D-AF0A-4ABF-B782-A8D1CEC64CBE}"/>
+              </a:ext>
+            </a:extLst>
+          </p:cNvPr>
+          <p:cNvSpPr>
+            <a:spLocks noGrp="1"/>
+          </p:cNvSpPr>
+          <p:nvPr>
+            <p:ph type="title"/>
+          </p:nvPr>
+        </p:nvSpPr>
+        <p:spPr/>
+        <p:txBody>
+          <a:bodyPr/>
+          <a:lstStyle/>
+          <a:p>
+            <a:endParaRPr lang="tr-TR"/>
+          </a:p>
+        </p:txBody>
+      </p:sp>
+      <p:sp>
+        <p:nvSpPr>
+          <p:cNvPr id="3" name="Content Placeholder 2">
+            <a:extLst>
+              <a:ext uri="{FF2B5EF4-FFF2-40B4-BE49-F238E27FC236}">
+                <a16:creationId xmlns:a16="http://schemas.microsoft.com/office/drawing/2014/main" id="{74B0BF42-3029-4FF7-9655-6F9EB0C64B17}"/>
+              </a:ext>
+            </a:extLst>
+          </p:cNvPr>
+          <p:cNvSpPr>
+            <a:spLocks noGrp="1"/>
+          </p:cNvSpPr>
+          <p:nvPr>
+            <p:ph idx="1"/>
+          </p:nvPr>
+        </p:nvSpPr>
+        <p:spPr/>
+        <p:txBody>
+          <a:bodyPr/>
+          <a:lstStyle/>
+          <a:p>
+            <a:endParaRPr lang="tr-TR"/>
+          </a:p>
+        </p:txBody>
+      </p:sp>
+    </p:spTree>
+    <p:extLst>
+      <p:ext uri="{BB962C8B-B14F-4D97-AF65-F5344CB8AC3E}">
+        <p14:creationId xmlns:p14="http://schemas.microsoft.com/office/powerpoint/2010/main" val="2560340977"/>
       </p:ext>
     </p:extLst>
   </p:cSld>
@@ -18596,6 +19295,295 @@
     <p:extLst>
       <p:ext uri="{BB962C8B-B14F-4D97-AF65-F5344CB8AC3E}">
         <p14:creationId xmlns:p14="http://schemas.microsoft.com/office/powerpoint/2010/main" val="1476019738"/>
+      </p:ext>
+    </p:extLst>
+  </p:cSld>
+  <p:clrMapOvr>
+    <a:masterClrMapping/>
+  </p:clrMapOvr>
+  <mc:AlternateContent xmlns:mc="http://schemas.openxmlformats.org/markup-compatibility/2006" xmlns:p14="http://schemas.microsoft.com/office/powerpoint/2010/main">
+    <mc:Choice Requires="p14">
+      <p:transition spd="med" p14:dur="700">
+        <p:fade/>
+      </p:transition>
+    </mc:Choice>
+    <mc:Fallback xmlns="">
+      <p:transition spd="med">
+        <p:fade/>
+      </p:transition>
+    </mc:Fallback>
+  </mc:AlternateContent>
+</p:sld>
+</file>
+
+<file path=ppt/slides/slide40.xml><?xml version="1.0" encoding="utf-8"?>
+<p:sld xmlns:a="http://schemas.openxmlformats.org/drawingml/2006/main" xmlns:r="http://schemas.openxmlformats.org/officeDocument/2006/relationships" xmlns:p="http://schemas.openxmlformats.org/presentationml/2006/main">
+  <p:cSld>
+    <p:spTree>
+      <p:nvGrpSpPr>
+        <p:cNvPr id="1" name=""/>
+        <p:cNvGrpSpPr/>
+        <p:nvPr/>
+      </p:nvGrpSpPr>
+      <p:grpSpPr>
+        <a:xfrm>
+          <a:off x="0" y="0"/>
+          <a:ext cx="0" cy="0"/>
+          <a:chOff x="0" y="0"/>
+          <a:chExt cx="0" cy="0"/>
+        </a:xfrm>
+      </p:grpSpPr>
+      <p:sp>
+        <p:nvSpPr>
+          <p:cNvPr id="2" name="Title 1"/>
+          <p:cNvSpPr>
+            <a:spLocks noGrp="1"/>
+          </p:cNvSpPr>
+          <p:nvPr>
+            <p:ph type="title"/>
+          </p:nvPr>
+        </p:nvSpPr>
+        <p:spPr/>
+        <p:txBody>
+          <a:bodyPr/>
+          <a:lstStyle/>
+          <a:p>
+            <a:r>
+              <a:rPr lang="en-US" dirty="0"/>
+              <a:t>Add a Slide Title - 4</a:t>
+            </a:r>
+          </a:p>
+        </p:txBody>
+      </p:sp>
+      <p:sp>
+        <p:nvSpPr>
+          <p:cNvPr id="5" name="Content Placeholder 4"/>
+          <p:cNvSpPr>
+            <a:spLocks noGrp="1"/>
+          </p:cNvSpPr>
+          <p:nvPr>
+            <p:ph idx="1"/>
+          </p:nvPr>
+        </p:nvSpPr>
+        <p:spPr/>
+        <p:txBody>
+          <a:bodyPr/>
+          <a:lstStyle/>
+          <a:p>
+            <a:endParaRPr lang="en-US"/>
+          </a:p>
+        </p:txBody>
+      </p:sp>
+      <p:sp>
+        <p:nvSpPr>
+          <p:cNvPr id="6" name="Text Placeholder 5"/>
+          <p:cNvSpPr>
+            <a:spLocks noGrp="1"/>
+          </p:cNvSpPr>
+          <p:nvPr>
+            <p:ph type="body" sz="half" idx="2"/>
+          </p:nvPr>
+        </p:nvSpPr>
+        <p:spPr/>
+        <p:txBody>
+          <a:bodyPr/>
+          <a:lstStyle/>
+          <a:p>
+            <a:endParaRPr lang="en-US"/>
+          </a:p>
+        </p:txBody>
+      </p:sp>
+    </p:spTree>
+    <p:extLst>
+      <p:ext uri="{BB962C8B-B14F-4D97-AF65-F5344CB8AC3E}">
+        <p14:creationId xmlns:p14="http://schemas.microsoft.com/office/powerpoint/2010/main" val="4101607575"/>
+      </p:ext>
+    </p:extLst>
+  </p:cSld>
+  <p:clrMapOvr>
+    <a:masterClrMapping/>
+  </p:clrMapOvr>
+  <mc:AlternateContent xmlns:mc="http://schemas.openxmlformats.org/markup-compatibility/2006" xmlns:p14="http://schemas.microsoft.com/office/powerpoint/2010/main">
+    <mc:Choice Requires="p14">
+      <p:transition spd="med" p14:dur="700">
+        <p:fade/>
+      </p:transition>
+    </mc:Choice>
+    <mc:Fallback xmlns="">
+      <p:transition spd="med">
+        <p:fade/>
+      </p:transition>
+    </mc:Fallback>
+  </mc:AlternateContent>
+</p:sld>
+</file>
+
+<file path=ppt/slides/slide41.xml><?xml version="1.0" encoding="utf-8"?>
+<p:sld xmlns:a="http://schemas.openxmlformats.org/drawingml/2006/main" xmlns:r="http://schemas.openxmlformats.org/officeDocument/2006/relationships" xmlns:p="http://schemas.openxmlformats.org/presentationml/2006/main">
+  <p:cSld>
+    <p:spTree>
+      <p:nvGrpSpPr>
+        <p:cNvPr id="1" name=""/>
+        <p:cNvGrpSpPr/>
+        <p:nvPr/>
+      </p:nvGrpSpPr>
+      <p:grpSpPr>
+        <a:xfrm>
+          <a:off x="0" y="0"/>
+          <a:ext cx="0" cy="0"/>
+          <a:chOff x="0" y="0"/>
+          <a:chExt cx="0" cy="0"/>
+        </a:xfrm>
+      </p:grpSpPr>
+      <p:sp>
+        <p:nvSpPr>
+          <p:cNvPr id="3" name="Title 2"/>
+          <p:cNvSpPr>
+            <a:spLocks noGrp="1"/>
+          </p:cNvSpPr>
+          <p:nvPr>
+            <p:ph type="title"/>
+          </p:nvPr>
+        </p:nvSpPr>
+        <p:spPr/>
+        <p:txBody>
+          <a:bodyPr/>
+          <a:lstStyle/>
+          <a:p>
+            <a:r>
+              <a:rPr lang="en-US" dirty="0"/>
+              <a:t>Add a Slide Title - 5</a:t>
+            </a:r>
+          </a:p>
+        </p:txBody>
+      </p:sp>
+      <p:sp>
+        <p:nvSpPr>
+          <p:cNvPr id="5" name="Picture Placeholder 4"/>
+          <p:cNvSpPr>
+            <a:spLocks noGrp="1"/>
+          </p:cNvSpPr>
+          <p:nvPr>
+            <p:ph type="pic" idx="1"/>
+          </p:nvPr>
+        </p:nvSpPr>
+        <p:spPr/>
+      </p:sp>
+      <p:sp>
+        <p:nvSpPr>
+          <p:cNvPr id="6" name="Text Placeholder 5"/>
+          <p:cNvSpPr>
+            <a:spLocks noGrp="1"/>
+          </p:cNvSpPr>
+          <p:nvPr>
+            <p:ph type="body" sz="half" idx="2"/>
+          </p:nvPr>
+        </p:nvSpPr>
+        <p:spPr/>
+        <p:txBody>
+          <a:bodyPr/>
+          <a:lstStyle/>
+          <a:p>
+            <a:endParaRPr lang="en-US"/>
+          </a:p>
+        </p:txBody>
+      </p:sp>
+    </p:spTree>
+    <p:extLst>
+      <p:ext uri="{BB962C8B-B14F-4D97-AF65-F5344CB8AC3E}">
+        <p14:creationId xmlns:p14="http://schemas.microsoft.com/office/powerpoint/2010/main" val="2794409471"/>
+      </p:ext>
+    </p:extLst>
+  </p:cSld>
+  <p:clrMapOvr>
+    <a:masterClrMapping/>
+  </p:clrMapOvr>
+  <mc:AlternateContent xmlns:mc="http://schemas.openxmlformats.org/markup-compatibility/2006" xmlns:p14="http://schemas.microsoft.com/office/powerpoint/2010/main">
+    <mc:Choice Requires="p14">
+      <p:transition spd="med" p14:dur="700">
+        <p:fade/>
+      </p:transition>
+    </mc:Choice>
+    <mc:Fallback xmlns="">
+      <p:transition spd="med">
+        <p:fade/>
+      </p:transition>
+    </mc:Fallback>
+  </mc:AlternateContent>
+</p:sld>
+</file>
+
+<file path=ppt/slides/slide42.xml><?xml version="1.0" encoding="utf-8"?>
+<p:sld xmlns:a="http://schemas.openxmlformats.org/drawingml/2006/main" xmlns:r="http://schemas.openxmlformats.org/officeDocument/2006/relationships" xmlns:p="http://schemas.openxmlformats.org/presentationml/2006/main">
+  <p:cSld>
+    <p:spTree>
+      <p:nvGrpSpPr>
+        <p:cNvPr id="1" name=""/>
+        <p:cNvGrpSpPr/>
+        <p:nvPr/>
+      </p:nvGrpSpPr>
+      <p:grpSpPr>
+        <a:xfrm>
+          <a:off x="0" y="0"/>
+          <a:ext cx="0" cy="0"/>
+          <a:chOff x="0" y="0"/>
+          <a:chExt cx="0" cy="0"/>
+        </a:xfrm>
+      </p:grpSpPr>
+      <p:sp>
+        <p:nvSpPr>
+          <p:cNvPr id="2" name="Title 1">
+            <a:extLst>
+              <a:ext uri="{FF2B5EF4-FFF2-40B4-BE49-F238E27FC236}">
+                <a16:creationId xmlns:a16="http://schemas.microsoft.com/office/drawing/2014/main" id="{700032AE-86CF-4383-933C-9021A37A6D8F}"/>
+              </a:ext>
+            </a:extLst>
+          </p:cNvPr>
+          <p:cNvSpPr>
+            <a:spLocks noGrp="1"/>
+          </p:cNvSpPr>
+          <p:nvPr>
+            <p:ph type="title"/>
+          </p:nvPr>
+        </p:nvSpPr>
+        <p:spPr/>
+        <p:txBody>
+          <a:bodyPr/>
+          <a:lstStyle/>
+          <a:p>
+            <a:endParaRPr lang="tr-TR"/>
+          </a:p>
+        </p:txBody>
+      </p:sp>
+      <p:sp>
+        <p:nvSpPr>
+          <p:cNvPr id="3" name="Content Placeholder 2">
+            <a:extLst>
+              <a:ext uri="{FF2B5EF4-FFF2-40B4-BE49-F238E27FC236}">
+                <a16:creationId xmlns:a16="http://schemas.microsoft.com/office/drawing/2014/main" id="{7881CEEF-206D-46CC-A023-F63C0FD584C5}"/>
+              </a:ext>
+            </a:extLst>
+          </p:cNvPr>
+          <p:cNvSpPr>
+            <a:spLocks noGrp="1"/>
+          </p:cNvSpPr>
+          <p:nvPr>
+            <p:ph idx="1"/>
+          </p:nvPr>
+        </p:nvSpPr>
+        <p:spPr/>
+        <p:txBody>
+          <a:bodyPr/>
+          <a:lstStyle/>
+          <a:p>
+            <a:endParaRPr lang="tr-TR"/>
+          </a:p>
+        </p:txBody>
+      </p:sp>
+    </p:spTree>
+    <p:extLst>
+      <p:ext uri="{BB962C8B-B14F-4D97-AF65-F5344CB8AC3E}">
+        <p14:creationId xmlns:p14="http://schemas.microsoft.com/office/powerpoint/2010/main" val="4093661547"/>
       </p:ext>
     </p:extLst>
   </p:cSld>

--- a/2018-01-06-Multi-Tenancy/Multi-Tenancy.pptx
+++ b/2018-01-06-Multi-Tenancy/Multi-Tenancy.pptx
@@ -5,10 +5,10 @@
     <p:sldMasterId id="2147483648" r:id="rId1"/>
   </p:sldMasterIdLst>
   <p:notesMasterIdLst>
-    <p:notesMasterId r:id="rId44"/>
+    <p:notesMasterId r:id="rId59"/>
   </p:notesMasterIdLst>
   <p:handoutMasterIdLst>
-    <p:handoutMasterId r:id="rId45"/>
+    <p:handoutMasterId r:id="rId60"/>
   </p:handoutMasterIdLst>
   <p:sldIdLst>
     <p:sldId id="261" r:id="rId2"/>
@@ -47,12 +47,27 @@
     <p:sldId id="299" r:id="rId35"/>
     <p:sldId id="300" r:id="rId36"/>
     <p:sldId id="301" r:id="rId37"/>
-    <p:sldId id="302" r:id="rId38"/>
-    <p:sldId id="303" r:id="rId39"/>
-    <p:sldId id="304" r:id="rId40"/>
-    <p:sldId id="269" r:id="rId41"/>
-    <p:sldId id="270" r:id="rId42"/>
-    <p:sldId id="276" r:id="rId43"/>
+    <p:sldId id="307" r:id="rId38"/>
+    <p:sldId id="308" r:id="rId39"/>
+    <p:sldId id="309" r:id="rId40"/>
+    <p:sldId id="302" r:id="rId41"/>
+    <p:sldId id="303" r:id="rId42"/>
+    <p:sldId id="313" r:id="rId43"/>
+    <p:sldId id="304" r:id="rId44"/>
+    <p:sldId id="314" r:id="rId45"/>
+    <p:sldId id="312" r:id="rId46"/>
+    <p:sldId id="310" r:id="rId47"/>
+    <p:sldId id="315" r:id="rId48"/>
+    <p:sldId id="311" r:id="rId49"/>
+    <p:sldId id="316" r:id="rId50"/>
+    <p:sldId id="321" r:id="rId51"/>
+    <p:sldId id="317" r:id="rId52"/>
+    <p:sldId id="318" r:id="rId53"/>
+    <p:sldId id="319" r:id="rId54"/>
+    <p:sldId id="320" r:id="rId55"/>
+    <p:sldId id="269" r:id="rId56"/>
+    <p:sldId id="270" r:id="rId57"/>
+    <p:sldId id="276" r:id="rId58"/>
   </p:sldIdLst>
   <p:sldSz cx="12192000" cy="6858000"/>
   <p:notesSz cx="6858000" cy="9144000"/>
@@ -18536,35 +18551,46 @@
           <a:bodyPr/>
           <a:lstStyle/>
           <a:p>
-            <a:endParaRPr lang="tr-TR"/>
+            <a:r>
+              <a:rPr lang="en-US" dirty="0"/>
+              <a:t>Data Filtering: Manual Way</a:t>
+            </a:r>
+            <a:endParaRPr lang="tr-TR" dirty="0"/>
           </a:p>
         </p:txBody>
       </p:sp>
-      <p:sp>
-        <p:nvSpPr>
-          <p:cNvPr id="3" name="Content Placeholder 2">
+      <p:pic>
+        <p:nvPicPr>
+          <p:cNvPr id="8" name="Content Placeholder 7">
             <a:extLst>
               <a:ext uri="{FF2B5EF4-FFF2-40B4-BE49-F238E27FC236}">
-                <a16:creationId xmlns:a16="http://schemas.microsoft.com/office/drawing/2014/main" id="{9D4E2445-8828-4083-A1D1-CFDE9CFD4A98}"/>
+                <a16:creationId xmlns:a16="http://schemas.microsoft.com/office/drawing/2014/main" id="{7A8B1D61-9ED4-4E60-A9E4-A24031B0D2A7}"/>
               </a:ext>
             </a:extLst>
           </p:cNvPr>
-          <p:cNvSpPr>
-            <a:spLocks noGrp="1"/>
-          </p:cNvSpPr>
+          <p:cNvPicPr>
+            <a:picLocks noGrp="1" noChangeAspect="1"/>
+          </p:cNvPicPr>
           <p:nvPr>
             <p:ph idx="1"/>
           </p:nvPr>
-        </p:nvSpPr>
-        <p:spPr/>
-        <p:txBody>
-          <a:bodyPr/>
-          <a:lstStyle/>
-          <a:p>
-            <a:endParaRPr lang="tr-TR"/>
-          </a:p>
-        </p:txBody>
-      </p:sp>
+        </p:nvPicPr>
+        <p:blipFill>
+          <a:blip r:embed="rId2"/>
+          <a:stretch>
+            <a:fillRect/>
+          </a:stretch>
+        </p:blipFill>
+        <p:spPr>
+          <a:xfrm>
+            <a:off x="1595849" y="2493572"/>
+            <a:ext cx="9000301" cy="2041105"/>
+          </a:xfrm>
+          <a:prstGeom prst="rect">
+            <a:avLst/>
+          </a:prstGeom>
+        </p:spPr>
+      </p:pic>
     </p:spTree>
     <p:extLst>
       <p:ext uri="{BB962C8B-B14F-4D97-AF65-F5344CB8AC3E}">
@@ -18625,38 +18651,49 @@
         </p:nvSpPr>
         <p:spPr/>
         <p:txBody>
-          <a:bodyPr/>
+          <a:bodyPr anchor="t"/>
           <a:lstStyle/>
           <a:p>
-            <a:endParaRPr lang="tr-TR"/>
+            <a:r>
+              <a:rPr lang="en-US" dirty="0"/>
+              <a:t>Automatic Data Filtering: Repository Pattern</a:t>
+            </a:r>
+            <a:endParaRPr lang="tr-TR" dirty="0"/>
           </a:p>
         </p:txBody>
       </p:sp>
-      <p:sp>
-        <p:nvSpPr>
-          <p:cNvPr id="3" name="Content Placeholder 2">
+      <p:pic>
+        <p:nvPicPr>
+          <p:cNvPr id="4" name="Content Placeholder 3">
             <a:extLst>
               <a:ext uri="{FF2B5EF4-FFF2-40B4-BE49-F238E27FC236}">
-                <a16:creationId xmlns:a16="http://schemas.microsoft.com/office/drawing/2014/main" id="{62269AEB-2E27-4533-8CB7-632430FB7324}"/>
+                <a16:creationId xmlns:a16="http://schemas.microsoft.com/office/drawing/2014/main" id="{B4208488-DA81-41AC-8821-8E4A0AFC85B1}"/>
               </a:ext>
             </a:extLst>
           </p:cNvPr>
-          <p:cNvSpPr>
-            <a:spLocks noGrp="1"/>
-          </p:cNvSpPr>
+          <p:cNvPicPr>
+            <a:picLocks noGrp="1" noChangeAspect="1"/>
+          </p:cNvPicPr>
           <p:nvPr>
             <p:ph idx="1"/>
           </p:nvPr>
-        </p:nvSpPr>
-        <p:spPr/>
-        <p:txBody>
-          <a:bodyPr/>
-          <a:lstStyle/>
-          <a:p>
-            <a:endParaRPr lang="tr-TR"/>
-          </a:p>
-        </p:txBody>
-      </p:sp>
+        </p:nvPicPr>
+        <p:blipFill>
+          <a:blip r:embed="rId2"/>
+          <a:stretch>
+            <a:fillRect/>
+          </a:stretch>
+        </p:blipFill>
+        <p:spPr>
+          <a:xfrm>
+            <a:off x="1295400" y="1075045"/>
+            <a:ext cx="8995953" cy="5568351"/>
+          </a:xfrm>
+          <a:prstGeom prst="rect">
+            <a:avLst/>
+          </a:prstGeom>
+        </p:spPr>
+      </p:pic>
     </p:spTree>
     <p:extLst>
       <p:ext uri="{BB962C8B-B14F-4D97-AF65-F5344CB8AC3E}">
@@ -18720,7 +18757,11 @@
           <a:bodyPr/>
           <a:lstStyle/>
           <a:p>
-            <a:endParaRPr lang="tr-TR"/>
+            <a:r>
+              <a:rPr lang="en-US" dirty="0"/>
+              <a:t>Automatic Data Filtering: Repository Pattern</a:t>
+            </a:r>
+            <a:endParaRPr lang="tr-TR" dirty="0"/>
           </a:p>
         </p:txBody>
       </p:sp>
@@ -18745,7 +18786,118 @@
           <a:bodyPr/>
           <a:lstStyle/>
           <a:p>
-            <a:endParaRPr lang="tr-TR"/>
+            <a:r>
+              <a:rPr lang="en-US" dirty="0"/>
+              <a:t>Pros</a:t>
+            </a:r>
+          </a:p>
+          <a:p>
+            <a:pPr lvl="1"/>
+            <a:r>
+              <a:rPr lang="en-US" b="1" dirty="0"/>
+              <a:t>Easy to implement</a:t>
+            </a:r>
+            <a:r>
+              <a:rPr lang="en-US" dirty="0"/>
+              <a:t> (especially using generic repository pattern - </a:t>
+            </a:r>
+            <a:r>
+              <a:rPr lang="en-US" dirty="0" err="1"/>
+              <a:t>IRepository</a:t>
+            </a:r>
+            <a:r>
+              <a:rPr lang="en-US" dirty="0"/>
+              <a:t>&lt;</a:t>
+            </a:r>
+            <a:r>
+              <a:rPr lang="en-US" dirty="0" err="1"/>
+              <a:t>TEntity</a:t>
+            </a:r>
+            <a:r>
+              <a:rPr lang="en-US" dirty="0"/>
+              <a:t>&gt;).</a:t>
+            </a:r>
+          </a:p>
+          <a:p>
+            <a:pPr lvl="1"/>
+            <a:r>
+              <a:rPr lang="en-US" b="1" dirty="0"/>
+              <a:t>ORM Independent</a:t>
+            </a:r>
+            <a:r>
+              <a:rPr lang="en-US" dirty="0"/>
+              <a:t> (can be implemented for any ORM that supports </a:t>
+            </a:r>
+            <a:r>
+              <a:rPr lang="en-US" dirty="0" err="1"/>
+              <a:t>IQueryable</a:t>
+            </a:r>
+            <a:r>
+              <a:rPr lang="en-US" dirty="0"/>
+              <a:t>).</a:t>
+            </a:r>
+          </a:p>
+          <a:p>
+            <a:pPr lvl="1"/>
+            <a:r>
+              <a:rPr lang="en-US" b="1" dirty="0"/>
+              <a:t>Central data-access</a:t>
+            </a:r>
+            <a:r>
+              <a:rPr lang="en-US" dirty="0"/>
+              <a:t> (common benefit).</a:t>
+            </a:r>
+          </a:p>
+          <a:p>
+            <a:r>
+              <a:rPr lang="en-US" dirty="0"/>
+              <a:t>Cons</a:t>
+            </a:r>
+          </a:p>
+          <a:p>
+            <a:pPr lvl="1"/>
+            <a:r>
+              <a:rPr lang="en-US" dirty="0"/>
+              <a:t>Limited – </a:t>
+            </a:r>
+            <a:r>
+              <a:rPr lang="en-US" b="1" dirty="0"/>
+              <a:t>Can be bypassed</a:t>
+            </a:r>
+            <a:r>
+              <a:rPr lang="en-US" dirty="0"/>
+              <a:t> by directly using </a:t>
+            </a:r>
+            <a:r>
+              <a:rPr lang="en-US" dirty="0" err="1"/>
+              <a:t>DbContext</a:t>
+            </a:r>
+            <a:r>
+              <a:rPr lang="en-US" dirty="0"/>
+              <a:t>.</a:t>
+            </a:r>
+          </a:p>
+          <a:p>
+            <a:pPr lvl="1"/>
+            <a:r>
+              <a:rPr lang="en-US" dirty="0"/>
+              <a:t>Limited – Does not work for </a:t>
+            </a:r>
+            <a:r>
+              <a:rPr lang="en-US" b="1" dirty="0"/>
+              <a:t>navigation properties</a:t>
+            </a:r>
+            <a:r>
+              <a:rPr lang="en-US" dirty="0"/>
+              <a:t>.</a:t>
+            </a:r>
+          </a:p>
+          <a:p>
+            <a:pPr lvl="1"/>
+            <a:r>
+              <a:rPr lang="en-US" dirty="0"/>
+              <a:t>Open to leak (Repository developer may forget it).</a:t>
+            </a:r>
           </a:p>
         </p:txBody>
       </p:sp>
@@ -18796,7 +18948,7 @@
           <p:cNvPr id="2" name="Title 1">
             <a:extLst>
               <a:ext uri="{FF2B5EF4-FFF2-40B4-BE49-F238E27FC236}">
-                <a16:creationId xmlns:a16="http://schemas.microsoft.com/office/drawing/2014/main" id="{A9A6F59D-36A9-45E9-BC69-ED35D015E9A5}"/>
+                <a16:creationId xmlns:a16="http://schemas.microsoft.com/office/drawing/2014/main" id="{2FECFB69-F2A2-4417-A4C6-8FCF7DF31AD7}"/>
               </a:ext>
             </a:extLst>
           </p:cNvPr>
@@ -18809,42 +18961,51 @@
         </p:nvSpPr>
         <p:spPr/>
         <p:txBody>
-          <a:bodyPr/>
+          <a:bodyPr anchor="t"/>
           <a:lstStyle/>
           <a:p>
-            <a:endParaRPr lang="tr-TR"/>
+            <a:r>
+              <a:rPr lang="en-US" dirty="0"/>
+              <a:t>Automatic Data Filtering: EF Core Global Filters</a:t>
+            </a:r>
+            <a:endParaRPr lang="tr-TR" dirty="0"/>
           </a:p>
         </p:txBody>
       </p:sp>
-      <p:sp>
-        <p:nvSpPr>
-          <p:cNvPr id="3" name="Content Placeholder 2">
+      <p:pic>
+        <p:nvPicPr>
+          <p:cNvPr id="7" name="Picture 6">
             <a:extLst>
               <a:ext uri="{FF2B5EF4-FFF2-40B4-BE49-F238E27FC236}">
-                <a16:creationId xmlns:a16="http://schemas.microsoft.com/office/drawing/2014/main" id="{59E0AFFB-784C-4758-90DE-A1901A81D6DB}"/>
+                <a16:creationId xmlns:a16="http://schemas.microsoft.com/office/drawing/2014/main" id="{65451A77-CB5C-4E28-A992-5FF6732F26EC}"/>
               </a:ext>
             </a:extLst>
           </p:cNvPr>
-          <p:cNvSpPr>
-            <a:spLocks noGrp="1"/>
-          </p:cNvSpPr>
-          <p:nvPr>
-            <p:ph idx="1"/>
-          </p:nvPr>
-        </p:nvSpPr>
-        <p:spPr/>
-        <p:txBody>
-          <a:bodyPr/>
-          <a:lstStyle/>
-          <a:p>
-            <a:endParaRPr lang="tr-TR"/>
-          </a:p>
-        </p:txBody>
-      </p:sp>
+          <p:cNvPicPr>
+            <a:picLocks noChangeAspect="1"/>
+          </p:cNvPicPr>
+          <p:nvPr/>
+        </p:nvPicPr>
+        <p:blipFill>
+          <a:blip r:embed="rId2"/>
+          <a:stretch>
+            <a:fillRect/>
+          </a:stretch>
+        </p:blipFill>
+        <p:spPr>
+          <a:xfrm>
+            <a:off x="2487463" y="1194319"/>
+            <a:ext cx="7217074" cy="5320279"/>
+          </a:xfrm>
+          <a:prstGeom prst="rect">
+            <a:avLst/>
+          </a:prstGeom>
+        </p:spPr>
+      </p:pic>
     </p:spTree>
     <p:extLst>
       <p:ext uri="{BB962C8B-B14F-4D97-AF65-F5344CB8AC3E}">
-        <p14:creationId xmlns:p14="http://schemas.microsoft.com/office/powerpoint/2010/main" val="2762832503"/>
+        <p14:creationId xmlns:p14="http://schemas.microsoft.com/office/powerpoint/2010/main" val="609555008"/>
       </p:ext>
     </p:extLst>
   </p:cSld>
@@ -18888,7 +19049,7 @@
           <p:cNvPr id="2" name="Title 1">
             <a:extLst>
               <a:ext uri="{FF2B5EF4-FFF2-40B4-BE49-F238E27FC236}">
-                <a16:creationId xmlns:a16="http://schemas.microsoft.com/office/drawing/2014/main" id="{8EE61433-5C7D-48F5-B4A5-F1FCDFDCAB30}"/>
+                <a16:creationId xmlns:a16="http://schemas.microsoft.com/office/drawing/2014/main" id="{E50C18A5-5DDC-4827-A89D-5E4C0499C430}"/>
               </a:ext>
             </a:extLst>
           </p:cNvPr>
@@ -18901,10 +19062,14 @@
         </p:nvSpPr>
         <p:spPr/>
         <p:txBody>
-          <a:bodyPr/>
+          <a:bodyPr anchor="b"/>
           <a:lstStyle/>
           <a:p>
-            <a:endParaRPr lang="tr-TR"/>
+            <a:r>
+              <a:rPr lang="en-US" dirty="0"/>
+              <a:t>Automatic Data Filtering: EF Core Global Filters</a:t>
+            </a:r>
+            <a:endParaRPr lang="tr-TR" dirty="0"/>
           </a:p>
         </p:txBody>
       </p:sp>
@@ -18913,7 +19078,7 @@
           <p:cNvPr id="3" name="Content Placeholder 2">
             <a:extLst>
               <a:ext uri="{FF2B5EF4-FFF2-40B4-BE49-F238E27FC236}">
-                <a16:creationId xmlns:a16="http://schemas.microsoft.com/office/drawing/2014/main" id="{DC494CA9-E423-449E-A122-E261F79B6256}"/>
+                <a16:creationId xmlns:a16="http://schemas.microsoft.com/office/drawing/2014/main" id="{06639635-FDB7-4E20-AFC9-6615ACFDDF03}"/>
               </a:ext>
             </a:extLst>
           </p:cNvPr>
@@ -18929,14 +19094,107 @@
           <a:bodyPr/>
           <a:lstStyle/>
           <a:p>
-            <a:endParaRPr lang="tr-TR"/>
+            <a:r>
+              <a:rPr lang="en-US" dirty="0"/>
+              <a:t>Pros</a:t>
+            </a:r>
+          </a:p>
+          <a:p>
+            <a:pPr lvl="1"/>
+            <a:r>
+              <a:rPr lang="en-US" b="1" dirty="0"/>
+              <a:t>Natively </a:t>
+            </a:r>
+            <a:r>
+              <a:rPr lang="en-US" dirty="0"/>
+              <a:t>works with EF Core.</a:t>
+            </a:r>
+          </a:p>
+          <a:p>
+            <a:pPr lvl="1"/>
+            <a:r>
+              <a:rPr lang="en-US" dirty="0"/>
+              <a:t>Supports </a:t>
+            </a:r>
+            <a:r>
+              <a:rPr lang="en-US" b="1" dirty="0"/>
+              <a:t>navigation properties</a:t>
+            </a:r>
+            <a:r>
+              <a:rPr lang="en-US" dirty="0"/>
+              <a:t> as well.</a:t>
+            </a:r>
+          </a:p>
+          <a:p>
+            <a:r>
+              <a:rPr lang="en-US" dirty="0"/>
+              <a:t>Cons</a:t>
+            </a:r>
+          </a:p>
+          <a:p>
+            <a:pPr lvl="1"/>
+            <a:r>
+              <a:rPr lang="en-US" dirty="0"/>
+              <a:t>Limited – does not support </a:t>
+            </a:r>
+            <a:r>
+              <a:rPr lang="en-US" b="1" dirty="0"/>
+              <a:t>multiple filters </a:t>
+            </a:r>
+            <a:r>
+              <a:rPr lang="en-US" dirty="0"/>
+              <a:t>and </a:t>
+            </a:r>
+            <a:r>
+              <a:rPr lang="en-US" b="1" dirty="0"/>
+              <a:t>enable/disable </a:t>
+            </a:r>
+            <a:r>
+              <a:rPr lang="en-US" dirty="0"/>
+              <a:t>individually (possible via workarounds).</a:t>
+            </a:r>
+          </a:p>
+          <a:p>
+            <a:pPr lvl="1"/>
+            <a:r>
+              <a:rPr lang="en-US" dirty="0"/>
+              <a:t>Limited – Does not work if you directly work with </a:t>
+            </a:r>
+            <a:r>
+              <a:rPr lang="en-US" b="1" dirty="0"/>
+              <a:t>SQL, stored procedures</a:t>
+            </a:r>
+            <a:r>
+              <a:rPr lang="en-US" dirty="0"/>
+              <a:t>… etc.</a:t>
+            </a:r>
+          </a:p>
+          <a:p>
+            <a:pPr lvl="1"/>
+            <a:r>
+              <a:rPr lang="en-US" b="1" dirty="0"/>
+              <a:t>Not available for all ORMs </a:t>
+            </a:r>
+            <a:r>
+              <a:rPr lang="en-US" dirty="0"/>
+              <a:t>and data access APIs (but available for EF Core, </a:t>
+            </a:r>
+            <a:r>
+              <a:rPr lang="en-US" dirty="0" err="1"/>
+              <a:t>Nhibernate</a:t>
+            </a:r>
+            <a:r>
+              <a:rPr lang="en-US" dirty="0"/>
+              <a:t> and even for EF 6.x)</a:t>
+            </a:r>
+            <a:endParaRPr lang="tr-TR" dirty="0"/>
           </a:p>
         </p:txBody>
       </p:sp>
     </p:spTree>
     <p:extLst>
       <p:ext uri="{BB962C8B-B14F-4D97-AF65-F5344CB8AC3E}">
-        <p14:creationId xmlns:p14="http://schemas.microsoft.com/office/powerpoint/2010/main" val="2129580115"/>
+        <p14:creationId xmlns:p14="http://schemas.microsoft.com/office/powerpoint/2010/main" val="4204548617"/>
       </p:ext>
     </p:extLst>
   </p:cSld>
@@ -18980,7 +19238,7 @@
           <p:cNvPr id="2" name="Title 1">
             <a:extLst>
               <a:ext uri="{FF2B5EF4-FFF2-40B4-BE49-F238E27FC236}">
-                <a16:creationId xmlns:a16="http://schemas.microsoft.com/office/drawing/2014/main" id="{CB41140D-AF0A-4ABF-B782-A8D1CEC64CBE}"/>
+                <a16:creationId xmlns:a16="http://schemas.microsoft.com/office/drawing/2014/main" id="{822DF4FC-1170-4E44-A812-E95611010DCE}"/>
               </a:ext>
             </a:extLst>
           </p:cNvPr>
@@ -18996,7 +19254,11 @@
           <a:bodyPr/>
           <a:lstStyle/>
           <a:p>
-            <a:endParaRPr lang="tr-TR"/>
+            <a:r>
+              <a:rPr lang="en-US" dirty="0"/>
+              <a:t>Automatic Data Filtering: Other Options</a:t>
+            </a:r>
+            <a:endParaRPr lang="tr-TR" dirty="0"/>
           </a:p>
         </p:txBody>
       </p:sp>
@@ -19005,7 +19267,7 @@
           <p:cNvPr id="3" name="Content Placeholder 2">
             <a:extLst>
               <a:ext uri="{FF2B5EF4-FFF2-40B4-BE49-F238E27FC236}">
-                <a16:creationId xmlns:a16="http://schemas.microsoft.com/office/drawing/2014/main" id="{74B0BF42-3029-4FF7-9655-6F9EB0C64B17}"/>
+                <a16:creationId xmlns:a16="http://schemas.microsoft.com/office/drawing/2014/main" id="{D1DF5A3F-3489-4681-A707-4D2FC3F90073}"/>
               </a:ext>
             </a:extLst>
           </p:cNvPr>
@@ -19021,14 +19283,70 @@
           <a:bodyPr/>
           <a:lstStyle/>
           <a:p>
-            <a:endParaRPr lang="tr-TR"/>
+            <a:r>
+              <a:rPr lang="en-US" b="1" dirty="0"/>
+              <a:t>Row Level Security </a:t>
+            </a:r>
+            <a:r>
+              <a:rPr lang="en-US" dirty="0"/>
+              <a:t>– Available for SQL Server and Azure SQL Database.</a:t>
+            </a:r>
+          </a:p>
+          <a:p>
+            <a:pPr lvl="1"/>
+            <a:r>
+              <a:rPr lang="en-US" dirty="0"/>
+              <a:t>Pros: Completely integrated to DBMS. Works for everything.</a:t>
+            </a:r>
+          </a:p>
+          <a:p>
+            <a:pPr lvl="1"/>
+            <a:r>
+              <a:rPr lang="en-US" dirty="0"/>
+              <a:t>Cons: Relatively complex to implement. Specific to DBMS.</a:t>
+            </a:r>
+          </a:p>
+          <a:p>
+            <a:r>
+              <a:rPr lang="en-US" b="1" dirty="0"/>
+              <a:t>Azure Elastic Database Pool</a:t>
+            </a:r>
+          </a:p>
+          <a:p>
+            <a:pPr lvl="1"/>
+            <a:r>
+              <a:rPr lang="en-US" dirty="0"/>
+              <a:t>Pros: Dynamically create databases per tenant. Easily scale.</a:t>
+            </a:r>
+          </a:p>
+          <a:p>
+            <a:pPr lvl="1"/>
+            <a:r>
+              <a:rPr lang="en-US" dirty="0"/>
+              <a:t>Cons: Only for </a:t>
+            </a:r>
+            <a:r>
+              <a:rPr lang="en-US" i="1" dirty="0" err="1"/>
+              <a:t>db</a:t>
+            </a:r>
+            <a:r>
+              <a:rPr lang="en-US" i="1" dirty="0"/>
+              <a:t> per tenant</a:t>
+            </a:r>
+            <a:r>
+              <a:rPr lang="en-US" dirty="0"/>
+              <a:t> scenario. Has it’s own API. Has limitations.</a:t>
+            </a:r>
+          </a:p>
+          <a:p>
+            <a:endParaRPr lang="tr-TR" dirty="0"/>
           </a:p>
         </p:txBody>
       </p:sp>
     </p:spTree>
     <p:extLst>
       <p:ext uri="{BB962C8B-B14F-4D97-AF65-F5344CB8AC3E}">
-        <p14:creationId xmlns:p14="http://schemas.microsoft.com/office/powerpoint/2010/main" val="2560340977"/>
+        <p14:creationId xmlns:p14="http://schemas.microsoft.com/office/powerpoint/2010/main" val="1000615958"/>
       </p:ext>
     </p:extLst>
   </p:cSld>
@@ -19335,7 +19653,13 @@
       </p:grpSpPr>
       <p:sp>
         <p:nvSpPr>
-          <p:cNvPr id="2" name="Title 1"/>
+          <p:cNvPr id="2" name="Title 1">
+            <a:extLst>
+              <a:ext uri="{FF2B5EF4-FFF2-40B4-BE49-F238E27FC236}">
+                <a16:creationId xmlns:a16="http://schemas.microsoft.com/office/drawing/2014/main" id="{A9A6F59D-36A9-45E9-BC69-ED35D015E9A5}"/>
+              </a:ext>
+            </a:extLst>
+          </p:cNvPr>
           <p:cNvSpPr>
             <a:spLocks noGrp="1"/>
           </p:cNvSpPr>
@@ -19345,19 +19669,26 @@
         </p:nvSpPr>
         <p:spPr/>
         <p:txBody>
-          <a:bodyPr/>
+          <a:bodyPr anchor="t"/>
           <a:lstStyle/>
           <a:p>
             <a:r>
               <a:rPr lang="en-US" dirty="0"/>
-              <a:t>Add a Slide Title - 4</a:t>
-            </a:r>
+              <a:t>Setting Tenant Id for New Entities</a:t>
+            </a:r>
+            <a:endParaRPr lang="tr-TR" dirty="0"/>
           </a:p>
         </p:txBody>
       </p:sp>
       <p:sp>
         <p:nvSpPr>
-          <p:cNvPr id="5" name="Content Placeholder 4"/>
+          <p:cNvPr id="3" name="Content Placeholder 2">
+            <a:extLst>
+              <a:ext uri="{FF2B5EF4-FFF2-40B4-BE49-F238E27FC236}">
+                <a16:creationId xmlns:a16="http://schemas.microsoft.com/office/drawing/2014/main" id="{59E0AFFB-784C-4758-90DE-A1901A81D6DB}"/>
+              </a:ext>
+            </a:extLst>
+          </p:cNvPr>
           <p:cNvSpPr>
             <a:spLocks noGrp="1"/>
           </p:cNvSpPr>
@@ -19365,38 +19696,116 @@
             <p:ph idx="1"/>
           </p:nvPr>
         </p:nvSpPr>
-        <p:spPr/>
+        <p:spPr>
+          <a:xfrm>
+            <a:off x="1295400" y="1981201"/>
+            <a:ext cx="9601200" cy="3809999"/>
+          </a:xfrm>
+        </p:spPr>
         <p:txBody>
           <a:bodyPr/>
           <a:lstStyle/>
           <a:p>
-            <a:endParaRPr lang="en-US"/>
+            <a:r>
+              <a:rPr lang="en-US" dirty="0"/>
+              <a:t>In </a:t>
+            </a:r>
+            <a:r>
+              <a:rPr lang="en-US" dirty="0" err="1"/>
+              <a:t>DbContext.SaveChanges</a:t>
+            </a:r>
+            <a:r>
+              <a:rPr lang="en-US" dirty="0"/>
+              <a:t>()</a:t>
+            </a:r>
+          </a:p>
+          <a:p>
+            <a:pPr lvl="1"/>
+            <a:r>
+              <a:rPr lang="en-US" dirty="0"/>
+              <a:t>Get new entities for change tracker,</a:t>
+            </a:r>
+            <a:br>
+              <a:rPr lang="en-US" dirty="0"/>
+            </a:br>
+            <a:r>
+              <a:rPr lang="en-US" dirty="0"/>
+              <a:t>find </a:t>
+            </a:r>
+            <a:r>
+              <a:rPr lang="en-US" dirty="0" err="1"/>
+              <a:t>IMultiTenant</a:t>
+            </a:r>
+            <a:r>
+              <a:rPr lang="en-US" dirty="0"/>
+              <a:t> entities,</a:t>
+            </a:r>
+            <a:br>
+              <a:rPr lang="en-US" dirty="0"/>
+            </a:br>
+            <a:r>
+              <a:rPr lang="en-US" dirty="0"/>
+              <a:t>set current </a:t>
+            </a:r>
+            <a:r>
+              <a:rPr lang="en-US" dirty="0" err="1"/>
+              <a:t>TenantId</a:t>
+            </a:r>
+            <a:r>
+              <a:rPr lang="en-US" dirty="0"/>
+              <a:t>.</a:t>
+            </a:r>
+          </a:p>
+          <a:p>
+            <a:r>
+              <a:rPr lang="en-US" dirty="0"/>
+              <a:t>In it’s constructor.</a:t>
+            </a:r>
+          </a:p>
+          <a:p>
+            <a:pPr lvl="1"/>
+            <a:r>
+              <a:rPr lang="en-US" dirty="0"/>
+              <a:t>Why..?</a:t>
+            </a:r>
+            <a:endParaRPr lang="tr-TR" dirty="0"/>
           </a:p>
         </p:txBody>
       </p:sp>
-      <p:sp>
-        <p:nvSpPr>
-          <p:cNvPr id="6" name="Text Placeholder 5"/>
-          <p:cNvSpPr>
-            <a:spLocks noGrp="1"/>
-          </p:cNvSpPr>
-          <p:nvPr>
-            <p:ph type="body" sz="half" idx="2"/>
-          </p:nvPr>
-        </p:nvSpPr>
-        <p:spPr/>
-        <p:txBody>
-          <a:bodyPr/>
-          <a:lstStyle/>
-          <a:p>
-            <a:endParaRPr lang="en-US"/>
-          </a:p>
-        </p:txBody>
-      </p:sp>
+      <p:pic>
+        <p:nvPicPr>
+          <p:cNvPr id="4" name="Picture 3">
+            <a:extLst>
+              <a:ext uri="{FF2B5EF4-FFF2-40B4-BE49-F238E27FC236}">
+                <a16:creationId xmlns:a16="http://schemas.microsoft.com/office/drawing/2014/main" id="{5A9637F6-0B47-4322-9753-DA618BA0887F}"/>
+              </a:ext>
+            </a:extLst>
+          </p:cNvPr>
+          <p:cNvPicPr>
+            <a:picLocks noChangeAspect="1"/>
+          </p:cNvPicPr>
+          <p:nvPr/>
+        </p:nvPicPr>
+        <p:blipFill>
+          <a:blip r:embed="rId2"/>
+          <a:stretch>
+            <a:fillRect/>
+          </a:stretch>
+        </p:blipFill>
+        <p:spPr>
+          <a:xfrm>
+            <a:off x="5647838" y="1066800"/>
+            <a:ext cx="5679526" cy="4941508"/>
+          </a:xfrm>
+          <a:prstGeom prst="rect">
+            <a:avLst/>
+          </a:prstGeom>
+        </p:spPr>
+      </p:pic>
     </p:spTree>
     <p:extLst>
       <p:ext uri="{BB962C8B-B14F-4D97-AF65-F5344CB8AC3E}">
-        <p14:creationId xmlns:p14="http://schemas.microsoft.com/office/powerpoint/2010/main" val="4101607575"/>
+        <p14:creationId xmlns:p14="http://schemas.microsoft.com/office/powerpoint/2010/main" val="2762832503"/>
       </p:ext>
     </p:extLst>
   </p:cSld>
@@ -19437,7 +19846,13 @@
       </p:grpSpPr>
       <p:sp>
         <p:nvSpPr>
-          <p:cNvPr id="3" name="Title 2"/>
+          <p:cNvPr id="2" name="Title 1">
+            <a:extLst>
+              <a:ext uri="{FF2B5EF4-FFF2-40B4-BE49-F238E27FC236}">
+                <a16:creationId xmlns:a16="http://schemas.microsoft.com/office/drawing/2014/main" id="{8EE61433-5C7D-48F5-B4A5-F1FCDFDCAB30}"/>
+              </a:ext>
+            </a:extLst>
+          </p:cNvPr>
           <p:cNvSpPr>
             <a:spLocks noGrp="1"/>
           </p:cNvSpPr>
@@ -19447,51 +19862,53 @@
         </p:nvSpPr>
         <p:spPr/>
         <p:txBody>
-          <a:bodyPr/>
+          <a:bodyPr anchor="t"/>
           <a:lstStyle/>
           <a:p>
             <a:r>
               <a:rPr lang="en-US" dirty="0"/>
-              <a:t>Add a Slide Title - 5</a:t>
-            </a:r>
+              <a:t>Safe Way to Manipulate Data</a:t>
+            </a:r>
+            <a:endParaRPr lang="tr-TR" dirty="0"/>
           </a:p>
         </p:txBody>
       </p:sp>
-      <p:sp>
-        <p:nvSpPr>
-          <p:cNvPr id="5" name="Picture Placeholder 4"/>
-          <p:cNvSpPr>
-            <a:spLocks noGrp="1"/>
-          </p:cNvSpPr>
+      <p:pic>
+        <p:nvPicPr>
+          <p:cNvPr id="4" name="Content Placeholder 3">
+            <a:extLst>
+              <a:ext uri="{FF2B5EF4-FFF2-40B4-BE49-F238E27FC236}">
+                <a16:creationId xmlns:a16="http://schemas.microsoft.com/office/drawing/2014/main" id="{5DBB3171-95B7-491E-8A1B-D28B620C9BBF}"/>
+              </a:ext>
+            </a:extLst>
+          </p:cNvPr>
+          <p:cNvPicPr>
+            <a:picLocks noGrp="1" noChangeAspect="1"/>
+          </p:cNvPicPr>
           <p:nvPr>
-            <p:ph type="pic" idx="1"/>
+            <p:ph idx="1"/>
           </p:nvPr>
-        </p:nvSpPr>
-        <p:spPr/>
-      </p:sp>
-      <p:sp>
-        <p:nvSpPr>
-          <p:cNvPr id="6" name="Text Placeholder 5"/>
-          <p:cNvSpPr>
-            <a:spLocks noGrp="1"/>
-          </p:cNvSpPr>
-          <p:nvPr>
-            <p:ph type="body" sz="half" idx="2"/>
-          </p:nvPr>
-        </p:nvSpPr>
-        <p:spPr/>
-        <p:txBody>
-          <a:bodyPr/>
-          <a:lstStyle/>
-          <a:p>
-            <a:endParaRPr lang="en-US"/>
-          </a:p>
-        </p:txBody>
-      </p:sp>
+        </p:nvPicPr>
+        <p:blipFill>
+          <a:blip r:embed="rId2"/>
+          <a:stretch>
+            <a:fillRect/>
+          </a:stretch>
+        </p:blipFill>
+        <p:spPr>
+          <a:xfrm>
+            <a:off x="1721399" y="1103036"/>
+            <a:ext cx="8206371" cy="4985809"/>
+          </a:xfrm>
+          <a:prstGeom prst="rect">
+            <a:avLst/>
+          </a:prstGeom>
+        </p:spPr>
+      </p:pic>
     </p:spTree>
     <p:extLst>
       <p:ext uri="{BB962C8B-B14F-4D97-AF65-F5344CB8AC3E}">
-        <p14:creationId xmlns:p14="http://schemas.microsoft.com/office/powerpoint/2010/main" val="2794409471"/>
+        <p14:creationId xmlns:p14="http://schemas.microsoft.com/office/powerpoint/2010/main" val="2129580115"/>
       </p:ext>
     </p:extLst>
   </p:cSld>
@@ -19532,10 +19949,96 @@
       </p:grpSpPr>
       <p:sp>
         <p:nvSpPr>
+          <p:cNvPr id="2" name="Title 1"/>
+          <p:cNvSpPr>
+            <a:spLocks noGrp="1"/>
+          </p:cNvSpPr>
+          <p:nvPr>
+            <p:ph type="title"/>
+          </p:nvPr>
+        </p:nvSpPr>
+        <p:spPr/>
+        <p:txBody>
+          <a:bodyPr/>
+          <a:lstStyle/>
+          <a:p>
+            <a:r>
+              <a:rPr lang="en-US" dirty="0"/>
+              <a:t>Multi-Tenancy</a:t>
+            </a:r>
+          </a:p>
+        </p:txBody>
+      </p:sp>
+      <p:sp>
+        <p:nvSpPr>
+          <p:cNvPr id="3" name="Text Placeholder 2"/>
+          <p:cNvSpPr>
+            <a:spLocks noGrp="1"/>
+          </p:cNvSpPr>
+          <p:nvPr>
+            <p:ph type="body" idx="1"/>
+          </p:nvPr>
+        </p:nvSpPr>
+        <p:spPr/>
+        <p:txBody>
+          <a:bodyPr/>
+          <a:lstStyle/>
+          <a:p>
+            <a:r>
+              <a:rPr lang="en-US" dirty="0"/>
+              <a:t>Cache Isolation</a:t>
+            </a:r>
+          </a:p>
+        </p:txBody>
+      </p:sp>
+    </p:spTree>
+    <p:extLst>
+      <p:ext uri="{BB962C8B-B14F-4D97-AF65-F5344CB8AC3E}">
+        <p14:creationId xmlns:p14="http://schemas.microsoft.com/office/powerpoint/2010/main" val="3164702735"/>
+      </p:ext>
+    </p:extLst>
+  </p:cSld>
+  <p:clrMapOvr>
+    <a:masterClrMapping/>
+  </p:clrMapOvr>
+  <mc:AlternateContent xmlns:mc="http://schemas.openxmlformats.org/markup-compatibility/2006" xmlns:p14="http://schemas.microsoft.com/office/powerpoint/2010/main">
+    <mc:Choice Requires="p14">
+      <p:transition spd="med" p14:dur="700">
+        <p:fade/>
+      </p:transition>
+    </mc:Choice>
+    <mc:Fallback xmlns="">
+      <p:transition spd="med">
+        <p:fade/>
+      </p:transition>
+    </mc:Fallback>
+  </mc:AlternateContent>
+</p:sld>
+</file>
+
+<file path=ppt/slides/slide43.xml><?xml version="1.0" encoding="utf-8"?>
+<p:sld xmlns:a="http://schemas.openxmlformats.org/drawingml/2006/main" xmlns:r="http://schemas.openxmlformats.org/officeDocument/2006/relationships" xmlns:p="http://schemas.openxmlformats.org/presentationml/2006/main">
+  <p:cSld>
+    <p:spTree>
+      <p:nvGrpSpPr>
+        <p:cNvPr id="1" name=""/>
+        <p:cNvGrpSpPr/>
+        <p:nvPr/>
+      </p:nvGrpSpPr>
+      <p:grpSpPr>
+        <a:xfrm>
+          <a:off x="0" y="0"/>
+          <a:ext cx="0" cy="0"/>
+          <a:chOff x="0" y="0"/>
+          <a:chExt cx="0" cy="0"/>
+        </a:xfrm>
+      </p:grpSpPr>
+      <p:sp>
+        <p:nvSpPr>
           <p:cNvPr id="2" name="Title 1">
             <a:extLst>
               <a:ext uri="{FF2B5EF4-FFF2-40B4-BE49-F238E27FC236}">
-                <a16:creationId xmlns:a16="http://schemas.microsoft.com/office/drawing/2014/main" id="{700032AE-86CF-4383-933C-9021A37A6D8F}"/>
+                <a16:creationId xmlns:a16="http://schemas.microsoft.com/office/drawing/2014/main" id="{CB41140D-AF0A-4ABF-B782-A8D1CEC64CBE}"/>
               </a:ext>
             </a:extLst>
           </p:cNvPr>
@@ -19551,7 +20054,11 @@
           <a:bodyPr/>
           <a:lstStyle/>
           <a:p>
-            <a:endParaRPr lang="tr-TR"/>
+            <a:r>
+              <a:rPr lang="en-US" dirty="0"/>
+              <a:t>Cache Isolation</a:t>
+            </a:r>
+            <a:endParaRPr lang="tr-TR" dirty="0"/>
           </a:p>
         </p:txBody>
       </p:sp>
@@ -19560,7 +20067,7 @@
           <p:cNvPr id="3" name="Content Placeholder 2">
             <a:extLst>
               <a:ext uri="{FF2B5EF4-FFF2-40B4-BE49-F238E27FC236}">
-                <a16:creationId xmlns:a16="http://schemas.microsoft.com/office/drawing/2014/main" id="{7881CEEF-206D-46CC-A023-F63C0FD584C5}"/>
+                <a16:creationId xmlns:a16="http://schemas.microsoft.com/office/drawing/2014/main" id="{74B0BF42-3029-4FF7-9655-6F9EB0C64B17}"/>
               </a:ext>
             </a:extLst>
           </p:cNvPr>
@@ -19576,14 +20083,866 @@
           <a:bodyPr/>
           <a:lstStyle/>
           <a:p>
-            <a:endParaRPr lang="tr-TR"/>
+            <a:r>
+              <a:rPr lang="en-US" b="1" dirty="0"/>
+              <a:t>Key/Value Caches </a:t>
+            </a:r>
+            <a:r>
+              <a:rPr lang="en-US" dirty="0"/>
+              <a:t>may share same data space for all tenants.</a:t>
+            </a:r>
+          </a:p>
+          <a:p>
+            <a:r>
+              <a:rPr lang="en-US" dirty="0"/>
+              <a:t>Tenants may want to cache </a:t>
+            </a:r>
+            <a:r>
+              <a:rPr lang="en-US" b="1" dirty="0"/>
+              <a:t>same type </a:t>
+            </a:r>
+            <a:r>
+              <a:rPr lang="en-US" dirty="0"/>
+              <a:t>of data with </a:t>
+            </a:r>
+            <a:r>
+              <a:rPr lang="en-US" b="1" dirty="0"/>
+              <a:t>same id </a:t>
+            </a:r>
+            <a:r>
+              <a:rPr lang="en-US" dirty="0"/>
+              <a:t>(unique per tenant).</a:t>
+            </a:r>
+            <a:endParaRPr lang="tr-TR" dirty="0"/>
+          </a:p>
+        </p:txBody>
+      </p:sp>
+      <p:pic>
+        <p:nvPicPr>
+          <p:cNvPr id="4" name="Picture 3">
+            <a:extLst>
+              <a:ext uri="{FF2B5EF4-FFF2-40B4-BE49-F238E27FC236}">
+                <a16:creationId xmlns:a16="http://schemas.microsoft.com/office/drawing/2014/main" id="{9507E2D5-0756-4E86-AB02-F9E16639E664}"/>
+              </a:ext>
+            </a:extLst>
+          </p:cNvPr>
+          <p:cNvPicPr>
+            <a:picLocks noChangeAspect="1"/>
+          </p:cNvPicPr>
+          <p:nvPr/>
+        </p:nvPicPr>
+        <p:blipFill>
+          <a:blip r:embed="rId2"/>
+          <a:stretch>
+            <a:fillRect/>
+          </a:stretch>
+        </p:blipFill>
+        <p:spPr>
+          <a:xfrm>
+            <a:off x="1571819" y="2967716"/>
+            <a:ext cx="8393516" cy="2975883"/>
+          </a:xfrm>
+          <a:prstGeom prst="rect">
+            <a:avLst/>
+          </a:prstGeom>
+        </p:spPr>
+      </p:pic>
+    </p:spTree>
+    <p:extLst>
+      <p:ext uri="{BB962C8B-B14F-4D97-AF65-F5344CB8AC3E}">
+        <p14:creationId xmlns:p14="http://schemas.microsoft.com/office/powerpoint/2010/main" val="2560340977"/>
+      </p:ext>
+    </p:extLst>
+  </p:cSld>
+  <p:clrMapOvr>
+    <a:masterClrMapping/>
+  </p:clrMapOvr>
+  <mc:AlternateContent xmlns:mc="http://schemas.openxmlformats.org/markup-compatibility/2006" xmlns:p14="http://schemas.microsoft.com/office/powerpoint/2010/main">
+    <mc:Choice Requires="p14">
+      <p:transition spd="med" p14:dur="700">
+        <p:fade/>
+      </p:transition>
+    </mc:Choice>
+    <mc:Fallback xmlns="">
+      <p:transition spd="med">
+        <p:fade/>
+      </p:transition>
+    </mc:Fallback>
+  </mc:AlternateContent>
+</p:sld>
+</file>
+
+<file path=ppt/slides/slide44.xml><?xml version="1.0" encoding="utf-8"?>
+<p:sld xmlns:a="http://schemas.openxmlformats.org/drawingml/2006/main" xmlns:r="http://schemas.openxmlformats.org/officeDocument/2006/relationships" xmlns:p="http://schemas.openxmlformats.org/presentationml/2006/main">
+  <p:cSld>
+    <p:spTree>
+      <p:nvGrpSpPr>
+        <p:cNvPr id="1" name=""/>
+        <p:cNvGrpSpPr/>
+        <p:nvPr/>
+      </p:nvGrpSpPr>
+      <p:grpSpPr>
+        <a:xfrm>
+          <a:off x="0" y="0"/>
+          <a:ext cx="0" cy="0"/>
+          <a:chOff x="0" y="0"/>
+          <a:chExt cx="0" cy="0"/>
+        </a:xfrm>
+      </p:grpSpPr>
+      <p:sp>
+        <p:nvSpPr>
+          <p:cNvPr id="2" name="Title 1">
+            <a:extLst>
+              <a:ext uri="{FF2B5EF4-FFF2-40B4-BE49-F238E27FC236}">
+                <a16:creationId xmlns:a16="http://schemas.microsoft.com/office/drawing/2014/main" id="{A6C1FE1A-A034-4491-8767-C2FEFC0131AB}"/>
+              </a:ext>
+            </a:extLst>
+          </p:cNvPr>
+          <p:cNvSpPr>
+            <a:spLocks noGrp="1"/>
+          </p:cNvSpPr>
+          <p:nvPr>
+            <p:ph type="title"/>
+          </p:nvPr>
+        </p:nvSpPr>
+        <p:spPr/>
+        <p:txBody>
+          <a:bodyPr/>
+          <a:lstStyle/>
+          <a:p>
+            <a:r>
+              <a:rPr lang="en-US" dirty="0"/>
+              <a:t>Multi-Tenancy</a:t>
+            </a:r>
+            <a:endParaRPr lang="tr-TR" dirty="0"/>
+          </a:p>
+        </p:txBody>
+      </p:sp>
+      <p:sp>
+        <p:nvSpPr>
+          <p:cNvPr id="3" name="Text Placeholder 2">
+            <a:extLst>
+              <a:ext uri="{FF2B5EF4-FFF2-40B4-BE49-F238E27FC236}">
+                <a16:creationId xmlns:a16="http://schemas.microsoft.com/office/drawing/2014/main" id="{AA225B98-9BFA-4DB0-ACBF-A88E0A16129C}"/>
+              </a:ext>
+            </a:extLst>
+          </p:cNvPr>
+          <p:cNvSpPr>
+            <a:spLocks noGrp="1"/>
+          </p:cNvSpPr>
+          <p:nvPr>
+            <p:ph type="body" idx="1"/>
+          </p:nvPr>
+        </p:nvSpPr>
+        <p:spPr/>
+        <p:txBody>
+          <a:bodyPr/>
+          <a:lstStyle/>
+          <a:p>
+            <a:r>
+              <a:rPr lang="en-US" dirty="0"/>
+              <a:t>Enable/Disable</a:t>
+            </a:r>
+            <a:endParaRPr lang="tr-TR" dirty="0"/>
           </a:p>
         </p:txBody>
       </p:sp>
     </p:spTree>
     <p:extLst>
       <p:ext uri="{BB962C8B-B14F-4D97-AF65-F5344CB8AC3E}">
-        <p14:creationId xmlns:p14="http://schemas.microsoft.com/office/powerpoint/2010/main" val="4093661547"/>
+        <p14:creationId xmlns:p14="http://schemas.microsoft.com/office/powerpoint/2010/main" val="3885639990"/>
+      </p:ext>
+    </p:extLst>
+  </p:cSld>
+  <p:clrMapOvr>
+    <a:masterClrMapping/>
+  </p:clrMapOvr>
+  <mc:AlternateContent xmlns:mc="http://schemas.openxmlformats.org/markup-compatibility/2006" xmlns:p14="http://schemas.microsoft.com/office/powerpoint/2010/main">
+    <mc:Choice Requires="p14">
+      <p:transition spd="med" p14:dur="700">
+        <p:fade/>
+      </p:transition>
+    </mc:Choice>
+    <mc:Fallback xmlns="">
+      <p:transition spd="med">
+        <p:fade/>
+      </p:transition>
+    </mc:Fallback>
+  </mc:AlternateContent>
+</p:sld>
+</file>
+
+<file path=ppt/slides/slide45.xml><?xml version="1.0" encoding="utf-8"?>
+<p:sld xmlns:a="http://schemas.openxmlformats.org/drawingml/2006/main" xmlns:r="http://schemas.openxmlformats.org/officeDocument/2006/relationships" xmlns:p="http://schemas.openxmlformats.org/presentationml/2006/main">
+  <p:cSld>
+    <p:spTree>
+      <p:nvGrpSpPr>
+        <p:cNvPr id="1" name=""/>
+        <p:cNvGrpSpPr/>
+        <p:nvPr/>
+      </p:nvGrpSpPr>
+      <p:grpSpPr>
+        <a:xfrm>
+          <a:off x="0" y="0"/>
+          <a:ext cx="0" cy="0"/>
+          <a:chOff x="0" y="0"/>
+          <a:chExt cx="0" cy="0"/>
+        </a:xfrm>
+      </p:grpSpPr>
+      <p:sp>
+        <p:nvSpPr>
+          <p:cNvPr id="2" name="Title 1">
+            <a:extLst>
+              <a:ext uri="{FF2B5EF4-FFF2-40B4-BE49-F238E27FC236}">
+                <a16:creationId xmlns:a16="http://schemas.microsoft.com/office/drawing/2014/main" id="{CB41140D-AF0A-4ABF-B782-A8D1CEC64CBE}"/>
+              </a:ext>
+            </a:extLst>
+          </p:cNvPr>
+          <p:cNvSpPr>
+            <a:spLocks noGrp="1"/>
+          </p:cNvSpPr>
+          <p:nvPr>
+            <p:ph type="title"/>
+          </p:nvPr>
+        </p:nvSpPr>
+        <p:spPr/>
+        <p:txBody>
+          <a:bodyPr/>
+          <a:lstStyle/>
+          <a:p>
+            <a:r>
+              <a:rPr lang="en-US" dirty="0"/>
+              <a:t>Disable/Enable By Scope</a:t>
+            </a:r>
+            <a:endParaRPr lang="tr-TR" dirty="0"/>
+          </a:p>
+        </p:txBody>
+      </p:sp>
+      <p:sp>
+        <p:nvSpPr>
+          <p:cNvPr id="3" name="Content Placeholder 2">
+            <a:extLst>
+              <a:ext uri="{FF2B5EF4-FFF2-40B4-BE49-F238E27FC236}">
+                <a16:creationId xmlns:a16="http://schemas.microsoft.com/office/drawing/2014/main" id="{74B0BF42-3029-4FF7-9655-6F9EB0C64B17}"/>
+              </a:ext>
+            </a:extLst>
+          </p:cNvPr>
+          <p:cNvSpPr>
+            <a:spLocks noGrp="1"/>
+          </p:cNvSpPr>
+          <p:nvPr>
+            <p:ph idx="1"/>
+          </p:nvPr>
+        </p:nvSpPr>
+        <p:spPr>
+          <a:xfrm>
+            <a:off x="1295400" y="1981201"/>
+            <a:ext cx="4714955" cy="3809999"/>
+          </a:xfrm>
+        </p:spPr>
+        <p:txBody>
+          <a:bodyPr/>
+          <a:lstStyle/>
+          <a:p>
+            <a:r>
+              <a:rPr lang="en-US" dirty="0"/>
+              <a:t>May need to query on all tenants.</a:t>
+            </a:r>
+          </a:p>
+          <a:p>
+            <a:r>
+              <a:rPr lang="en-US" dirty="0"/>
+              <a:t>Can be implemented using ambient context pattern.</a:t>
+            </a:r>
+          </a:p>
+          <a:p>
+            <a:r>
+              <a:rPr lang="en-US" dirty="0"/>
+              <a:t>Problem: Not easy for multi-database scenario.</a:t>
+            </a:r>
+            <a:endParaRPr lang="tr-TR" dirty="0"/>
+          </a:p>
+        </p:txBody>
+      </p:sp>
+      <p:pic>
+        <p:nvPicPr>
+          <p:cNvPr id="4" name="Picture 3">
+            <a:extLst>
+              <a:ext uri="{FF2B5EF4-FFF2-40B4-BE49-F238E27FC236}">
+                <a16:creationId xmlns:a16="http://schemas.microsoft.com/office/drawing/2014/main" id="{83BC3ADA-6E95-467F-87FE-6FEEEF052990}"/>
+              </a:ext>
+            </a:extLst>
+          </p:cNvPr>
+          <p:cNvPicPr>
+            <a:picLocks noChangeAspect="1"/>
+          </p:cNvPicPr>
+          <p:nvPr/>
+        </p:nvPicPr>
+        <p:blipFill>
+          <a:blip r:embed="rId2"/>
+          <a:stretch>
+            <a:fillRect/>
+          </a:stretch>
+        </p:blipFill>
+        <p:spPr>
+          <a:xfrm>
+            <a:off x="6010355" y="1981201"/>
+            <a:ext cx="5426158" cy="3714944"/>
+          </a:xfrm>
+          <a:prstGeom prst="rect">
+            <a:avLst/>
+          </a:prstGeom>
+        </p:spPr>
+      </p:pic>
+    </p:spTree>
+    <p:extLst>
+      <p:ext uri="{BB962C8B-B14F-4D97-AF65-F5344CB8AC3E}">
+        <p14:creationId xmlns:p14="http://schemas.microsoft.com/office/powerpoint/2010/main" val="2800972177"/>
+      </p:ext>
+    </p:extLst>
+  </p:cSld>
+  <p:clrMapOvr>
+    <a:masterClrMapping/>
+  </p:clrMapOvr>
+  <mc:AlternateContent xmlns:mc="http://schemas.openxmlformats.org/markup-compatibility/2006" xmlns:p14="http://schemas.microsoft.com/office/powerpoint/2010/main">
+    <mc:Choice Requires="p14">
+      <p:transition spd="med" p14:dur="700">
+        <p:fade/>
+      </p:transition>
+    </mc:Choice>
+    <mc:Fallback xmlns="">
+      <p:transition spd="med">
+        <p:fade/>
+      </p:transition>
+    </mc:Fallback>
+  </mc:AlternateContent>
+</p:sld>
+</file>
+
+<file path=ppt/slides/slide46.xml><?xml version="1.0" encoding="utf-8"?>
+<p:sld xmlns:a="http://schemas.openxmlformats.org/drawingml/2006/main" xmlns:r="http://schemas.openxmlformats.org/officeDocument/2006/relationships" xmlns:p="http://schemas.openxmlformats.org/presentationml/2006/main">
+  <p:cSld>
+    <p:spTree>
+      <p:nvGrpSpPr>
+        <p:cNvPr id="1" name=""/>
+        <p:cNvGrpSpPr/>
+        <p:nvPr/>
+      </p:nvGrpSpPr>
+      <p:grpSpPr>
+        <a:xfrm>
+          <a:off x="0" y="0"/>
+          <a:ext cx="0" cy="0"/>
+          <a:chOff x="0" y="0"/>
+          <a:chExt cx="0" cy="0"/>
+        </a:xfrm>
+      </p:grpSpPr>
+      <p:sp>
+        <p:nvSpPr>
+          <p:cNvPr id="2" name="Title 1">
+            <a:extLst>
+              <a:ext uri="{FF2B5EF4-FFF2-40B4-BE49-F238E27FC236}">
+                <a16:creationId xmlns:a16="http://schemas.microsoft.com/office/drawing/2014/main" id="{A9E5F676-CA4B-4EB3-AEE7-28A4C6231F02}"/>
+              </a:ext>
+            </a:extLst>
+          </p:cNvPr>
+          <p:cNvSpPr>
+            <a:spLocks noGrp="1"/>
+          </p:cNvSpPr>
+          <p:nvPr>
+            <p:ph type="title"/>
+          </p:nvPr>
+        </p:nvSpPr>
+        <p:spPr/>
+        <p:txBody>
+          <a:bodyPr/>
+          <a:lstStyle/>
+          <a:p>
+            <a:r>
+              <a:rPr lang="en-US" dirty="0"/>
+              <a:t>Globally Disable</a:t>
+            </a:r>
+            <a:endParaRPr lang="tr-TR" dirty="0"/>
+          </a:p>
+        </p:txBody>
+      </p:sp>
+      <p:sp>
+        <p:nvSpPr>
+          <p:cNvPr id="3" name="Content Placeholder 2">
+            <a:extLst>
+              <a:ext uri="{FF2B5EF4-FFF2-40B4-BE49-F238E27FC236}">
+                <a16:creationId xmlns:a16="http://schemas.microsoft.com/office/drawing/2014/main" id="{C367918E-E9C3-49D5-9129-5F0ECCB6172E}"/>
+              </a:ext>
+            </a:extLst>
+          </p:cNvPr>
+          <p:cNvSpPr>
+            <a:spLocks noGrp="1"/>
+          </p:cNvSpPr>
+          <p:nvPr>
+            <p:ph idx="1"/>
+          </p:nvPr>
+        </p:nvSpPr>
+        <p:spPr/>
+        <p:txBody>
+          <a:bodyPr/>
+          <a:lstStyle/>
+          <a:p>
+            <a:r>
+              <a:rPr lang="en-US" dirty="0"/>
+              <a:t>May want to run the application as </a:t>
+            </a:r>
+            <a:r>
+              <a:rPr lang="en-US" b="1" dirty="0"/>
+              <a:t>on-premise</a:t>
+            </a:r>
+            <a:r>
+              <a:rPr lang="en-US" dirty="0"/>
+              <a:t>.</a:t>
+            </a:r>
+          </a:p>
+          <a:p>
+            <a:pPr lvl="1"/>
+            <a:r>
+              <a:rPr lang="en-US" dirty="0"/>
+              <a:t>All </a:t>
+            </a:r>
+            <a:r>
+              <a:rPr lang="en-US" b="1" dirty="0"/>
+              <a:t>Tenant Id</a:t>
+            </a:r>
+            <a:r>
+              <a:rPr lang="en-US" dirty="0"/>
+              <a:t> values can be </a:t>
+            </a:r>
+            <a:r>
+              <a:rPr lang="en-US" b="1" dirty="0"/>
+              <a:t>null</a:t>
+            </a:r>
+            <a:r>
+              <a:rPr lang="en-US" dirty="0"/>
+              <a:t>.</a:t>
+            </a:r>
+            <a:endParaRPr lang="tr-TR" dirty="0"/>
+          </a:p>
+        </p:txBody>
+      </p:sp>
+    </p:spTree>
+    <p:extLst>
+      <p:ext uri="{BB962C8B-B14F-4D97-AF65-F5344CB8AC3E}">
+        <p14:creationId xmlns:p14="http://schemas.microsoft.com/office/powerpoint/2010/main" val="2689938307"/>
+      </p:ext>
+    </p:extLst>
+  </p:cSld>
+  <p:clrMapOvr>
+    <a:masterClrMapping/>
+  </p:clrMapOvr>
+  <mc:AlternateContent xmlns:mc="http://schemas.openxmlformats.org/markup-compatibility/2006" xmlns:p14="http://schemas.microsoft.com/office/powerpoint/2010/main">
+    <mc:Choice Requires="p14">
+      <p:transition spd="med" p14:dur="700">
+        <p:fade/>
+      </p:transition>
+    </mc:Choice>
+    <mc:Fallback xmlns="">
+      <p:transition spd="med">
+        <p:fade/>
+      </p:transition>
+    </mc:Fallback>
+  </mc:AlternateContent>
+</p:sld>
+</file>
+
+<file path=ppt/slides/slide47.xml><?xml version="1.0" encoding="utf-8"?>
+<p:sld xmlns:a="http://schemas.openxmlformats.org/drawingml/2006/main" xmlns:r="http://schemas.openxmlformats.org/officeDocument/2006/relationships" xmlns:p="http://schemas.openxmlformats.org/presentationml/2006/main">
+  <p:cSld>
+    <p:spTree>
+      <p:nvGrpSpPr>
+        <p:cNvPr id="1" name=""/>
+        <p:cNvGrpSpPr/>
+        <p:nvPr/>
+      </p:nvGrpSpPr>
+      <p:grpSpPr>
+        <a:xfrm>
+          <a:off x="0" y="0"/>
+          <a:ext cx="0" cy="0"/>
+          <a:chOff x="0" y="0"/>
+          <a:chExt cx="0" cy="0"/>
+        </a:xfrm>
+      </p:grpSpPr>
+      <p:sp>
+        <p:nvSpPr>
+          <p:cNvPr id="2" name="Title 1">
+            <a:extLst>
+              <a:ext uri="{FF2B5EF4-FFF2-40B4-BE49-F238E27FC236}">
+                <a16:creationId xmlns:a16="http://schemas.microsoft.com/office/drawing/2014/main" id="{C54D2C2B-A2E3-4E89-BAA9-D7CB67ABFA27}"/>
+              </a:ext>
+            </a:extLst>
+          </p:cNvPr>
+          <p:cNvSpPr>
+            <a:spLocks noGrp="1"/>
+          </p:cNvSpPr>
+          <p:nvPr>
+            <p:ph type="title"/>
+          </p:nvPr>
+        </p:nvSpPr>
+        <p:spPr/>
+        <p:txBody>
+          <a:bodyPr/>
+          <a:lstStyle/>
+          <a:p>
+            <a:r>
+              <a:rPr lang="en-US" dirty="0"/>
+              <a:t>Multi-Tenancy</a:t>
+            </a:r>
+            <a:endParaRPr lang="tr-TR" dirty="0"/>
+          </a:p>
+        </p:txBody>
+      </p:sp>
+      <p:sp>
+        <p:nvSpPr>
+          <p:cNvPr id="3" name="Text Placeholder 2">
+            <a:extLst>
+              <a:ext uri="{FF2B5EF4-FFF2-40B4-BE49-F238E27FC236}">
+                <a16:creationId xmlns:a16="http://schemas.microsoft.com/office/drawing/2014/main" id="{0F26BB83-7F85-4C25-A0C6-B2CB254AF692}"/>
+              </a:ext>
+            </a:extLst>
+          </p:cNvPr>
+          <p:cNvSpPr>
+            <a:spLocks noGrp="1"/>
+          </p:cNvSpPr>
+          <p:nvPr>
+            <p:ph type="body" idx="1"/>
+          </p:nvPr>
+        </p:nvSpPr>
+        <p:spPr/>
+        <p:txBody>
+          <a:bodyPr/>
+          <a:lstStyle/>
+          <a:p>
+            <a:r>
+              <a:rPr lang="en-US" dirty="0"/>
+              <a:t>DB Transactions &amp; Migrations</a:t>
+            </a:r>
+            <a:endParaRPr lang="tr-TR" dirty="0"/>
+          </a:p>
+        </p:txBody>
+      </p:sp>
+    </p:spTree>
+    <p:extLst>
+      <p:ext uri="{BB962C8B-B14F-4D97-AF65-F5344CB8AC3E}">
+        <p14:creationId xmlns:p14="http://schemas.microsoft.com/office/powerpoint/2010/main" val="3113983200"/>
+      </p:ext>
+    </p:extLst>
+  </p:cSld>
+  <p:clrMapOvr>
+    <a:masterClrMapping/>
+  </p:clrMapOvr>
+  <mc:AlternateContent xmlns:mc="http://schemas.openxmlformats.org/markup-compatibility/2006" xmlns:p14="http://schemas.microsoft.com/office/powerpoint/2010/main">
+    <mc:Choice Requires="p14">
+      <p:transition spd="med" p14:dur="700">
+        <p:fade/>
+      </p:transition>
+    </mc:Choice>
+    <mc:Fallback xmlns="">
+      <p:transition spd="med">
+        <p:fade/>
+      </p:transition>
+    </mc:Fallback>
+  </mc:AlternateContent>
+</p:sld>
+</file>
+
+<file path=ppt/slides/slide48.xml><?xml version="1.0" encoding="utf-8"?>
+<p:sld xmlns:a="http://schemas.openxmlformats.org/drawingml/2006/main" xmlns:r="http://schemas.openxmlformats.org/officeDocument/2006/relationships" xmlns:p="http://schemas.openxmlformats.org/presentationml/2006/main">
+  <p:cSld>
+    <p:spTree>
+      <p:nvGrpSpPr>
+        <p:cNvPr id="1" name=""/>
+        <p:cNvGrpSpPr/>
+        <p:nvPr/>
+      </p:nvGrpSpPr>
+      <p:grpSpPr>
+        <a:xfrm>
+          <a:off x="0" y="0"/>
+          <a:ext cx="0" cy="0"/>
+          <a:chOff x="0" y="0"/>
+          <a:chExt cx="0" cy="0"/>
+        </a:xfrm>
+      </p:grpSpPr>
+      <p:sp>
+        <p:nvSpPr>
+          <p:cNvPr id="2" name="Title 1">
+            <a:extLst>
+              <a:ext uri="{FF2B5EF4-FFF2-40B4-BE49-F238E27FC236}">
+                <a16:creationId xmlns:a16="http://schemas.microsoft.com/office/drawing/2014/main" id="{C77A8DA4-A894-4405-81F3-988F785844A6}"/>
+              </a:ext>
+            </a:extLst>
+          </p:cNvPr>
+          <p:cNvSpPr>
+            <a:spLocks noGrp="1"/>
+          </p:cNvSpPr>
+          <p:nvPr>
+            <p:ph type="title"/>
+          </p:nvPr>
+        </p:nvSpPr>
+        <p:spPr/>
+        <p:txBody>
+          <a:bodyPr/>
+          <a:lstStyle/>
+          <a:p>
+            <a:r>
+              <a:rPr lang="en-US" dirty="0"/>
+              <a:t>Distributed Transactions</a:t>
+            </a:r>
+            <a:endParaRPr lang="tr-TR" dirty="0"/>
+          </a:p>
+        </p:txBody>
+      </p:sp>
+      <p:sp>
+        <p:nvSpPr>
+          <p:cNvPr id="3" name="Content Placeholder 2">
+            <a:extLst>
+              <a:ext uri="{FF2B5EF4-FFF2-40B4-BE49-F238E27FC236}">
+                <a16:creationId xmlns:a16="http://schemas.microsoft.com/office/drawing/2014/main" id="{68D36B3E-9CA1-4B02-9011-D34E61B4AA08}"/>
+              </a:ext>
+            </a:extLst>
+          </p:cNvPr>
+          <p:cNvSpPr>
+            <a:spLocks noGrp="1"/>
+          </p:cNvSpPr>
+          <p:nvPr>
+            <p:ph idx="1"/>
+          </p:nvPr>
+        </p:nvSpPr>
+        <p:spPr/>
+        <p:txBody>
+          <a:bodyPr/>
+          <a:lstStyle/>
+          <a:p>
+            <a:r>
+              <a:rPr lang="en-US" dirty="0"/>
+              <a:t>Multi-tenant (or host + tenant) operations may require </a:t>
+            </a:r>
+            <a:r>
+              <a:rPr lang="en-US" b="1" dirty="0"/>
+              <a:t>distributed transactions</a:t>
+            </a:r>
+            <a:r>
+              <a:rPr lang="en-US" dirty="0"/>
+              <a:t> with </a:t>
+            </a:r>
+            <a:r>
+              <a:rPr lang="en-US" b="1" i="1" dirty="0"/>
+              <a:t>database per tenant</a:t>
+            </a:r>
+            <a:r>
+              <a:rPr lang="en-US" dirty="0"/>
+              <a:t> approach.</a:t>
+            </a:r>
+          </a:p>
+          <a:p>
+            <a:r>
+              <a:rPr lang="en-US" dirty="0"/>
+              <a:t>SQL Server can handle but requires to run </a:t>
+            </a:r>
+            <a:r>
+              <a:rPr lang="en-US" b="1" dirty="0"/>
+              <a:t>MSDTC</a:t>
+            </a:r>
+            <a:r>
+              <a:rPr lang="en-US" dirty="0"/>
+              <a:t>.</a:t>
+            </a:r>
+          </a:p>
+          <a:p>
+            <a:r>
+              <a:rPr lang="en-US" dirty="0"/>
+              <a:t>May not be possible for cloud systems.</a:t>
+            </a:r>
+          </a:p>
+          <a:p>
+            <a:r>
+              <a:rPr lang="en-US" dirty="0"/>
+              <a:t>Avoid where possible, or use event queues or some other </a:t>
+            </a:r>
+            <a:r>
+              <a:rPr lang="en-US" dirty="0" err="1"/>
+              <a:t>async</a:t>
+            </a:r>
+            <a:r>
+              <a:rPr lang="en-US" dirty="0"/>
+              <a:t> mechanism.</a:t>
+            </a:r>
+            <a:endParaRPr lang="tr-TR" dirty="0"/>
+          </a:p>
+        </p:txBody>
+      </p:sp>
+    </p:spTree>
+    <p:extLst>
+      <p:ext uri="{BB962C8B-B14F-4D97-AF65-F5344CB8AC3E}">
+        <p14:creationId xmlns:p14="http://schemas.microsoft.com/office/powerpoint/2010/main" val="3239617914"/>
+      </p:ext>
+    </p:extLst>
+  </p:cSld>
+  <p:clrMapOvr>
+    <a:masterClrMapping/>
+  </p:clrMapOvr>
+  <mc:AlternateContent xmlns:mc="http://schemas.openxmlformats.org/markup-compatibility/2006" xmlns:p14="http://schemas.microsoft.com/office/powerpoint/2010/main">
+    <mc:Choice Requires="p14">
+      <p:transition spd="med" p14:dur="700">
+        <p:fade/>
+      </p:transition>
+    </mc:Choice>
+    <mc:Fallback xmlns="">
+      <p:transition spd="med">
+        <p:fade/>
+      </p:transition>
+    </mc:Fallback>
+  </mc:AlternateContent>
+</p:sld>
+</file>
+
+<file path=ppt/slides/slide49.xml><?xml version="1.0" encoding="utf-8"?>
+<p:sld xmlns:a="http://schemas.openxmlformats.org/drawingml/2006/main" xmlns:r="http://schemas.openxmlformats.org/officeDocument/2006/relationships" xmlns:p="http://schemas.openxmlformats.org/presentationml/2006/main">
+  <p:cSld>
+    <p:spTree>
+      <p:nvGrpSpPr>
+        <p:cNvPr id="1" name=""/>
+        <p:cNvGrpSpPr/>
+        <p:nvPr/>
+      </p:nvGrpSpPr>
+      <p:grpSpPr>
+        <a:xfrm>
+          <a:off x="0" y="0"/>
+          <a:ext cx="0" cy="0"/>
+          <a:chOff x="0" y="0"/>
+          <a:chExt cx="0" cy="0"/>
+        </a:xfrm>
+      </p:grpSpPr>
+      <p:sp>
+        <p:nvSpPr>
+          <p:cNvPr id="2" name="Title 1">
+            <a:extLst>
+              <a:ext uri="{FF2B5EF4-FFF2-40B4-BE49-F238E27FC236}">
+                <a16:creationId xmlns:a16="http://schemas.microsoft.com/office/drawing/2014/main" id="{94409AC8-899E-4C65-8893-0A55FFB787AC}"/>
+              </a:ext>
+            </a:extLst>
+          </p:cNvPr>
+          <p:cNvSpPr>
+            <a:spLocks noGrp="1"/>
+          </p:cNvSpPr>
+          <p:nvPr>
+            <p:ph type="title"/>
+          </p:nvPr>
+        </p:nvSpPr>
+        <p:spPr/>
+        <p:txBody>
+          <a:bodyPr/>
+          <a:lstStyle/>
+          <a:p>
+            <a:r>
+              <a:rPr lang="en-US" dirty="0"/>
+              <a:t>Schema / Data Migration</a:t>
+            </a:r>
+            <a:endParaRPr lang="tr-TR" dirty="0"/>
+          </a:p>
+        </p:txBody>
+      </p:sp>
+      <p:sp>
+        <p:nvSpPr>
+          <p:cNvPr id="3" name="Content Placeholder 2">
+            <a:extLst>
+              <a:ext uri="{FF2B5EF4-FFF2-40B4-BE49-F238E27FC236}">
+                <a16:creationId xmlns:a16="http://schemas.microsoft.com/office/drawing/2014/main" id="{190C1804-2E97-4E87-9F92-D5CA629CDE72}"/>
+              </a:ext>
+            </a:extLst>
+          </p:cNvPr>
+          <p:cNvSpPr>
+            <a:spLocks noGrp="1"/>
+          </p:cNvSpPr>
+          <p:nvPr>
+            <p:ph idx="1"/>
+          </p:nvPr>
+        </p:nvSpPr>
+        <p:spPr/>
+        <p:txBody>
+          <a:bodyPr/>
+          <a:lstStyle/>
+          <a:p>
+            <a:r>
+              <a:rPr lang="en-US" dirty="0"/>
+              <a:t>Problem for multiple-databases.</a:t>
+            </a:r>
+          </a:p>
+          <a:p>
+            <a:r>
+              <a:rPr lang="en-US" dirty="0"/>
+              <a:t>Solution: Upgrade </a:t>
+            </a:r>
+            <a:r>
+              <a:rPr lang="en-US" b="1" dirty="0"/>
+              <a:t>all in one</a:t>
+            </a:r>
+            <a:r>
+              <a:rPr lang="en-US" dirty="0"/>
+              <a:t> with a custom tool.</a:t>
+            </a:r>
+          </a:p>
+          <a:p>
+            <a:pPr lvl="1"/>
+            <a:r>
+              <a:rPr lang="en-US" dirty="0"/>
+              <a:t>Pros: Easy to implement. All tenants are in the same version.</a:t>
+            </a:r>
+          </a:p>
+          <a:p>
+            <a:pPr lvl="1"/>
+            <a:r>
+              <a:rPr lang="en-US" dirty="0"/>
+              <a:t>Cons: May get too long time for big number of tenants and data. All tenants wait for all upgrade progress.</a:t>
+            </a:r>
+          </a:p>
+          <a:p>
+            <a:r>
+              <a:rPr lang="en-US" dirty="0"/>
+              <a:t>Solution: Upgrade the </a:t>
+            </a:r>
+            <a:r>
+              <a:rPr lang="en-US" b="1" dirty="0"/>
+              <a:t>application servers immediately</a:t>
+            </a:r>
+            <a:r>
+              <a:rPr lang="en-US" dirty="0"/>
+              <a:t>, upgrade </a:t>
+            </a:r>
+            <a:r>
+              <a:rPr lang="en-US" b="1" dirty="0"/>
+              <a:t>databases individually</a:t>
+            </a:r>
+            <a:r>
+              <a:rPr lang="en-US" dirty="0"/>
+              <a:t> on first access.</a:t>
+            </a:r>
+          </a:p>
+          <a:p>
+            <a:pPr lvl="1"/>
+            <a:r>
+              <a:rPr lang="en-US" dirty="0"/>
+              <a:t>Pros: Upgrading is distributed to time. A tenant does not wait for another.</a:t>
+            </a:r>
+          </a:p>
+          <a:p>
+            <a:pPr lvl="1"/>
+            <a:r>
+              <a:rPr lang="en-US" dirty="0"/>
+              <a:t>Cons: First accessing user may wait too much. Even we get timeout exception. Also, we don’t control the upgrade speed.</a:t>
+            </a:r>
+            <a:endParaRPr lang="tr-TR" dirty="0"/>
+          </a:p>
+        </p:txBody>
+      </p:sp>
+    </p:spTree>
+    <p:extLst>
+      <p:ext uri="{BB962C8B-B14F-4D97-AF65-F5344CB8AC3E}">
+        <p14:creationId xmlns:p14="http://schemas.microsoft.com/office/powerpoint/2010/main" val="3077167626"/>
       </p:ext>
     </p:extLst>
   </p:cSld>
@@ -19703,6 +21062,823 @@
     <p:extLst>
       <p:ext uri="{BB962C8B-B14F-4D97-AF65-F5344CB8AC3E}">
         <p14:creationId xmlns:p14="http://schemas.microsoft.com/office/powerpoint/2010/main" val="2115427522"/>
+      </p:ext>
+    </p:extLst>
+  </p:cSld>
+  <p:clrMapOvr>
+    <a:masterClrMapping/>
+  </p:clrMapOvr>
+  <mc:AlternateContent xmlns:mc="http://schemas.openxmlformats.org/markup-compatibility/2006" xmlns:p14="http://schemas.microsoft.com/office/powerpoint/2010/main">
+    <mc:Choice Requires="p14">
+      <p:transition spd="med" p14:dur="700">
+        <p:fade/>
+      </p:transition>
+    </mc:Choice>
+    <mc:Fallback xmlns="">
+      <p:transition spd="med">
+        <p:fade/>
+      </p:transition>
+    </mc:Fallback>
+  </mc:AlternateContent>
+</p:sld>
+</file>
+
+<file path=ppt/slides/slide50.xml><?xml version="1.0" encoding="utf-8"?>
+<p:sld xmlns:a="http://schemas.openxmlformats.org/drawingml/2006/main" xmlns:r="http://schemas.openxmlformats.org/officeDocument/2006/relationships" xmlns:p="http://schemas.openxmlformats.org/presentationml/2006/main">
+  <p:cSld>
+    <p:spTree>
+      <p:nvGrpSpPr>
+        <p:cNvPr id="1" name=""/>
+        <p:cNvGrpSpPr/>
+        <p:nvPr/>
+      </p:nvGrpSpPr>
+      <p:grpSpPr>
+        <a:xfrm>
+          <a:off x="0" y="0"/>
+          <a:ext cx="0" cy="0"/>
+          <a:chOff x="0" y="0"/>
+          <a:chExt cx="0" cy="0"/>
+        </a:xfrm>
+      </p:grpSpPr>
+      <p:sp>
+        <p:nvSpPr>
+          <p:cNvPr id="2" name="Title 1">
+            <a:extLst>
+              <a:ext uri="{FF2B5EF4-FFF2-40B4-BE49-F238E27FC236}">
+                <a16:creationId xmlns:a16="http://schemas.microsoft.com/office/drawing/2014/main" id="{CCC588D2-54AE-4D02-8CDC-07359611F6F6}"/>
+              </a:ext>
+            </a:extLst>
+          </p:cNvPr>
+          <p:cNvSpPr>
+            <a:spLocks noGrp="1"/>
+          </p:cNvSpPr>
+          <p:nvPr>
+            <p:ph type="title"/>
+          </p:nvPr>
+        </p:nvSpPr>
+        <p:spPr/>
+        <p:txBody>
+          <a:bodyPr/>
+          <a:lstStyle/>
+          <a:p>
+            <a:r>
+              <a:rPr lang="en-US" dirty="0"/>
+              <a:t>Schema / Data Migration</a:t>
+            </a:r>
+            <a:endParaRPr lang="tr-TR" dirty="0"/>
+          </a:p>
+        </p:txBody>
+      </p:sp>
+      <p:sp>
+        <p:nvSpPr>
+          <p:cNvPr id="3" name="Content Placeholder 2">
+            <a:extLst>
+              <a:ext uri="{FF2B5EF4-FFF2-40B4-BE49-F238E27FC236}">
+                <a16:creationId xmlns:a16="http://schemas.microsoft.com/office/drawing/2014/main" id="{052B3B92-A702-46DA-9968-31DC7A070612}"/>
+              </a:ext>
+            </a:extLst>
+          </p:cNvPr>
+          <p:cNvSpPr>
+            <a:spLocks noGrp="1"/>
+          </p:cNvSpPr>
+          <p:nvPr>
+            <p:ph idx="1"/>
+          </p:nvPr>
+        </p:nvSpPr>
+        <p:spPr/>
+        <p:txBody>
+          <a:bodyPr>
+            <a:normAutofit lnSpcReduction="10000"/>
+          </a:bodyPr>
+          <a:lstStyle/>
+          <a:p>
+            <a:r>
+              <a:rPr lang="en-US" dirty="0"/>
+              <a:t>Solution: Multiple versions concurrently.</a:t>
+            </a:r>
+          </a:p>
+          <a:p>
+            <a:pPr lvl="1"/>
+            <a:r>
+              <a:rPr lang="en-US" dirty="0"/>
+              <a:t>Split the application servers into two parts: Upgraded tenants use the new application, other tenants use the old application.</a:t>
+            </a:r>
+          </a:p>
+          <a:p>
+            <a:r>
+              <a:rPr lang="en-US" dirty="0"/>
+              <a:t>Pros:</a:t>
+            </a:r>
+          </a:p>
+          <a:p>
+            <a:pPr lvl="1"/>
+            <a:r>
+              <a:rPr lang="en-US" dirty="0"/>
+              <a:t>Minimum waiting for every tenant.</a:t>
+            </a:r>
+          </a:p>
+          <a:p>
+            <a:pPr lvl="1"/>
+            <a:r>
+              <a:rPr lang="en-US" dirty="0"/>
+              <a:t>Upgrading may be scheduled for every individual tenant and they can be informed.</a:t>
+            </a:r>
+          </a:p>
+          <a:p>
+            <a:pPr lvl="1"/>
+            <a:r>
+              <a:rPr lang="en-US" dirty="0"/>
+              <a:t>Allows us to perform A/B </a:t>
+            </a:r>
+            <a:r>
+              <a:rPr lang="en-US"/>
+              <a:t>tests and previews.</a:t>
+            </a:r>
+            <a:endParaRPr lang="en-US" dirty="0"/>
+          </a:p>
+          <a:p>
+            <a:r>
+              <a:rPr lang="en-US" dirty="0"/>
+              <a:t>Cons</a:t>
+            </a:r>
+          </a:p>
+          <a:p>
+            <a:pPr lvl="1"/>
+            <a:r>
+              <a:rPr lang="en-US" dirty="0"/>
+              <a:t>Requires multiple application servers – but reasonable for a big system.</a:t>
+            </a:r>
+          </a:p>
+          <a:p>
+            <a:pPr lvl="1"/>
+            <a:r>
+              <a:rPr lang="en-US" dirty="0"/>
+              <a:t>Harder to implement, maintain and monitor.</a:t>
+            </a:r>
+          </a:p>
+        </p:txBody>
+      </p:sp>
+    </p:spTree>
+    <p:extLst>
+      <p:ext uri="{BB962C8B-B14F-4D97-AF65-F5344CB8AC3E}">
+        <p14:creationId xmlns:p14="http://schemas.microsoft.com/office/powerpoint/2010/main" val="386610187"/>
+      </p:ext>
+    </p:extLst>
+  </p:cSld>
+  <p:clrMapOvr>
+    <a:masterClrMapping/>
+  </p:clrMapOvr>
+  <mc:AlternateContent xmlns:mc="http://schemas.openxmlformats.org/markup-compatibility/2006" xmlns:p14="http://schemas.microsoft.com/office/powerpoint/2010/main">
+    <mc:Choice Requires="p14">
+      <p:transition spd="med" p14:dur="700">
+        <p:fade/>
+      </p:transition>
+    </mc:Choice>
+    <mc:Fallback xmlns="">
+      <p:transition spd="med">
+        <p:fade/>
+      </p:transition>
+    </mc:Fallback>
+  </mc:AlternateContent>
+</p:sld>
+</file>
+
+<file path=ppt/slides/slide51.xml><?xml version="1.0" encoding="utf-8"?>
+<p:sld xmlns:a="http://schemas.openxmlformats.org/drawingml/2006/main" xmlns:r="http://schemas.openxmlformats.org/officeDocument/2006/relationships" xmlns:p="http://schemas.openxmlformats.org/presentationml/2006/main">
+  <p:cSld>
+    <p:spTree>
+      <p:nvGrpSpPr>
+        <p:cNvPr id="1" name=""/>
+        <p:cNvGrpSpPr/>
+        <p:nvPr/>
+      </p:nvGrpSpPr>
+      <p:grpSpPr>
+        <a:xfrm>
+          <a:off x="0" y="0"/>
+          <a:ext cx="0" cy="0"/>
+          <a:chOff x="0" y="0"/>
+          <a:chExt cx="0" cy="0"/>
+        </a:xfrm>
+      </p:grpSpPr>
+      <p:sp>
+        <p:nvSpPr>
+          <p:cNvPr id="2" name="Title 1">
+            <a:extLst>
+              <a:ext uri="{FF2B5EF4-FFF2-40B4-BE49-F238E27FC236}">
+                <a16:creationId xmlns:a16="http://schemas.microsoft.com/office/drawing/2014/main" id="{4E9C2151-A3B6-4AD6-9F94-89C0A8F64BDE}"/>
+              </a:ext>
+            </a:extLst>
+          </p:cNvPr>
+          <p:cNvSpPr>
+            <a:spLocks noGrp="1"/>
+          </p:cNvSpPr>
+          <p:nvPr>
+            <p:ph type="title"/>
+          </p:nvPr>
+        </p:nvSpPr>
+        <p:spPr/>
+        <p:txBody>
+          <a:bodyPr/>
+          <a:lstStyle/>
+          <a:p>
+            <a:endParaRPr lang="tr-TR"/>
+          </a:p>
+        </p:txBody>
+      </p:sp>
+      <p:sp>
+        <p:nvSpPr>
+          <p:cNvPr id="3" name="Content Placeholder 2">
+            <a:extLst>
+              <a:ext uri="{FF2B5EF4-FFF2-40B4-BE49-F238E27FC236}">
+                <a16:creationId xmlns:a16="http://schemas.microsoft.com/office/drawing/2014/main" id="{3D6586B6-B8F8-4271-81EB-C5B02463E9BB}"/>
+              </a:ext>
+            </a:extLst>
+          </p:cNvPr>
+          <p:cNvSpPr>
+            <a:spLocks noGrp="1"/>
+          </p:cNvSpPr>
+          <p:nvPr>
+            <p:ph idx="1"/>
+          </p:nvPr>
+        </p:nvSpPr>
+        <p:spPr/>
+        <p:txBody>
+          <a:bodyPr/>
+          <a:lstStyle/>
+          <a:p>
+            <a:endParaRPr lang="tr-TR"/>
+          </a:p>
+        </p:txBody>
+      </p:sp>
+    </p:spTree>
+    <p:extLst>
+      <p:ext uri="{BB962C8B-B14F-4D97-AF65-F5344CB8AC3E}">
+        <p14:creationId xmlns:p14="http://schemas.microsoft.com/office/powerpoint/2010/main" val="3044351053"/>
+      </p:ext>
+    </p:extLst>
+  </p:cSld>
+  <p:clrMapOvr>
+    <a:masterClrMapping/>
+  </p:clrMapOvr>
+  <mc:AlternateContent xmlns:mc="http://schemas.openxmlformats.org/markup-compatibility/2006" xmlns:p14="http://schemas.microsoft.com/office/powerpoint/2010/main">
+    <mc:Choice Requires="p14">
+      <p:transition spd="med" p14:dur="700">
+        <p:fade/>
+      </p:transition>
+    </mc:Choice>
+    <mc:Fallback xmlns="">
+      <p:transition spd="med">
+        <p:fade/>
+      </p:transition>
+    </mc:Fallback>
+  </mc:AlternateContent>
+</p:sld>
+</file>
+
+<file path=ppt/slides/slide52.xml><?xml version="1.0" encoding="utf-8"?>
+<p:sld xmlns:a="http://schemas.openxmlformats.org/drawingml/2006/main" xmlns:r="http://schemas.openxmlformats.org/officeDocument/2006/relationships" xmlns:p="http://schemas.openxmlformats.org/presentationml/2006/main">
+  <p:cSld>
+    <p:spTree>
+      <p:nvGrpSpPr>
+        <p:cNvPr id="1" name=""/>
+        <p:cNvGrpSpPr/>
+        <p:nvPr/>
+      </p:nvGrpSpPr>
+      <p:grpSpPr>
+        <a:xfrm>
+          <a:off x="0" y="0"/>
+          <a:ext cx="0" cy="0"/>
+          <a:chOff x="0" y="0"/>
+          <a:chExt cx="0" cy="0"/>
+        </a:xfrm>
+      </p:grpSpPr>
+      <p:sp>
+        <p:nvSpPr>
+          <p:cNvPr id="2" name="Title 1">
+            <a:extLst>
+              <a:ext uri="{FF2B5EF4-FFF2-40B4-BE49-F238E27FC236}">
+                <a16:creationId xmlns:a16="http://schemas.microsoft.com/office/drawing/2014/main" id="{D0DBDFAB-3342-47E5-82CB-EB630FBC534C}"/>
+              </a:ext>
+            </a:extLst>
+          </p:cNvPr>
+          <p:cNvSpPr>
+            <a:spLocks noGrp="1"/>
+          </p:cNvSpPr>
+          <p:nvPr>
+            <p:ph type="title"/>
+          </p:nvPr>
+        </p:nvSpPr>
+        <p:spPr/>
+        <p:txBody>
+          <a:bodyPr/>
+          <a:lstStyle/>
+          <a:p>
+            <a:endParaRPr lang="tr-TR"/>
+          </a:p>
+        </p:txBody>
+      </p:sp>
+      <p:sp>
+        <p:nvSpPr>
+          <p:cNvPr id="3" name="Content Placeholder 2">
+            <a:extLst>
+              <a:ext uri="{FF2B5EF4-FFF2-40B4-BE49-F238E27FC236}">
+                <a16:creationId xmlns:a16="http://schemas.microsoft.com/office/drawing/2014/main" id="{EA54679D-D346-48FE-A3E1-9928DDBD9F50}"/>
+              </a:ext>
+            </a:extLst>
+          </p:cNvPr>
+          <p:cNvSpPr>
+            <a:spLocks noGrp="1"/>
+          </p:cNvSpPr>
+          <p:nvPr>
+            <p:ph idx="1"/>
+          </p:nvPr>
+        </p:nvSpPr>
+        <p:spPr/>
+        <p:txBody>
+          <a:bodyPr/>
+          <a:lstStyle/>
+          <a:p>
+            <a:endParaRPr lang="tr-TR"/>
+          </a:p>
+        </p:txBody>
+      </p:sp>
+    </p:spTree>
+    <p:extLst>
+      <p:ext uri="{BB962C8B-B14F-4D97-AF65-F5344CB8AC3E}">
+        <p14:creationId xmlns:p14="http://schemas.microsoft.com/office/powerpoint/2010/main" val="1810465420"/>
+      </p:ext>
+    </p:extLst>
+  </p:cSld>
+  <p:clrMapOvr>
+    <a:masterClrMapping/>
+  </p:clrMapOvr>
+  <mc:AlternateContent xmlns:mc="http://schemas.openxmlformats.org/markup-compatibility/2006" xmlns:p14="http://schemas.microsoft.com/office/powerpoint/2010/main">
+    <mc:Choice Requires="p14">
+      <p:transition spd="med" p14:dur="700">
+        <p:fade/>
+      </p:transition>
+    </mc:Choice>
+    <mc:Fallback xmlns="">
+      <p:transition spd="med">
+        <p:fade/>
+      </p:transition>
+    </mc:Fallback>
+  </mc:AlternateContent>
+</p:sld>
+</file>
+
+<file path=ppt/slides/slide53.xml><?xml version="1.0" encoding="utf-8"?>
+<p:sld xmlns:a="http://schemas.openxmlformats.org/drawingml/2006/main" xmlns:r="http://schemas.openxmlformats.org/officeDocument/2006/relationships" xmlns:p="http://schemas.openxmlformats.org/presentationml/2006/main">
+  <p:cSld>
+    <p:spTree>
+      <p:nvGrpSpPr>
+        <p:cNvPr id="1" name=""/>
+        <p:cNvGrpSpPr/>
+        <p:nvPr/>
+      </p:nvGrpSpPr>
+      <p:grpSpPr>
+        <a:xfrm>
+          <a:off x="0" y="0"/>
+          <a:ext cx="0" cy="0"/>
+          <a:chOff x="0" y="0"/>
+          <a:chExt cx="0" cy="0"/>
+        </a:xfrm>
+      </p:grpSpPr>
+      <p:sp>
+        <p:nvSpPr>
+          <p:cNvPr id="2" name="Title 1">
+            <a:extLst>
+              <a:ext uri="{FF2B5EF4-FFF2-40B4-BE49-F238E27FC236}">
+                <a16:creationId xmlns:a16="http://schemas.microsoft.com/office/drawing/2014/main" id="{5264EEA8-D91E-4C3C-89FF-8A4B2A76AC50}"/>
+              </a:ext>
+            </a:extLst>
+          </p:cNvPr>
+          <p:cNvSpPr>
+            <a:spLocks noGrp="1"/>
+          </p:cNvSpPr>
+          <p:nvPr>
+            <p:ph type="title"/>
+          </p:nvPr>
+        </p:nvSpPr>
+        <p:spPr/>
+        <p:txBody>
+          <a:bodyPr/>
+          <a:lstStyle/>
+          <a:p>
+            <a:endParaRPr lang="tr-TR"/>
+          </a:p>
+        </p:txBody>
+      </p:sp>
+      <p:sp>
+        <p:nvSpPr>
+          <p:cNvPr id="3" name="Content Placeholder 2">
+            <a:extLst>
+              <a:ext uri="{FF2B5EF4-FFF2-40B4-BE49-F238E27FC236}">
+                <a16:creationId xmlns:a16="http://schemas.microsoft.com/office/drawing/2014/main" id="{9BEB9AF3-97F3-468E-B171-C89FEF7D4116}"/>
+              </a:ext>
+            </a:extLst>
+          </p:cNvPr>
+          <p:cNvSpPr>
+            <a:spLocks noGrp="1"/>
+          </p:cNvSpPr>
+          <p:nvPr>
+            <p:ph idx="1"/>
+          </p:nvPr>
+        </p:nvSpPr>
+        <p:spPr/>
+        <p:txBody>
+          <a:bodyPr/>
+          <a:lstStyle/>
+          <a:p>
+            <a:endParaRPr lang="tr-TR"/>
+          </a:p>
+        </p:txBody>
+      </p:sp>
+    </p:spTree>
+    <p:extLst>
+      <p:ext uri="{BB962C8B-B14F-4D97-AF65-F5344CB8AC3E}">
+        <p14:creationId xmlns:p14="http://schemas.microsoft.com/office/powerpoint/2010/main" val="1090297085"/>
+      </p:ext>
+    </p:extLst>
+  </p:cSld>
+  <p:clrMapOvr>
+    <a:masterClrMapping/>
+  </p:clrMapOvr>
+  <mc:AlternateContent xmlns:mc="http://schemas.openxmlformats.org/markup-compatibility/2006" xmlns:p14="http://schemas.microsoft.com/office/powerpoint/2010/main">
+    <mc:Choice Requires="p14">
+      <p:transition spd="med" p14:dur="700">
+        <p:fade/>
+      </p:transition>
+    </mc:Choice>
+    <mc:Fallback xmlns="">
+      <p:transition spd="med">
+        <p:fade/>
+      </p:transition>
+    </mc:Fallback>
+  </mc:AlternateContent>
+</p:sld>
+</file>
+
+<file path=ppt/slides/slide54.xml><?xml version="1.0" encoding="utf-8"?>
+<p:sld xmlns:a="http://schemas.openxmlformats.org/drawingml/2006/main" xmlns:r="http://schemas.openxmlformats.org/officeDocument/2006/relationships" xmlns:p="http://schemas.openxmlformats.org/presentationml/2006/main">
+  <p:cSld>
+    <p:spTree>
+      <p:nvGrpSpPr>
+        <p:cNvPr id="1" name=""/>
+        <p:cNvGrpSpPr/>
+        <p:nvPr/>
+      </p:nvGrpSpPr>
+      <p:grpSpPr>
+        <a:xfrm>
+          <a:off x="0" y="0"/>
+          <a:ext cx="0" cy="0"/>
+          <a:chOff x="0" y="0"/>
+          <a:chExt cx="0" cy="0"/>
+        </a:xfrm>
+      </p:grpSpPr>
+      <p:sp>
+        <p:nvSpPr>
+          <p:cNvPr id="2" name="Title 1">
+            <a:extLst>
+              <a:ext uri="{FF2B5EF4-FFF2-40B4-BE49-F238E27FC236}">
+                <a16:creationId xmlns:a16="http://schemas.microsoft.com/office/drawing/2014/main" id="{00069E1A-8A6F-4DC6-8666-9EBE03803AA5}"/>
+              </a:ext>
+            </a:extLst>
+          </p:cNvPr>
+          <p:cNvSpPr>
+            <a:spLocks noGrp="1"/>
+          </p:cNvSpPr>
+          <p:nvPr>
+            <p:ph type="title"/>
+          </p:nvPr>
+        </p:nvSpPr>
+        <p:spPr/>
+        <p:txBody>
+          <a:bodyPr/>
+          <a:lstStyle/>
+          <a:p>
+            <a:endParaRPr lang="tr-TR"/>
+          </a:p>
+        </p:txBody>
+      </p:sp>
+      <p:sp>
+        <p:nvSpPr>
+          <p:cNvPr id="3" name="Content Placeholder 2">
+            <a:extLst>
+              <a:ext uri="{FF2B5EF4-FFF2-40B4-BE49-F238E27FC236}">
+                <a16:creationId xmlns:a16="http://schemas.microsoft.com/office/drawing/2014/main" id="{5DD9F222-E0CA-435D-879F-15F56CB27454}"/>
+              </a:ext>
+            </a:extLst>
+          </p:cNvPr>
+          <p:cNvSpPr>
+            <a:spLocks noGrp="1"/>
+          </p:cNvSpPr>
+          <p:nvPr>
+            <p:ph idx="1"/>
+          </p:nvPr>
+        </p:nvSpPr>
+        <p:spPr/>
+        <p:txBody>
+          <a:bodyPr/>
+          <a:lstStyle/>
+          <a:p>
+            <a:endParaRPr lang="tr-TR"/>
+          </a:p>
+        </p:txBody>
+      </p:sp>
+    </p:spTree>
+    <p:extLst>
+      <p:ext uri="{BB962C8B-B14F-4D97-AF65-F5344CB8AC3E}">
+        <p14:creationId xmlns:p14="http://schemas.microsoft.com/office/powerpoint/2010/main" val="4143215811"/>
+      </p:ext>
+    </p:extLst>
+  </p:cSld>
+  <p:clrMapOvr>
+    <a:masterClrMapping/>
+  </p:clrMapOvr>
+  <mc:AlternateContent xmlns:mc="http://schemas.openxmlformats.org/markup-compatibility/2006" xmlns:p14="http://schemas.microsoft.com/office/powerpoint/2010/main">
+    <mc:Choice Requires="p14">
+      <p:transition spd="med" p14:dur="700">
+        <p:fade/>
+      </p:transition>
+    </mc:Choice>
+    <mc:Fallback xmlns="">
+      <p:transition spd="med">
+        <p:fade/>
+      </p:transition>
+    </mc:Fallback>
+  </mc:AlternateContent>
+</p:sld>
+</file>
+
+<file path=ppt/slides/slide55.xml><?xml version="1.0" encoding="utf-8"?>
+<p:sld xmlns:a="http://schemas.openxmlformats.org/drawingml/2006/main" xmlns:r="http://schemas.openxmlformats.org/officeDocument/2006/relationships" xmlns:p="http://schemas.openxmlformats.org/presentationml/2006/main">
+  <p:cSld>
+    <p:spTree>
+      <p:nvGrpSpPr>
+        <p:cNvPr id="1" name=""/>
+        <p:cNvGrpSpPr/>
+        <p:nvPr/>
+      </p:nvGrpSpPr>
+      <p:grpSpPr>
+        <a:xfrm>
+          <a:off x="0" y="0"/>
+          <a:ext cx="0" cy="0"/>
+          <a:chOff x="0" y="0"/>
+          <a:chExt cx="0" cy="0"/>
+        </a:xfrm>
+      </p:grpSpPr>
+      <p:sp>
+        <p:nvSpPr>
+          <p:cNvPr id="2" name="Title 1"/>
+          <p:cNvSpPr>
+            <a:spLocks noGrp="1"/>
+          </p:cNvSpPr>
+          <p:nvPr>
+            <p:ph type="title"/>
+          </p:nvPr>
+        </p:nvSpPr>
+        <p:spPr/>
+        <p:txBody>
+          <a:bodyPr/>
+          <a:lstStyle/>
+          <a:p>
+            <a:r>
+              <a:rPr lang="en-US" dirty="0"/>
+              <a:t>Add a Slide Title - 4</a:t>
+            </a:r>
+          </a:p>
+        </p:txBody>
+      </p:sp>
+      <p:sp>
+        <p:nvSpPr>
+          <p:cNvPr id="5" name="Content Placeholder 4"/>
+          <p:cNvSpPr>
+            <a:spLocks noGrp="1"/>
+          </p:cNvSpPr>
+          <p:nvPr>
+            <p:ph idx="1"/>
+          </p:nvPr>
+        </p:nvSpPr>
+        <p:spPr/>
+        <p:txBody>
+          <a:bodyPr/>
+          <a:lstStyle/>
+          <a:p>
+            <a:endParaRPr lang="en-US"/>
+          </a:p>
+        </p:txBody>
+      </p:sp>
+      <p:sp>
+        <p:nvSpPr>
+          <p:cNvPr id="6" name="Text Placeholder 5"/>
+          <p:cNvSpPr>
+            <a:spLocks noGrp="1"/>
+          </p:cNvSpPr>
+          <p:nvPr>
+            <p:ph type="body" sz="half" idx="2"/>
+          </p:nvPr>
+        </p:nvSpPr>
+        <p:spPr/>
+        <p:txBody>
+          <a:bodyPr/>
+          <a:lstStyle/>
+          <a:p>
+            <a:endParaRPr lang="en-US"/>
+          </a:p>
+        </p:txBody>
+      </p:sp>
+    </p:spTree>
+    <p:extLst>
+      <p:ext uri="{BB962C8B-B14F-4D97-AF65-F5344CB8AC3E}">
+        <p14:creationId xmlns:p14="http://schemas.microsoft.com/office/powerpoint/2010/main" val="4101607575"/>
+      </p:ext>
+    </p:extLst>
+  </p:cSld>
+  <p:clrMapOvr>
+    <a:masterClrMapping/>
+  </p:clrMapOvr>
+  <mc:AlternateContent xmlns:mc="http://schemas.openxmlformats.org/markup-compatibility/2006" xmlns:p14="http://schemas.microsoft.com/office/powerpoint/2010/main">
+    <mc:Choice Requires="p14">
+      <p:transition spd="med" p14:dur="700">
+        <p:fade/>
+      </p:transition>
+    </mc:Choice>
+    <mc:Fallback xmlns="">
+      <p:transition spd="med">
+        <p:fade/>
+      </p:transition>
+    </mc:Fallback>
+  </mc:AlternateContent>
+</p:sld>
+</file>
+
+<file path=ppt/slides/slide56.xml><?xml version="1.0" encoding="utf-8"?>
+<p:sld xmlns:a="http://schemas.openxmlformats.org/drawingml/2006/main" xmlns:r="http://schemas.openxmlformats.org/officeDocument/2006/relationships" xmlns:p="http://schemas.openxmlformats.org/presentationml/2006/main">
+  <p:cSld>
+    <p:spTree>
+      <p:nvGrpSpPr>
+        <p:cNvPr id="1" name=""/>
+        <p:cNvGrpSpPr/>
+        <p:nvPr/>
+      </p:nvGrpSpPr>
+      <p:grpSpPr>
+        <a:xfrm>
+          <a:off x="0" y="0"/>
+          <a:ext cx="0" cy="0"/>
+          <a:chOff x="0" y="0"/>
+          <a:chExt cx="0" cy="0"/>
+        </a:xfrm>
+      </p:grpSpPr>
+      <p:sp>
+        <p:nvSpPr>
+          <p:cNvPr id="3" name="Title 2"/>
+          <p:cNvSpPr>
+            <a:spLocks noGrp="1"/>
+          </p:cNvSpPr>
+          <p:nvPr>
+            <p:ph type="title"/>
+          </p:nvPr>
+        </p:nvSpPr>
+        <p:spPr/>
+        <p:txBody>
+          <a:bodyPr/>
+          <a:lstStyle/>
+          <a:p>
+            <a:r>
+              <a:rPr lang="en-US" dirty="0"/>
+              <a:t>Add a Slide Title - 5</a:t>
+            </a:r>
+          </a:p>
+        </p:txBody>
+      </p:sp>
+      <p:sp>
+        <p:nvSpPr>
+          <p:cNvPr id="5" name="Picture Placeholder 4"/>
+          <p:cNvSpPr>
+            <a:spLocks noGrp="1"/>
+          </p:cNvSpPr>
+          <p:nvPr>
+            <p:ph type="pic" idx="1"/>
+          </p:nvPr>
+        </p:nvSpPr>
+        <p:spPr/>
+      </p:sp>
+      <p:sp>
+        <p:nvSpPr>
+          <p:cNvPr id="6" name="Text Placeholder 5"/>
+          <p:cNvSpPr>
+            <a:spLocks noGrp="1"/>
+          </p:cNvSpPr>
+          <p:nvPr>
+            <p:ph type="body" sz="half" idx="2"/>
+          </p:nvPr>
+        </p:nvSpPr>
+        <p:spPr/>
+        <p:txBody>
+          <a:bodyPr/>
+          <a:lstStyle/>
+          <a:p>
+            <a:endParaRPr lang="en-US"/>
+          </a:p>
+        </p:txBody>
+      </p:sp>
+    </p:spTree>
+    <p:extLst>
+      <p:ext uri="{BB962C8B-B14F-4D97-AF65-F5344CB8AC3E}">
+        <p14:creationId xmlns:p14="http://schemas.microsoft.com/office/powerpoint/2010/main" val="2794409471"/>
+      </p:ext>
+    </p:extLst>
+  </p:cSld>
+  <p:clrMapOvr>
+    <a:masterClrMapping/>
+  </p:clrMapOvr>
+  <mc:AlternateContent xmlns:mc="http://schemas.openxmlformats.org/markup-compatibility/2006" xmlns:p14="http://schemas.microsoft.com/office/powerpoint/2010/main">
+    <mc:Choice Requires="p14">
+      <p:transition spd="med" p14:dur="700">
+        <p:fade/>
+      </p:transition>
+    </mc:Choice>
+    <mc:Fallback xmlns="">
+      <p:transition spd="med">
+        <p:fade/>
+      </p:transition>
+    </mc:Fallback>
+  </mc:AlternateContent>
+</p:sld>
+</file>
+
+<file path=ppt/slides/slide57.xml><?xml version="1.0" encoding="utf-8"?>
+<p:sld xmlns:a="http://schemas.openxmlformats.org/drawingml/2006/main" xmlns:r="http://schemas.openxmlformats.org/officeDocument/2006/relationships" xmlns:p="http://schemas.openxmlformats.org/presentationml/2006/main">
+  <p:cSld>
+    <p:spTree>
+      <p:nvGrpSpPr>
+        <p:cNvPr id="1" name=""/>
+        <p:cNvGrpSpPr/>
+        <p:nvPr/>
+      </p:nvGrpSpPr>
+      <p:grpSpPr>
+        <a:xfrm>
+          <a:off x="0" y="0"/>
+          <a:ext cx="0" cy="0"/>
+          <a:chOff x="0" y="0"/>
+          <a:chExt cx="0" cy="0"/>
+        </a:xfrm>
+      </p:grpSpPr>
+      <p:sp>
+        <p:nvSpPr>
+          <p:cNvPr id="2" name="Title 1">
+            <a:extLst>
+              <a:ext uri="{FF2B5EF4-FFF2-40B4-BE49-F238E27FC236}">
+                <a16:creationId xmlns:a16="http://schemas.microsoft.com/office/drawing/2014/main" id="{700032AE-86CF-4383-933C-9021A37A6D8F}"/>
+              </a:ext>
+            </a:extLst>
+          </p:cNvPr>
+          <p:cNvSpPr>
+            <a:spLocks noGrp="1"/>
+          </p:cNvSpPr>
+          <p:nvPr>
+            <p:ph type="title"/>
+          </p:nvPr>
+        </p:nvSpPr>
+        <p:spPr/>
+        <p:txBody>
+          <a:bodyPr/>
+          <a:lstStyle/>
+          <a:p>
+            <a:endParaRPr lang="tr-TR"/>
+          </a:p>
+        </p:txBody>
+      </p:sp>
+      <p:sp>
+        <p:nvSpPr>
+          <p:cNvPr id="3" name="Content Placeholder 2">
+            <a:extLst>
+              <a:ext uri="{FF2B5EF4-FFF2-40B4-BE49-F238E27FC236}">
+                <a16:creationId xmlns:a16="http://schemas.microsoft.com/office/drawing/2014/main" id="{7881CEEF-206D-46CC-A023-F63C0FD584C5}"/>
+              </a:ext>
+            </a:extLst>
+          </p:cNvPr>
+          <p:cNvSpPr>
+            <a:spLocks noGrp="1"/>
+          </p:cNvSpPr>
+          <p:nvPr>
+            <p:ph idx="1"/>
+          </p:nvPr>
+        </p:nvSpPr>
+        <p:spPr/>
+        <p:txBody>
+          <a:bodyPr/>
+          <a:lstStyle/>
+          <a:p>
+            <a:endParaRPr lang="tr-TR"/>
+          </a:p>
+        </p:txBody>
+      </p:sp>
+    </p:spTree>
+    <p:extLst>
+      <p:ext uri="{BB962C8B-B14F-4D97-AF65-F5344CB8AC3E}">
+        <p14:creationId xmlns:p14="http://schemas.microsoft.com/office/powerpoint/2010/main" val="4093661547"/>
       </p:ext>
     </p:extLst>
   </p:cSld>

--- a/2018-01-06-Multi-Tenancy/Multi-Tenancy.pptx
+++ b/2018-01-06-Multi-Tenancy/Multi-Tenancy.pptx
@@ -5,10 +5,10 @@
     <p:sldMasterId id="2147483648" r:id="rId1"/>
   </p:sldMasterIdLst>
   <p:notesMasterIdLst>
-    <p:notesMasterId r:id="rId59"/>
+    <p:notesMasterId r:id="rId66"/>
   </p:notesMasterIdLst>
   <p:handoutMasterIdLst>
-    <p:handoutMasterId r:id="rId60"/>
+    <p:handoutMasterId r:id="rId67"/>
   </p:handoutMasterIdLst>
   <p:sldIdLst>
     <p:sldId id="261" r:id="rId2"/>
@@ -61,13 +61,20 @@
     <p:sldId id="311" r:id="rId49"/>
     <p:sldId id="316" r:id="rId50"/>
     <p:sldId id="321" r:id="rId51"/>
-    <p:sldId id="317" r:id="rId52"/>
-    <p:sldId id="318" r:id="rId53"/>
-    <p:sldId id="319" r:id="rId54"/>
-    <p:sldId id="320" r:id="rId55"/>
-    <p:sldId id="269" r:id="rId56"/>
-    <p:sldId id="270" r:id="rId57"/>
-    <p:sldId id="276" r:id="rId58"/>
+    <p:sldId id="322" r:id="rId52"/>
+    <p:sldId id="317" r:id="rId53"/>
+    <p:sldId id="318" r:id="rId54"/>
+    <p:sldId id="324" r:id="rId55"/>
+    <p:sldId id="323" r:id="rId56"/>
+    <p:sldId id="325" r:id="rId57"/>
+    <p:sldId id="319" r:id="rId58"/>
+    <p:sldId id="326" r:id="rId59"/>
+    <p:sldId id="327" r:id="rId60"/>
+    <p:sldId id="330" r:id="rId61"/>
+    <p:sldId id="320" r:id="rId62"/>
+    <p:sldId id="328" r:id="rId63"/>
+    <p:sldId id="329" r:id="rId64"/>
+    <p:sldId id="331" r:id="rId65"/>
   </p:sldIdLst>
   <p:sldSz cx="12192000" cy="6858000"/>
   <p:notesSz cx="6858000" cy="9144000"/>
@@ -21188,13 +21195,8 @@
             <a:pPr lvl="1"/>
             <a:r>
               <a:rPr lang="en-US" dirty="0"/>
-              <a:t>Allows us to perform A/B </a:t>
-            </a:r>
-            <a:r>
-              <a:rPr lang="en-US"/>
-              <a:t>tests and previews.</a:t>
-            </a:r>
-            <a:endParaRPr lang="en-US" dirty="0"/>
+              <a:t>Allows us to perform A/B tests and previews.</a:t>
+            </a:r>
           </a:p>
           <a:p>
             <a:r>
@@ -21265,7 +21267,7 @@
           <p:cNvPr id="2" name="Title 1">
             <a:extLst>
               <a:ext uri="{FF2B5EF4-FFF2-40B4-BE49-F238E27FC236}">
-                <a16:creationId xmlns:a16="http://schemas.microsoft.com/office/drawing/2014/main" id="{4E9C2151-A3B6-4AD6-9F94-89C0A8F64BDE}"/>
+                <a16:creationId xmlns:a16="http://schemas.microsoft.com/office/drawing/2014/main" id="{9B3EBDE1-C46A-42BA-8FE9-CC5F8E3819EB}"/>
               </a:ext>
             </a:extLst>
           </p:cNvPr>
@@ -21281,16 +21283,20 @@
           <a:bodyPr/>
           <a:lstStyle/>
           <a:p>
-            <a:endParaRPr lang="tr-TR"/>
+            <a:r>
+              <a:rPr lang="en-US" dirty="0"/>
+              <a:t>Multi-Tenancy</a:t>
+            </a:r>
+            <a:endParaRPr lang="tr-TR" dirty="0"/>
           </a:p>
         </p:txBody>
       </p:sp>
       <p:sp>
         <p:nvSpPr>
-          <p:cNvPr id="3" name="Content Placeholder 2">
+          <p:cNvPr id="3" name="Text Placeholder 2">
             <a:extLst>
               <a:ext uri="{FF2B5EF4-FFF2-40B4-BE49-F238E27FC236}">
-                <a16:creationId xmlns:a16="http://schemas.microsoft.com/office/drawing/2014/main" id="{3D6586B6-B8F8-4271-81EB-C5B02463E9BB}"/>
+                <a16:creationId xmlns:a16="http://schemas.microsoft.com/office/drawing/2014/main" id="{545AF91A-86DC-4C2D-9A10-11DF673655AB}"/>
               </a:ext>
             </a:extLst>
           </p:cNvPr>
@@ -21298,7 +21304,7 @@
             <a:spLocks noGrp="1"/>
           </p:cNvSpPr>
           <p:nvPr>
-            <p:ph idx="1"/>
+            <p:ph type="body" idx="1"/>
           </p:nvPr>
         </p:nvSpPr>
         <p:spPr/>
@@ -21306,14 +21312,18 @@
           <a:bodyPr/>
           <a:lstStyle/>
           <a:p>
-            <a:endParaRPr lang="tr-TR"/>
+            <a:r>
+              <a:rPr lang="en-US" dirty="0"/>
+              <a:t>Best Practices, Optimizations &amp; Integrations</a:t>
+            </a:r>
+            <a:endParaRPr lang="tr-TR" dirty="0"/>
           </a:p>
         </p:txBody>
       </p:sp>
     </p:spTree>
     <p:extLst>
       <p:ext uri="{BB962C8B-B14F-4D97-AF65-F5344CB8AC3E}">
-        <p14:creationId xmlns:p14="http://schemas.microsoft.com/office/powerpoint/2010/main" val="3044351053"/>
+        <p14:creationId xmlns:p14="http://schemas.microsoft.com/office/powerpoint/2010/main" val="3294051223"/>
       </p:ext>
     </p:extLst>
   </p:cSld>
@@ -21357,7 +21367,7 @@
           <p:cNvPr id="2" name="Title 1">
             <a:extLst>
               <a:ext uri="{FF2B5EF4-FFF2-40B4-BE49-F238E27FC236}">
-                <a16:creationId xmlns:a16="http://schemas.microsoft.com/office/drawing/2014/main" id="{D0DBDFAB-3342-47E5-82CB-EB630FBC534C}"/>
+                <a16:creationId xmlns:a16="http://schemas.microsoft.com/office/drawing/2014/main" id="{4E9C2151-A3B6-4AD6-9F94-89C0A8F64BDE}"/>
               </a:ext>
             </a:extLst>
           </p:cNvPr>
@@ -21373,7 +21383,11 @@
           <a:bodyPr/>
           <a:lstStyle/>
           <a:p>
-            <a:endParaRPr lang="tr-TR"/>
+            <a:r>
+              <a:rPr lang="en-US" dirty="0"/>
+              <a:t>Separate Host &amp; Tenant Application</a:t>
+            </a:r>
+            <a:endParaRPr lang="tr-TR" dirty="0"/>
           </a:p>
         </p:txBody>
       </p:sp>
@@ -21382,7 +21396,7 @@
           <p:cNvPr id="3" name="Content Placeholder 2">
             <a:extLst>
               <a:ext uri="{FF2B5EF4-FFF2-40B4-BE49-F238E27FC236}">
-                <a16:creationId xmlns:a16="http://schemas.microsoft.com/office/drawing/2014/main" id="{EA54679D-D346-48FE-A3E1-9928DDBD9F50}"/>
+                <a16:creationId xmlns:a16="http://schemas.microsoft.com/office/drawing/2014/main" id="{3D6586B6-B8F8-4271-81EB-C5B02463E9BB}"/>
               </a:ext>
             </a:extLst>
           </p:cNvPr>
@@ -21398,14 +21412,65 @@
           <a:bodyPr/>
           <a:lstStyle/>
           <a:p>
-            <a:endParaRPr lang="tr-TR"/>
+            <a:r>
+              <a:rPr lang="en-US" dirty="0"/>
+              <a:t>Create two applications, deploy individually:</a:t>
+            </a:r>
+          </a:p>
+          <a:p>
+            <a:pPr lvl="1"/>
+            <a:r>
+              <a:rPr lang="en-US" dirty="0"/>
+              <a:t>Tenant application: The actual business application.</a:t>
+            </a:r>
+          </a:p>
+          <a:p>
+            <a:pPr lvl="2"/>
+            <a:r>
+              <a:rPr lang="en-US" dirty="0"/>
+              <a:t>Can be deployed as on-premise too.</a:t>
+            </a:r>
+          </a:p>
+          <a:p>
+            <a:pPr lvl="1"/>
+            <a:r>
+              <a:rPr lang="en-US" dirty="0"/>
+              <a:t>Host application: The application used by the host users to manage tenants.</a:t>
+            </a:r>
+          </a:p>
+          <a:p>
+            <a:pPr lvl="2"/>
+            <a:r>
+              <a:rPr lang="en-US" dirty="0"/>
+              <a:t>Do not include in an on-premise deployment.</a:t>
+            </a:r>
+          </a:p>
+          <a:p>
+            <a:pPr lvl="2"/>
+            <a:r>
+              <a:rPr lang="en-US" dirty="0"/>
+              <a:t>Separate data schema &amp; database from the tenant application.</a:t>
+            </a:r>
+          </a:p>
+          <a:p>
+            <a:pPr lvl="3"/>
+            <a:r>
+              <a:rPr lang="en-US" dirty="0"/>
+              <a:t>Store tenancy-related data: Tenants, Subscriptions, Payments, Editions… etc.</a:t>
+            </a:r>
+          </a:p>
+          <a:p>
+            <a:r>
+              <a:rPr lang="en-US" dirty="0"/>
+              <a:t>Reduces tenant context switch by design.</a:t>
+            </a:r>
           </a:p>
         </p:txBody>
       </p:sp>
     </p:spTree>
     <p:extLst>
       <p:ext uri="{BB962C8B-B14F-4D97-AF65-F5344CB8AC3E}">
-        <p14:creationId xmlns:p14="http://schemas.microsoft.com/office/powerpoint/2010/main" val="1810465420"/>
+        <p14:creationId xmlns:p14="http://schemas.microsoft.com/office/powerpoint/2010/main" val="3044351053"/>
       </p:ext>
     </p:extLst>
   </p:cSld>
@@ -21449,7 +21514,7 @@
           <p:cNvPr id="2" name="Title 1">
             <a:extLst>
               <a:ext uri="{FF2B5EF4-FFF2-40B4-BE49-F238E27FC236}">
-                <a16:creationId xmlns:a16="http://schemas.microsoft.com/office/drawing/2014/main" id="{5264EEA8-D91E-4C3C-89FF-8A4B2A76AC50}"/>
+                <a16:creationId xmlns:a16="http://schemas.microsoft.com/office/drawing/2014/main" id="{D0DBDFAB-3342-47E5-82CB-EB630FBC534C}"/>
               </a:ext>
             </a:extLst>
           </p:cNvPr>
@@ -21462,42 +21527,53 @@
         </p:nvSpPr>
         <p:spPr/>
         <p:txBody>
-          <a:bodyPr/>
+          <a:bodyPr anchor="t"/>
           <a:lstStyle/>
           <a:p>
-            <a:endParaRPr lang="tr-TR"/>
+            <a:r>
+              <a:rPr lang="en-US" dirty="0"/>
+              <a:t>ASP.NET Core Identity Integration</a:t>
+            </a:r>
+            <a:endParaRPr lang="tr-TR" dirty="0"/>
           </a:p>
         </p:txBody>
       </p:sp>
-      <p:sp>
-        <p:nvSpPr>
-          <p:cNvPr id="3" name="Content Placeholder 2">
+      <p:pic>
+        <p:nvPicPr>
+          <p:cNvPr id="4" name="Content Placeholder 3">
             <a:extLst>
               <a:ext uri="{FF2B5EF4-FFF2-40B4-BE49-F238E27FC236}">
-                <a16:creationId xmlns:a16="http://schemas.microsoft.com/office/drawing/2014/main" id="{9BEB9AF3-97F3-468E-B171-C89FEF7D4116}"/>
+                <a16:creationId xmlns:a16="http://schemas.microsoft.com/office/drawing/2014/main" id="{F90D1E4D-089F-42B1-804B-E8FE74D732F0}"/>
               </a:ext>
             </a:extLst>
           </p:cNvPr>
-          <p:cNvSpPr>
-            <a:spLocks noGrp="1"/>
-          </p:cNvSpPr>
+          <p:cNvPicPr>
+            <a:picLocks noGrp="1" noChangeAspect="1"/>
+          </p:cNvPicPr>
           <p:nvPr>
             <p:ph idx="1"/>
           </p:nvPr>
-        </p:nvSpPr>
-        <p:spPr/>
-        <p:txBody>
-          <a:bodyPr/>
-          <a:lstStyle/>
-          <a:p>
-            <a:endParaRPr lang="tr-TR"/>
-          </a:p>
-        </p:txBody>
-      </p:sp>
+        </p:nvPicPr>
+        <p:blipFill>
+          <a:blip r:embed="rId2"/>
+          <a:stretch>
+            <a:fillRect/>
+          </a:stretch>
+        </p:blipFill>
+        <p:spPr>
+          <a:xfrm>
+            <a:off x="2172958" y="1328688"/>
+            <a:ext cx="7846083" cy="4667154"/>
+          </a:xfrm>
+          <a:prstGeom prst="rect">
+            <a:avLst/>
+          </a:prstGeom>
+        </p:spPr>
+      </p:pic>
     </p:spTree>
     <p:extLst>
       <p:ext uri="{BB962C8B-B14F-4D97-AF65-F5344CB8AC3E}">
-        <p14:creationId xmlns:p14="http://schemas.microsoft.com/office/powerpoint/2010/main" val="1090297085"/>
+        <p14:creationId xmlns:p14="http://schemas.microsoft.com/office/powerpoint/2010/main" val="1810465420"/>
       </p:ext>
     </p:extLst>
   </p:cSld>
@@ -21541,7 +21617,7 @@
           <p:cNvPr id="2" name="Title 1">
             <a:extLst>
               <a:ext uri="{FF2B5EF4-FFF2-40B4-BE49-F238E27FC236}">
-                <a16:creationId xmlns:a16="http://schemas.microsoft.com/office/drawing/2014/main" id="{00069E1A-8A6F-4DC6-8666-9EBE03803AA5}"/>
+                <a16:creationId xmlns:a16="http://schemas.microsoft.com/office/drawing/2014/main" id="{5DB1A372-B9F1-4D0F-B023-F1E13AF2F203}"/>
               </a:ext>
             </a:extLst>
           </p:cNvPr>
@@ -21554,42 +21630,53 @@
         </p:nvSpPr>
         <p:spPr/>
         <p:txBody>
-          <a:bodyPr/>
+          <a:bodyPr anchor="t"/>
           <a:lstStyle/>
           <a:p>
-            <a:endParaRPr lang="tr-TR"/>
+            <a:r>
+              <a:rPr lang="en-US" dirty="0"/>
+              <a:t>IdentityServer4 Integration</a:t>
+            </a:r>
+            <a:endParaRPr lang="tr-TR" dirty="0"/>
           </a:p>
         </p:txBody>
       </p:sp>
-      <p:sp>
-        <p:nvSpPr>
-          <p:cNvPr id="3" name="Content Placeholder 2">
+      <p:pic>
+        <p:nvPicPr>
+          <p:cNvPr id="4" name="Content Placeholder 3">
             <a:extLst>
               <a:ext uri="{FF2B5EF4-FFF2-40B4-BE49-F238E27FC236}">
-                <a16:creationId xmlns:a16="http://schemas.microsoft.com/office/drawing/2014/main" id="{5DD9F222-E0CA-435D-879F-15F56CB27454}"/>
+                <a16:creationId xmlns:a16="http://schemas.microsoft.com/office/drawing/2014/main" id="{6271DAE4-C83E-4285-A0E3-C189557BA3C1}"/>
               </a:ext>
             </a:extLst>
           </p:cNvPr>
-          <p:cNvSpPr>
-            <a:spLocks noGrp="1"/>
-          </p:cNvSpPr>
+          <p:cNvPicPr>
+            <a:picLocks noGrp="1" noChangeAspect="1"/>
+          </p:cNvPicPr>
           <p:nvPr>
             <p:ph idx="1"/>
           </p:nvPr>
-        </p:nvSpPr>
-        <p:spPr/>
-        <p:txBody>
-          <a:bodyPr/>
-          <a:lstStyle/>
-          <a:p>
-            <a:endParaRPr lang="tr-TR"/>
-          </a:p>
-        </p:txBody>
-      </p:sp>
+        </p:nvPicPr>
+        <p:blipFill>
+          <a:blip r:embed="rId2"/>
+          <a:stretch>
+            <a:fillRect/>
+          </a:stretch>
+        </p:blipFill>
+        <p:spPr>
+          <a:xfrm>
+            <a:off x="1338418" y="1374711"/>
+            <a:ext cx="9515163" cy="4512906"/>
+          </a:xfrm>
+          <a:prstGeom prst="rect">
+            <a:avLst/>
+          </a:prstGeom>
+        </p:spPr>
+      </p:pic>
     </p:spTree>
     <p:extLst>
       <p:ext uri="{BB962C8B-B14F-4D97-AF65-F5344CB8AC3E}">
-        <p14:creationId xmlns:p14="http://schemas.microsoft.com/office/powerpoint/2010/main" val="4143215811"/>
+        <p14:creationId xmlns:p14="http://schemas.microsoft.com/office/powerpoint/2010/main" val="3315002299"/>
       </p:ext>
     </p:extLst>
   </p:cSld>
@@ -21630,7 +21717,13 @@
       </p:grpSpPr>
       <p:sp>
         <p:nvSpPr>
-          <p:cNvPr id="2" name="Title 1"/>
+          <p:cNvPr id="2" name="Title 1">
+            <a:extLst>
+              <a:ext uri="{FF2B5EF4-FFF2-40B4-BE49-F238E27FC236}">
+                <a16:creationId xmlns:a16="http://schemas.microsoft.com/office/drawing/2014/main" id="{3BCCB477-A5C6-46DF-AC77-3F98D68769FA}"/>
+              </a:ext>
+            </a:extLst>
+          </p:cNvPr>
           <p:cNvSpPr>
             <a:spLocks noGrp="1"/>
           </p:cNvSpPr>
@@ -21645,14 +21738,25 @@
           <a:p>
             <a:r>
               <a:rPr lang="en-US" dirty="0"/>
-              <a:t>Add a Slide Title - 4</a:t>
-            </a:r>
+              <a:t>Partition Tables / Indexes by </a:t>
+            </a:r>
+            <a:r>
+              <a:rPr lang="en-US" dirty="0" err="1"/>
+              <a:t>TenantId</a:t>
+            </a:r>
+            <a:endParaRPr lang="tr-TR" dirty="0"/>
           </a:p>
         </p:txBody>
       </p:sp>
       <p:sp>
         <p:nvSpPr>
-          <p:cNvPr id="5" name="Content Placeholder 4"/>
+          <p:cNvPr id="3" name="Content Placeholder 2">
+            <a:extLst>
+              <a:ext uri="{FF2B5EF4-FFF2-40B4-BE49-F238E27FC236}">
+                <a16:creationId xmlns:a16="http://schemas.microsoft.com/office/drawing/2014/main" id="{5E0850DB-6EA5-4196-8F7E-D7E89209C313}"/>
+              </a:ext>
+            </a:extLst>
+          </p:cNvPr>
           <p:cNvSpPr>
             <a:spLocks noGrp="1"/>
           </p:cNvSpPr>
@@ -21665,33 +21769,40 @@
           <a:bodyPr/>
           <a:lstStyle/>
           <a:p>
-            <a:endParaRPr lang="en-US"/>
-          </a:p>
-        </p:txBody>
-      </p:sp>
-      <p:sp>
-        <p:nvSpPr>
-          <p:cNvPr id="6" name="Text Placeholder 5"/>
-          <p:cNvSpPr>
-            <a:spLocks noGrp="1"/>
-          </p:cNvSpPr>
-          <p:nvPr>
-            <p:ph type="body" sz="half" idx="2"/>
-          </p:nvPr>
-        </p:nvSpPr>
-        <p:spPr/>
-        <p:txBody>
-          <a:bodyPr/>
-          <a:lstStyle/>
-          <a:p>
-            <a:endParaRPr lang="en-US"/>
+            <a:r>
+              <a:rPr lang="en-US" dirty="0"/>
+              <a:t>Create partitions for all (or big) tables by </a:t>
+            </a:r>
+            <a:r>
+              <a:rPr lang="en-US" dirty="0" err="1"/>
+              <a:t>TenantId</a:t>
+            </a:r>
+            <a:r>
+              <a:rPr lang="en-US" dirty="0"/>
+              <a:t>.</a:t>
+            </a:r>
+          </a:p>
+          <a:p>
+            <a:r>
+              <a:rPr lang="en-US" dirty="0"/>
+              <a:t>Or Create </a:t>
+            </a:r>
+            <a:r>
+              <a:rPr lang="en-US" dirty="0" err="1"/>
+              <a:t>TenantId</a:t>
+            </a:r>
+            <a:r>
+              <a:rPr lang="en-US" dirty="0"/>
+              <a:t> indexes.</a:t>
+            </a:r>
+            <a:endParaRPr lang="tr-TR" dirty="0"/>
           </a:p>
         </p:txBody>
       </p:sp>
     </p:spTree>
     <p:extLst>
       <p:ext uri="{BB962C8B-B14F-4D97-AF65-F5344CB8AC3E}">
-        <p14:creationId xmlns:p14="http://schemas.microsoft.com/office/powerpoint/2010/main" val="4101607575"/>
+        <p14:creationId xmlns:p14="http://schemas.microsoft.com/office/powerpoint/2010/main" val="3889694038"/>
       </p:ext>
     </p:extLst>
   </p:cSld>
@@ -21732,7 +21843,13 @@
       </p:grpSpPr>
       <p:sp>
         <p:nvSpPr>
-          <p:cNvPr id="3" name="Title 2"/>
+          <p:cNvPr id="2" name="Title 1">
+            <a:extLst>
+              <a:ext uri="{FF2B5EF4-FFF2-40B4-BE49-F238E27FC236}">
+                <a16:creationId xmlns:a16="http://schemas.microsoft.com/office/drawing/2014/main" id="{02A077FB-0CE7-40D6-9191-DBD704459D87}"/>
+              </a:ext>
+            </a:extLst>
+          </p:cNvPr>
           <p:cNvSpPr>
             <a:spLocks noGrp="1"/>
           </p:cNvSpPr>
@@ -21747,31 +21864,26 @@
           <a:p>
             <a:r>
               <a:rPr lang="en-US" dirty="0"/>
-              <a:t>Add a Slide Title - 5</a:t>
-            </a:r>
+              <a:t>Multi-Tenancy</a:t>
+            </a:r>
+            <a:endParaRPr lang="tr-TR" dirty="0"/>
           </a:p>
         </p:txBody>
       </p:sp>
       <p:sp>
         <p:nvSpPr>
-          <p:cNvPr id="5" name="Picture Placeholder 4"/>
+          <p:cNvPr id="3" name="Text Placeholder 2">
+            <a:extLst>
+              <a:ext uri="{FF2B5EF4-FFF2-40B4-BE49-F238E27FC236}">
+                <a16:creationId xmlns:a16="http://schemas.microsoft.com/office/drawing/2014/main" id="{99CA0C65-1142-45DA-A18C-FEE7A8EE9F63}"/>
+              </a:ext>
+            </a:extLst>
+          </p:cNvPr>
           <p:cNvSpPr>
             <a:spLocks noGrp="1"/>
           </p:cNvSpPr>
           <p:nvPr>
-            <p:ph type="pic" idx="1"/>
-          </p:nvPr>
-        </p:nvSpPr>
-        <p:spPr/>
-      </p:sp>
-      <p:sp>
-        <p:nvSpPr>
-          <p:cNvPr id="6" name="Text Placeholder 5"/>
-          <p:cNvSpPr>
-            <a:spLocks noGrp="1"/>
-          </p:cNvSpPr>
-          <p:nvPr>
-            <p:ph type="body" sz="half" idx="2"/>
+            <p:ph type="body" idx="1"/>
           </p:nvPr>
         </p:nvSpPr>
         <p:spPr/>
@@ -21779,14 +21891,18 @@
           <a:bodyPr/>
           <a:lstStyle/>
           <a:p>
-            <a:endParaRPr lang="en-US"/>
+            <a:r>
+              <a:rPr lang="en-US" dirty="0"/>
+              <a:t>SaaS Features</a:t>
+            </a:r>
+            <a:endParaRPr lang="tr-TR" dirty="0"/>
           </a:p>
         </p:txBody>
       </p:sp>
     </p:spTree>
     <p:extLst>
       <p:ext uri="{BB962C8B-B14F-4D97-AF65-F5344CB8AC3E}">
-        <p14:creationId xmlns:p14="http://schemas.microsoft.com/office/powerpoint/2010/main" val="2794409471"/>
+        <p14:creationId xmlns:p14="http://schemas.microsoft.com/office/powerpoint/2010/main" val="2106742891"/>
       </p:ext>
     </p:extLst>
   </p:cSld>
@@ -21830,7 +21946,7 @@
           <p:cNvPr id="2" name="Title 1">
             <a:extLst>
               <a:ext uri="{FF2B5EF4-FFF2-40B4-BE49-F238E27FC236}">
-                <a16:creationId xmlns:a16="http://schemas.microsoft.com/office/drawing/2014/main" id="{700032AE-86CF-4383-933C-9021A37A6D8F}"/>
+                <a16:creationId xmlns:a16="http://schemas.microsoft.com/office/drawing/2014/main" id="{5264EEA8-D91E-4C3C-89FF-8A4B2A76AC50}"/>
               </a:ext>
             </a:extLst>
           </p:cNvPr>
@@ -21846,7 +21962,11 @@
           <a:bodyPr/>
           <a:lstStyle/>
           <a:p>
-            <a:endParaRPr lang="tr-TR"/>
+            <a:r>
+              <a:rPr lang="en-US" dirty="0"/>
+              <a:t>Feature / Package / Subscription System</a:t>
+            </a:r>
+            <a:endParaRPr lang="tr-TR" dirty="0"/>
           </a:p>
         </p:txBody>
       </p:sp>
@@ -21855,7 +21975,7 @@
           <p:cNvPr id="3" name="Content Placeholder 2">
             <a:extLst>
               <a:ext uri="{FF2B5EF4-FFF2-40B4-BE49-F238E27FC236}">
-                <a16:creationId xmlns:a16="http://schemas.microsoft.com/office/drawing/2014/main" id="{7881CEEF-206D-46CC-A023-F63C0FD584C5}"/>
+                <a16:creationId xmlns:a16="http://schemas.microsoft.com/office/drawing/2014/main" id="{9BEB9AF3-97F3-468E-B171-C89FEF7D4116}"/>
               </a:ext>
             </a:extLst>
           </p:cNvPr>
@@ -21868,17 +21988,400 @@
         </p:nvSpPr>
         <p:spPr/>
         <p:txBody>
-          <a:bodyPr/>
+          <a:bodyPr>
+            <a:normAutofit/>
+          </a:bodyPr>
           <a:lstStyle/>
           <a:p>
-            <a:endParaRPr lang="tr-TR"/>
+            <a:r>
+              <a:rPr lang="en-US" b="1" dirty="0"/>
+              <a:t>Define features</a:t>
+            </a:r>
+            <a:r>
+              <a:rPr lang="en-US" dirty="0"/>
+              <a:t> of the application. Feature Types:</a:t>
+            </a:r>
+          </a:p>
+          <a:p>
+            <a:pPr lvl="1"/>
+            <a:r>
+              <a:rPr lang="en-US" b="1" dirty="0"/>
+              <a:t>On/Off</a:t>
+            </a:r>
+            <a:r>
+              <a:rPr lang="en-US" dirty="0"/>
+              <a:t>: Excel export, Replying by email (for a support app)…</a:t>
+            </a:r>
+          </a:p>
+          <a:p>
+            <a:pPr lvl="1"/>
+            <a:r>
+              <a:rPr lang="en-US" b="1" dirty="0"/>
+              <a:t>Numeric</a:t>
+            </a:r>
+            <a:r>
+              <a:rPr lang="en-US" dirty="0"/>
+              <a:t>:10 users, 20,000 emails/month…</a:t>
+            </a:r>
+          </a:p>
+          <a:p>
+            <a:pPr lvl="1"/>
+            <a:r>
+              <a:rPr lang="en-US" b="1" dirty="0"/>
+              <a:t>Selection</a:t>
+            </a:r>
+            <a:r>
+              <a:rPr lang="en-US" dirty="0"/>
+              <a:t>: one of the available options.</a:t>
+            </a:r>
+          </a:p>
+          <a:p>
+            <a:r>
+              <a:rPr lang="en-US" dirty="0"/>
+              <a:t>Group features into </a:t>
+            </a:r>
+            <a:r>
+              <a:rPr lang="en-US" b="1" dirty="0"/>
+              <a:t>packages/editions</a:t>
+            </a:r>
+            <a:r>
+              <a:rPr lang="en-US" dirty="0"/>
+              <a:t>.</a:t>
+            </a:r>
+          </a:p>
+          <a:p>
+            <a:r>
+              <a:rPr lang="en-US" b="1" dirty="0"/>
+              <a:t>Subscribe</a:t>
+            </a:r>
+            <a:r>
+              <a:rPr lang="en-US" dirty="0"/>
+              <a:t> packages by tenants.</a:t>
+            </a:r>
+          </a:p>
+          <a:p>
+            <a:r>
+              <a:rPr lang="en-US" b="1" dirty="0"/>
+              <a:t>Check features</a:t>
+            </a:r>
+            <a:r>
+              <a:rPr lang="en-US" dirty="0"/>
+              <a:t>: Declarative or by code</a:t>
+            </a:r>
+            <a:endParaRPr lang="tr-TR" dirty="0"/>
           </a:p>
         </p:txBody>
       </p:sp>
     </p:spTree>
     <p:extLst>
       <p:ext uri="{BB962C8B-B14F-4D97-AF65-F5344CB8AC3E}">
-        <p14:creationId xmlns:p14="http://schemas.microsoft.com/office/powerpoint/2010/main" val="4093661547"/>
+        <p14:creationId xmlns:p14="http://schemas.microsoft.com/office/powerpoint/2010/main" val="1090297085"/>
+      </p:ext>
+    </p:extLst>
+  </p:cSld>
+  <p:clrMapOvr>
+    <a:masterClrMapping/>
+  </p:clrMapOvr>
+  <mc:AlternateContent xmlns:mc="http://schemas.openxmlformats.org/markup-compatibility/2006" xmlns:p14="http://schemas.microsoft.com/office/powerpoint/2010/main">
+    <mc:Choice Requires="p14">
+      <p:transition spd="med" p14:dur="700">
+        <p:fade/>
+      </p:transition>
+    </mc:Choice>
+    <mc:Fallback xmlns="">
+      <p:transition spd="med">
+        <p:fade/>
+      </p:transition>
+    </mc:Fallback>
+  </mc:AlternateContent>
+</p:sld>
+</file>
+
+<file path=ppt/slides/slide58.xml><?xml version="1.0" encoding="utf-8"?>
+<p:sld xmlns:a="http://schemas.openxmlformats.org/drawingml/2006/main" xmlns:r="http://schemas.openxmlformats.org/officeDocument/2006/relationships" xmlns:p="http://schemas.openxmlformats.org/presentationml/2006/main">
+  <p:cSld>
+    <p:spTree>
+      <p:nvGrpSpPr>
+        <p:cNvPr id="1" name=""/>
+        <p:cNvGrpSpPr/>
+        <p:nvPr/>
+      </p:nvGrpSpPr>
+      <p:grpSpPr>
+        <a:xfrm>
+          <a:off x="0" y="0"/>
+          <a:ext cx="0" cy="0"/>
+          <a:chOff x="0" y="0"/>
+          <a:chExt cx="0" cy="0"/>
+        </a:xfrm>
+      </p:grpSpPr>
+      <p:sp>
+        <p:nvSpPr>
+          <p:cNvPr id="2" name="Title 1">
+            <a:extLst>
+              <a:ext uri="{FF2B5EF4-FFF2-40B4-BE49-F238E27FC236}">
+                <a16:creationId xmlns:a16="http://schemas.microsoft.com/office/drawing/2014/main" id="{73CA1239-A77C-4989-8811-C87C952483F7}"/>
+              </a:ext>
+            </a:extLst>
+          </p:cNvPr>
+          <p:cNvSpPr>
+            <a:spLocks noGrp="1"/>
+          </p:cNvSpPr>
+          <p:nvPr>
+            <p:ph type="title"/>
+          </p:nvPr>
+        </p:nvSpPr>
+        <p:spPr/>
+        <p:txBody>
+          <a:bodyPr/>
+          <a:lstStyle/>
+          <a:p>
+            <a:r>
+              <a:rPr lang="en-US" dirty="0"/>
+              <a:t>Feature Checking</a:t>
+            </a:r>
+            <a:endParaRPr lang="tr-TR" dirty="0"/>
+          </a:p>
+        </p:txBody>
+      </p:sp>
+      <p:pic>
+        <p:nvPicPr>
+          <p:cNvPr id="4" name="Content Placeholder 3">
+            <a:extLst>
+              <a:ext uri="{FF2B5EF4-FFF2-40B4-BE49-F238E27FC236}">
+                <a16:creationId xmlns:a16="http://schemas.microsoft.com/office/drawing/2014/main" id="{7CE884B2-86EE-41E5-ABE3-2DCC5C024E54}"/>
+              </a:ext>
+            </a:extLst>
+          </p:cNvPr>
+          <p:cNvPicPr>
+            <a:picLocks noGrp="1" noChangeAspect="1"/>
+          </p:cNvPicPr>
+          <p:nvPr>
+            <p:ph idx="1"/>
+          </p:nvPr>
+        </p:nvPicPr>
+        <p:blipFill>
+          <a:blip r:embed="rId2"/>
+          <a:stretch>
+            <a:fillRect/>
+          </a:stretch>
+        </p:blipFill>
+        <p:spPr>
+          <a:xfrm>
+            <a:off x="1202093" y="1745116"/>
+            <a:ext cx="6387095" cy="1473945"/>
+          </a:xfrm>
+          <a:prstGeom prst="rect">
+            <a:avLst/>
+          </a:prstGeom>
+        </p:spPr>
+      </p:pic>
+      <p:pic>
+        <p:nvPicPr>
+          <p:cNvPr id="5" name="Picture 4">
+            <a:extLst>
+              <a:ext uri="{FF2B5EF4-FFF2-40B4-BE49-F238E27FC236}">
+                <a16:creationId xmlns:a16="http://schemas.microsoft.com/office/drawing/2014/main" id="{7B4A75FE-35BA-4683-B137-9E104A9617BF}"/>
+              </a:ext>
+            </a:extLst>
+          </p:cNvPr>
+          <p:cNvPicPr>
+            <a:picLocks noChangeAspect="1"/>
+          </p:cNvPicPr>
+          <p:nvPr/>
+        </p:nvPicPr>
+        <p:blipFill>
+          <a:blip r:embed="rId3"/>
+          <a:stretch>
+            <a:fillRect/>
+          </a:stretch>
+        </p:blipFill>
+        <p:spPr>
+          <a:xfrm>
+            <a:off x="1295399" y="3805723"/>
+            <a:ext cx="9552897" cy="2016579"/>
+          </a:xfrm>
+          <a:prstGeom prst="rect">
+            <a:avLst/>
+          </a:prstGeom>
+        </p:spPr>
+      </p:pic>
+    </p:spTree>
+    <p:extLst>
+      <p:ext uri="{BB962C8B-B14F-4D97-AF65-F5344CB8AC3E}">
+        <p14:creationId xmlns:p14="http://schemas.microsoft.com/office/powerpoint/2010/main" val="805898745"/>
+      </p:ext>
+    </p:extLst>
+  </p:cSld>
+  <p:clrMapOvr>
+    <a:masterClrMapping/>
+  </p:clrMapOvr>
+  <mc:AlternateContent xmlns:mc="http://schemas.openxmlformats.org/markup-compatibility/2006" xmlns:p14="http://schemas.microsoft.com/office/powerpoint/2010/main">
+    <mc:Choice Requires="p14">
+      <p:transition spd="med" p14:dur="700">
+        <p:fade/>
+      </p:transition>
+    </mc:Choice>
+    <mc:Fallback xmlns="">
+      <p:transition spd="med">
+        <p:fade/>
+      </p:transition>
+    </mc:Fallback>
+  </mc:AlternateContent>
+</p:sld>
+</file>
+
+<file path=ppt/slides/slide59.xml><?xml version="1.0" encoding="utf-8"?>
+<p:sld xmlns:a="http://schemas.openxmlformats.org/drawingml/2006/main" xmlns:r="http://schemas.openxmlformats.org/officeDocument/2006/relationships" xmlns:p="http://schemas.openxmlformats.org/presentationml/2006/main">
+  <p:cSld>
+    <p:spTree>
+      <p:nvGrpSpPr>
+        <p:cNvPr id="1" name=""/>
+        <p:cNvGrpSpPr/>
+        <p:nvPr/>
+      </p:nvGrpSpPr>
+      <p:grpSpPr>
+        <a:xfrm>
+          <a:off x="0" y="0"/>
+          <a:ext cx="0" cy="0"/>
+          <a:chOff x="0" y="0"/>
+          <a:chExt cx="0" cy="0"/>
+        </a:xfrm>
+      </p:grpSpPr>
+      <p:sp>
+        <p:nvSpPr>
+          <p:cNvPr id="2" name="Title 1">
+            <a:extLst>
+              <a:ext uri="{FF2B5EF4-FFF2-40B4-BE49-F238E27FC236}">
+                <a16:creationId xmlns:a16="http://schemas.microsoft.com/office/drawing/2014/main" id="{C0E853EB-FAEE-4441-AB6C-70E5B811F334}"/>
+              </a:ext>
+            </a:extLst>
+          </p:cNvPr>
+          <p:cNvSpPr>
+            <a:spLocks noGrp="1"/>
+          </p:cNvSpPr>
+          <p:nvPr>
+            <p:ph type="title"/>
+          </p:nvPr>
+        </p:nvSpPr>
+        <p:spPr/>
+        <p:txBody>
+          <a:bodyPr/>
+          <a:lstStyle/>
+          <a:p>
+            <a:r>
+              <a:rPr lang="en-US" dirty="0"/>
+              <a:t>Declarative Feature Check</a:t>
+            </a:r>
+            <a:br>
+              <a:rPr lang="en-US" dirty="0"/>
+            </a:br>
+            <a:r>
+              <a:rPr lang="en-US" sz="2400" dirty="0"/>
+              <a:t>Implementation Options</a:t>
+            </a:r>
+            <a:endParaRPr lang="tr-TR" dirty="0"/>
+          </a:p>
+        </p:txBody>
+      </p:sp>
+      <p:sp>
+        <p:nvSpPr>
+          <p:cNvPr id="3" name="Content Placeholder 2">
+            <a:extLst>
+              <a:ext uri="{FF2B5EF4-FFF2-40B4-BE49-F238E27FC236}">
+                <a16:creationId xmlns:a16="http://schemas.microsoft.com/office/drawing/2014/main" id="{1C849BB4-88CD-4AED-AF0F-640C65BE1543}"/>
+              </a:ext>
+            </a:extLst>
+          </p:cNvPr>
+          <p:cNvSpPr>
+            <a:spLocks noGrp="1"/>
+          </p:cNvSpPr>
+          <p:nvPr>
+            <p:ph idx="1"/>
+          </p:nvPr>
+        </p:nvSpPr>
+        <p:spPr/>
+        <p:txBody>
+          <a:bodyPr>
+            <a:normAutofit/>
+          </a:bodyPr>
+          <a:lstStyle/>
+          <a:p>
+            <a:r>
+              <a:rPr lang="en-US" dirty="0"/>
+              <a:t>MVC Action Filters</a:t>
+            </a:r>
+          </a:p>
+          <a:p>
+            <a:pPr lvl="1"/>
+            <a:r>
+              <a:rPr lang="en-US" dirty="0"/>
+              <a:t>Easy to implement. Naturally works within ASP.NET Core.</a:t>
+            </a:r>
+          </a:p>
+          <a:p>
+            <a:pPr lvl="1"/>
+            <a:r>
+              <a:rPr lang="en-US" dirty="0"/>
+              <a:t>Limited to Controller actions.</a:t>
+            </a:r>
+          </a:p>
+          <a:p>
+            <a:r>
+              <a:rPr lang="en-US" dirty="0"/>
+              <a:t>Method Interception using dynamic proxying.</a:t>
+            </a:r>
+          </a:p>
+          <a:p>
+            <a:pPr lvl="1"/>
+            <a:r>
+              <a:rPr lang="en-US" dirty="0"/>
+              <a:t>Works everywhere.</a:t>
+            </a:r>
+          </a:p>
+          <a:p>
+            <a:pPr lvl="1"/>
+            <a:r>
+              <a:rPr lang="en-US" dirty="0"/>
+              <a:t>Limited to virtual methods.</a:t>
+            </a:r>
+          </a:p>
+          <a:p>
+            <a:r>
+              <a:rPr lang="en-US" dirty="0"/>
+              <a:t>Weaving: </a:t>
+            </a:r>
+            <a:r>
+              <a:rPr lang="en-US" dirty="0" err="1"/>
+              <a:t>Mono.Cecil</a:t>
+            </a:r>
+            <a:r>
+              <a:rPr lang="en-US" dirty="0"/>
+              <a:t>, </a:t>
+            </a:r>
+            <a:r>
+              <a:rPr lang="en-US" dirty="0" err="1"/>
+              <a:t>Fody</a:t>
+            </a:r>
+            <a:r>
+              <a:rPr lang="en-US" dirty="0"/>
+              <a:t>, </a:t>
+            </a:r>
+            <a:r>
+              <a:rPr lang="en-US" dirty="0" err="1"/>
+              <a:t>Postsharp</a:t>
+            </a:r>
+            <a:r>
+              <a:rPr lang="en-US" dirty="0"/>
+              <a:t>… etc.</a:t>
+            </a:r>
+            <a:endParaRPr lang="tr-TR" dirty="0"/>
+          </a:p>
+        </p:txBody>
+      </p:sp>
+    </p:spTree>
+    <p:extLst>
+      <p:ext uri="{BB962C8B-B14F-4D97-AF65-F5344CB8AC3E}">
+        <p14:creationId xmlns:p14="http://schemas.microsoft.com/office/powerpoint/2010/main" val="1942701493"/>
       </p:ext>
     </p:extLst>
   </p:cSld>
@@ -22015,6 +22518,659 @@
     <p:extLst>
       <p:ext uri="{BB962C8B-B14F-4D97-AF65-F5344CB8AC3E}">
         <p14:creationId xmlns:p14="http://schemas.microsoft.com/office/powerpoint/2010/main" val="1300805094"/>
+      </p:ext>
+    </p:extLst>
+  </p:cSld>
+  <p:clrMapOvr>
+    <a:masterClrMapping/>
+  </p:clrMapOvr>
+  <mc:AlternateContent xmlns:mc="http://schemas.openxmlformats.org/markup-compatibility/2006" xmlns:p14="http://schemas.microsoft.com/office/powerpoint/2010/main">
+    <mc:Choice Requires="p14">
+      <p:transition spd="med" p14:dur="700">
+        <p:fade/>
+      </p:transition>
+    </mc:Choice>
+    <mc:Fallback xmlns="">
+      <p:transition spd="med">
+        <p:fade/>
+      </p:transition>
+    </mc:Fallback>
+  </mc:AlternateContent>
+</p:sld>
+</file>
+
+<file path=ppt/slides/slide60.xml><?xml version="1.0" encoding="utf-8"?>
+<p:sld xmlns:a="http://schemas.openxmlformats.org/drawingml/2006/main" xmlns:r="http://schemas.openxmlformats.org/officeDocument/2006/relationships" xmlns:p="http://schemas.openxmlformats.org/presentationml/2006/main">
+  <p:cSld>
+    <p:spTree>
+      <p:nvGrpSpPr>
+        <p:cNvPr id="1" name=""/>
+        <p:cNvGrpSpPr/>
+        <p:nvPr/>
+      </p:nvGrpSpPr>
+      <p:grpSpPr>
+        <a:xfrm>
+          <a:off x="0" y="0"/>
+          <a:ext cx="0" cy="0"/>
+          <a:chOff x="0" y="0"/>
+          <a:chExt cx="0" cy="0"/>
+        </a:xfrm>
+      </p:grpSpPr>
+      <p:sp>
+        <p:nvSpPr>
+          <p:cNvPr id="2" name="Title 1">
+            <a:extLst>
+              <a:ext uri="{FF2B5EF4-FFF2-40B4-BE49-F238E27FC236}">
+                <a16:creationId xmlns:a16="http://schemas.microsoft.com/office/drawing/2014/main" id="{983849C8-1458-42AD-AA16-46B8587D0A54}"/>
+              </a:ext>
+            </a:extLst>
+          </p:cNvPr>
+          <p:cNvSpPr>
+            <a:spLocks noGrp="1"/>
+          </p:cNvSpPr>
+          <p:nvPr>
+            <p:ph type="title"/>
+          </p:nvPr>
+        </p:nvSpPr>
+        <p:spPr/>
+        <p:txBody>
+          <a:bodyPr/>
+          <a:lstStyle/>
+          <a:p>
+            <a:r>
+              <a:rPr lang="en-US" dirty="0"/>
+              <a:t>Multi-Tenancy</a:t>
+            </a:r>
+            <a:endParaRPr lang="tr-TR" dirty="0"/>
+          </a:p>
+        </p:txBody>
+      </p:sp>
+      <p:sp>
+        <p:nvSpPr>
+          <p:cNvPr id="3" name="Text Placeholder 2">
+            <a:extLst>
+              <a:ext uri="{FF2B5EF4-FFF2-40B4-BE49-F238E27FC236}">
+                <a16:creationId xmlns:a16="http://schemas.microsoft.com/office/drawing/2014/main" id="{0535A617-6395-4C46-A95B-AF38E57A48EA}"/>
+              </a:ext>
+            </a:extLst>
+          </p:cNvPr>
+          <p:cNvSpPr>
+            <a:spLocks noGrp="1"/>
+          </p:cNvSpPr>
+          <p:nvPr>
+            <p:ph type="body" idx="1"/>
+          </p:nvPr>
+        </p:nvSpPr>
+        <p:spPr/>
+        <p:txBody>
+          <a:bodyPr/>
+          <a:lstStyle/>
+          <a:p>
+            <a:r>
+              <a:rPr lang="en-US" dirty="0"/>
+              <a:t>Miscellaneous</a:t>
+            </a:r>
+            <a:endParaRPr lang="tr-TR" dirty="0"/>
+          </a:p>
+        </p:txBody>
+      </p:sp>
+    </p:spTree>
+    <p:extLst>
+      <p:ext uri="{BB962C8B-B14F-4D97-AF65-F5344CB8AC3E}">
+        <p14:creationId xmlns:p14="http://schemas.microsoft.com/office/powerpoint/2010/main" val="4186963766"/>
+      </p:ext>
+    </p:extLst>
+  </p:cSld>
+  <p:clrMapOvr>
+    <a:masterClrMapping/>
+  </p:clrMapOvr>
+  <mc:AlternateContent xmlns:mc="http://schemas.openxmlformats.org/markup-compatibility/2006" xmlns:p14="http://schemas.microsoft.com/office/powerpoint/2010/main">
+    <mc:Choice Requires="p14">
+      <p:transition spd="med" p14:dur="700">
+        <p:fade/>
+      </p:transition>
+    </mc:Choice>
+    <mc:Fallback xmlns="">
+      <p:transition spd="med">
+        <p:fade/>
+      </p:transition>
+    </mc:Fallback>
+  </mc:AlternateContent>
+</p:sld>
+</file>
+
+<file path=ppt/slides/slide61.xml><?xml version="1.0" encoding="utf-8"?>
+<p:sld xmlns:a="http://schemas.openxmlformats.org/drawingml/2006/main" xmlns:r="http://schemas.openxmlformats.org/officeDocument/2006/relationships" xmlns:p="http://schemas.openxmlformats.org/presentationml/2006/main">
+  <p:cSld>
+    <p:spTree>
+      <p:nvGrpSpPr>
+        <p:cNvPr id="1" name=""/>
+        <p:cNvGrpSpPr/>
+        <p:nvPr/>
+      </p:nvGrpSpPr>
+      <p:grpSpPr>
+        <a:xfrm>
+          <a:off x="0" y="0"/>
+          <a:ext cx="0" cy="0"/>
+          <a:chOff x="0" y="0"/>
+          <a:chExt cx="0" cy="0"/>
+        </a:xfrm>
+      </p:grpSpPr>
+      <p:sp>
+        <p:nvSpPr>
+          <p:cNvPr id="2" name="Title 1">
+            <a:extLst>
+              <a:ext uri="{FF2B5EF4-FFF2-40B4-BE49-F238E27FC236}">
+                <a16:creationId xmlns:a16="http://schemas.microsoft.com/office/drawing/2014/main" id="{00069E1A-8A6F-4DC6-8666-9EBE03803AA5}"/>
+              </a:ext>
+            </a:extLst>
+          </p:cNvPr>
+          <p:cNvSpPr>
+            <a:spLocks noGrp="1"/>
+          </p:cNvSpPr>
+          <p:nvPr>
+            <p:ph type="title"/>
+          </p:nvPr>
+        </p:nvSpPr>
+        <p:spPr/>
+        <p:txBody>
+          <a:bodyPr/>
+          <a:lstStyle/>
+          <a:p>
+            <a:r>
+              <a:rPr lang="en-US" dirty="0"/>
+              <a:t>Primary Keys</a:t>
+            </a:r>
+            <a:endParaRPr lang="tr-TR" dirty="0"/>
+          </a:p>
+        </p:txBody>
+      </p:sp>
+      <p:sp>
+        <p:nvSpPr>
+          <p:cNvPr id="3" name="Content Placeholder 2">
+            <a:extLst>
+              <a:ext uri="{FF2B5EF4-FFF2-40B4-BE49-F238E27FC236}">
+                <a16:creationId xmlns:a16="http://schemas.microsoft.com/office/drawing/2014/main" id="{5DD9F222-E0CA-435D-879F-15F56CB27454}"/>
+              </a:ext>
+            </a:extLst>
+          </p:cNvPr>
+          <p:cNvSpPr>
+            <a:spLocks noGrp="1"/>
+          </p:cNvSpPr>
+          <p:nvPr>
+            <p:ph idx="1"/>
+          </p:nvPr>
+        </p:nvSpPr>
+        <p:spPr>
+          <a:xfrm>
+            <a:off x="1295400" y="1981202"/>
+            <a:ext cx="9601200" cy="4102358"/>
+          </a:xfrm>
+        </p:spPr>
+        <p:txBody>
+          <a:bodyPr>
+            <a:normAutofit/>
+          </a:bodyPr>
+          <a:lstStyle/>
+          <a:p>
+            <a:r>
+              <a:rPr lang="en-US" dirty="0"/>
+              <a:t>GUID compared to auto increment (</a:t>
+            </a:r>
+            <a:r>
+              <a:rPr lang="en-US" dirty="0" err="1"/>
+              <a:t>int</a:t>
+            </a:r>
+            <a:r>
+              <a:rPr lang="en-US" dirty="0"/>
+              <a:t>/long)</a:t>
+            </a:r>
+          </a:p>
+          <a:p>
+            <a:pPr lvl="1"/>
+            <a:r>
+              <a:rPr lang="en-US" dirty="0"/>
+              <a:t>Pros</a:t>
+            </a:r>
+          </a:p>
+          <a:p>
+            <a:pPr lvl="2"/>
+            <a:r>
+              <a:rPr lang="en-US" dirty="0"/>
+              <a:t>Client can determine the value. No need to database roundtrip.</a:t>
+            </a:r>
+          </a:p>
+          <a:p>
+            <a:pPr lvl="2"/>
+            <a:r>
+              <a:rPr lang="en-US" dirty="0"/>
+              <a:t>Unique values even between tenants.</a:t>
+            </a:r>
+          </a:p>
+          <a:p>
+            <a:pPr lvl="2"/>
+            <a:r>
+              <a:rPr lang="en-US" dirty="0"/>
+              <a:t>Easier to merge/split/replicate databases.</a:t>
+            </a:r>
+          </a:p>
+          <a:p>
+            <a:pPr lvl="1"/>
+            <a:r>
+              <a:rPr lang="en-US" dirty="0"/>
+              <a:t>Cons</a:t>
+            </a:r>
+          </a:p>
+          <a:p>
+            <a:pPr lvl="2"/>
+            <a:r>
+              <a:rPr lang="en-US" dirty="0"/>
+              <a:t>More data space (16 bytes to 4/8 bytes).</a:t>
+            </a:r>
+          </a:p>
+          <a:p>
+            <a:pPr lvl="1"/>
+            <a:r>
+              <a:rPr lang="en-US" dirty="0"/>
+              <a:t>Gray Area</a:t>
+            </a:r>
+          </a:p>
+          <a:p>
+            <a:pPr lvl="2"/>
+            <a:r>
+              <a:rPr lang="en-US" dirty="0"/>
+              <a:t>Not user/debug friendly Id values. But it’s more secure!</a:t>
+            </a:r>
+          </a:p>
+          <a:p>
+            <a:pPr lvl="1"/>
+            <a:r>
+              <a:rPr lang="en-US" dirty="0"/>
+              <a:t>Notes</a:t>
+            </a:r>
+          </a:p>
+          <a:p>
+            <a:pPr lvl="2"/>
+            <a:r>
+              <a:rPr lang="en-US" dirty="0"/>
+              <a:t>Should use sequential algorithms (important for clustered indexes).</a:t>
+            </a:r>
+            <a:endParaRPr lang="tr-TR" dirty="0"/>
+          </a:p>
+        </p:txBody>
+      </p:sp>
+    </p:spTree>
+    <p:extLst>
+      <p:ext uri="{BB962C8B-B14F-4D97-AF65-F5344CB8AC3E}">
+        <p14:creationId xmlns:p14="http://schemas.microsoft.com/office/powerpoint/2010/main" val="4143215811"/>
+      </p:ext>
+    </p:extLst>
+  </p:cSld>
+  <p:clrMapOvr>
+    <a:masterClrMapping/>
+  </p:clrMapOvr>
+  <mc:AlternateContent xmlns:mc="http://schemas.openxmlformats.org/markup-compatibility/2006" xmlns:p14="http://schemas.microsoft.com/office/powerpoint/2010/main">
+    <mc:Choice Requires="p14">
+      <p:transition spd="med" p14:dur="700">
+        <p:fade/>
+      </p:transition>
+    </mc:Choice>
+    <mc:Fallback xmlns="">
+      <p:transition spd="med">
+        <p:fade/>
+      </p:transition>
+    </mc:Fallback>
+  </mc:AlternateContent>
+</p:sld>
+</file>
+
+<file path=ppt/slides/slide62.xml><?xml version="1.0" encoding="utf-8"?>
+<p:sld xmlns:a="http://schemas.openxmlformats.org/drawingml/2006/main" xmlns:r="http://schemas.openxmlformats.org/officeDocument/2006/relationships" xmlns:p="http://schemas.openxmlformats.org/presentationml/2006/main">
+  <p:cSld>
+    <p:spTree>
+      <p:nvGrpSpPr>
+        <p:cNvPr id="1" name=""/>
+        <p:cNvGrpSpPr/>
+        <p:nvPr/>
+      </p:nvGrpSpPr>
+      <p:grpSpPr>
+        <a:xfrm>
+          <a:off x="0" y="0"/>
+          <a:ext cx="0" cy="0"/>
+          <a:chOff x="0" y="0"/>
+          <a:chExt cx="0" cy="0"/>
+        </a:xfrm>
+      </p:grpSpPr>
+      <p:sp>
+        <p:nvSpPr>
+          <p:cNvPr id="2" name="Title 1">
+            <a:extLst>
+              <a:ext uri="{FF2B5EF4-FFF2-40B4-BE49-F238E27FC236}">
+                <a16:creationId xmlns:a16="http://schemas.microsoft.com/office/drawing/2014/main" id="{D3F48091-F7F3-42A5-BB8D-62122949F77D}"/>
+              </a:ext>
+            </a:extLst>
+          </p:cNvPr>
+          <p:cNvSpPr>
+            <a:spLocks noGrp="1"/>
+          </p:cNvSpPr>
+          <p:nvPr>
+            <p:ph type="title"/>
+          </p:nvPr>
+        </p:nvSpPr>
+        <p:spPr/>
+        <p:txBody>
+          <a:bodyPr/>
+          <a:lstStyle/>
+          <a:p>
+            <a:r>
+              <a:rPr lang="en-US" dirty="0"/>
+              <a:t>Background Jobs / Workers / Services</a:t>
+            </a:r>
+            <a:endParaRPr lang="tr-TR" dirty="0"/>
+          </a:p>
+        </p:txBody>
+      </p:sp>
+      <p:sp>
+        <p:nvSpPr>
+          <p:cNvPr id="3" name="Content Placeholder 2">
+            <a:extLst>
+              <a:ext uri="{FF2B5EF4-FFF2-40B4-BE49-F238E27FC236}">
+                <a16:creationId xmlns:a16="http://schemas.microsoft.com/office/drawing/2014/main" id="{C088121E-3696-4846-9BD4-A1EB10C5009E}"/>
+              </a:ext>
+            </a:extLst>
+          </p:cNvPr>
+          <p:cNvSpPr>
+            <a:spLocks noGrp="1"/>
+          </p:cNvSpPr>
+          <p:nvPr>
+            <p:ph idx="1"/>
+          </p:nvPr>
+        </p:nvSpPr>
+        <p:spPr/>
+        <p:txBody>
+          <a:bodyPr/>
+          <a:lstStyle/>
+          <a:p>
+            <a:r>
+              <a:rPr lang="en-US" dirty="0"/>
+              <a:t>No ambient tenant context!</a:t>
+            </a:r>
+          </a:p>
+          <a:p>
+            <a:r>
+              <a:rPr lang="en-US" dirty="0"/>
+              <a:t>Shared pool of threads between tenants?</a:t>
+            </a:r>
+            <a:endParaRPr lang="tr-TR" dirty="0"/>
+          </a:p>
+        </p:txBody>
+      </p:sp>
+    </p:spTree>
+    <p:extLst>
+      <p:ext uri="{BB962C8B-B14F-4D97-AF65-F5344CB8AC3E}">
+        <p14:creationId xmlns:p14="http://schemas.microsoft.com/office/powerpoint/2010/main" val="1847165873"/>
+      </p:ext>
+    </p:extLst>
+  </p:cSld>
+  <p:clrMapOvr>
+    <a:masterClrMapping/>
+  </p:clrMapOvr>
+  <mc:AlternateContent xmlns:mc="http://schemas.openxmlformats.org/markup-compatibility/2006" xmlns:p14="http://schemas.microsoft.com/office/powerpoint/2010/main">
+    <mc:Choice Requires="p14">
+      <p:transition spd="med" p14:dur="700">
+        <p:fade/>
+      </p:transition>
+    </mc:Choice>
+    <mc:Fallback xmlns="">
+      <p:transition spd="med">
+        <p:fade/>
+      </p:transition>
+    </mc:Fallback>
+  </mc:AlternateContent>
+</p:sld>
+</file>
+
+<file path=ppt/slides/slide63.xml><?xml version="1.0" encoding="utf-8"?>
+<p:sld xmlns:a="http://schemas.openxmlformats.org/drawingml/2006/main" xmlns:r="http://schemas.openxmlformats.org/officeDocument/2006/relationships" xmlns:p="http://schemas.openxmlformats.org/presentationml/2006/main">
+  <p:cSld>
+    <p:spTree>
+      <p:nvGrpSpPr>
+        <p:cNvPr id="1" name=""/>
+        <p:cNvGrpSpPr/>
+        <p:nvPr/>
+      </p:nvGrpSpPr>
+      <p:grpSpPr>
+        <a:xfrm>
+          <a:off x="0" y="0"/>
+          <a:ext cx="0" cy="0"/>
+          <a:chOff x="0" y="0"/>
+          <a:chExt cx="0" cy="0"/>
+        </a:xfrm>
+      </p:grpSpPr>
+      <p:sp>
+        <p:nvSpPr>
+          <p:cNvPr id="2" name="Title 1">
+            <a:extLst>
+              <a:ext uri="{FF2B5EF4-FFF2-40B4-BE49-F238E27FC236}">
+                <a16:creationId xmlns:a16="http://schemas.microsoft.com/office/drawing/2014/main" id="{7C14832D-F170-4F95-8D60-4DCA6BCFF741}"/>
+              </a:ext>
+            </a:extLst>
+          </p:cNvPr>
+          <p:cNvSpPr>
+            <a:spLocks noGrp="1"/>
+          </p:cNvSpPr>
+          <p:nvPr>
+            <p:ph type="title"/>
+          </p:nvPr>
+        </p:nvSpPr>
+        <p:spPr/>
+        <p:txBody>
+          <a:bodyPr/>
+          <a:lstStyle/>
+          <a:p>
+            <a:r>
+              <a:rPr lang="en-US" dirty="0"/>
+              <a:t>Settings (TODO?)</a:t>
+            </a:r>
+            <a:endParaRPr lang="tr-TR" dirty="0"/>
+          </a:p>
+        </p:txBody>
+      </p:sp>
+      <p:sp>
+        <p:nvSpPr>
+          <p:cNvPr id="3" name="Content Placeholder 2">
+            <a:extLst>
+              <a:ext uri="{FF2B5EF4-FFF2-40B4-BE49-F238E27FC236}">
+                <a16:creationId xmlns:a16="http://schemas.microsoft.com/office/drawing/2014/main" id="{C57A8C9C-7BDF-42E7-923E-B54BFB1B9528}"/>
+              </a:ext>
+            </a:extLst>
+          </p:cNvPr>
+          <p:cNvSpPr>
+            <a:spLocks noGrp="1"/>
+          </p:cNvSpPr>
+          <p:nvPr>
+            <p:ph idx="1"/>
+          </p:nvPr>
+        </p:nvSpPr>
+        <p:spPr/>
+        <p:txBody>
+          <a:bodyPr/>
+          <a:lstStyle/>
+          <a:p>
+            <a:r>
+              <a:rPr lang="en-US" dirty="0"/>
+              <a:t>Tenant based settings may override global settings.</a:t>
+            </a:r>
+          </a:p>
+          <a:p>
+            <a:r>
+              <a:rPr lang="en-US" dirty="0"/>
+              <a:t>Some settings may be invisible from tenants.</a:t>
+            </a:r>
+          </a:p>
+          <a:p>
+            <a:r>
+              <a:rPr lang="en-US" dirty="0"/>
+              <a:t>Branding: Tenant logo, colors… etc.</a:t>
+            </a:r>
+          </a:p>
+          <a:p>
+            <a:r>
+              <a:rPr lang="en-US" dirty="0"/>
+              <a:t>Setting fallback: User &gt; Tenant &gt; Global (host) &gt; Hard-Coded</a:t>
+            </a:r>
+            <a:endParaRPr lang="tr-TR" dirty="0"/>
+          </a:p>
+        </p:txBody>
+      </p:sp>
+    </p:spTree>
+    <p:extLst>
+      <p:ext uri="{BB962C8B-B14F-4D97-AF65-F5344CB8AC3E}">
+        <p14:creationId xmlns:p14="http://schemas.microsoft.com/office/powerpoint/2010/main" val="1209030355"/>
+      </p:ext>
+    </p:extLst>
+  </p:cSld>
+  <p:clrMapOvr>
+    <a:masterClrMapping/>
+  </p:clrMapOvr>
+  <mc:AlternateContent xmlns:mc="http://schemas.openxmlformats.org/markup-compatibility/2006" xmlns:p14="http://schemas.microsoft.com/office/powerpoint/2010/main">
+    <mc:Choice Requires="p14">
+      <p:transition spd="med" p14:dur="700">
+        <p:fade/>
+      </p:transition>
+    </mc:Choice>
+    <mc:Fallback xmlns="">
+      <p:transition spd="med">
+        <p:fade/>
+      </p:transition>
+    </mc:Fallback>
+  </mc:AlternateContent>
+</p:sld>
+</file>
+
+<file path=ppt/slides/slide64.xml><?xml version="1.0" encoding="utf-8"?>
+<p:sld xmlns:a="http://schemas.openxmlformats.org/drawingml/2006/main" xmlns:r="http://schemas.openxmlformats.org/officeDocument/2006/relationships" xmlns:p="http://schemas.openxmlformats.org/presentationml/2006/main">
+  <p:cSld>
+    <p:spTree>
+      <p:nvGrpSpPr>
+        <p:cNvPr id="1" name=""/>
+        <p:cNvGrpSpPr/>
+        <p:nvPr/>
+      </p:nvGrpSpPr>
+      <p:grpSpPr>
+        <a:xfrm>
+          <a:off x="0" y="0"/>
+          <a:ext cx="0" cy="0"/>
+          <a:chOff x="0" y="0"/>
+          <a:chExt cx="0" cy="0"/>
+        </a:xfrm>
+      </p:grpSpPr>
+      <p:sp>
+        <p:nvSpPr>
+          <p:cNvPr id="2" name="Title 1">
+            <a:extLst>
+              <a:ext uri="{FF2B5EF4-FFF2-40B4-BE49-F238E27FC236}">
+                <a16:creationId xmlns:a16="http://schemas.microsoft.com/office/drawing/2014/main" id="{609166A2-E8AB-487B-B5C1-0F1DC25B5CB4}"/>
+              </a:ext>
+            </a:extLst>
+          </p:cNvPr>
+          <p:cNvSpPr>
+            <a:spLocks noGrp="1"/>
+          </p:cNvSpPr>
+          <p:nvPr>
+            <p:ph type="title"/>
+          </p:nvPr>
+        </p:nvSpPr>
+        <p:spPr/>
+        <p:txBody>
+          <a:bodyPr/>
+          <a:lstStyle/>
+          <a:p>
+            <a:r>
+              <a:rPr lang="en-US" dirty="0"/>
+              <a:t>Tenant Plug-ins/Services</a:t>
+            </a:r>
+            <a:endParaRPr lang="tr-TR" dirty="0"/>
+          </a:p>
+        </p:txBody>
+      </p:sp>
+      <p:sp>
+        <p:nvSpPr>
+          <p:cNvPr id="3" name="Content Placeholder 2">
+            <a:extLst>
+              <a:ext uri="{FF2B5EF4-FFF2-40B4-BE49-F238E27FC236}">
+                <a16:creationId xmlns:a16="http://schemas.microsoft.com/office/drawing/2014/main" id="{9BFDD6BE-4B8E-454A-9F66-4236C618F560}"/>
+              </a:ext>
+            </a:extLst>
+          </p:cNvPr>
+          <p:cNvSpPr>
+            <a:spLocks noGrp="1"/>
+          </p:cNvSpPr>
+          <p:nvPr>
+            <p:ph idx="1"/>
+          </p:nvPr>
+        </p:nvSpPr>
+        <p:spPr/>
+        <p:txBody>
+          <a:bodyPr/>
+          <a:lstStyle/>
+          <a:p>
+            <a:r>
+              <a:rPr lang="en-US" dirty="0"/>
+              <a:t>How to use different/custom services for different tenants.</a:t>
+            </a:r>
+          </a:p>
+          <a:p>
+            <a:pPr lvl="1"/>
+            <a:r>
+              <a:rPr lang="en-US" dirty="0"/>
+              <a:t>Tenant-aware dependency injection.</a:t>
+            </a:r>
+          </a:p>
+          <a:p>
+            <a:r>
+              <a:rPr lang="en-US" dirty="0"/>
+              <a:t>Container per tenant?</a:t>
+            </a:r>
+          </a:p>
+          <a:p>
+            <a:pPr lvl="1"/>
+            <a:r>
+              <a:rPr lang="en-US" dirty="0"/>
+              <a:t>Combined with Elastic database pool.</a:t>
+            </a:r>
+          </a:p>
+          <a:p>
+            <a:pPr lvl="1"/>
+            <a:r>
+              <a:rPr lang="en-US" dirty="0"/>
+              <a:t>Possibility for multi-versioning.</a:t>
+            </a:r>
+          </a:p>
+          <a:p>
+            <a:pPr lvl="1"/>
+            <a:r>
+              <a:rPr lang="en-US" dirty="0"/>
+              <a:t>Possibility of loading application with tenant-specific plug-ins.</a:t>
+            </a:r>
+          </a:p>
+          <a:p>
+            <a:pPr lvl="1"/>
+            <a:r>
+              <a:rPr lang="en-US" dirty="0"/>
+              <a:t>Different tenants may have different database schemas.</a:t>
+            </a:r>
+          </a:p>
+          <a:p>
+            <a:pPr lvl="1"/>
+            <a:endParaRPr lang="tr-TR" dirty="0"/>
+          </a:p>
+        </p:txBody>
+      </p:sp>
+    </p:spTree>
+    <p:extLst>
+      <p:ext uri="{BB962C8B-B14F-4D97-AF65-F5344CB8AC3E}">
+        <p14:creationId xmlns:p14="http://schemas.microsoft.com/office/powerpoint/2010/main" val="1224564435"/>
       </p:ext>
     </p:extLst>
   </p:cSld>
